--- a/materials/slides/ch06.pptx
+++ b/materials/slides/ch06.pptx
@@ -1,49 +1,49 @@
 
 <file path=ppt/presentation.xml><?xml version="1.0" encoding="utf-8"?>
-<p:presentation xmlns:a="http://schemas.openxmlformats.org/drawingml/2006/main" xmlns:r="http://schemas.openxmlformats.org/officeDocument/2006/relationships" xmlns:p="http://schemas.openxmlformats.org/presentationml/2006/main" showSpecialPlsOnTitleSld="0" saveSubsetFonts="1">
+<p:presentation xmlns:a="http://schemas.openxmlformats.org/drawingml/2006/main" xmlns:r="http://schemas.openxmlformats.org/officeDocument/2006/relationships" xmlns:p="http://schemas.openxmlformats.org/presentationml/2006/main" showSpecialPlsOnTitleSld="0">
   <p:sldMasterIdLst>
-    <p:sldMasterId id="2147483652" r:id="rId1"/>
+    <p:sldMasterId id="2147483648" r:id="rId1"/>
   </p:sldMasterIdLst>
   <p:notesMasterIdLst>
-    <p:notesMasterId r:id="rId33"/>
+    <p:notesMasterId r:id="rId5"/>
   </p:notesMasterIdLst>
   <p:handoutMasterIdLst>
-    <p:handoutMasterId r:id="rId34"/>
+    <p:handoutMasterId r:id="rId35"/>
   </p:handoutMasterIdLst>
   <p:sldIdLst>
-    <p:sldId id="348" r:id="rId2"/>
-    <p:sldId id="349" r:id="rId3"/>
-    <p:sldId id="350" r:id="rId4"/>
-    <p:sldId id="351" r:id="rId5"/>
-    <p:sldId id="353" r:id="rId6"/>
-    <p:sldId id="352" r:id="rId7"/>
-    <p:sldId id="322" r:id="rId8"/>
-    <p:sldId id="325" r:id="rId9"/>
-    <p:sldId id="326" r:id="rId10"/>
-    <p:sldId id="327" r:id="rId11"/>
-    <p:sldId id="328" r:id="rId12"/>
-    <p:sldId id="329" r:id="rId13"/>
-    <p:sldId id="330" r:id="rId14"/>
-    <p:sldId id="331" r:id="rId15"/>
-    <p:sldId id="332" r:id="rId16"/>
-    <p:sldId id="333" r:id="rId17"/>
-    <p:sldId id="334" r:id="rId18"/>
-    <p:sldId id="335" r:id="rId19"/>
-    <p:sldId id="336" r:id="rId20"/>
-    <p:sldId id="337" r:id="rId21"/>
-    <p:sldId id="338" r:id="rId22"/>
-    <p:sldId id="339" r:id="rId23"/>
-    <p:sldId id="340" r:id="rId24"/>
-    <p:sldId id="341" r:id="rId25"/>
-    <p:sldId id="342" r:id="rId26"/>
-    <p:sldId id="343" r:id="rId27"/>
-    <p:sldId id="344" r:id="rId28"/>
-    <p:sldId id="345" r:id="rId29"/>
-    <p:sldId id="346" r:id="rId30"/>
-    <p:sldId id="347" r:id="rId31"/>
-    <p:sldId id="316" r:id="rId32"/>
+    <p:sldId id="348" r:id="rId3"/>
+    <p:sldId id="349" r:id="rId4"/>
+    <p:sldId id="350" r:id="rId6"/>
+    <p:sldId id="351" r:id="rId7"/>
+    <p:sldId id="353" r:id="rId8"/>
+    <p:sldId id="352" r:id="rId9"/>
+    <p:sldId id="322" r:id="rId10"/>
+    <p:sldId id="325" r:id="rId11"/>
+    <p:sldId id="326" r:id="rId12"/>
+    <p:sldId id="327" r:id="rId13"/>
+    <p:sldId id="328" r:id="rId14"/>
+    <p:sldId id="329" r:id="rId15"/>
+    <p:sldId id="330" r:id="rId16"/>
+    <p:sldId id="331" r:id="rId17"/>
+    <p:sldId id="332" r:id="rId18"/>
+    <p:sldId id="333" r:id="rId19"/>
+    <p:sldId id="334" r:id="rId20"/>
+    <p:sldId id="335" r:id="rId21"/>
+    <p:sldId id="336" r:id="rId22"/>
+    <p:sldId id="337" r:id="rId23"/>
+    <p:sldId id="338" r:id="rId24"/>
+    <p:sldId id="339" r:id="rId25"/>
+    <p:sldId id="340" r:id="rId26"/>
+    <p:sldId id="341" r:id="rId27"/>
+    <p:sldId id="342" r:id="rId28"/>
+    <p:sldId id="343" r:id="rId29"/>
+    <p:sldId id="344" r:id="rId30"/>
+    <p:sldId id="345" r:id="rId31"/>
+    <p:sldId id="346" r:id="rId32"/>
+    <p:sldId id="347" r:id="rId33"/>
+    <p:sldId id="316" r:id="rId34"/>
   </p:sldIdLst>
-  <p:sldSz cx="9144000" cy="6858000" type="screen4x3"/>
+  <p:sldSz cx="12192000" cy="6858000"/>
   <p:notesSz cx="6858000" cy="9144000"/>
   <p:defaultTextStyle>
     <a:defPPr>
@@ -60,9 +60,9 @@
         <a:solidFill>
           <a:schemeClr val="tx1"/>
         </a:solidFill>
-        <a:latin typeface="Arial" charset="0"/>
+        <a:latin typeface="Arial" panose="020B0604020202020204" pitchFamily="34" charset="0"/>
         <a:ea typeface="+mn-ea"/>
-        <a:cs typeface="Arial" charset="0"/>
+        <a:cs typeface="Arial" panose="020B0604020202020204" pitchFamily="34" charset="0"/>
       </a:defRPr>
     </a:lvl1pPr>
     <a:lvl2pPr marL="457200" algn="l" rtl="0" fontAlgn="base">
@@ -76,9 +76,9 @@
         <a:solidFill>
           <a:schemeClr val="tx1"/>
         </a:solidFill>
-        <a:latin typeface="Arial" charset="0"/>
+        <a:latin typeface="Arial" panose="020B0604020202020204" pitchFamily="34" charset="0"/>
         <a:ea typeface="+mn-ea"/>
-        <a:cs typeface="Arial" charset="0"/>
+        <a:cs typeface="Arial" panose="020B0604020202020204" pitchFamily="34" charset="0"/>
       </a:defRPr>
     </a:lvl2pPr>
     <a:lvl3pPr marL="914400" algn="l" rtl="0" fontAlgn="base">
@@ -92,9 +92,9 @@
         <a:solidFill>
           <a:schemeClr val="tx1"/>
         </a:solidFill>
-        <a:latin typeface="Arial" charset="0"/>
+        <a:latin typeface="Arial" panose="020B0604020202020204" pitchFamily="34" charset="0"/>
         <a:ea typeface="+mn-ea"/>
-        <a:cs typeface="Arial" charset="0"/>
+        <a:cs typeface="Arial" panose="020B0604020202020204" pitchFamily="34" charset="0"/>
       </a:defRPr>
     </a:lvl3pPr>
     <a:lvl4pPr marL="1371600" algn="l" rtl="0" fontAlgn="base">
@@ -108,9 +108,9 @@
         <a:solidFill>
           <a:schemeClr val="tx1"/>
         </a:solidFill>
-        <a:latin typeface="Arial" charset="0"/>
+        <a:latin typeface="Arial" panose="020B0604020202020204" pitchFamily="34" charset="0"/>
         <a:ea typeface="+mn-ea"/>
-        <a:cs typeface="Arial" charset="0"/>
+        <a:cs typeface="Arial" panose="020B0604020202020204" pitchFamily="34" charset="0"/>
       </a:defRPr>
     </a:lvl4pPr>
     <a:lvl5pPr marL="1828800" algn="l" rtl="0" fontAlgn="base">
@@ -124,9 +124,9 @@
         <a:solidFill>
           <a:schemeClr val="tx1"/>
         </a:solidFill>
-        <a:latin typeface="Arial" charset="0"/>
+        <a:latin typeface="Arial" panose="020B0604020202020204" pitchFamily="34" charset="0"/>
         <a:ea typeface="+mn-ea"/>
-        <a:cs typeface="Arial" charset="0"/>
+        <a:cs typeface="Arial" panose="020B0604020202020204" pitchFamily="34" charset="0"/>
       </a:defRPr>
     </a:lvl5pPr>
     <a:lvl6pPr marL="2286000" algn="l" defTabSz="914400" rtl="0" eaLnBrk="1" latinLnBrk="0" hangingPunct="1">
@@ -134,9 +134,9 @@
         <a:solidFill>
           <a:schemeClr val="tx1"/>
         </a:solidFill>
-        <a:latin typeface="Arial" charset="0"/>
+        <a:latin typeface="Arial" panose="020B0604020202020204" pitchFamily="34" charset="0"/>
         <a:ea typeface="+mn-ea"/>
-        <a:cs typeface="Arial" charset="0"/>
+        <a:cs typeface="Arial" panose="020B0604020202020204" pitchFamily="34" charset="0"/>
       </a:defRPr>
     </a:lvl6pPr>
     <a:lvl7pPr marL="2743200" algn="l" defTabSz="914400" rtl="0" eaLnBrk="1" latinLnBrk="0" hangingPunct="1">
@@ -144,9 +144,9 @@
         <a:solidFill>
           <a:schemeClr val="tx1"/>
         </a:solidFill>
-        <a:latin typeface="Arial" charset="0"/>
+        <a:latin typeface="Arial" panose="020B0604020202020204" pitchFamily="34" charset="0"/>
         <a:ea typeface="+mn-ea"/>
-        <a:cs typeface="Arial" charset="0"/>
+        <a:cs typeface="Arial" panose="020B0604020202020204" pitchFamily="34" charset="0"/>
       </a:defRPr>
     </a:lvl7pPr>
     <a:lvl8pPr marL="3200400" algn="l" defTabSz="914400" rtl="0" eaLnBrk="1" latinLnBrk="0" hangingPunct="1">
@@ -154,9 +154,9 @@
         <a:solidFill>
           <a:schemeClr val="tx1"/>
         </a:solidFill>
-        <a:latin typeface="Arial" charset="0"/>
+        <a:latin typeface="Arial" panose="020B0604020202020204" pitchFamily="34" charset="0"/>
         <a:ea typeface="+mn-ea"/>
-        <a:cs typeface="Arial" charset="0"/>
+        <a:cs typeface="Arial" panose="020B0604020202020204" pitchFamily="34" charset="0"/>
       </a:defRPr>
     </a:lvl8pPr>
     <a:lvl9pPr marL="3657600" algn="l" defTabSz="914400" rtl="0" eaLnBrk="1" latinLnBrk="0" hangingPunct="1">
@@ -164,28 +164,12 @@
         <a:solidFill>
           <a:schemeClr val="tx1"/>
         </a:solidFill>
-        <a:latin typeface="Arial" charset="0"/>
+        <a:latin typeface="Arial" panose="020B0604020202020204" pitchFamily="34" charset="0"/>
         <a:ea typeface="+mn-ea"/>
-        <a:cs typeface="Arial" charset="0"/>
+        <a:cs typeface="Arial" panose="020B0604020202020204" pitchFamily="34" charset="0"/>
       </a:defRPr>
     </a:lvl9pPr>
   </p:defaultTextStyle>
-  <p:extLst>
-    <p:ext uri="{EFAFB233-063F-42B5-8137-9DF3F51BA10A}">
-      <p15:sldGuideLst xmlns:p15="http://schemas.microsoft.com/office/powerpoint/2012/main">
-        <p15:guide id="1" orient="horz" pos="2160">
-          <p15:clr>
-            <a:srgbClr val="A4A3A4"/>
-          </p15:clr>
-        </p15:guide>
-        <p15:guide id="2" pos="2880">
-          <p15:clr>
-            <a:srgbClr val="A4A3A4"/>
-          </p15:clr>
-        </p15:guide>
-      </p15:sldGuideLst>
-    </p:ext>
-  </p:extLst>
 </p:presentation>
 </file>
 
@@ -196,117 +180,39 @@
   <dgm:catLst>
     <dgm:cat type="accent1" pri="11200"/>
   </dgm:catLst>
-  <dgm:styleLbl name="node0">
+  <dgm:styleLbl name="alignAcc1">
     <dgm:fillClrLst meth="repeat">
-      <a:schemeClr val="accent1"/>
-    </dgm:fillClrLst>
-    <dgm:linClrLst meth="repeat">
-      <a:schemeClr val="lt1"/>
-    </dgm:linClrLst>
-    <dgm:effectClrLst/>
-    <dgm:txLinClrLst/>
-    <dgm:txFillClrLst/>
-    <dgm:txEffectClrLst/>
-  </dgm:styleLbl>
-  <dgm:styleLbl name="alignNode1">
-    <dgm:fillClrLst meth="repeat">
-      <a:schemeClr val="accent1"/>
+      <a:schemeClr val="lt1">
+        <a:alpha val="90000"/>
+      </a:schemeClr>
     </dgm:fillClrLst>
     <dgm:linClrLst meth="repeat">
       <a:schemeClr val="accent1"/>
     </dgm:linClrLst>
     <dgm:effectClrLst/>
     <dgm:txLinClrLst/>
-    <dgm:txFillClrLst/>
+    <dgm:txFillClrLst meth="repeat">
+      <a:schemeClr val="dk1"/>
+    </dgm:txFillClrLst>
     <dgm:txEffectClrLst/>
   </dgm:styleLbl>
-  <dgm:styleLbl name="node1">
-    <dgm:fillClrLst meth="repeat">
-      <a:schemeClr val="accent1"/>
-    </dgm:fillClrLst>
-    <dgm:linClrLst meth="repeat">
-      <a:schemeClr val="lt1"/>
-    </dgm:linClrLst>
-    <dgm:effectClrLst/>
-    <dgm:txLinClrLst/>
-    <dgm:txFillClrLst/>
-    <dgm:txEffectClrLst/>
-  </dgm:styleLbl>
-  <dgm:styleLbl name="lnNode1">
-    <dgm:fillClrLst meth="repeat">
-      <a:schemeClr val="accent1"/>
-    </dgm:fillClrLst>
-    <dgm:linClrLst meth="repeat">
-      <a:schemeClr val="lt1"/>
-    </dgm:linClrLst>
-    <dgm:effectClrLst/>
-    <dgm:txLinClrLst/>
-    <dgm:txFillClrLst/>
-    <dgm:txEffectClrLst/>
-  </dgm:styleLbl>
-  <dgm:styleLbl name="vennNode1">
+  <dgm:styleLbl name="alignAccFollowNode1">
     <dgm:fillClrLst meth="repeat">
       <a:schemeClr val="accent1">
-        <a:alpha val="50000"/>
+        <a:alpha val="90000"/>
+        <a:tint val="40000"/>
       </a:schemeClr>
     </dgm:fillClrLst>
     <dgm:linClrLst meth="repeat">
-      <a:schemeClr val="lt1"/>
-    </dgm:linClrLst>
-    <dgm:effectClrLst/>
-    <dgm:txLinClrLst/>
-    <dgm:txFillClrLst/>
-    <dgm:txEffectClrLst/>
-  </dgm:styleLbl>
-  <dgm:styleLbl name="node2">
-    <dgm:fillClrLst meth="repeat">
-      <a:schemeClr val="accent1"/>
-    </dgm:fillClrLst>
-    <dgm:linClrLst meth="repeat">
-      <a:schemeClr val="lt1"/>
-    </dgm:linClrLst>
-    <dgm:effectClrLst/>
-    <dgm:txLinClrLst/>
-    <dgm:txFillClrLst/>
-    <dgm:txEffectClrLst/>
-  </dgm:styleLbl>
-  <dgm:styleLbl name="node3">
-    <dgm:fillClrLst meth="repeat">
-      <a:schemeClr val="accent1"/>
-    </dgm:fillClrLst>
-    <dgm:linClrLst meth="repeat">
-      <a:schemeClr val="lt1"/>
-    </dgm:linClrLst>
-    <dgm:effectClrLst/>
-    <dgm:txLinClrLst/>
-    <dgm:txFillClrLst/>
-    <dgm:txEffectClrLst/>
-  </dgm:styleLbl>
-  <dgm:styleLbl name="node4">
-    <dgm:fillClrLst meth="repeat">
-      <a:schemeClr val="accent1"/>
-    </dgm:fillClrLst>
-    <dgm:linClrLst meth="repeat">
-      <a:schemeClr val="lt1"/>
-    </dgm:linClrLst>
-    <dgm:effectClrLst/>
-    <dgm:txLinClrLst/>
-    <dgm:txFillClrLst/>
-    <dgm:txEffectClrLst/>
-  </dgm:styleLbl>
-  <dgm:styleLbl name="fgImgPlace1">
-    <dgm:fillClrLst meth="repeat">
       <a:schemeClr val="accent1">
-        <a:tint val="50000"/>
+        <a:alpha val="90000"/>
+        <a:tint val="40000"/>
       </a:schemeClr>
-    </dgm:fillClrLst>
-    <dgm:linClrLst meth="repeat">
-      <a:schemeClr val="lt1"/>
     </dgm:linClrLst>
     <dgm:effectClrLst/>
     <dgm:txLinClrLst/>
     <dgm:txFillClrLst meth="repeat">
-      <a:schemeClr val="lt1"/>
+      <a:schemeClr val="dk1"/>
     </dgm:txFillClrLst>
     <dgm:txEffectClrLst/>
   </dgm:styleLbl>
@@ -326,71 +232,7 @@
     </dgm:txFillClrLst>
     <dgm:txEffectClrLst/>
   </dgm:styleLbl>
-  <dgm:styleLbl name="bgImgPlace1">
-    <dgm:fillClrLst meth="repeat">
-      <a:schemeClr val="accent1">
-        <a:tint val="50000"/>
-      </a:schemeClr>
-    </dgm:fillClrLst>
-    <dgm:linClrLst meth="repeat">
-      <a:schemeClr val="lt1"/>
-    </dgm:linClrLst>
-    <dgm:effectClrLst/>
-    <dgm:txLinClrLst/>
-    <dgm:txFillClrLst meth="repeat">
-      <a:schemeClr val="lt1"/>
-    </dgm:txFillClrLst>
-    <dgm:txEffectClrLst/>
-  </dgm:styleLbl>
-  <dgm:styleLbl name="sibTrans2D1">
-    <dgm:fillClrLst meth="repeat">
-      <a:schemeClr val="accent1">
-        <a:tint val="60000"/>
-      </a:schemeClr>
-    </dgm:fillClrLst>
-    <dgm:linClrLst meth="repeat">
-      <a:schemeClr val="accent1">
-        <a:tint val="60000"/>
-      </a:schemeClr>
-    </dgm:linClrLst>
-    <dgm:effectClrLst/>
-    <dgm:txLinClrLst/>
-    <dgm:txFillClrLst/>
-    <dgm:txEffectClrLst/>
-  </dgm:styleLbl>
-  <dgm:styleLbl name="fgSibTrans2D1">
-    <dgm:fillClrLst meth="repeat">
-      <a:schemeClr val="accent1">
-        <a:tint val="60000"/>
-      </a:schemeClr>
-    </dgm:fillClrLst>
-    <dgm:linClrLst meth="repeat">
-      <a:schemeClr val="accent1">
-        <a:tint val="60000"/>
-      </a:schemeClr>
-    </dgm:linClrLst>
-    <dgm:effectClrLst/>
-    <dgm:txLinClrLst/>
-    <dgm:txFillClrLst/>
-    <dgm:txEffectClrLst/>
-  </dgm:styleLbl>
-  <dgm:styleLbl name="bgSibTrans2D1">
-    <dgm:fillClrLst meth="repeat">
-      <a:schemeClr val="accent1">
-        <a:tint val="60000"/>
-      </a:schemeClr>
-    </dgm:fillClrLst>
-    <dgm:linClrLst meth="repeat">
-      <a:schemeClr val="accent1">
-        <a:tint val="60000"/>
-      </a:schemeClr>
-    </dgm:linClrLst>
-    <dgm:effectClrLst/>
-    <dgm:txLinClrLst/>
-    <dgm:txFillClrLst/>
-    <dgm:txEffectClrLst/>
-  </dgm:styleLbl>
-  <dgm:styleLbl name="sibTrans1D1">
+  <dgm:styleLbl name="alignNode1">
     <dgm:fillClrLst meth="repeat">
       <a:schemeClr val="accent1"/>
     </dgm:fillClrLst>
@@ -399,25 +241,7 @@
     </dgm:linClrLst>
     <dgm:effectClrLst/>
     <dgm:txLinClrLst/>
-    <dgm:txFillClrLst meth="repeat">
-      <a:schemeClr val="tx1"/>
-    </dgm:txFillClrLst>
-    <dgm:txEffectClrLst/>
-  </dgm:styleLbl>
-  <dgm:styleLbl name="callout">
-    <dgm:fillClrLst meth="repeat">
-      <a:schemeClr val="accent1"/>
-    </dgm:fillClrLst>
-    <dgm:linClrLst meth="repeat">
-      <a:schemeClr val="accent1">
-        <a:tint val="50000"/>
-      </a:schemeClr>
-    </dgm:linClrLst>
-    <dgm:effectClrLst/>
-    <dgm:txLinClrLst/>
-    <dgm:txFillClrLst meth="repeat">
-      <a:schemeClr val="tx1"/>
-    </dgm:txFillClrLst>
+    <dgm:txFillClrLst/>
     <dgm:txEffectClrLst/>
   </dgm:styleLbl>
   <dgm:styleLbl name="asst0">
@@ -480,7 +304,75 @@
     <dgm:txFillClrLst/>
     <dgm:txEffectClrLst/>
   </dgm:styleLbl>
-  <dgm:styleLbl name="parChTrans2D1">
+  <dgm:styleLbl name="bgAcc1">
+    <dgm:fillClrLst meth="repeat">
+      <a:schemeClr val="lt1">
+        <a:alpha val="90000"/>
+      </a:schemeClr>
+    </dgm:fillClrLst>
+    <dgm:linClrLst meth="repeat">
+      <a:schemeClr val="accent1"/>
+    </dgm:linClrLst>
+    <dgm:effectClrLst/>
+    <dgm:txLinClrLst/>
+    <dgm:txFillClrLst meth="repeat">
+      <a:schemeClr val="dk1"/>
+    </dgm:txFillClrLst>
+    <dgm:txEffectClrLst/>
+  </dgm:styleLbl>
+  <dgm:styleLbl name="bgAccFollowNode1">
+    <dgm:fillClrLst meth="repeat">
+      <a:schemeClr val="accent1">
+        <a:alpha val="90000"/>
+        <a:tint val="40000"/>
+      </a:schemeClr>
+    </dgm:fillClrLst>
+    <dgm:linClrLst meth="repeat">
+      <a:schemeClr val="accent1">
+        <a:alpha val="90000"/>
+        <a:tint val="40000"/>
+      </a:schemeClr>
+    </dgm:linClrLst>
+    <dgm:effectClrLst/>
+    <dgm:txLinClrLst/>
+    <dgm:txFillClrLst meth="repeat">
+      <a:schemeClr val="dk1"/>
+    </dgm:txFillClrLst>
+    <dgm:txEffectClrLst/>
+  </dgm:styleLbl>
+  <dgm:styleLbl name="bgImgPlace1">
+    <dgm:fillClrLst meth="repeat">
+      <a:schemeClr val="accent1">
+        <a:tint val="50000"/>
+      </a:schemeClr>
+    </dgm:fillClrLst>
+    <dgm:linClrLst meth="repeat">
+      <a:schemeClr val="lt1"/>
+    </dgm:linClrLst>
+    <dgm:effectClrLst/>
+    <dgm:txLinClrLst/>
+    <dgm:txFillClrLst meth="repeat">
+      <a:schemeClr val="lt1"/>
+    </dgm:txFillClrLst>
+    <dgm:txEffectClrLst/>
+  </dgm:styleLbl>
+  <dgm:styleLbl name="bgShp">
+    <dgm:fillClrLst meth="repeat">
+      <a:schemeClr val="accent1">
+        <a:tint val="40000"/>
+      </a:schemeClr>
+    </dgm:fillClrLst>
+    <dgm:linClrLst meth="repeat">
+      <a:schemeClr val="accent1"/>
+    </dgm:linClrLst>
+    <dgm:effectClrLst/>
+    <dgm:txLinClrLst/>
+    <dgm:txFillClrLst meth="repeat">
+      <a:schemeClr val="dk1"/>
+    </dgm:txFillClrLst>
+    <dgm:txEffectClrLst/>
+  </dgm:styleLbl>
+  <dgm:styleLbl name="bgSibTrans2D1">
     <dgm:fillClrLst meth="repeat">
       <a:schemeClr val="accent1">
         <a:tint val="60000"/>
@@ -493,14 +385,46 @@
     </dgm:linClrLst>
     <dgm:effectClrLst/>
     <dgm:txLinClrLst/>
+    <dgm:txFillClrLst/>
+    <dgm:txEffectClrLst/>
+  </dgm:styleLbl>
+  <dgm:styleLbl name="callout">
+    <dgm:fillClrLst meth="repeat">
+      <a:schemeClr val="accent1"/>
+    </dgm:fillClrLst>
+    <dgm:linClrLst meth="repeat">
+      <a:schemeClr val="accent1">
+        <a:tint val="50000"/>
+      </a:schemeClr>
+    </dgm:linClrLst>
+    <dgm:effectClrLst/>
+    <dgm:txLinClrLst/>
     <dgm:txFillClrLst meth="repeat">
-      <a:schemeClr val="lt1"/>
+      <a:schemeClr val="tx1"/>
     </dgm:txFillClrLst>
     <dgm:txEffectClrLst/>
   </dgm:styleLbl>
-  <dgm:styleLbl name="parChTrans2D2">
+  <dgm:styleLbl name="conFgAcc1">
     <dgm:fillClrLst meth="repeat">
+      <a:schemeClr val="lt1">
+        <a:alpha val="90000"/>
+      </a:schemeClr>
+    </dgm:fillClrLst>
+    <dgm:linClrLst meth="repeat">
       <a:schemeClr val="accent1"/>
+    </dgm:linClrLst>
+    <dgm:effectClrLst/>
+    <dgm:txLinClrLst/>
+    <dgm:txFillClrLst meth="repeat">
+      <a:schemeClr val="dk1"/>
+    </dgm:txFillClrLst>
+    <dgm:txEffectClrLst/>
+  </dgm:styleLbl>
+  <dgm:styleLbl name="dkBgShp">
+    <dgm:fillClrLst meth="repeat">
+      <a:schemeClr val="accent1">
+        <a:shade val="80000"/>
+      </a:schemeClr>
     </dgm:fillClrLst>
     <dgm:linClrLst meth="repeat">
       <a:schemeClr val="accent1"/>
@@ -512,12 +436,114 @@
     </dgm:txFillClrLst>
     <dgm:txEffectClrLst/>
   </dgm:styleLbl>
-  <dgm:styleLbl name="parChTrans2D3">
+  <dgm:styleLbl name="fgAcc0">
     <dgm:fillClrLst meth="repeat">
-      <a:schemeClr val="accent1"/>
+      <a:schemeClr val="lt1">
+        <a:alpha val="90000"/>
+      </a:schemeClr>
     </dgm:fillClrLst>
     <dgm:linClrLst meth="repeat">
       <a:schemeClr val="accent1"/>
+    </dgm:linClrLst>
+    <dgm:effectClrLst/>
+    <dgm:txLinClrLst/>
+    <dgm:txFillClrLst meth="repeat">
+      <a:schemeClr val="dk1"/>
+    </dgm:txFillClrLst>
+    <dgm:txEffectClrLst/>
+  </dgm:styleLbl>
+  <dgm:styleLbl name="fgAcc1">
+    <dgm:fillClrLst meth="repeat">
+      <a:schemeClr val="lt1">
+        <a:alpha val="90000"/>
+      </a:schemeClr>
+    </dgm:fillClrLst>
+    <dgm:linClrLst meth="repeat">
+      <a:schemeClr val="accent1"/>
+    </dgm:linClrLst>
+    <dgm:effectClrLst/>
+    <dgm:txLinClrLst/>
+    <dgm:txFillClrLst meth="repeat">
+      <a:schemeClr val="dk1"/>
+    </dgm:txFillClrLst>
+    <dgm:txEffectClrLst/>
+  </dgm:styleLbl>
+  <dgm:styleLbl name="fgAcc2">
+    <dgm:fillClrLst meth="repeat">
+      <a:schemeClr val="lt1">
+        <a:alpha val="90000"/>
+      </a:schemeClr>
+    </dgm:fillClrLst>
+    <dgm:linClrLst meth="repeat">
+      <a:schemeClr val="accent1"/>
+    </dgm:linClrLst>
+    <dgm:effectClrLst/>
+    <dgm:txLinClrLst/>
+    <dgm:txFillClrLst meth="repeat">
+      <a:schemeClr val="dk1"/>
+    </dgm:txFillClrLst>
+    <dgm:txEffectClrLst/>
+  </dgm:styleLbl>
+  <dgm:styleLbl name="fgAcc3">
+    <dgm:fillClrLst meth="repeat">
+      <a:schemeClr val="lt1">
+        <a:alpha val="90000"/>
+      </a:schemeClr>
+    </dgm:fillClrLst>
+    <dgm:linClrLst meth="repeat">
+      <a:schemeClr val="accent1"/>
+    </dgm:linClrLst>
+    <dgm:effectClrLst/>
+    <dgm:txLinClrLst/>
+    <dgm:txFillClrLst meth="repeat">
+      <a:schemeClr val="dk1"/>
+    </dgm:txFillClrLst>
+    <dgm:txEffectClrLst/>
+  </dgm:styleLbl>
+  <dgm:styleLbl name="fgAcc4">
+    <dgm:fillClrLst meth="repeat">
+      <a:schemeClr val="lt1">
+        <a:alpha val="90000"/>
+      </a:schemeClr>
+    </dgm:fillClrLst>
+    <dgm:linClrLst meth="repeat">
+      <a:schemeClr val="accent1"/>
+    </dgm:linClrLst>
+    <dgm:effectClrLst/>
+    <dgm:txLinClrLst/>
+    <dgm:txFillClrLst meth="repeat">
+      <a:schemeClr val="dk1"/>
+    </dgm:txFillClrLst>
+    <dgm:txEffectClrLst/>
+  </dgm:styleLbl>
+  <dgm:styleLbl name="fgAccFollowNode1">
+    <dgm:fillClrLst meth="repeat">
+      <a:schemeClr val="accent1">
+        <a:alpha val="90000"/>
+        <a:tint val="40000"/>
+      </a:schemeClr>
+    </dgm:fillClrLst>
+    <dgm:linClrLst meth="repeat">
+      <a:schemeClr val="accent1">
+        <a:alpha val="90000"/>
+        <a:tint val="40000"/>
+      </a:schemeClr>
+    </dgm:linClrLst>
+    <dgm:effectClrLst/>
+    <dgm:txLinClrLst/>
+    <dgm:txFillClrLst meth="repeat">
+      <a:schemeClr val="dk1"/>
+    </dgm:txFillClrLst>
+    <dgm:txEffectClrLst/>
+  </dgm:styleLbl>
+  <dgm:styleLbl name="fgImgPlace1">
+    <dgm:fillClrLst meth="repeat">
+      <a:schemeClr val="accent1">
+        <a:tint val="50000"/>
+      </a:schemeClr>
+    </dgm:fillClrLst>
+    <dgm:linClrLst meth="repeat">
+      <a:schemeClr val="lt1"/>
     </dgm:linClrLst>
     <dgm:effectClrLst/>
     <dgm:txLinClrLst/>
@@ -526,18 +552,108 @@
     </dgm:txFillClrLst>
     <dgm:txEffectClrLst/>
   </dgm:styleLbl>
-  <dgm:styleLbl name="parChTrans2D4">
+  <dgm:styleLbl name="fgShp">
+    <dgm:fillClrLst meth="repeat">
+      <a:schemeClr val="accent1">
+        <a:tint val="60000"/>
+      </a:schemeClr>
+    </dgm:fillClrLst>
+    <dgm:linClrLst meth="repeat">
+      <a:schemeClr val="lt1"/>
+    </dgm:linClrLst>
+    <dgm:effectClrLst/>
+    <dgm:txLinClrLst/>
+    <dgm:txFillClrLst meth="repeat">
+      <a:schemeClr val="dk1"/>
+    </dgm:txFillClrLst>
+    <dgm:txEffectClrLst/>
+  </dgm:styleLbl>
+  <dgm:styleLbl name="fgSibTrans2D1">
+    <dgm:fillClrLst meth="repeat">
+      <a:schemeClr val="accent1">
+        <a:tint val="60000"/>
+      </a:schemeClr>
+    </dgm:fillClrLst>
+    <dgm:linClrLst meth="repeat">
+      <a:schemeClr val="accent1">
+        <a:tint val="60000"/>
+      </a:schemeClr>
+    </dgm:linClrLst>
+    <dgm:effectClrLst/>
+    <dgm:txLinClrLst/>
+    <dgm:txFillClrLst/>
+    <dgm:txEffectClrLst/>
+  </dgm:styleLbl>
+  <dgm:styleLbl name="lnNode1">
     <dgm:fillClrLst meth="repeat">
       <a:schemeClr val="accent1"/>
     </dgm:fillClrLst>
     <dgm:linClrLst meth="repeat">
-      <a:schemeClr val="accent1"/>
+      <a:schemeClr val="lt1"/>
     </dgm:linClrLst>
     <dgm:effectClrLst/>
     <dgm:txLinClrLst/>
-    <dgm:txFillClrLst meth="repeat">
+    <dgm:txFillClrLst/>
+    <dgm:txEffectClrLst/>
+  </dgm:styleLbl>
+  <dgm:styleLbl name="node0">
+    <dgm:fillClrLst meth="repeat">
+      <a:schemeClr val="accent1"/>
+    </dgm:fillClrLst>
+    <dgm:linClrLst meth="repeat">
       <a:schemeClr val="lt1"/>
-    </dgm:txFillClrLst>
+    </dgm:linClrLst>
+    <dgm:effectClrLst/>
+    <dgm:txLinClrLst/>
+    <dgm:txFillClrLst/>
+    <dgm:txEffectClrLst/>
+  </dgm:styleLbl>
+  <dgm:styleLbl name="node1">
+    <dgm:fillClrLst meth="repeat">
+      <a:schemeClr val="accent1"/>
+    </dgm:fillClrLst>
+    <dgm:linClrLst meth="repeat">
+      <a:schemeClr val="lt1"/>
+    </dgm:linClrLst>
+    <dgm:effectClrLst/>
+    <dgm:txLinClrLst/>
+    <dgm:txFillClrLst/>
+    <dgm:txEffectClrLst/>
+  </dgm:styleLbl>
+  <dgm:styleLbl name="node2">
+    <dgm:fillClrLst meth="repeat">
+      <a:schemeClr val="accent1"/>
+    </dgm:fillClrLst>
+    <dgm:linClrLst meth="repeat">
+      <a:schemeClr val="lt1"/>
+    </dgm:linClrLst>
+    <dgm:effectClrLst/>
+    <dgm:txLinClrLst/>
+    <dgm:txFillClrLst/>
+    <dgm:txEffectClrLst/>
+  </dgm:styleLbl>
+  <dgm:styleLbl name="node3">
+    <dgm:fillClrLst meth="repeat">
+      <a:schemeClr val="accent1"/>
+    </dgm:fillClrLst>
+    <dgm:linClrLst meth="repeat">
+      <a:schemeClr val="lt1"/>
+    </dgm:linClrLst>
+    <dgm:effectClrLst/>
+    <dgm:txLinClrLst/>
+    <dgm:txFillClrLst/>
+    <dgm:txEffectClrLst/>
+  </dgm:styleLbl>
+  <dgm:styleLbl name="node4">
+    <dgm:fillClrLst meth="repeat">
+      <a:schemeClr val="accent1"/>
+    </dgm:fillClrLst>
+    <dgm:linClrLst meth="repeat">
+      <a:schemeClr val="lt1"/>
+    </dgm:linClrLst>
+    <dgm:effectClrLst/>
+    <dgm:txLinClrLst/>
+    <dgm:txFillClrLst/>
     <dgm:txEffectClrLst/>
   </dgm:styleLbl>
   <dgm:styleLbl name="parChTrans1D1">
@@ -604,11 +720,27 @@
     </dgm:txFillClrLst>
     <dgm:txEffectClrLst/>
   </dgm:styleLbl>
-  <dgm:styleLbl name="fgAcc1">
+  <dgm:styleLbl name="parChTrans2D1">
     <dgm:fillClrLst meth="repeat">
-      <a:schemeClr val="lt1">
-        <a:alpha val="90000"/>
+      <a:schemeClr val="accent1">
+        <a:tint val="60000"/>
       </a:schemeClr>
+    </dgm:fillClrLst>
+    <dgm:linClrLst meth="repeat">
+      <a:schemeClr val="accent1">
+        <a:tint val="60000"/>
+      </a:schemeClr>
+    </dgm:linClrLst>
+    <dgm:effectClrLst/>
+    <dgm:txLinClrLst/>
+    <dgm:txFillClrLst meth="repeat">
+      <a:schemeClr val="lt1"/>
+    </dgm:txFillClrLst>
+    <dgm:txEffectClrLst/>
+  </dgm:styleLbl>
+  <dgm:styleLbl name="parChTrans2D2">
+    <dgm:fillClrLst meth="repeat">
+      <a:schemeClr val="accent1"/>
     </dgm:fillClrLst>
     <dgm:linClrLst meth="repeat">
       <a:schemeClr val="accent1"/>
@@ -616,15 +748,13 @@
     <dgm:effectClrLst/>
     <dgm:txLinClrLst/>
     <dgm:txFillClrLst meth="repeat">
-      <a:schemeClr val="dk1"/>
+      <a:schemeClr val="lt1"/>
     </dgm:txFillClrLst>
     <dgm:txEffectClrLst/>
   </dgm:styleLbl>
-  <dgm:styleLbl name="conFgAcc1">
+  <dgm:styleLbl name="parChTrans2D3">
     <dgm:fillClrLst meth="repeat">
-      <a:schemeClr val="lt1">
-        <a:alpha val="90000"/>
-      </a:schemeClr>
+      <a:schemeClr val="accent1"/>
     </dgm:fillClrLst>
     <dgm:linClrLst meth="repeat">
       <a:schemeClr val="accent1"/>
@@ -632,15 +762,13 @@
     <dgm:effectClrLst/>
     <dgm:txLinClrLst/>
     <dgm:txFillClrLst meth="repeat">
-      <a:schemeClr val="dk1"/>
+      <a:schemeClr val="lt1"/>
     </dgm:txFillClrLst>
     <dgm:txEffectClrLst/>
   </dgm:styleLbl>
-  <dgm:styleLbl name="alignAcc1">
+  <dgm:styleLbl name="parChTrans2D4">
     <dgm:fillClrLst meth="repeat">
-      <a:schemeClr val="lt1">
-        <a:alpha val="90000"/>
-      </a:schemeClr>
+      <a:schemeClr val="accent1"/>
     </dgm:fillClrLst>
     <dgm:linClrLst meth="repeat">
       <a:schemeClr val="accent1"/>
@@ -648,15 +776,31 @@
     <dgm:effectClrLst/>
     <dgm:txLinClrLst/>
     <dgm:txFillClrLst meth="repeat">
-      <a:schemeClr val="dk1"/>
+      <a:schemeClr val="lt1"/>
     </dgm:txFillClrLst>
     <dgm:txEffectClrLst/>
   </dgm:styleLbl>
-  <dgm:styleLbl name="trAlignAcc1">
+  <dgm:styleLbl name="revTx">
     <dgm:fillClrLst meth="repeat">
       <a:schemeClr val="lt1">
-        <a:alpha val="40000"/>
+        <a:alpha val="0"/>
       </a:schemeClr>
+    </dgm:fillClrLst>
+    <dgm:linClrLst meth="repeat">
+      <a:schemeClr val="dk1">
+        <a:alpha val="0"/>
+      </a:schemeClr>
+    </dgm:linClrLst>
+    <dgm:effectClrLst/>
+    <dgm:txLinClrLst/>
+    <dgm:txFillClrLst meth="repeat">
+      <a:schemeClr val="tx1"/>
+    </dgm:txFillClrLst>
+    <dgm:txEffectClrLst/>
+  </dgm:styleLbl>
+  <dgm:styleLbl name="sibTrans1D1">
+    <dgm:fillClrLst meth="repeat">
+      <a:schemeClr val="accent1"/>
     </dgm:fillClrLst>
     <dgm:linClrLst meth="repeat">
       <a:schemeClr val="accent1"/>
@@ -664,38 +808,24 @@
     <dgm:effectClrLst/>
     <dgm:txLinClrLst/>
     <dgm:txFillClrLst meth="repeat">
-      <a:schemeClr val="dk1"/>
+      <a:schemeClr val="tx1"/>
     </dgm:txFillClrLst>
     <dgm:txEffectClrLst/>
   </dgm:styleLbl>
-  <dgm:styleLbl name="bgAcc1">
+  <dgm:styleLbl name="sibTrans2D1">
     <dgm:fillClrLst meth="repeat">
-      <a:schemeClr val="lt1">
-        <a:alpha val="90000"/>
+      <a:schemeClr val="accent1">
+        <a:tint val="60000"/>
       </a:schemeClr>
     </dgm:fillClrLst>
     <dgm:linClrLst meth="repeat">
-      <a:schemeClr val="accent1"/>
+      <a:schemeClr val="accent1">
+        <a:tint val="60000"/>
+      </a:schemeClr>
     </dgm:linClrLst>
     <dgm:effectClrLst/>
     <dgm:txLinClrLst/>
-    <dgm:txFillClrLst meth="repeat">
-      <a:schemeClr val="dk1"/>
-    </dgm:txFillClrLst>
-    <dgm:txEffectClrLst/>
-  </dgm:styleLbl>
-  <dgm:styleLbl name="solidFgAcc1">
-    <dgm:fillClrLst meth="repeat">
-      <a:schemeClr val="lt1"/>
-    </dgm:fillClrLst>
-    <dgm:linClrLst meth="repeat">
-      <a:schemeClr val="accent1"/>
-    </dgm:linClrLst>
-    <dgm:effectClrLst/>
-    <dgm:txLinClrLst/>
-    <dgm:txFillClrLst meth="repeat">
-      <a:schemeClr val="dk1"/>
-    </dgm:txFillClrLst>
+    <dgm:txFillClrLst/>
     <dgm:txEffectClrLst/>
   </dgm:styleLbl>
   <dgm:styleLbl name="solidAlignAcc1">
@@ -726,71 +856,9 @@
     </dgm:txFillClrLst>
     <dgm:txEffectClrLst/>
   </dgm:styleLbl>
-  <dgm:styleLbl name="fgAccFollowNode1">
+  <dgm:styleLbl name="solidFgAcc1">
     <dgm:fillClrLst meth="repeat">
-      <a:schemeClr val="accent1">
-        <a:alpha val="90000"/>
-        <a:tint val="40000"/>
-      </a:schemeClr>
-    </dgm:fillClrLst>
-    <dgm:linClrLst meth="repeat">
-      <a:schemeClr val="accent1">
-        <a:alpha val="90000"/>
-        <a:tint val="40000"/>
-      </a:schemeClr>
-    </dgm:linClrLst>
-    <dgm:effectClrLst/>
-    <dgm:txLinClrLst/>
-    <dgm:txFillClrLst meth="repeat">
-      <a:schemeClr val="dk1"/>
-    </dgm:txFillClrLst>
-    <dgm:txEffectClrLst/>
-  </dgm:styleLbl>
-  <dgm:styleLbl name="alignAccFollowNode1">
-    <dgm:fillClrLst meth="repeat">
-      <a:schemeClr val="accent1">
-        <a:alpha val="90000"/>
-        <a:tint val="40000"/>
-      </a:schemeClr>
-    </dgm:fillClrLst>
-    <dgm:linClrLst meth="repeat">
-      <a:schemeClr val="accent1">
-        <a:alpha val="90000"/>
-        <a:tint val="40000"/>
-      </a:schemeClr>
-    </dgm:linClrLst>
-    <dgm:effectClrLst/>
-    <dgm:txLinClrLst/>
-    <dgm:txFillClrLst meth="repeat">
-      <a:schemeClr val="dk1"/>
-    </dgm:txFillClrLst>
-    <dgm:txEffectClrLst/>
-  </dgm:styleLbl>
-  <dgm:styleLbl name="bgAccFollowNode1">
-    <dgm:fillClrLst meth="repeat">
-      <a:schemeClr val="accent1">
-        <a:alpha val="90000"/>
-        <a:tint val="40000"/>
-      </a:schemeClr>
-    </dgm:fillClrLst>
-    <dgm:linClrLst meth="repeat">
-      <a:schemeClr val="accent1">
-        <a:alpha val="90000"/>
-        <a:tint val="40000"/>
-      </a:schemeClr>
-    </dgm:linClrLst>
-    <dgm:effectClrLst/>
-    <dgm:txLinClrLst/>
-    <dgm:txFillClrLst meth="repeat">
-      <a:schemeClr val="dk1"/>
-    </dgm:txFillClrLst>
-    <dgm:txEffectClrLst/>
-  </dgm:styleLbl>
-  <dgm:styleLbl name="fgAcc0">
-    <dgm:fillClrLst meth="repeat">
-      <a:schemeClr val="lt1">
-        <a:alpha val="90000"/>
-      </a:schemeClr>
+      <a:schemeClr val="lt1"/>
     </dgm:fillClrLst>
     <dgm:linClrLst meth="repeat">
       <a:schemeClr val="accent1"/>
@@ -802,10 +870,10 @@
     </dgm:txFillClrLst>
     <dgm:txEffectClrLst/>
   </dgm:styleLbl>
-  <dgm:styleLbl name="fgAcc2">
+  <dgm:styleLbl name="trAlignAcc1">
     <dgm:fillClrLst meth="repeat">
       <a:schemeClr val="lt1">
-        <a:alpha val="90000"/>
+        <a:alpha val="40000"/>
       </a:schemeClr>
     </dgm:fillClrLst>
     <dgm:linClrLst meth="repeat">
@@ -815,70 +883,6 @@
     <dgm:txLinClrLst/>
     <dgm:txFillClrLst meth="repeat">
       <a:schemeClr val="dk1"/>
-    </dgm:txFillClrLst>
-    <dgm:txEffectClrLst/>
-  </dgm:styleLbl>
-  <dgm:styleLbl name="fgAcc3">
-    <dgm:fillClrLst meth="repeat">
-      <a:schemeClr val="lt1">
-        <a:alpha val="90000"/>
-      </a:schemeClr>
-    </dgm:fillClrLst>
-    <dgm:linClrLst meth="repeat">
-      <a:schemeClr val="accent1"/>
-    </dgm:linClrLst>
-    <dgm:effectClrLst/>
-    <dgm:txLinClrLst/>
-    <dgm:txFillClrLst meth="repeat">
-      <a:schemeClr val="dk1"/>
-    </dgm:txFillClrLst>
-    <dgm:txEffectClrLst/>
-  </dgm:styleLbl>
-  <dgm:styleLbl name="fgAcc4">
-    <dgm:fillClrLst meth="repeat">
-      <a:schemeClr val="lt1">
-        <a:alpha val="90000"/>
-      </a:schemeClr>
-    </dgm:fillClrLst>
-    <dgm:linClrLst meth="repeat">
-      <a:schemeClr val="accent1"/>
-    </dgm:linClrLst>
-    <dgm:effectClrLst/>
-    <dgm:txLinClrLst/>
-    <dgm:txFillClrLst meth="repeat">
-      <a:schemeClr val="dk1"/>
-    </dgm:txFillClrLst>
-    <dgm:txEffectClrLst/>
-  </dgm:styleLbl>
-  <dgm:styleLbl name="bgShp">
-    <dgm:fillClrLst meth="repeat">
-      <a:schemeClr val="accent1">
-        <a:tint val="40000"/>
-      </a:schemeClr>
-    </dgm:fillClrLst>
-    <dgm:linClrLst meth="repeat">
-      <a:schemeClr val="accent1"/>
-    </dgm:linClrLst>
-    <dgm:effectClrLst/>
-    <dgm:txLinClrLst/>
-    <dgm:txFillClrLst meth="repeat">
-      <a:schemeClr val="dk1"/>
-    </dgm:txFillClrLst>
-    <dgm:txEffectClrLst/>
-  </dgm:styleLbl>
-  <dgm:styleLbl name="dkBgShp">
-    <dgm:fillClrLst meth="repeat">
-      <a:schemeClr val="accent1">
-        <a:shade val="80000"/>
-      </a:schemeClr>
-    </dgm:fillClrLst>
-    <dgm:linClrLst meth="repeat">
-      <a:schemeClr val="accent1"/>
-    </dgm:linClrLst>
-    <dgm:effectClrLst/>
-    <dgm:txLinClrLst/>
-    <dgm:txFillClrLst meth="repeat">
-      <a:schemeClr val="lt1"/>
     </dgm:txFillClrLst>
     <dgm:txEffectClrLst/>
   </dgm:styleLbl>
@@ -899,10 +903,10 @@
     </dgm:txFillClrLst>
     <dgm:txEffectClrLst/>
   </dgm:styleLbl>
-  <dgm:styleLbl name="fgShp">
+  <dgm:styleLbl name="vennNode1">
     <dgm:fillClrLst meth="repeat">
       <a:schemeClr val="accent1">
-        <a:tint val="60000"/>
+        <a:alpha val="50000"/>
       </a:schemeClr>
     </dgm:fillClrLst>
     <dgm:linClrLst meth="repeat">
@@ -910,27 +914,7 @@
     </dgm:linClrLst>
     <dgm:effectClrLst/>
     <dgm:txLinClrLst/>
-    <dgm:txFillClrLst meth="repeat">
-      <a:schemeClr val="dk1"/>
-    </dgm:txFillClrLst>
-    <dgm:txEffectClrLst/>
-  </dgm:styleLbl>
-  <dgm:styleLbl name="revTx">
-    <dgm:fillClrLst meth="repeat">
-      <a:schemeClr val="lt1">
-        <a:alpha val="0"/>
-      </a:schemeClr>
-    </dgm:fillClrLst>
-    <dgm:linClrLst meth="repeat">
-      <a:schemeClr val="dk1">
-        <a:alpha val="0"/>
-      </a:schemeClr>
-    </dgm:linClrLst>
-    <dgm:effectClrLst/>
-    <dgm:txLinClrLst/>
-    <dgm:txFillClrLst meth="repeat">
-      <a:schemeClr val="tx1"/>
-    </dgm:txFillClrLst>
+    <dgm:txFillClrLst/>
     <dgm:txEffectClrLst/>
   </dgm:styleLbl>
 </dgm:colorsDef>
@@ -968,15 +952,15 @@
               <a:solidFill>
                 <a:srgbClr val="000000"/>
               </a:solidFill>
-              <a:latin typeface="微软雅黑" pitchFamily="34" charset="-122"/>
-              <a:ea typeface="微软雅黑" pitchFamily="34" charset="-122"/>
+              <a:latin typeface="微软雅黑" panose="020B0503020204020204" pitchFamily="34" charset="-122"/>
+              <a:ea typeface="微软雅黑" panose="020B0503020204020204" pitchFamily="34" charset="-122"/>
             </a:rPr>
             <a:t>项目经理</a:t>
           </a:r>
         </a:p>
       </dgm:t>
     </dgm:pt>
-    <dgm:pt modelId="{8EB2B355-7E0D-47A9-A89B-B2BF88398E70}" type="parTrans" cxnId="{54A4BF3F-AC66-4702-9F9C-54526DF515B0}">
+    <dgm:pt modelId="{8EB2B355-7E0D-47A9-A89B-B2BF88398E70}" cxnId="{54A4BF3F-AC66-4702-9F9C-54526DF515B0}" type="parTrans">
       <dgm:prSet/>
       <dgm:spPr/>
       <dgm:t>
@@ -987,13 +971,13 @@
             <a:solidFill>
               <a:srgbClr val="FF0000"/>
             </a:solidFill>
-            <a:latin typeface="微软雅黑" pitchFamily="34" charset="-122"/>
-            <a:ea typeface="微软雅黑" pitchFamily="34" charset="-122"/>
+            <a:latin typeface="微软雅黑" panose="020B0503020204020204" pitchFamily="34" charset="-122"/>
+            <a:ea typeface="微软雅黑" panose="020B0503020204020204" pitchFamily="34" charset="-122"/>
           </a:endParaRPr>
         </a:p>
       </dgm:t>
     </dgm:pt>
-    <dgm:pt modelId="{9D474ECF-263C-4748-AD02-270AA983084A}" type="sibTrans" cxnId="{54A4BF3F-AC66-4702-9F9C-54526DF515B0}">
+    <dgm:pt modelId="{9D474ECF-263C-4748-AD02-270AA983084A}" cxnId="{54A4BF3F-AC66-4702-9F9C-54526DF515B0}" type="sibTrans">
       <dgm:prSet/>
       <dgm:spPr/>
       <dgm:t>
@@ -1004,8 +988,8 @@
             <a:solidFill>
               <a:srgbClr val="FF0000"/>
             </a:solidFill>
-            <a:latin typeface="微软雅黑" pitchFamily="34" charset="-122"/>
-            <a:ea typeface="微软雅黑" pitchFamily="34" charset="-122"/>
+            <a:latin typeface="微软雅黑" panose="020B0503020204020204" pitchFamily="34" charset="-122"/>
+            <a:ea typeface="微软雅黑" panose="020B0503020204020204" pitchFamily="34" charset="-122"/>
           </a:endParaRPr>
         </a:p>
       </dgm:t>
@@ -1026,8 +1010,8 @@
               <a:solidFill>
                 <a:srgbClr val="000000"/>
               </a:solidFill>
-              <a:latin typeface="微软雅黑" pitchFamily="34" charset="-122"/>
-              <a:ea typeface="微软雅黑" pitchFamily="34" charset="-122"/>
+              <a:latin typeface="微软雅黑" panose="020B0503020204020204" pitchFamily="34" charset="-122"/>
+              <a:ea typeface="微软雅黑" panose="020B0503020204020204" pitchFamily="34" charset="-122"/>
             </a:rPr>
             <a:t>项目管理知识</a:t>
           </a:r>
@@ -1036,8 +1020,8 @@
               <a:solidFill>
                 <a:srgbClr val="000000"/>
               </a:solidFill>
-              <a:latin typeface="微软雅黑" pitchFamily="34" charset="-122"/>
-              <a:ea typeface="微软雅黑" pitchFamily="34" charset="-122"/>
+              <a:latin typeface="微软雅黑" panose="020B0503020204020204" pitchFamily="34" charset="-122"/>
+              <a:ea typeface="微软雅黑" panose="020B0503020204020204" pitchFamily="34" charset="-122"/>
             </a:rPr>
             <a:t>(</a:t>
           </a:r>
@@ -1046,8 +1030,8 @@
               <a:solidFill>
                 <a:srgbClr val="000000"/>
               </a:solidFill>
-              <a:latin typeface="微软雅黑" pitchFamily="34" charset="-122"/>
-              <a:ea typeface="微软雅黑" pitchFamily="34" charset="-122"/>
+              <a:latin typeface="微软雅黑" panose="020B0503020204020204" pitchFamily="34" charset="-122"/>
+              <a:ea typeface="微软雅黑" panose="020B0503020204020204" pitchFamily="34" charset="-122"/>
             </a:rPr>
             <a:t>木</a:t>
           </a:r>
@@ -1056,8 +1040,8 @@
               <a:solidFill>
                 <a:srgbClr val="000000"/>
               </a:solidFill>
-              <a:latin typeface="微软雅黑" pitchFamily="34" charset="-122"/>
-              <a:ea typeface="微软雅黑" pitchFamily="34" charset="-122"/>
+              <a:latin typeface="微软雅黑" panose="020B0503020204020204" pitchFamily="34" charset="-122"/>
+              <a:ea typeface="微软雅黑" panose="020B0503020204020204" pitchFamily="34" charset="-122"/>
             </a:rPr>
             <a:t>)</a:t>
           </a:r>
@@ -1065,13 +1049,13 @@
             <a:solidFill>
               <a:srgbClr val="000000"/>
             </a:solidFill>
-            <a:latin typeface="微软雅黑" pitchFamily="34" charset="-122"/>
-            <a:ea typeface="微软雅黑" pitchFamily="34" charset="-122"/>
+            <a:latin typeface="微软雅黑" panose="020B0503020204020204" pitchFamily="34" charset="-122"/>
+            <a:ea typeface="微软雅黑" panose="020B0503020204020204" pitchFamily="34" charset="-122"/>
           </a:endParaRPr>
         </a:p>
       </dgm:t>
     </dgm:pt>
-    <dgm:pt modelId="{5E382578-B0AE-454B-98BF-D9A18515FC55}" type="parTrans" cxnId="{CBA74B74-1F4A-48A3-8641-FF0E122B9B18}">
+    <dgm:pt modelId="{5E382578-B0AE-454B-98BF-D9A18515FC55}" cxnId="{CBA74B74-1F4A-48A3-8641-FF0E122B9B18}" type="parTrans">
       <dgm:prSet/>
       <dgm:spPr/>
       <dgm:t>
@@ -1082,13 +1066,13 @@
             <a:solidFill>
               <a:srgbClr val="FF0000"/>
             </a:solidFill>
-            <a:latin typeface="微软雅黑" pitchFamily="34" charset="-122"/>
-            <a:ea typeface="微软雅黑" pitchFamily="34" charset="-122"/>
+            <a:latin typeface="微软雅黑" panose="020B0503020204020204" pitchFamily="34" charset="-122"/>
+            <a:ea typeface="微软雅黑" panose="020B0503020204020204" pitchFamily="34" charset="-122"/>
           </a:endParaRPr>
         </a:p>
       </dgm:t>
     </dgm:pt>
-    <dgm:pt modelId="{E1F4E99C-1508-4A3E-A1C8-19DA21CE84D0}" type="sibTrans" cxnId="{CBA74B74-1F4A-48A3-8641-FF0E122B9B18}">
+    <dgm:pt modelId="{E1F4E99C-1508-4A3E-A1C8-19DA21CE84D0}" cxnId="{CBA74B74-1F4A-48A3-8641-FF0E122B9B18}" type="sibTrans">
       <dgm:prSet/>
       <dgm:spPr/>
       <dgm:t>
@@ -1099,8 +1083,8 @@
             <a:solidFill>
               <a:srgbClr val="FF0000"/>
             </a:solidFill>
-            <a:latin typeface="微软雅黑" pitchFamily="34" charset="-122"/>
-            <a:ea typeface="微软雅黑" pitchFamily="34" charset="-122"/>
+            <a:latin typeface="微软雅黑" panose="020B0503020204020204" pitchFamily="34" charset="-122"/>
+            <a:ea typeface="微软雅黑" panose="020B0503020204020204" pitchFamily="34" charset="-122"/>
           </a:endParaRPr>
         </a:p>
       </dgm:t>
@@ -1121,8 +1105,8 @@
               <a:solidFill>
                 <a:schemeClr val="tx1"/>
               </a:solidFill>
-              <a:latin typeface="微软雅黑" pitchFamily="34" charset="-122"/>
-              <a:ea typeface="微软雅黑" pitchFamily="34" charset="-122"/>
+              <a:latin typeface="微软雅黑" panose="020B0503020204020204" pitchFamily="34" charset="-122"/>
+              <a:ea typeface="微软雅黑" panose="020B0503020204020204" pitchFamily="34" charset="-122"/>
             </a:rPr>
             <a:t>通用管理素养</a:t>
           </a:r>
@@ -1131,8 +1115,8 @@
               <a:solidFill>
                 <a:schemeClr val="tx1"/>
               </a:solidFill>
-              <a:latin typeface="微软雅黑" pitchFamily="34" charset="-122"/>
-              <a:ea typeface="微软雅黑" pitchFamily="34" charset="-122"/>
+              <a:latin typeface="微软雅黑" panose="020B0503020204020204" pitchFamily="34" charset="-122"/>
+              <a:ea typeface="微软雅黑" panose="020B0503020204020204" pitchFamily="34" charset="-122"/>
             </a:rPr>
             <a:t>(</a:t>
           </a:r>
@@ -1141,8 +1125,8 @@
               <a:solidFill>
                 <a:schemeClr val="tx1"/>
               </a:solidFill>
-              <a:latin typeface="微软雅黑" pitchFamily="34" charset="-122"/>
-              <a:ea typeface="微软雅黑" pitchFamily="34" charset="-122"/>
+              <a:latin typeface="微软雅黑" panose="020B0503020204020204" pitchFamily="34" charset="-122"/>
+              <a:ea typeface="微软雅黑" panose="020B0503020204020204" pitchFamily="34" charset="-122"/>
             </a:rPr>
             <a:t>水</a:t>
           </a:r>
@@ -1151,8 +1135,8 @@
               <a:solidFill>
                 <a:schemeClr val="tx1"/>
               </a:solidFill>
-              <a:latin typeface="微软雅黑" pitchFamily="34" charset="-122"/>
-              <a:ea typeface="微软雅黑" pitchFamily="34" charset="-122"/>
+              <a:latin typeface="微软雅黑" panose="020B0503020204020204" pitchFamily="34" charset="-122"/>
+              <a:ea typeface="微软雅黑" panose="020B0503020204020204" pitchFamily="34" charset="-122"/>
             </a:rPr>
             <a:t>)</a:t>
           </a:r>
@@ -1160,13 +1144,13 @@
             <a:solidFill>
               <a:schemeClr val="tx1"/>
             </a:solidFill>
-            <a:latin typeface="微软雅黑" pitchFamily="34" charset="-122"/>
-            <a:ea typeface="微软雅黑" pitchFamily="34" charset="-122"/>
+            <a:latin typeface="微软雅黑" panose="020B0503020204020204" pitchFamily="34" charset="-122"/>
+            <a:ea typeface="微软雅黑" panose="020B0503020204020204" pitchFamily="34" charset="-122"/>
           </a:endParaRPr>
         </a:p>
       </dgm:t>
     </dgm:pt>
-    <dgm:pt modelId="{CADC2CA9-3617-4953-9E78-AD4A0AAA0B3E}" type="parTrans" cxnId="{D13F315C-BA0A-4DF9-9A37-DAA00C4BD359}">
+    <dgm:pt modelId="{CADC2CA9-3617-4953-9E78-AD4A0AAA0B3E}" cxnId="{D13F315C-BA0A-4DF9-9A37-DAA00C4BD359}" type="parTrans">
       <dgm:prSet/>
       <dgm:spPr/>
       <dgm:t>
@@ -1177,13 +1161,13 @@
             <a:solidFill>
               <a:srgbClr val="FF0000"/>
             </a:solidFill>
-            <a:latin typeface="微软雅黑" pitchFamily="34" charset="-122"/>
-            <a:ea typeface="微软雅黑" pitchFamily="34" charset="-122"/>
+            <a:latin typeface="微软雅黑" panose="020B0503020204020204" pitchFamily="34" charset="-122"/>
+            <a:ea typeface="微软雅黑" panose="020B0503020204020204" pitchFamily="34" charset="-122"/>
           </a:endParaRPr>
         </a:p>
       </dgm:t>
     </dgm:pt>
-    <dgm:pt modelId="{CC9D357D-A7E1-429E-B848-924B43FFBB18}" type="sibTrans" cxnId="{D13F315C-BA0A-4DF9-9A37-DAA00C4BD359}">
+    <dgm:pt modelId="{CC9D357D-A7E1-429E-B848-924B43FFBB18}" cxnId="{D13F315C-BA0A-4DF9-9A37-DAA00C4BD359}" type="sibTrans">
       <dgm:prSet/>
       <dgm:spPr/>
       <dgm:t>
@@ -1194,8 +1178,8 @@
             <a:solidFill>
               <a:srgbClr val="FF0000"/>
             </a:solidFill>
-            <a:latin typeface="微软雅黑" pitchFamily="34" charset="-122"/>
-            <a:ea typeface="微软雅黑" pitchFamily="34" charset="-122"/>
+            <a:latin typeface="微软雅黑" panose="020B0503020204020204" pitchFamily="34" charset="-122"/>
+            <a:ea typeface="微软雅黑" panose="020B0503020204020204" pitchFamily="34" charset="-122"/>
           </a:endParaRPr>
         </a:p>
       </dgm:t>
@@ -1216,8 +1200,8 @@
               <a:solidFill>
                 <a:schemeClr val="accent3"/>
               </a:solidFill>
-              <a:latin typeface="微软雅黑" pitchFamily="34" charset="-122"/>
-              <a:ea typeface="微软雅黑" pitchFamily="34" charset="-122"/>
+              <a:latin typeface="微软雅黑" panose="020B0503020204020204" pitchFamily="34" charset="-122"/>
+              <a:ea typeface="微软雅黑" panose="020B0503020204020204" pitchFamily="34" charset="-122"/>
             </a:rPr>
             <a:t>项目环境</a:t>
           </a:r>
@@ -1226,8 +1210,8 @@
               <a:solidFill>
                 <a:schemeClr val="accent3"/>
               </a:solidFill>
-              <a:latin typeface="微软雅黑" pitchFamily="34" charset="-122"/>
-              <a:ea typeface="微软雅黑" pitchFamily="34" charset="-122"/>
+              <a:latin typeface="微软雅黑" panose="020B0503020204020204" pitchFamily="34" charset="-122"/>
+              <a:ea typeface="微软雅黑" panose="020B0503020204020204" pitchFamily="34" charset="-122"/>
             </a:rPr>
             <a:t>(</a:t>
           </a:r>
@@ -1236,8 +1220,8 @@
               <a:solidFill>
                 <a:schemeClr val="accent3"/>
               </a:solidFill>
-              <a:latin typeface="微软雅黑" pitchFamily="34" charset="-122"/>
-              <a:ea typeface="微软雅黑" pitchFamily="34" charset="-122"/>
+              <a:latin typeface="微软雅黑" panose="020B0503020204020204" pitchFamily="34" charset="-122"/>
+              <a:ea typeface="微软雅黑" panose="020B0503020204020204" pitchFamily="34" charset="-122"/>
             </a:rPr>
             <a:t>土</a:t>
           </a:r>
@@ -1246,8 +1230,8 @@
               <a:solidFill>
                 <a:schemeClr val="accent3"/>
               </a:solidFill>
-              <a:latin typeface="微软雅黑" pitchFamily="34" charset="-122"/>
-              <a:ea typeface="微软雅黑" pitchFamily="34" charset="-122"/>
+              <a:latin typeface="微软雅黑" panose="020B0503020204020204" pitchFamily="34" charset="-122"/>
+              <a:ea typeface="微软雅黑" panose="020B0503020204020204" pitchFamily="34" charset="-122"/>
             </a:rPr>
             <a:t>)</a:t>
           </a:r>
@@ -1255,13 +1239,13 @@
             <a:solidFill>
               <a:schemeClr val="accent3"/>
             </a:solidFill>
-            <a:latin typeface="微软雅黑" pitchFamily="34" charset="-122"/>
-            <a:ea typeface="微软雅黑" pitchFamily="34" charset="-122"/>
+            <a:latin typeface="微软雅黑" panose="020B0503020204020204" pitchFamily="34" charset="-122"/>
+            <a:ea typeface="微软雅黑" panose="020B0503020204020204" pitchFamily="34" charset="-122"/>
           </a:endParaRPr>
         </a:p>
       </dgm:t>
     </dgm:pt>
-    <dgm:pt modelId="{F577FDFD-F901-46AF-9229-EB5F3DA6F645}" type="parTrans" cxnId="{AE3A1A24-246A-45EA-B5F6-8D3F494DCCC9}">
+    <dgm:pt modelId="{F577FDFD-F901-46AF-9229-EB5F3DA6F645}" cxnId="{AE3A1A24-246A-45EA-B5F6-8D3F494DCCC9}" type="parTrans">
       <dgm:prSet/>
       <dgm:spPr/>
       <dgm:t>
@@ -1276,7 +1260,7 @@
         </a:p>
       </dgm:t>
     </dgm:pt>
-    <dgm:pt modelId="{E4FF4D1E-711D-4FEA-B13E-2446637C0D8E}" type="sibTrans" cxnId="{AE3A1A24-246A-45EA-B5F6-8D3F494DCCC9}">
+    <dgm:pt modelId="{E4FF4D1E-711D-4FEA-B13E-2446637C0D8E}" cxnId="{AE3A1A24-246A-45EA-B5F6-8D3F494DCCC9}" type="sibTrans">
       <dgm:prSet/>
       <dgm:spPr/>
       <dgm:t>
@@ -1307,8 +1291,8 @@
               <a:solidFill>
                 <a:srgbClr val="000000"/>
               </a:solidFill>
-              <a:latin typeface="微软雅黑" pitchFamily="34" charset="-122"/>
-              <a:ea typeface="微软雅黑" pitchFamily="34" charset="-122"/>
+              <a:latin typeface="微软雅黑" panose="020B0503020204020204" pitchFamily="34" charset="-122"/>
+              <a:ea typeface="微软雅黑" panose="020B0503020204020204" pitchFamily="34" charset="-122"/>
             </a:rPr>
             <a:t>应用领域知识</a:t>
           </a:r>
@@ -1317,8 +1301,8 @@
               <a:solidFill>
                 <a:srgbClr val="000000"/>
               </a:solidFill>
-              <a:latin typeface="微软雅黑" pitchFamily="34" charset="-122"/>
-              <a:ea typeface="微软雅黑" pitchFamily="34" charset="-122"/>
+              <a:latin typeface="微软雅黑" panose="020B0503020204020204" pitchFamily="34" charset="-122"/>
+              <a:ea typeface="微软雅黑" panose="020B0503020204020204" pitchFamily="34" charset="-122"/>
             </a:rPr>
             <a:t>(</a:t>
           </a:r>
@@ -1327,8 +1311,8 @@
               <a:solidFill>
                 <a:srgbClr val="000000"/>
               </a:solidFill>
-              <a:latin typeface="微软雅黑" pitchFamily="34" charset="-122"/>
-              <a:ea typeface="微软雅黑" pitchFamily="34" charset="-122"/>
+              <a:latin typeface="微软雅黑" panose="020B0503020204020204" pitchFamily="34" charset="-122"/>
+              <a:ea typeface="微软雅黑" panose="020B0503020204020204" pitchFamily="34" charset="-122"/>
             </a:rPr>
             <a:t>金</a:t>
           </a:r>
@@ -1337,8 +1321,8 @@
               <a:solidFill>
                 <a:srgbClr val="000000"/>
               </a:solidFill>
-              <a:latin typeface="微软雅黑" pitchFamily="34" charset="-122"/>
-              <a:ea typeface="微软雅黑" pitchFamily="34" charset="-122"/>
+              <a:latin typeface="微软雅黑" panose="020B0503020204020204" pitchFamily="34" charset="-122"/>
+              <a:ea typeface="微软雅黑" panose="020B0503020204020204" pitchFamily="34" charset="-122"/>
             </a:rPr>
             <a:t>)</a:t>
           </a:r>
@@ -1346,13 +1330,13 @@
             <a:solidFill>
               <a:srgbClr val="000000"/>
             </a:solidFill>
-            <a:latin typeface="微软雅黑" pitchFamily="34" charset="-122"/>
-            <a:ea typeface="微软雅黑" pitchFamily="34" charset="-122"/>
+            <a:latin typeface="微软雅黑" panose="020B0503020204020204" pitchFamily="34" charset="-122"/>
+            <a:ea typeface="微软雅黑" panose="020B0503020204020204" pitchFamily="34" charset="-122"/>
           </a:endParaRPr>
         </a:p>
       </dgm:t>
     </dgm:pt>
-    <dgm:pt modelId="{E1929A30-521B-4102-B126-4BC1E04D4497}" type="parTrans" cxnId="{830FFD75-0E44-4017-896F-19695E843BBB}">
+    <dgm:pt modelId="{E1929A30-521B-4102-B126-4BC1E04D4497}" cxnId="{830FFD75-0E44-4017-896F-19695E843BBB}" type="parTrans">
       <dgm:prSet/>
       <dgm:spPr/>
       <dgm:t>
@@ -1367,7 +1351,7 @@
         </a:p>
       </dgm:t>
     </dgm:pt>
-    <dgm:pt modelId="{FA866426-9850-40A8-B5D7-E16BC56F0036}" type="sibTrans" cxnId="{830FFD75-0E44-4017-896F-19695E843BBB}">
+    <dgm:pt modelId="{FA866426-9850-40A8-B5D7-E16BC56F0036}" cxnId="{830FFD75-0E44-4017-896F-19695E843BBB}" type="sibTrans">
       <dgm:prSet/>
       <dgm:spPr/>
       <dgm:t>
@@ -1398,8 +1382,8 @@
               <a:solidFill>
                 <a:srgbClr val="000000"/>
               </a:solidFill>
-              <a:latin typeface="微软雅黑" pitchFamily="34" charset="-122"/>
-              <a:ea typeface="微软雅黑" pitchFamily="34" charset="-122"/>
+              <a:latin typeface="微软雅黑" panose="020B0503020204020204" pitchFamily="34" charset="-122"/>
+              <a:ea typeface="微软雅黑" panose="020B0503020204020204" pitchFamily="34" charset="-122"/>
             </a:rPr>
             <a:t>软技能</a:t>
           </a:r>
@@ -1408,8 +1392,8 @@
               <a:solidFill>
                 <a:srgbClr val="000000"/>
               </a:solidFill>
-              <a:latin typeface="微软雅黑" pitchFamily="34" charset="-122"/>
-              <a:ea typeface="微软雅黑" pitchFamily="34" charset="-122"/>
+              <a:latin typeface="微软雅黑" panose="020B0503020204020204" pitchFamily="34" charset="-122"/>
+              <a:ea typeface="微软雅黑" panose="020B0503020204020204" pitchFamily="34" charset="-122"/>
             </a:rPr>
             <a:t>(</a:t>
           </a:r>
@@ -1418,8 +1402,8 @@
               <a:solidFill>
                 <a:srgbClr val="000000"/>
               </a:solidFill>
-              <a:latin typeface="微软雅黑" pitchFamily="34" charset="-122"/>
-              <a:ea typeface="微软雅黑" pitchFamily="34" charset="-122"/>
+              <a:latin typeface="微软雅黑" panose="020B0503020204020204" pitchFamily="34" charset="-122"/>
+              <a:ea typeface="微软雅黑" panose="020B0503020204020204" pitchFamily="34" charset="-122"/>
             </a:rPr>
             <a:t>火</a:t>
           </a:r>
@@ -1428,8 +1412,8 @@
               <a:solidFill>
                 <a:srgbClr val="000000"/>
               </a:solidFill>
-              <a:latin typeface="微软雅黑" pitchFamily="34" charset="-122"/>
-              <a:ea typeface="微软雅黑" pitchFamily="34" charset="-122"/>
+              <a:latin typeface="微软雅黑" panose="020B0503020204020204" pitchFamily="34" charset="-122"/>
+              <a:ea typeface="微软雅黑" panose="020B0503020204020204" pitchFamily="34" charset="-122"/>
             </a:rPr>
             <a:t>)</a:t>
           </a:r>
@@ -1437,13 +1421,13 @@
             <a:solidFill>
               <a:srgbClr val="000000"/>
             </a:solidFill>
-            <a:latin typeface="微软雅黑" pitchFamily="34" charset="-122"/>
-            <a:ea typeface="微软雅黑" pitchFamily="34" charset="-122"/>
+            <a:latin typeface="微软雅黑" panose="020B0503020204020204" pitchFamily="34" charset="-122"/>
+            <a:ea typeface="微软雅黑" panose="020B0503020204020204" pitchFamily="34" charset="-122"/>
           </a:endParaRPr>
         </a:p>
       </dgm:t>
     </dgm:pt>
-    <dgm:pt modelId="{46FE127A-9F22-432C-94AB-2A07734646CC}" type="parTrans" cxnId="{7371AE27-435D-4C12-B63D-728E427D8363}">
+    <dgm:pt modelId="{46FE127A-9F22-432C-94AB-2A07734646CC}" cxnId="{7371AE27-435D-4C12-B63D-728E427D8363}" type="parTrans">
       <dgm:prSet/>
       <dgm:spPr/>
       <dgm:t>
@@ -1458,7 +1442,7 @@
         </a:p>
       </dgm:t>
     </dgm:pt>
-    <dgm:pt modelId="{7C9D8F68-9922-4326-BCB6-D605A1EA29BE}" type="sibTrans" cxnId="{7371AE27-435D-4C12-B63D-728E427D8363}">
+    <dgm:pt modelId="{7C9D8F68-9922-4326-BCB6-D605A1EA29BE}" cxnId="{7371AE27-435D-4C12-B63D-728E427D8363}" type="sibTrans">
       <dgm:prSet/>
       <dgm:spPr/>
       <dgm:t>
@@ -1611,7 +1595,7 @@
   <dgm:whole/>
   <dgm:extLst>
     <a:ext uri="http://schemas.microsoft.com/office/drawing/2008/diagram">
-      <dsp:dataModelExt xmlns:dsp="http://schemas.microsoft.com/office/drawing/2008/diagram" relId="rId7" minVer="http://schemas.openxmlformats.org/drawingml/2006/diagram"/>
+      <dsp:dataModelExt xmlns:dsp="http://schemas.microsoft.com/office/drawing/2008/diagram" relId="rId5" minVer="http://schemas.openxmlformats.org/drawingml/2006/diagram"/>
     </a:ext>
   </dgm:extLst>
 </dgm:dataModel>
@@ -2480,15 +2464,503 @@
     <a:camera prst="orthographicFront"/>
     <a:lightRig rig="threePt" dir="t"/>
   </dgm:scene3d>
-  <dgm:styleLbl name="node0">
+  <dgm:styleLbl name="alignAcc1">
     <dgm:scene3d>
       <a:camera prst="orthographicFront"/>
       <a:lightRig rig="threePt" dir="t"/>
     </dgm:scene3d>
-    <dgm:sp3d/>
     <dgm:txPr/>
     <dgm:style>
       <a:lnRef idx="2">
+        <a:scrgbClr r="0" g="0" b="0"/>
+      </a:lnRef>
+      <a:fillRef idx="1">
+        <a:scrgbClr r="0" g="0" b="0"/>
+      </a:fillRef>
+      <a:effectRef idx="0">
+        <a:scrgbClr r="0" g="0" b="0"/>
+      </a:effectRef>
+      <a:fontRef idx="minor"/>
+    </dgm:style>
+  </dgm:styleLbl>
+  <dgm:styleLbl name="alignAccFollowNode1">
+    <dgm:scene3d>
+      <a:camera prst="orthographicFront"/>
+      <a:lightRig rig="threePt" dir="t"/>
+    </dgm:scene3d>
+    <dgm:txPr/>
+    <dgm:style>
+      <a:lnRef idx="2">
+        <a:scrgbClr r="0" g="0" b="0"/>
+      </a:lnRef>
+      <a:fillRef idx="1">
+        <a:scrgbClr r="0" g="0" b="0"/>
+      </a:fillRef>
+      <a:effectRef idx="0">
+        <a:scrgbClr r="0" g="0" b="0"/>
+      </a:effectRef>
+      <a:fontRef idx="minor"/>
+    </dgm:style>
+  </dgm:styleLbl>
+  <dgm:styleLbl name="alignImgPlace1">
+    <dgm:scene3d>
+      <a:camera prst="orthographicFront"/>
+      <a:lightRig rig="threePt" dir="t"/>
+    </dgm:scene3d>
+    <dgm:txPr/>
+    <dgm:style>
+      <a:lnRef idx="2">
+        <a:scrgbClr r="0" g="0" b="0"/>
+      </a:lnRef>
+      <a:fillRef idx="1">
+        <a:scrgbClr r="0" g="0" b="0"/>
+      </a:fillRef>
+      <a:effectRef idx="0">
+        <a:scrgbClr r="0" g="0" b="0"/>
+      </a:effectRef>
+      <a:fontRef idx="minor"/>
+    </dgm:style>
+  </dgm:styleLbl>
+  <dgm:styleLbl name="alignNode1">
+    <dgm:scene3d>
+      <a:camera prst="orthographicFront"/>
+      <a:lightRig rig="threePt" dir="t"/>
+    </dgm:scene3d>
+    <dgm:txPr/>
+    <dgm:style>
+      <a:lnRef idx="2">
+        <a:scrgbClr r="0" g="0" b="0"/>
+      </a:lnRef>
+      <a:fillRef idx="1">
+        <a:scrgbClr r="0" g="0" b="0"/>
+      </a:fillRef>
+      <a:effectRef idx="0">
+        <a:scrgbClr r="0" g="0" b="0"/>
+      </a:effectRef>
+      <a:fontRef idx="minor">
+        <a:schemeClr val="lt1"/>
+      </a:fontRef>
+    </dgm:style>
+  </dgm:styleLbl>
+  <dgm:styleLbl name="asst0">
+    <dgm:scene3d>
+      <a:camera prst="orthographicFront"/>
+      <a:lightRig rig="threePt" dir="t"/>
+    </dgm:scene3d>
+    <dgm:txPr/>
+    <dgm:style>
+      <a:lnRef idx="2">
+        <a:scrgbClr r="0" g="0" b="0"/>
+      </a:lnRef>
+      <a:fillRef idx="1">
+        <a:scrgbClr r="0" g="0" b="0"/>
+      </a:fillRef>
+      <a:effectRef idx="0">
+        <a:scrgbClr r="0" g="0" b="0"/>
+      </a:effectRef>
+      <a:fontRef idx="minor">
+        <a:schemeClr val="lt1"/>
+      </a:fontRef>
+    </dgm:style>
+  </dgm:styleLbl>
+  <dgm:styleLbl name="asst1">
+    <dgm:scene3d>
+      <a:camera prst="orthographicFront"/>
+      <a:lightRig rig="threePt" dir="t"/>
+    </dgm:scene3d>
+    <dgm:txPr/>
+    <dgm:style>
+      <a:lnRef idx="2">
+        <a:scrgbClr r="0" g="0" b="0"/>
+      </a:lnRef>
+      <a:fillRef idx="1">
+        <a:scrgbClr r="0" g="0" b="0"/>
+      </a:fillRef>
+      <a:effectRef idx="0">
+        <a:scrgbClr r="0" g="0" b="0"/>
+      </a:effectRef>
+      <a:fontRef idx="minor">
+        <a:schemeClr val="lt1"/>
+      </a:fontRef>
+    </dgm:style>
+  </dgm:styleLbl>
+  <dgm:styleLbl name="asst2">
+    <dgm:scene3d>
+      <a:camera prst="orthographicFront"/>
+      <a:lightRig rig="threePt" dir="t"/>
+    </dgm:scene3d>
+    <dgm:txPr/>
+    <dgm:style>
+      <a:lnRef idx="2">
+        <a:scrgbClr r="0" g="0" b="0"/>
+      </a:lnRef>
+      <a:fillRef idx="1">
+        <a:scrgbClr r="0" g="0" b="0"/>
+      </a:fillRef>
+      <a:effectRef idx="0">
+        <a:scrgbClr r="0" g="0" b="0"/>
+      </a:effectRef>
+      <a:fontRef idx="minor">
+        <a:schemeClr val="lt1"/>
+      </a:fontRef>
+    </dgm:style>
+  </dgm:styleLbl>
+  <dgm:styleLbl name="asst3">
+    <dgm:scene3d>
+      <a:camera prst="orthographicFront"/>
+      <a:lightRig rig="threePt" dir="t"/>
+    </dgm:scene3d>
+    <dgm:txPr/>
+    <dgm:style>
+      <a:lnRef idx="2">
+        <a:scrgbClr r="0" g="0" b="0"/>
+      </a:lnRef>
+      <a:fillRef idx="1">
+        <a:scrgbClr r="0" g="0" b="0"/>
+      </a:fillRef>
+      <a:effectRef idx="0">
+        <a:scrgbClr r="0" g="0" b="0"/>
+      </a:effectRef>
+      <a:fontRef idx="minor">
+        <a:schemeClr val="lt1"/>
+      </a:fontRef>
+    </dgm:style>
+  </dgm:styleLbl>
+  <dgm:styleLbl name="asst4">
+    <dgm:scene3d>
+      <a:camera prst="orthographicFront"/>
+      <a:lightRig rig="threePt" dir="t"/>
+    </dgm:scene3d>
+    <dgm:txPr/>
+    <dgm:style>
+      <a:lnRef idx="2">
+        <a:scrgbClr r="0" g="0" b="0"/>
+      </a:lnRef>
+      <a:fillRef idx="1">
+        <a:scrgbClr r="0" g="0" b="0"/>
+      </a:fillRef>
+      <a:effectRef idx="0">
+        <a:scrgbClr r="0" g="0" b="0"/>
+      </a:effectRef>
+      <a:fontRef idx="minor">
+        <a:schemeClr val="lt1"/>
+      </a:fontRef>
+    </dgm:style>
+  </dgm:styleLbl>
+  <dgm:styleLbl name="bgAcc1">
+    <dgm:scene3d>
+      <a:camera prst="orthographicFront"/>
+      <a:lightRig rig="threePt" dir="t"/>
+    </dgm:scene3d>
+    <dgm:txPr/>
+    <dgm:style>
+      <a:lnRef idx="2">
+        <a:scrgbClr r="0" g="0" b="0"/>
+      </a:lnRef>
+      <a:fillRef idx="1">
+        <a:scrgbClr r="0" g="0" b="0"/>
+      </a:fillRef>
+      <a:effectRef idx="0">
+        <a:scrgbClr r="0" g="0" b="0"/>
+      </a:effectRef>
+      <a:fontRef idx="minor"/>
+    </dgm:style>
+  </dgm:styleLbl>
+  <dgm:styleLbl name="bgAccFollowNode1">
+    <dgm:scene3d>
+      <a:camera prst="orthographicFront"/>
+      <a:lightRig rig="threePt" dir="t"/>
+    </dgm:scene3d>
+    <dgm:txPr/>
+    <dgm:style>
+      <a:lnRef idx="2">
+        <a:scrgbClr r="0" g="0" b="0"/>
+      </a:lnRef>
+      <a:fillRef idx="1">
+        <a:scrgbClr r="0" g="0" b="0"/>
+      </a:fillRef>
+      <a:effectRef idx="0">
+        <a:scrgbClr r="0" g="0" b="0"/>
+      </a:effectRef>
+      <a:fontRef idx="minor"/>
+    </dgm:style>
+  </dgm:styleLbl>
+  <dgm:styleLbl name="bgImgPlace1">
+    <dgm:scene3d>
+      <a:camera prst="orthographicFront"/>
+      <a:lightRig rig="threePt" dir="t"/>
+    </dgm:scene3d>
+    <dgm:txPr/>
+    <dgm:style>
+      <a:lnRef idx="2">
+        <a:scrgbClr r="0" g="0" b="0"/>
+      </a:lnRef>
+      <a:fillRef idx="1">
+        <a:scrgbClr r="0" g="0" b="0"/>
+      </a:fillRef>
+      <a:effectRef idx="0">
+        <a:scrgbClr r="0" g="0" b="0"/>
+      </a:effectRef>
+      <a:fontRef idx="minor"/>
+    </dgm:style>
+  </dgm:styleLbl>
+  <dgm:styleLbl name="bgShp">
+    <dgm:scene3d>
+      <a:camera prst="orthographicFront"/>
+      <a:lightRig rig="threePt" dir="t"/>
+    </dgm:scene3d>
+    <dgm:txPr/>
+    <dgm:style>
+      <a:lnRef idx="0">
+        <a:scrgbClr r="0" g="0" b="0"/>
+      </a:lnRef>
+      <a:fillRef idx="1">
+        <a:scrgbClr r="0" g="0" b="0"/>
+      </a:fillRef>
+      <a:effectRef idx="0">
+        <a:scrgbClr r="0" g="0" b="0"/>
+      </a:effectRef>
+      <a:fontRef idx="minor"/>
+    </dgm:style>
+  </dgm:styleLbl>
+  <dgm:styleLbl name="bgSibTrans2D1">
+    <dgm:scene3d>
+      <a:camera prst="orthographicFront"/>
+      <a:lightRig rig="threePt" dir="t"/>
+    </dgm:scene3d>
+    <dgm:txPr/>
+    <dgm:style>
+      <a:lnRef idx="0">
+        <a:scrgbClr r="0" g="0" b="0"/>
+      </a:lnRef>
+      <a:fillRef idx="1">
+        <a:scrgbClr r="0" g="0" b="0"/>
+      </a:fillRef>
+      <a:effectRef idx="0">
+        <a:scrgbClr r="0" g="0" b="0"/>
+      </a:effectRef>
+      <a:fontRef idx="minor">
+        <a:schemeClr val="lt1"/>
+      </a:fontRef>
+    </dgm:style>
+  </dgm:styleLbl>
+  <dgm:styleLbl name="callout">
+    <dgm:scene3d>
+      <a:camera prst="orthographicFront"/>
+      <a:lightRig rig="threePt" dir="t"/>
+    </dgm:scene3d>
+    <dgm:txPr/>
+    <dgm:style>
+      <a:lnRef idx="2">
+        <a:scrgbClr r="0" g="0" b="0"/>
+      </a:lnRef>
+      <a:fillRef idx="1">
+        <a:scrgbClr r="0" g="0" b="0"/>
+      </a:fillRef>
+      <a:effectRef idx="0">
+        <a:scrgbClr r="0" g="0" b="0"/>
+      </a:effectRef>
+      <a:fontRef idx="minor"/>
+    </dgm:style>
+  </dgm:styleLbl>
+  <dgm:styleLbl name="conFgAcc1">
+    <dgm:scene3d>
+      <a:camera prst="orthographicFront"/>
+      <a:lightRig rig="threePt" dir="t"/>
+    </dgm:scene3d>
+    <dgm:txPr/>
+    <dgm:style>
+      <a:lnRef idx="2">
+        <a:scrgbClr r="0" g="0" b="0"/>
+      </a:lnRef>
+      <a:fillRef idx="1">
+        <a:scrgbClr r="0" g="0" b="0"/>
+      </a:fillRef>
+      <a:effectRef idx="0">
+        <a:scrgbClr r="0" g="0" b="0"/>
+      </a:effectRef>
+      <a:fontRef idx="minor"/>
+    </dgm:style>
+  </dgm:styleLbl>
+  <dgm:styleLbl name="dkBgShp">
+    <dgm:scene3d>
+      <a:camera prst="orthographicFront"/>
+      <a:lightRig rig="threePt" dir="t"/>
+    </dgm:scene3d>
+    <dgm:txPr/>
+    <dgm:style>
+      <a:lnRef idx="0">
+        <a:scrgbClr r="0" g="0" b="0"/>
+      </a:lnRef>
+      <a:fillRef idx="1">
+        <a:scrgbClr r="0" g="0" b="0"/>
+      </a:fillRef>
+      <a:effectRef idx="0">
+        <a:scrgbClr r="0" g="0" b="0"/>
+      </a:effectRef>
+      <a:fontRef idx="minor"/>
+    </dgm:style>
+  </dgm:styleLbl>
+  <dgm:styleLbl name="fgAcc0">
+    <dgm:scene3d>
+      <a:camera prst="orthographicFront"/>
+      <a:lightRig rig="threePt" dir="t"/>
+    </dgm:scene3d>
+    <dgm:txPr/>
+    <dgm:style>
+      <a:lnRef idx="2">
+        <a:scrgbClr r="0" g="0" b="0"/>
+      </a:lnRef>
+      <a:fillRef idx="1">
+        <a:scrgbClr r="0" g="0" b="0"/>
+      </a:fillRef>
+      <a:effectRef idx="0">
+        <a:scrgbClr r="0" g="0" b="0"/>
+      </a:effectRef>
+      <a:fontRef idx="minor"/>
+    </dgm:style>
+  </dgm:styleLbl>
+  <dgm:styleLbl name="fgAcc1">
+    <dgm:scene3d>
+      <a:camera prst="orthographicFront"/>
+      <a:lightRig rig="threePt" dir="t"/>
+    </dgm:scene3d>
+    <dgm:txPr/>
+    <dgm:style>
+      <a:lnRef idx="2">
+        <a:scrgbClr r="0" g="0" b="0"/>
+      </a:lnRef>
+      <a:fillRef idx="1">
+        <a:scrgbClr r="0" g="0" b="0"/>
+      </a:fillRef>
+      <a:effectRef idx="0">
+        <a:scrgbClr r="0" g="0" b="0"/>
+      </a:effectRef>
+      <a:fontRef idx="minor"/>
+    </dgm:style>
+  </dgm:styleLbl>
+  <dgm:styleLbl name="fgAcc2">
+    <dgm:scene3d>
+      <a:camera prst="orthographicFront"/>
+      <a:lightRig rig="threePt" dir="t"/>
+    </dgm:scene3d>
+    <dgm:txPr/>
+    <dgm:style>
+      <a:lnRef idx="2">
+        <a:scrgbClr r="0" g="0" b="0"/>
+      </a:lnRef>
+      <a:fillRef idx="1">
+        <a:scrgbClr r="0" g="0" b="0"/>
+      </a:fillRef>
+      <a:effectRef idx="0">
+        <a:scrgbClr r="0" g="0" b="0"/>
+      </a:effectRef>
+      <a:fontRef idx="minor"/>
+    </dgm:style>
+  </dgm:styleLbl>
+  <dgm:styleLbl name="fgAcc3">
+    <dgm:scene3d>
+      <a:camera prst="orthographicFront"/>
+      <a:lightRig rig="threePt" dir="t"/>
+    </dgm:scene3d>
+    <dgm:txPr/>
+    <dgm:style>
+      <a:lnRef idx="2">
+        <a:scrgbClr r="0" g="0" b="0"/>
+      </a:lnRef>
+      <a:fillRef idx="1">
+        <a:scrgbClr r="0" g="0" b="0"/>
+      </a:fillRef>
+      <a:effectRef idx="0">
+        <a:scrgbClr r="0" g="0" b="0"/>
+      </a:effectRef>
+      <a:fontRef idx="minor"/>
+    </dgm:style>
+  </dgm:styleLbl>
+  <dgm:styleLbl name="fgAcc4">
+    <dgm:scene3d>
+      <a:camera prst="orthographicFront"/>
+      <a:lightRig rig="threePt" dir="t"/>
+    </dgm:scene3d>
+    <dgm:txPr/>
+    <dgm:style>
+      <a:lnRef idx="2">
+        <a:scrgbClr r="0" g="0" b="0"/>
+      </a:lnRef>
+      <a:fillRef idx="1">
+        <a:scrgbClr r="0" g="0" b="0"/>
+      </a:fillRef>
+      <a:effectRef idx="0">
+        <a:scrgbClr r="0" g="0" b="0"/>
+      </a:effectRef>
+      <a:fontRef idx="minor"/>
+    </dgm:style>
+  </dgm:styleLbl>
+  <dgm:styleLbl name="fgAccFollowNode1">
+    <dgm:scene3d>
+      <a:camera prst="orthographicFront"/>
+      <a:lightRig rig="threePt" dir="t"/>
+    </dgm:scene3d>
+    <dgm:txPr/>
+    <dgm:style>
+      <a:lnRef idx="2">
+        <a:scrgbClr r="0" g="0" b="0"/>
+      </a:lnRef>
+      <a:fillRef idx="1">
+        <a:scrgbClr r="0" g="0" b="0"/>
+      </a:fillRef>
+      <a:effectRef idx="0">
+        <a:scrgbClr r="0" g="0" b="0"/>
+      </a:effectRef>
+      <a:fontRef idx="minor"/>
+    </dgm:style>
+  </dgm:styleLbl>
+  <dgm:styleLbl name="fgImgPlace1">
+    <dgm:scene3d>
+      <a:camera prst="orthographicFront"/>
+      <a:lightRig rig="threePt" dir="t"/>
+    </dgm:scene3d>
+    <dgm:txPr/>
+    <dgm:style>
+      <a:lnRef idx="2">
+        <a:scrgbClr r="0" g="0" b="0"/>
+      </a:lnRef>
+      <a:fillRef idx="1">
+        <a:scrgbClr r="0" g="0" b="0"/>
+      </a:fillRef>
+      <a:effectRef idx="0">
+        <a:scrgbClr r="0" g="0" b="0"/>
+      </a:effectRef>
+      <a:fontRef idx="minor"/>
+    </dgm:style>
+  </dgm:styleLbl>
+  <dgm:styleLbl name="fgShp">
+    <dgm:scene3d>
+      <a:camera prst="orthographicFront"/>
+      <a:lightRig rig="threePt" dir="t"/>
+    </dgm:scene3d>
+    <dgm:txPr/>
+    <dgm:style>
+      <a:lnRef idx="2">
+        <a:scrgbClr r="0" g="0" b="0"/>
+      </a:lnRef>
+      <a:fillRef idx="1">
+        <a:scrgbClr r="0" g="0" b="0"/>
+      </a:fillRef>
+      <a:effectRef idx="0">
+        <a:scrgbClr r="0" g="0" b="0"/>
+      </a:effectRef>
+      <a:fontRef idx="minor"/>
+    </dgm:style>
+  </dgm:styleLbl>
+  <dgm:styleLbl name="fgSibTrans2D1">
+    <dgm:scene3d>
+      <a:camera prst="orthographicFront"/>
+      <a:lightRig rig="threePt" dir="t"/>
+    </dgm:scene3d>
+    <dgm:txPr/>
+    <dgm:style>
+      <a:lnRef idx="0">
         <a:scrgbClr r="0" g="0" b="0"/>
       </a:lnRef>
       <a:fillRef idx="1">
@@ -2507,7 +2979,6 @@
       <a:camera prst="orthographicFront"/>
       <a:lightRig rig="threePt" dir="t"/>
     </dgm:scene3d>
-    <dgm:sp3d/>
     <dgm:txPr/>
     <dgm:style>
       <a:lnRef idx="2">
@@ -2524,34 +2995,11 @@
       </a:fontRef>
     </dgm:style>
   </dgm:styleLbl>
-  <dgm:styleLbl name="vennNode1">
+  <dgm:styleLbl name="node0">
     <dgm:scene3d>
       <a:camera prst="orthographicFront"/>
       <a:lightRig rig="threePt" dir="t"/>
     </dgm:scene3d>
-    <dgm:sp3d/>
-    <dgm:txPr/>
-    <dgm:style>
-      <a:lnRef idx="2">
-        <a:scrgbClr r="0" g="0" b="0"/>
-      </a:lnRef>
-      <a:fillRef idx="1">
-        <a:scrgbClr r="0" g="0" b="0"/>
-      </a:fillRef>
-      <a:effectRef idx="0">
-        <a:scrgbClr r="0" g="0" b="0"/>
-      </a:effectRef>
-      <a:fontRef idx="minor">
-        <a:schemeClr val="tx1"/>
-      </a:fontRef>
-    </dgm:style>
-  </dgm:styleLbl>
-  <dgm:styleLbl name="alignNode1">
-    <dgm:scene3d>
-      <a:camera prst="orthographicFront"/>
-      <a:lightRig rig="threePt" dir="t"/>
-    </dgm:scene3d>
-    <dgm:sp3d/>
     <dgm:txPr/>
     <dgm:style>
       <a:lnRef idx="2">
@@ -2573,7 +3021,6 @@
       <a:camera prst="orthographicFront"/>
       <a:lightRig rig="threePt" dir="t"/>
     </dgm:scene3d>
-    <dgm:sp3d/>
     <dgm:txPr/>
     <dgm:style>
       <a:lnRef idx="2">
@@ -2595,7 +3042,6 @@
       <a:camera prst="orthographicFront"/>
       <a:lightRig rig="threePt" dir="t"/>
     </dgm:scene3d>
-    <dgm:sp3d/>
     <dgm:txPr/>
     <dgm:style>
       <a:lnRef idx="2">
@@ -2617,7 +3063,6 @@
       <a:camera prst="orthographicFront"/>
       <a:lightRig rig="threePt" dir="t"/>
     </dgm:scene3d>
-    <dgm:sp3d/>
     <dgm:txPr/>
     <dgm:style>
       <a:lnRef idx="2">
@@ -2639,7 +3084,6 @@
       <a:camera prst="orthographicFront"/>
       <a:lightRig rig="threePt" dir="t"/>
     </dgm:scene3d>
-    <dgm:sp3d/>
     <dgm:txPr/>
     <dgm:style>
       <a:lnRef idx="2">
@@ -2656,141 +3100,14 @@
       </a:fontRef>
     </dgm:style>
   </dgm:styleLbl>
-  <dgm:styleLbl name="fgImgPlace1">
+  <dgm:styleLbl name="parChTrans1D1">
     <dgm:scene3d>
       <a:camera prst="orthographicFront"/>
       <a:lightRig rig="threePt" dir="t"/>
     </dgm:scene3d>
-    <dgm:sp3d/>
     <dgm:txPr/>
     <dgm:style>
       <a:lnRef idx="2">
-        <a:scrgbClr r="0" g="0" b="0"/>
-      </a:lnRef>
-      <a:fillRef idx="1">
-        <a:scrgbClr r="0" g="0" b="0"/>
-      </a:fillRef>
-      <a:effectRef idx="0">
-        <a:scrgbClr r="0" g="0" b="0"/>
-      </a:effectRef>
-      <a:fontRef idx="minor"/>
-    </dgm:style>
-  </dgm:styleLbl>
-  <dgm:styleLbl name="alignImgPlace1">
-    <dgm:scene3d>
-      <a:camera prst="orthographicFront"/>
-      <a:lightRig rig="threePt" dir="t"/>
-    </dgm:scene3d>
-    <dgm:sp3d/>
-    <dgm:txPr/>
-    <dgm:style>
-      <a:lnRef idx="2">
-        <a:scrgbClr r="0" g="0" b="0"/>
-      </a:lnRef>
-      <a:fillRef idx="1">
-        <a:scrgbClr r="0" g="0" b="0"/>
-      </a:fillRef>
-      <a:effectRef idx="0">
-        <a:scrgbClr r="0" g="0" b="0"/>
-      </a:effectRef>
-      <a:fontRef idx="minor"/>
-    </dgm:style>
-  </dgm:styleLbl>
-  <dgm:styleLbl name="bgImgPlace1">
-    <dgm:scene3d>
-      <a:camera prst="orthographicFront"/>
-      <a:lightRig rig="threePt" dir="t"/>
-    </dgm:scene3d>
-    <dgm:sp3d/>
-    <dgm:txPr/>
-    <dgm:style>
-      <a:lnRef idx="2">
-        <a:scrgbClr r="0" g="0" b="0"/>
-      </a:lnRef>
-      <a:fillRef idx="1">
-        <a:scrgbClr r="0" g="0" b="0"/>
-      </a:fillRef>
-      <a:effectRef idx="0">
-        <a:scrgbClr r="0" g="0" b="0"/>
-      </a:effectRef>
-      <a:fontRef idx="minor"/>
-    </dgm:style>
-  </dgm:styleLbl>
-  <dgm:styleLbl name="sibTrans2D1">
-    <dgm:scene3d>
-      <a:camera prst="orthographicFront"/>
-      <a:lightRig rig="threePt" dir="t"/>
-    </dgm:scene3d>
-    <dgm:sp3d/>
-    <dgm:txPr/>
-    <dgm:style>
-      <a:lnRef idx="0">
-        <a:scrgbClr r="0" g="0" b="0"/>
-      </a:lnRef>
-      <a:fillRef idx="1">
-        <a:scrgbClr r="0" g="0" b="0"/>
-      </a:fillRef>
-      <a:effectRef idx="0">
-        <a:scrgbClr r="0" g="0" b="0"/>
-      </a:effectRef>
-      <a:fontRef idx="minor">
-        <a:schemeClr val="lt1"/>
-      </a:fontRef>
-    </dgm:style>
-  </dgm:styleLbl>
-  <dgm:styleLbl name="fgSibTrans2D1">
-    <dgm:scene3d>
-      <a:camera prst="orthographicFront"/>
-      <a:lightRig rig="threePt" dir="t"/>
-    </dgm:scene3d>
-    <dgm:sp3d/>
-    <dgm:txPr/>
-    <dgm:style>
-      <a:lnRef idx="0">
-        <a:scrgbClr r="0" g="0" b="0"/>
-      </a:lnRef>
-      <a:fillRef idx="1">
-        <a:scrgbClr r="0" g="0" b="0"/>
-      </a:fillRef>
-      <a:effectRef idx="0">
-        <a:scrgbClr r="0" g="0" b="0"/>
-      </a:effectRef>
-      <a:fontRef idx="minor">
-        <a:schemeClr val="lt1"/>
-      </a:fontRef>
-    </dgm:style>
-  </dgm:styleLbl>
-  <dgm:styleLbl name="bgSibTrans2D1">
-    <dgm:scene3d>
-      <a:camera prst="orthographicFront"/>
-      <a:lightRig rig="threePt" dir="t"/>
-    </dgm:scene3d>
-    <dgm:sp3d/>
-    <dgm:txPr/>
-    <dgm:style>
-      <a:lnRef idx="0">
-        <a:scrgbClr r="0" g="0" b="0"/>
-      </a:lnRef>
-      <a:fillRef idx="1">
-        <a:scrgbClr r="0" g="0" b="0"/>
-      </a:fillRef>
-      <a:effectRef idx="0">
-        <a:scrgbClr r="0" g="0" b="0"/>
-      </a:effectRef>
-      <a:fontRef idx="minor">
-        <a:schemeClr val="lt1"/>
-      </a:fontRef>
-    </dgm:style>
-  </dgm:styleLbl>
-  <dgm:styleLbl name="sibTrans1D1">
-    <dgm:scene3d>
-      <a:camera prst="orthographicFront"/>
-      <a:lightRig rig="threePt" dir="t"/>
-    </dgm:scene3d>
-    <dgm:sp3d/>
-    <dgm:txPr/>
-    <dgm:style>
-      <a:lnRef idx="1">
         <a:scrgbClr r="0" g="0" b="0"/>
       </a:lnRef>
       <a:fillRef idx="0">
@@ -2802,18 +3119,17 @@
       <a:fontRef idx="minor"/>
     </dgm:style>
   </dgm:styleLbl>
-  <dgm:styleLbl name="callout">
+  <dgm:styleLbl name="parChTrans1D2">
     <dgm:scene3d>
       <a:camera prst="orthographicFront"/>
       <a:lightRig rig="threePt" dir="t"/>
     </dgm:scene3d>
-    <dgm:sp3d/>
     <dgm:txPr/>
     <dgm:style>
       <a:lnRef idx="2">
         <a:scrgbClr r="0" g="0" b="0"/>
       </a:lnRef>
-      <a:fillRef idx="1">
+      <a:fillRef idx="0">
         <a:scrgbClr r="0" g="0" b="0"/>
       </a:fillRef>
       <a:effectRef idx="0">
@@ -2822,114 +3138,42 @@
       <a:fontRef idx="minor"/>
     </dgm:style>
   </dgm:styleLbl>
-  <dgm:styleLbl name="asst0">
+  <dgm:styleLbl name="parChTrans1D3">
     <dgm:scene3d>
       <a:camera prst="orthographicFront"/>
       <a:lightRig rig="threePt" dir="t"/>
     </dgm:scene3d>
-    <dgm:sp3d/>
     <dgm:txPr/>
     <dgm:style>
       <a:lnRef idx="2">
         <a:scrgbClr r="0" g="0" b="0"/>
       </a:lnRef>
-      <a:fillRef idx="1">
+      <a:fillRef idx="0">
         <a:scrgbClr r="0" g="0" b="0"/>
       </a:fillRef>
       <a:effectRef idx="0">
         <a:scrgbClr r="0" g="0" b="0"/>
       </a:effectRef>
-      <a:fontRef idx="minor">
-        <a:schemeClr val="lt1"/>
-      </a:fontRef>
+      <a:fontRef idx="minor"/>
     </dgm:style>
   </dgm:styleLbl>
-  <dgm:styleLbl name="asst1">
+  <dgm:styleLbl name="parChTrans1D4">
     <dgm:scene3d>
       <a:camera prst="orthographicFront"/>
       <a:lightRig rig="threePt" dir="t"/>
     </dgm:scene3d>
-    <dgm:sp3d/>
     <dgm:txPr/>
     <dgm:style>
       <a:lnRef idx="2">
         <a:scrgbClr r="0" g="0" b="0"/>
       </a:lnRef>
-      <a:fillRef idx="1">
+      <a:fillRef idx="0">
         <a:scrgbClr r="0" g="0" b="0"/>
       </a:fillRef>
       <a:effectRef idx="0">
         <a:scrgbClr r="0" g="0" b="0"/>
       </a:effectRef>
-      <a:fontRef idx="minor">
-        <a:schemeClr val="lt1"/>
-      </a:fontRef>
-    </dgm:style>
-  </dgm:styleLbl>
-  <dgm:styleLbl name="asst2">
-    <dgm:scene3d>
-      <a:camera prst="orthographicFront"/>
-      <a:lightRig rig="threePt" dir="t"/>
-    </dgm:scene3d>
-    <dgm:sp3d/>
-    <dgm:txPr/>
-    <dgm:style>
-      <a:lnRef idx="2">
-        <a:scrgbClr r="0" g="0" b="0"/>
-      </a:lnRef>
-      <a:fillRef idx="1">
-        <a:scrgbClr r="0" g="0" b="0"/>
-      </a:fillRef>
-      <a:effectRef idx="0">
-        <a:scrgbClr r="0" g="0" b="0"/>
-      </a:effectRef>
-      <a:fontRef idx="minor">
-        <a:schemeClr val="lt1"/>
-      </a:fontRef>
-    </dgm:style>
-  </dgm:styleLbl>
-  <dgm:styleLbl name="asst3">
-    <dgm:scene3d>
-      <a:camera prst="orthographicFront"/>
-      <a:lightRig rig="threePt" dir="t"/>
-    </dgm:scene3d>
-    <dgm:sp3d/>
-    <dgm:txPr/>
-    <dgm:style>
-      <a:lnRef idx="2">
-        <a:scrgbClr r="0" g="0" b="0"/>
-      </a:lnRef>
-      <a:fillRef idx="1">
-        <a:scrgbClr r="0" g="0" b="0"/>
-      </a:fillRef>
-      <a:effectRef idx="0">
-        <a:scrgbClr r="0" g="0" b="0"/>
-      </a:effectRef>
-      <a:fontRef idx="minor">
-        <a:schemeClr val="lt1"/>
-      </a:fontRef>
-    </dgm:style>
-  </dgm:styleLbl>
-  <dgm:styleLbl name="asst4">
-    <dgm:scene3d>
-      <a:camera prst="orthographicFront"/>
-      <a:lightRig rig="threePt" dir="t"/>
-    </dgm:scene3d>
-    <dgm:sp3d/>
-    <dgm:txPr/>
-    <dgm:style>
-      <a:lnRef idx="2">
-        <a:scrgbClr r="0" g="0" b="0"/>
-      </a:lnRef>
-      <a:fillRef idx="1">
-        <a:scrgbClr r="0" g="0" b="0"/>
-      </a:fillRef>
-      <a:effectRef idx="0">
-        <a:scrgbClr r="0" g="0" b="0"/>
-      </a:effectRef>
-      <a:fontRef idx="minor">
-        <a:schemeClr val="lt1"/>
-      </a:fontRef>
+      <a:fontRef idx="minor"/>
     </dgm:style>
   </dgm:styleLbl>
   <dgm:styleLbl name="parChTrans2D1">
@@ -2937,7 +3181,6 @@
       <a:camera prst="orthographicFront"/>
       <a:lightRig rig="threePt" dir="t"/>
     </dgm:scene3d>
-    <dgm:sp3d/>
     <dgm:txPr/>
     <dgm:style>
       <a:lnRef idx="2">
@@ -2959,7 +3202,6 @@
       <a:camera prst="orthographicFront"/>
       <a:lightRig rig="threePt" dir="t"/>
     </dgm:scene3d>
-    <dgm:sp3d/>
     <dgm:txPr/>
     <dgm:style>
       <a:lnRef idx="2">
@@ -2981,7 +3223,6 @@
       <a:camera prst="orthographicFront"/>
       <a:lightRig rig="threePt" dir="t"/>
     </dgm:scene3d>
-    <dgm:sp3d/>
     <dgm:txPr/>
     <dgm:style>
       <a:lnRef idx="2">
@@ -3003,7 +3244,6 @@
       <a:camera prst="orthographicFront"/>
       <a:lightRig rig="threePt" dir="t"/>
     </dgm:scene3d>
-    <dgm:sp3d/>
     <dgm:txPr/>
     <dgm:style>
       <a:lnRef idx="2">
@@ -3020,15 +3260,14 @@
       </a:fontRef>
     </dgm:style>
   </dgm:styleLbl>
-  <dgm:styleLbl name="parChTrans1D1">
+  <dgm:styleLbl name="revTx">
     <dgm:scene3d>
       <a:camera prst="orthographicFront"/>
       <a:lightRig rig="threePt" dir="t"/>
     </dgm:scene3d>
-    <dgm:sp3d/>
     <dgm:txPr/>
     <dgm:style>
-      <a:lnRef idx="2">
+      <a:lnRef idx="0">
         <a:scrgbClr r="0" g="0" b="0"/>
       </a:lnRef>
       <a:fillRef idx="0">
@@ -3040,15 +3279,14 @@
       <a:fontRef idx="minor"/>
     </dgm:style>
   </dgm:styleLbl>
-  <dgm:styleLbl name="parChTrans1D2">
+  <dgm:styleLbl name="sibTrans1D1">
     <dgm:scene3d>
       <a:camera prst="orthographicFront"/>
       <a:lightRig rig="threePt" dir="t"/>
     </dgm:scene3d>
-    <dgm:sp3d/>
     <dgm:txPr/>
     <dgm:style>
-      <a:lnRef idx="2">
+      <a:lnRef idx="1">
         <a:scrgbClr r="0" g="0" b="0"/>
       </a:lnRef>
       <a:fillRef idx="0">
@@ -3060,52 +3298,32 @@
       <a:fontRef idx="minor"/>
     </dgm:style>
   </dgm:styleLbl>
-  <dgm:styleLbl name="parChTrans1D3">
+  <dgm:styleLbl name="sibTrans2D1">
     <dgm:scene3d>
       <a:camera prst="orthographicFront"/>
       <a:lightRig rig="threePt" dir="t"/>
     </dgm:scene3d>
-    <dgm:sp3d/>
     <dgm:txPr/>
     <dgm:style>
-      <a:lnRef idx="2">
+      <a:lnRef idx="0">
         <a:scrgbClr r="0" g="0" b="0"/>
       </a:lnRef>
-      <a:fillRef idx="0">
+      <a:fillRef idx="1">
         <a:scrgbClr r="0" g="0" b="0"/>
       </a:fillRef>
       <a:effectRef idx="0">
         <a:scrgbClr r="0" g="0" b="0"/>
       </a:effectRef>
-      <a:fontRef idx="minor"/>
+      <a:fontRef idx="minor">
+        <a:schemeClr val="lt1"/>
+      </a:fontRef>
     </dgm:style>
   </dgm:styleLbl>
-  <dgm:styleLbl name="parChTrans1D4">
+  <dgm:styleLbl name="solidAlignAcc1">
     <dgm:scene3d>
       <a:camera prst="orthographicFront"/>
       <a:lightRig rig="threePt" dir="t"/>
     </dgm:scene3d>
-    <dgm:sp3d/>
-    <dgm:txPr/>
-    <dgm:style>
-      <a:lnRef idx="2">
-        <a:scrgbClr r="0" g="0" b="0"/>
-      </a:lnRef>
-      <a:fillRef idx="0">
-        <a:scrgbClr r="0" g="0" b="0"/>
-      </a:fillRef>
-      <a:effectRef idx="0">
-        <a:scrgbClr r="0" g="0" b="0"/>
-      </a:effectRef>
-      <a:fontRef idx="minor"/>
-    </dgm:style>
-  </dgm:styleLbl>
-  <dgm:styleLbl name="fgAcc1">
-    <dgm:scene3d>
-      <a:camera prst="orthographicFront"/>
-      <a:lightRig rig="threePt" dir="t"/>
-    </dgm:scene3d>
-    <dgm:sp3d/>
     <dgm:txPr/>
     <dgm:style>
       <a:lnRef idx="2">
@@ -3120,12 +3338,11 @@
       <a:fontRef idx="minor"/>
     </dgm:style>
   </dgm:styleLbl>
-  <dgm:styleLbl name="conFgAcc1">
+  <dgm:styleLbl name="solidBgAcc1">
     <dgm:scene3d>
       <a:camera prst="orthographicFront"/>
       <a:lightRig rig="threePt" dir="t"/>
     </dgm:scene3d>
-    <dgm:sp3d/>
     <dgm:txPr/>
     <dgm:style>
       <a:lnRef idx="2">
@@ -3140,12 +3357,11 @@
       <a:fontRef idx="minor"/>
     </dgm:style>
   </dgm:styleLbl>
-  <dgm:styleLbl name="alignAcc1">
+  <dgm:styleLbl name="solidFgAcc1">
     <dgm:scene3d>
       <a:camera prst="orthographicFront"/>
       <a:lightRig rig="threePt" dir="t"/>
     </dgm:scene3d>
-    <dgm:sp3d/>
     <dgm:txPr/>
     <dgm:style>
       <a:lnRef idx="2">
@@ -3165,270 +3381,9 @@
       <a:camera prst="orthographicFront"/>
       <a:lightRig rig="threePt" dir="t"/>
     </dgm:scene3d>
-    <dgm:sp3d/>
     <dgm:txPr/>
     <dgm:style>
       <a:lnRef idx="1">
-        <a:scrgbClr r="0" g="0" b="0"/>
-      </a:lnRef>
-      <a:fillRef idx="1">
-        <a:scrgbClr r="0" g="0" b="0"/>
-      </a:fillRef>
-      <a:effectRef idx="0">
-        <a:scrgbClr r="0" g="0" b="0"/>
-      </a:effectRef>
-      <a:fontRef idx="minor"/>
-    </dgm:style>
-  </dgm:styleLbl>
-  <dgm:styleLbl name="bgAcc1">
-    <dgm:scene3d>
-      <a:camera prst="orthographicFront"/>
-      <a:lightRig rig="threePt" dir="t"/>
-    </dgm:scene3d>
-    <dgm:sp3d/>
-    <dgm:txPr/>
-    <dgm:style>
-      <a:lnRef idx="2">
-        <a:scrgbClr r="0" g="0" b="0"/>
-      </a:lnRef>
-      <a:fillRef idx="1">
-        <a:scrgbClr r="0" g="0" b="0"/>
-      </a:fillRef>
-      <a:effectRef idx="0">
-        <a:scrgbClr r="0" g="0" b="0"/>
-      </a:effectRef>
-      <a:fontRef idx="minor"/>
-    </dgm:style>
-  </dgm:styleLbl>
-  <dgm:styleLbl name="solidFgAcc1">
-    <dgm:scene3d>
-      <a:camera prst="orthographicFront"/>
-      <a:lightRig rig="threePt" dir="t"/>
-    </dgm:scene3d>
-    <dgm:sp3d/>
-    <dgm:txPr/>
-    <dgm:style>
-      <a:lnRef idx="2">
-        <a:scrgbClr r="0" g="0" b="0"/>
-      </a:lnRef>
-      <a:fillRef idx="1">
-        <a:scrgbClr r="0" g="0" b="0"/>
-      </a:fillRef>
-      <a:effectRef idx="0">
-        <a:scrgbClr r="0" g="0" b="0"/>
-      </a:effectRef>
-      <a:fontRef idx="minor"/>
-    </dgm:style>
-  </dgm:styleLbl>
-  <dgm:styleLbl name="solidAlignAcc1">
-    <dgm:scene3d>
-      <a:camera prst="orthographicFront"/>
-      <a:lightRig rig="threePt" dir="t"/>
-    </dgm:scene3d>
-    <dgm:sp3d/>
-    <dgm:txPr/>
-    <dgm:style>
-      <a:lnRef idx="2">
-        <a:scrgbClr r="0" g="0" b="0"/>
-      </a:lnRef>
-      <a:fillRef idx="1">
-        <a:scrgbClr r="0" g="0" b="0"/>
-      </a:fillRef>
-      <a:effectRef idx="0">
-        <a:scrgbClr r="0" g="0" b="0"/>
-      </a:effectRef>
-      <a:fontRef idx="minor"/>
-    </dgm:style>
-  </dgm:styleLbl>
-  <dgm:styleLbl name="solidBgAcc1">
-    <dgm:scene3d>
-      <a:camera prst="orthographicFront"/>
-      <a:lightRig rig="threePt" dir="t"/>
-    </dgm:scene3d>
-    <dgm:sp3d/>
-    <dgm:txPr/>
-    <dgm:style>
-      <a:lnRef idx="2">
-        <a:scrgbClr r="0" g="0" b="0"/>
-      </a:lnRef>
-      <a:fillRef idx="1">
-        <a:scrgbClr r="0" g="0" b="0"/>
-      </a:fillRef>
-      <a:effectRef idx="0">
-        <a:scrgbClr r="0" g="0" b="0"/>
-      </a:effectRef>
-      <a:fontRef idx="minor"/>
-    </dgm:style>
-  </dgm:styleLbl>
-  <dgm:styleLbl name="fgAccFollowNode1">
-    <dgm:scene3d>
-      <a:camera prst="orthographicFront"/>
-      <a:lightRig rig="threePt" dir="t"/>
-    </dgm:scene3d>
-    <dgm:sp3d/>
-    <dgm:txPr/>
-    <dgm:style>
-      <a:lnRef idx="2">
-        <a:scrgbClr r="0" g="0" b="0"/>
-      </a:lnRef>
-      <a:fillRef idx="1">
-        <a:scrgbClr r="0" g="0" b="0"/>
-      </a:fillRef>
-      <a:effectRef idx="0">
-        <a:scrgbClr r="0" g="0" b="0"/>
-      </a:effectRef>
-      <a:fontRef idx="minor"/>
-    </dgm:style>
-  </dgm:styleLbl>
-  <dgm:styleLbl name="alignAccFollowNode1">
-    <dgm:scene3d>
-      <a:camera prst="orthographicFront"/>
-      <a:lightRig rig="threePt" dir="t"/>
-    </dgm:scene3d>
-    <dgm:sp3d/>
-    <dgm:txPr/>
-    <dgm:style>
-      <a:lnRef idx="2">
-        <a:scrgbClr r="0" g="0" b="0"/>
-      </a:lnRef>
-      <a:fillRef idx="1">
-        <a:scrgbClr r="0" g="0" b="0"/>
-      </a:fillRef>
-      <a:effectRef idx="0">
-        <a:scrgbClr r="0" g="0" b="0"/>
-      </a:effectRef>
-      <a:fontRef idx="minor"/>
-    </dgm:style>
-  </dgm:styleLbl>
-  <dgm:styleLbl name="bgAccFollowNode1">
-    <dgm:scene3d>
-      <a:camera prst="orthographicFront"/>
-      <a:lightRig rig="threePt" dir="t"/>
-    </dgm:scene3d>
-    <dgm:sp3d/>
-    <dgm:txPr/>
-    <dgm:style>
-      <a:lnRef idx="2">
-        <a:scrgbClr r="0" g="0" b="0"/>
-      </a:lnRef>
-      <a:fillRef idx="1">
-        <a:scrgbClr r="0" g="0" b="0"/>
-      </a:fillRef>
-      <a:effectRef idx="0">
-        <a:scrgbClr r="0" g="0" b="0"/>
-      </a:effectRef>
-      <a:fontRef idx="minor"/>
-    </dgm:style>
-  </dgm:styleLbl>
-  <dgm:styleLbl name="fgAcc0">
-    <dgm:scene3d>
-      <a:camera prst="orthographicFront"/>
-      <a:lightRig rig="threePt" dir="t"/>
-    </dgm:scene3d>
-    <dgm:sp3d/>
-    <dgm:txPr/>
-    <dgm:style>
-      <a:lnRef idx="2">
-        <a:scrgbClr r="0" g="0" b="0"/>
-      </a:lnRef>
-      <a:fillRef idx="1">
-        <a:scrgbClr r="0" g="0" b="0"/>
-      </a:fillRef>
-      <a:effectRef idx="0">
-        <a:scrgbClr r="0" g="0" b="0"/>
-      </a:effectRef>
-      <a:fontRef idx="minor"/>
-    </dgm:style>
-  </dgm:styleLbl>
-  <dgm:styleLbl name="fgAcc2">
-    <dgm:scene3d>
-      <a:camera prst="orthographicFront"/>
-      <a:lightRig rig="threePt" dir="t"/>
-    </dgm:scene3d>
-    <dgm:sp3d/>
-    <dgm:txPr/>
-    <dgm:style>
-      <a:lnRef idx="2">
-        <a:scrgbClr r="0" g="0" b="0"/>
-      </a:lnRef>
-      <a:fillRef idx="1">
-        <a:scrgbClr r="0" g="0" b="0"/>
-      </a:fillRef>
-      <a:effectRef idx="0">
-        <a:scrgbClr r="0" g="0" b="0"/>
-      </a:effectRef>
-      <a:fontRef idx="minor"/>
-    </dgm:style>
-  </dgm:styleLbl>
-  <dgm:styleLbl name="fgAcc3">
-    <dgm:scene3d>
-      <a:camera prst="orthographicFront"/>
-      <a:lightRig rig="threePt" dir="t"/>
-    </dgm:scene3d>
-    <dgm:sp3d/>
-    <dgm:txPr/>
-    <dgm:style>
-      <a:lnRef idx="2">
-        <a:scrgbClr r="0" g="0" b="0"/>
-      </a:lnRef>
-      <a:fillRef idx="1">
-        <a:scrgbClr r="0" g="0" b="0"/>
-      </a:fillRef>
-      <a:effectRef idx="0">
-        <a:scrgbClr r="0" g="0" b="0"/>
-      </a:effectRef>
-      <a:fontRef idx="minor"/>
-    </dgm:style>
-  </dgm:styleLbl>
-  <dgm:styleLbl name="fgAcc4">
-    <dgm:scene3d>
-      <a:camera prst="orthographicFront"/>
-      <a:lightRig rig="threePt" dir="t"/>
-    </dgm:scene3d>
-    <dgm:sp3d/>
-    <dgm:txPr/>
-    <dgm:style>
-      <a:lnRef idx="2">
-        <a:scrgbClr r="0" g="0" b="0"/>
-      </a:lnRef>
-      <a:fillRef idx="1">
-        <a:scrgbClr r="0" g="0" b="0"/>
-      </a:fillRef>
-      <a:effectRef idx="0">
-        <a:scrgbClr r="0" g="0" b="0"/>
-      </a:effectRef>
-      <a:fontRef idx="minor"/>
-    </dgm:style>
-  </dgm:styleLbl>
-  <dgm:styleLbl name="bgShp">
-    <dgm:scene3d>
-      <a:camera prst="orthographicFront"/>
-      <a:lightRig rig="threePt" dir="t"/>
-    </dgm:scene3d>
-    <dgm:sp3d/>
-    <dgm:txPr/>
-    <dgm:style>
-      <a:lnRef idx="0">
-        <a:scrgbClr r="0" g="0" b="0"/>
-      </a:lnRef>
-      <a:fillRef idx="1">
-        <a:scrgbClr r="0" g="0" b="0"/>
-      </a:fillRef>
-      <a:effectRef idx="0">
-        <a:scrgbClr r="0" g="0" b="0"/>
-      </a:effectRef>
-      <a:fontRef idx="minor"/>
-    </dgm:style>
-  </dgm:styleLbl>
-  <dgm:styleLbl name="dkBgShp">
-    <dgm:scene3d>
-      <a:camera prst="orthographicFront"/>
-      <a:lightRig rig="threePt" dir="t"/>
-    </dgm:scene3d>
-    <dgm:sp3d/>
-    <dgm:txPr/>
-    <dgm:style>
-      <a:lnRef idx="0">
         <a:scrgbClr r="0" g="0" b="0"/>
       </a:lnRef>
       <a:fillRef idx="1">
@@ -3445,7 +3400,6 @@
       <a:camera prst="orthographicFront"/>
       <a:lightRig rig="threePt" dir="t"/>
     </dgm:scene3d>
-    <dgm:sp3d/>
     <dgm:txPr/>
     <dgm:style>
       <a:lnRef idx="0">
@@ -3460,12 +3414,11 @@
       <a:fontRef idx="minor"/>
     </dgm:style>
   </dgm:styleLbl>
-  <dgm:styleLbl name="fgShp">
+  <dgm:styleLbl name="vennNode1">
     <dgm:scene3d>
       <a:camera prst="orthographicFront"/>
       <a:lightRig rig="threePt" dir="t"/>
     </dgm:scene3d>
-    <dgm:sp3d/>
     <dgm:txPr/>
     <dgm:style>
       <a:lnRef idx="2">
@@ -3477,27 +3430,9 @@
       <a:effectRef idx="0">
         <a:scrgbClr r="0" g="0" b="0"/>
       </a:effectRef>
-      <a:fontRef idx="minor"/>
-    </dgm:style>
-  </dgm:styleLbl>
-  <dgm:styleLbl name="revTx">
-    <dgm:scene3d>
-      <a:camera prst="orthographicFront"/>
-      <a:lightRig rig="threePt" dir="t"/>
-    </dgm:scene3d>
-    <dgm:sp3d/>
-    <dgm:txPr/>
-    <dgm:style>
-      <a:lnRef idx="0">
-        <a:scrgbClr r="0" g="0" b="0"/>
-      </a:lnRef>
-      <a:fillRef idx="0">
-        <a:scrgbClr r="0" g="0" b="0"/>
-      </a:fillRef>
-      <a:effectRef idx="0">
-        <a:scrgbClr r="0" g="0" b="0"/>
-      </a:effectRef>
-      <a:fontRef idx="minor"/>
+      <a:fontRef idx="minor">
+        <a:schemeClr val="tx1"/>
+      </a:fontRef>
     </dgm:style>
   </dgm:styleLbl>
 </dgm:styleDef>
@@ -3550,21 +3485,15 @@
           <a:ln w="9525">
             <a:noFill/>
             <a:miter lim="800000"/>
-            <a:headEnd/>
-            <a:tailEnd/>
           </a:ln>
           <a:effectLst/>
         </p:spPr>
         <p:txBody>
-          <a:bodyPr vert="horz" wrap="square" lIns="91440" tIns="45720" rIns="91440" bIns="45720" numCol="1" anchor="t" anchorCtr="0" compatLnSpc="1">
-            <a:prstTxWarp prst="textNoShape">
-              <a:avLst/>
-            </a:prstTxWarp>
-          </a:bodyPr>
+          <a:bodyPr vert="horz" wrap="square" lIns="91440" tIns="45720" rIns="91440" bIns="45720" numCol="1" anchor="t" anchorCtr="0" compatLnSpc="1"/>
           <a:lstStyle>
             <a:lvl1pPr>
               <a:defRPr sz="1200">
-                <a:latin typeface="Arial" charset="0"/>
+                <a:latin typeface="Arial" panose="020B0604020202020204" pitchFamily="34" charset="0"/>
                 <a:cs typeface="+mn-cs"/>
               </a:defRPr>
             </a:lvl1pPr>
@@ -3599,21 +3528,15 @@
           <a:ln w="9525">
             <a:noFill/>
             <a:miter lim="800000"/>
-            <a:headEnd/>
-            <a:tailEnd/>
           </a:ln>
           <a:effectLst/>
         </p:spPr>
         <p:txBody>
-          <a:bodyPr vert="horz" wrap="square" lIns="91440" tIns="45720" rIns="91440" bIns="45720" numCol="1" anchor="t" anchorCtr="0" compatLnSpc="1">
-            <a:prstTxWarp prst="textNoShape">
-              <a:avLst/>
-            </a:prstTxWarp>
-          </a:bodyPr>
+          <a:bodyPr vert="horz" wrap="square" lIns="91440" tIns="45720" rIns="91440" bIns="45720" numCol="1" anchor="t" anchorCtr="0" compatLnSpc="1"/>
           <a:lstStyle>
             <a:lvl1pPr algn="r">
               <a:defRPr sz="1200">
-                <a:latin typeface="Arial" charset="0"/>
+                <a:latin typeface="Arial" panose="020B0604020202020204" pitchFamily="34" charset="0"/>
                 <a:cs typeface="+mn-cs"/>
               </a:defRPr>
             </a:lvl1pPr>
@@ -3648,21 +3571,15 @@
           <a:ln w="9525">
             <a:noFill/>
             <a:miter lim="800000"/>
-            <a:headEnd/>
-            <a:tailEnd/>
           </a:ln>
           <a:effectLst/>
         </p:spPr>
         <p:txBody>
-          <a:bodyPr vert="horz" wrap="square" lIns="91440" tIns="45720" rIns="91440" bIns="45720" numCol="1" anchor="b" anchorCtr="0" compatLnSpc="1">
-            <a:prstTxWarp prst="textNoShape">
-              <a:avLst/>
-            </a:prstTxWarp>
-          </a:bodyPr>
+          <a:bodyPr vert="horz" wrap="square" lIns="91440" tIns="45720" rIns="91440" bIns="45720" numCol="1" anchor="b" anchorCtr="0" compatLnSpc="1"/>
           <a:lstStyle>
             <a:lvl1pPr>
               <a:defRPr sz="1200">
-                <a:latin typeface="Arial" charset="0"/>
+                <a:latin typeface="Arial" panose="020B0604020202020204" pitchFamily="34" charset="0"/>
                 <a:cs typeface="+mn-cs"/>
               </a:defRPr>
             </a:lvl1pPr>
@@ -3697,21 +3614,15 @@
           <a:ln w="9525">
             <a:noFill/>
             <a:miter lim="800000"/>
-            <a:headEnd/>
-            <a:tailEnd/>
           </a:ln>
           <a:effectLst/>
         </p:spPr>
         <p:txBody>
-          <a:bodyPr vert="horz" wrap="square" lIns="91440" tIns="45720" rIns="91440" bIns="45720" numCol="1" anchor="b" anchorCtr="0" compatLnSpc="1">
-            <a:prstTxWarp prst="textNoShape">
-              <a:avLst/>
-            </a:prstTxWarp>
-          </a:bodyPr>
+          <a:bodyPr vert="horz" wrap="square" lIns="91440" tIns="45720" rIns="91440" bIns="45720" numCol="1" anchor="b" anchorCtr="0" compatLnSpc="1"/>
           <a:lstStyle>
             <a:lvl1pPr algn="r">
               <a:defRPr sz="1200">
-                <a:latin typeface="Arial" charset="0"/>
+                <a:latin typeface="Arial" panose="020B0604020202020204" pitchFamily="34" charset="0"/>
                 <a:cs typeface="+mn-cs"/>
               </a:defRPr>
             </a:lvl1pPr>
@@ -3722,21 +3633,12 @@
             </a:pPr>
             <a:fld id="{EA86A4B5-776F-49C1-8046-01AC5D0258F9}" type="slidenum">
               <a:rPr lang="en-US" altLang="zh-CN"/>
-              <a:pPr>
-                <a:defRPr/>
-              </a:pPr>
-              <a:t>‹#›</a:t>
             </a:fld>
             <a:endParaRPr lang="en-US" altLang="zh-CN"/>
           </a:p>
         </p:txBody>
       </p:sp>
     </p:spTree>
-    <p:extLst>
-      <p:ext uri="{BB962C8B-B14F-4D97-AF65-F5344CB8AC3E}">
-        <p14:creationId xmlns:p14="http://schemas.microsoft.com/office/powerpoint/2010/main" val="4128676755"/>
-      </p:ext>
-    </p:extLst>
   </p:cSld>
   <p:clrMap bg1="lt1" tx1="dk1" bg2="lt2" tx2="dk2" accent1="accent1" accent2="accent2" accent3="accent3" accent4="accent4" accent5="accent5" accent6="accent6" hlink="hlink" folHlink="folHlink"/>
 </p:handoutMaster>
@@ -3789,22 +3691,16 @@
           <a:ln w="9525">
             <a:noFill/>
             <a:miter lim="800000"/>
-            <a:headEnd/>
-            <a:tailEnd/>
           </a:ln>
           <a:effectLst/>
         </p:spPr>
         <p:txBody>
-          <a:bodyPr vert="horz" wrap="square" lIns="91440" tIns="45720" rIns="91440" bIns="45720" numCol="1" anchor="t" anchorCtr="0" compatLnSpc="1">
-            <a:prstTxWarp prst="textNoShape">
-              <a:avLst/>
-            </a:prstTxWarp>
-          </a:bodyPr>
+          <a:bodyPr vert="horz" wrap="square" lIns="91440" tIns="45720" rIns="91440" bIns="45720" numCol="1" anchor="t" anchorCtr="0" compatLnSpc="1"/>
           <a:lstStyle>
             <a:lvl1pPr>
               <a:defRPr sz="1200" smtClean="0">
-                <a:latin typeface="Arial" pitchFamily="34" charset="0"/>
-                <a:cs typeface="Arial" pitchFamily="34" charset="0"/>
+                <a:latin typeface="Arial" panose="020B0604020202020204" pitchFamily="34" charset="0"/>
+                <a:cs typeface="Arial" panose="020B0604020202020204" pitchFamily="34" charset="0"/>
               </a:defRPr>
             </a:lvl1pPr>
           </a:lstStyle>
@@ -3838,22 +3734,16 @@
           <a:ln w="9525">
             <a:noFill/>
             <a:miter lim="800000"/>
-            <a:headEnd/>
-            <a:tailEnd/>
           </a:ln>
           <a:effectLst/>
         </p:spPr>
         <p:txBody>
-          <a:bodyPr vert="horz" wrap="square" lIns="91440" tIns="45720" rIns="91440" bIns="45720" numCol="1" anchor="t" anchorCtr="0" compatLnSpc="1">
-            <a:prstTxWarp prst="textNoShape">
-              <a:avLst/>
-            </a:prstTxWarp>
-          </a:bodyPr>
+          <a:bodyPr vert="horz" wrap="square" lIns="91440" tIns="45720" rIns="91440" bIns="45720" numCol="1" anchor="t" anchorCtr="0" compatLnSpc="1"/>
           <a:lstStyle>
             <a:lvl1pPr algn="r">
               <a:defRPr sz="1200" smtClean="0">
-                <a:latin typeface="Arial" pitchFamily="34" charset="0"/>
-                <a:cs typeface="Arial" pitchFamily="34" charset="0"/>
+                <a:latin typeface="Arial" panose="020B0604020202020204" pitchFamily="34" charset="0"/>
+                <a:cs typeface="Arial" panose="020B0604020202020204" pitchFamily="34" charset="0"/>
               </a:defRPr>
             </a:lvl1pPr>
           </a:lstStyle>
@@ -3877,8 +3767,8 @@
         </p:nvSpPr>
         <p:spPr bwMode="auto">
           <a:xfrm>
-            <a:off x="1143000" y="685800"/>
-            <a:ext cx="4572000" cy="3429000"/>
+            <a:off x="381000" y="685800"/>
+            <a:ext cx="6096000" cy="3429000"/>
           </a:xfrm>
           <a:prstGeom prst="rect">
             <a:avLst/>
@@ -3889,8 +3779,6 @@
               <a:srgbClr val="000000"/>
             </a:solidFill>
             <a:miter lim="800000"/>
-            <a:headEnd/>
-            <a:tailEnd/>
           </a:ln>
         </p:spPr>
       </p:sp>
@@ -3916,17 +3804,11 @@
           <a:ln w="9525">
             <a:noFill/>
             <a:miter lim="800000"/>
-            <a:headEnd/>
-            <a:tailEnd/>
           </a:ln>
           <a:effectLst/>
         </p:spPr>
         <p:txBody>
-          <a:bodyPr vert="horz" wrap="square" lIns="91440" tIns="45720" rIns="91440" bIns="45720" numCol="1" anchor="t" anchorCtr="0" compatLnSpc="1">
-            <a:prstTxWarp prst="textNoShape">
-              <a:avLst/>
-            </a:prstTxWarp>
-          </a:bodyPr>
+          <a:bodyPr vert="horz" wrap="square" lIns="91440" tIns="45720" rIns="91440" bIns="45720" numCol="1" anchor="t" anchorCtr="0" compatLnSpc="1"/>
           <a:lstStyle/>
           <a:p>
             <a:pPr lvl="0"/>
@@ -3934,6 +3816,7 @@
               <a:rPr lang="de-DE" noProof="0"/>
               <a:t>Textmasterformate durch Klicken bearbeiten</a:t>
             </a:r>
+            <a:endParaRPr lang="de-DE" noProof="0"/>
           </a:p>
           <a:p>
             <a:pPr lvl="1"/>
@@ -3941,6 +3824,7 @@
               <a:rPr lang="de-DE" noProof="0"/>
               <a:t>Zweite Ebene</a:t>
             </a:r>
+            <a:endParaRPr lang="de-DE" noProof="0"/>
           </a:p>
           <a:p>
             <a:pPr lvl="2"/>
@@ -3948,6 +3832,7 @@
               <a:rPr lang="de-DE" noProof="0"/>
               <a:t>Dritte Ebene</a:t>
             </a:r>
+            <a:endParaRPr lang="de-DE" noProof="0"/>
           </a:p>
           <a:p>
             <a:pPr lvl="3"/>
@@ -3955,6 +3840,7 @@
               <a:rPr lang="de-DE" noProof="0"/>
               <a:t>Vierte Ebene</a:t>
             </a:r>
+            <a:endParaRPr lang="de-DE" noProof="0"/>
           </a:p>
           <a:p>
             <a:pPr lvl="4"/>
@@ -3962,6 +3848,7 @@
               <a:rPr lang="de-DE" noProof="0"/>
               <a:t>Fünfte Ebene</a:t>
             </a:r>
+            <a:endParaRPr lang="de-DE" noProof="0"/>
           </a:p>
         </p:txBody>
       </p:sp>
@@ -3987,22 +3874,16 @@
           <a:ln w="9525">
             <a:noFill/>
             <a:miter lim="800000"/>
-            <a:headEnd/>
-            <a:tailEnd/>
           </a:ln>
           <a:effectLst/>
         </p:spPr>
         <p:txBody>
-          <a:bodyPr vert="horz" wrap="square" lIns="91440" tIns="45720" rIns="91440" bIns="45720" numCol="1" anchor="b" anchorCtr="0" compatLnSpc="1">
-            <a:prstTxWarp prst="textNoShape">
-              <a:avLst/>
-            </a:prstTxWarp>
-          </a:bodyPr>
+          <a:bodyPr vert="horz" wrap="square" lIns="91440" tIns="45720" rIns="91440" bIns="45720" numCol="1" anchor="b" anchorCtr="0" compatLnSpc="1"/>
           <a:lstStyle>
             <a:lvl1pPr>
               <a:defRPr sz="1200" smtClean="0">
-                <a:latin typeface="Arial" pitchFamily="34" charset="0"/>
-                <a:cs typeface="Arial" pitchFamily="34" charset="0"/>
+                <a:latin typeface="Arial" panose="020B0604020202020204" pitchFamily="34" charset="0"/>
+                <a:cs typeface="Arial" panose="020B0604020202020204" pitchFamily="34" charset="0"/>
               </a:defRPr>
             </a:lvl1pPr>
           </a:lstStyle>
@@ -4036,22 +3917,16 @@
           <a:ln w="9525">
             <a:noFill/>
             <a:miter lim="800000"/>
-            <a:headEnd/>
-            <a:tailEnd/>
           </a:ln>
           <a:effectLst/>
         </p:spPr>
         <p:txBody>
-          <a:bodyPr vert="horz" wrap="square" lIns="91440" tIns="45720" rIns="91440" bIns="45720" numCol="1" anchor="b" anchorCtr="0" compatLnSpc="1">
-            <a:prstTxWarp prst="textNoShape">
-              <a:avLst/>
-            </a:prstTxWarp>
-          </a:bodyPr>
+          <a:bodyPr vert="horz" wrap="square" lIns="91440" tIns="45720" rIns="91440" bIns="45720" numCol="1" anchor="b" anchorCtr="0" compatLnSpc="1"/>
           <a:lstStyle>
             <a:lvl1pPr algn="r">
               <a:defRPr sz="1200" smtClean="0">
-                <a:latin typeface="Arial" pitchFamily="34" charset="0"/>
-                <a:cs typeface="Arial" pitchFamily="34" charset="0"/>
+                <a:latin typeface="Arial" panose="020B0604020202020204" pitchFamily="34" charset="0"/>
+                <a:cs typeface="Arial" panose="020B0604020202020204" pitchFamily="34" charset="0"/>
               </a:defRPr>
             </a:lvl1pPr>
           </a:lstStyle>
@@ -4061,21 +3936,12 @@
             </a:pPr>
             <a:fld id="{AD744E2D-6CE4-438C-B9A0-AF7F3BF83E59}" type="slidenum">
               <a:rPr lang="de-DE" altLang="zh-CN"/>
-              <a:pPr>
-                <a:defRPr/>
-              </a:pPr>
-              <a:t>‹#›</a:t>
             </a:fld>
             <a:endParaRPr lang="de-DE" altLang="zh-CN"/>
           </a:p>
         </p:txBody>
       </p:sp>
     </p:spTree>
-    <p:extLst>
-      <p:ext uri="{BB962C8B-B14F-4D97-AF65-F5344CB8AC3E}">
-        <p14:creationId xmlns:p14="http://schemas.microsoft.com/office/powerpoint/2010/main" val="2496560550"/>
-      </p:ext>
-    </p:extLst>
   </p:cSld>
   <p:clrMap bg1="lt1" tx1="dk1" bg2="lt2" tx2="dk2" accent1="accent1" accent2="accent2" accent3="accent3" accent4="accent4" accent5="accent5" accent6="accent6" hlink="hlink" folHlink="folHlink"/>
   <p:notesStyle>
@@ -4090,7 +3956,7 @@
         <a:solidFill>
           <a:schemeClr val="tx1"/>
         </a:solidFill>
-        <a:latin typeface="Arial" charset="0"/>
+        <a:latin typeface="Arial" panose="020B0604020202020204" pitchFamily="34" charset="0"/>
         <a:ea typeface="+mn-ea"/>
         <a:cs typeface="+mn-cs"/>
       </a:defRPr>
@@ -4106,7 +3972,7 @@
         <a:solidFill>
           <a:schemeClr val="tx1"/>
         </a:solidFill>
-        <a:latin typeface="Arial" charset="0"/>
+        <a:latin typeface="Arial" panose="020B0604020202020204" pitchFamily="34" charset="0"/>
         <a:ea typeface="+mn-ea"/>
         <a:cs typeface="+mn-cs"/>
       </a:defRPr>
@@ -4122,7 +3988,7 @@
         <a:solidFill>
           <a:schemeClr val="tx1"/>
         </a:solidFill>
-        <a:latin typeface="Arial" charset="0"/>
+        <a:latin typeface="Arial" panose="020B0604020202020204" pitchFamily="34" charset="0"/>
         <a:ea typeface="+mn-ea"/>
         <a:cs typeface="+mn-cs"/>
       </a:defRPr>
@@ -4138,7 +4004,7 @@
         <a:solidFill>
           <a:schemeClr val="tx1"/>
         </a:solidFill>
-        <a:latin typeface="Arial" charset="0"/>
+        <a:latin typeface="Arial" panose="020B0604020202020204" pitchFamily="34" charset="0"/>
         <a:ea typeface="+mn-ea"/>
         <a:cs typeface="+mn-cs"/>
       </a:defRPr>
@@ -4154,7 +4020,7 @@
         <a:solidFill>
           <a:schemeClr val="tx1"/>
         </a:solidFill>
-        <a:latin typeface="Arial" charset="0"/>
+        <a:latin typeface="Arial" panose="020B0604020202020204" pitchFamily="34" charset="0"/>
         <a:ea typeface="+mn-ea"/>
         <a:cs typeface="+mn-cs"/>
       </a:defRPr>
@@ -4253,23 +4119,11 @@
                   <a:schemeClr val="tx1"/>
                 </a:solidFill>
                 <a:effectLst/>
-                <a:latin typeface="Arial" charset="0"/>
+                <a:latin typeface="Arial" panose="020B0604020202020204" pitchFamily="34" charset="0"/>
                 <a:ea typeface="+mn-ea"/>
                 <a:cs typeface="+mn-cs"/>
               </a:rPr>
               <a:t>土为万物生长提供了良好的环境。同样，项目环境也是项目正常开始的前提，这包括了社会、自然及政治等大环境，也包括企业的组织结构、管理模式等小环境。项目经理必须熟悉这些环境中的重要状况，才能利用有利环境条件、回避不利环境条件，促成项目的成功。</a:t>
-            </a:r>
-            <a:r>
-              <a:rPr lang="en-US" altLang="zh-CN" sz="1200" kern="1200" dirty="0" smtClean="0">
-                <a:solidFill>
-                  <a:schemeClr val="tx1"/>
-                </a:solidFill>
-                <a:effectLst/>
-                <a:latin typeface="Arial" charset="0"/>
-                <a:ea typeface="+mn-ea"/>
-                <a:cs typeface="+mn-cs"/>
-              </a:rPr>
-              <a:t/>
             </a:r>
             <a:br>
               <a:rPr lang="en-US" altLang="zh-CN" sz="1200" kern="1200" dirty="0" smtClean="0">
@@ -4277,7 +4131,7 @@
                   <a:schemeClr val="tx1"/>
                 </a:solidFill>
                 <a:effectLst/>
-                <a:latin typeface="Arial" charset="0"/>
+                <a:latin typeface="Arial" panose="020B0604020202020204" pitchFamily="34" charset="0"/>
                 <a:ea typeface="+mn-ea"/>
                 <a:cs typeface="+mn-cs"/>
               </a:rPr>
@@ -4288,7 +4142,7 @@
                   <a:schemeClr val="tx1"/>
                 </a:solidFill>
                 <a:effectLst/>
-                <a:latin typeface="Arial" charset="0"/>
+                <a:latin typeface="Arial" panose="020B0604020202020204" pitchFamily="34" charset="0"/>
                 <a:ea typeface="+mn-ea"/>
                 <a:cs typeface="+mn-cs"/>
               </a:rPr>
@@ -4300,7 +4154,7 @@
                   <a:schemeClr val="tx1"/>
                 </a:solidFill>
                 <a:effectLst/>
-                <a:latin typeface="Arial" charset="0"/>
+                <a:latin typeface="Arial" panose="020B0604020202020204" pitchFamily="34" charset="0"/>
                 <a:ea typeface="+mn-ea"/>
                 <a:cs typeface="+mn-cs"/>
               </a:rPr>
@@ -4312,7 +4166,7 @@
                   <a:schemeClr val="tx1"/>
                 </a:solidFill>
                 <a:effectLst/>
-                <a:latin typeface="Arial" charset="0"/>
+                <a:latin typeface="Arial" panose="020B0604020202020204" pitchFamily="34" charset="0"/>
                 <a:ea typeface="+mn-ea"/>
                 <a:cs typeface="+mn-cs"/>
               </a:rPr>
@@ -4324,7 +4178,7 @@
                   <a:schemeClr val="tx1"/>
                 </a:solidFill>
                 <a:effectLst/>
-                <a:latin typeface="Arial" charset="0"/>
+                <a:latin typeface="Arial" panose="020B0604020202020204" pitchFamily="34" charset="0"/>
                 <a:ea typeface="+mn-ea"/>
                 <a:cs typeface="+mn-cs"/>
               </a:rPr>
@@ -4336,7 +4190,7 @@
                   <a:schemeClr val="tx1"/>
                 </a:solidFill>
                 <a:effectLst/>
-                <a:latin typeface="Arial" charset="0"/>
+                <a:latin typeface="Arial" panose="020B0604020202020204" pitchFamily="34" charset="0"/>
                 <a:ea typeface="+mn-ea"/>
                 <a:cs typeface="+mn-cs"/>
               </a:rPr>
@@ -4348,23 +4202,11 @@
                   <a:schemeClr val="tx1"/>
                 </a:solidFill>
                 <a:effectLst/>
-                <a:latin typeface="Arial" charset="0"/>
+                <a:latin typeface="Arial" panose="020B0604020202020204" pitchFamily="34" charset="0"/>
                 <a:ea typeface="+mn-ea"/>
                 <a:cs typeface="+mn-cs"/>
               </a:rPr>
               <a:t>。上面两项能力与实际的工作环境紧密相关，是无法在学校学习和体会到的，大家可以通过实习来提前感受。</a:t>
-            </a:r>
-            <a:r>
-              <a:rPr lang="en-US" altLang="zh-CN" sz="1200" kern="1200" dirty="0" smtClean="0">
-                <a:solidFill>
-                  <a:schemeClr val="tx1"/>
-                </a:solidFill>
-                <a:effectLst/>
-                <a:latin typeface="Arial" charset="0"/>
-                <a:ea typeface="+mn-ea"/>
-                <a:cs typeface="+mn-cs"/>
-              </a:rPr>
-              <a:t/>
             </a:r>
             <a:br>
               <a:rPr lang="en-US" altLang="zh-CN" sz="1200" kern="1200" dirty="0" smtClean="0">
@@ -4372,7 +4214,7 @@
                   <a:schemeClr val="tx1"/>
                 </a:solidFill>
                 <a:effectLst/>
-                <a:latin typeface="Arial" charset="0"/>
+                <a:latin typeface="Arial" panose="020B0604020202020204" pitchFamily="34" charset="0"/>
                 <a:ea typeface="+mn-ea"/>
                 <a:cs typeface="+mn-cs"/>
               </a:rPr>
@@ -4383,7 +4225,7 @@
                   <a:schemeClr val="tx1"/>
                 </a:solidFill>
                 <a:effectLst/>
-                <a:latin typeface="Arial" charset="0"/>
+                <a:latin typeface="Arial" panose="020B0604020202020204" pitchFamily="34" charset="0"/>
                 <a:ea typeface="+mn-ea"/>
                 <a:cs typeface="+mn-cs"/>
               </a:rPr>
@@ -4395,23 +4237,11 @@
                   <a:schemeClr val="tx1"/>
                 </a:solidFill>
                 <a:effectLst/>
-                <a:latin typeface="Arial" charset="0"/>
+                <a:latin typeface="Arial" panose="020B0604020202020204" pitchFamily="34" charset="0"/>
                 <a:ea typeface="+mn-ea"/>
                 <a:cs typeface="+mn-cs"/>
               </a:rPr>
               <a:t>上善若水。水善利万物而不争，处众人之所恶，故几于道。项目经理必须具有良好的人格修养和通用管理素质，才能在潜移默化中与团队成员和谐相处，与团队共同实现项目目标。</a:t>
-            </a:r>
-            <a:r>
-              <a:rPr lang="en-US" altLang="zh-CN" sz="1200" kern="1200" dirty="0" smtClean="0">
-                <a:solidFill>
-                  <a:schemeClr val="tx1"/>
-                </a:solidFill>
-                <a:effectLst/>
-                <a:latin typeface="Arial" charset="0"/>
-                <a:ea typeface="+mn-ea"/>
-                <a:cs typeface="+mn-cs"/>
-              </a:rPr>
-              <a:t/>
             </a:r>
             <a:br>
               <a:rPr lang="en-US" altLang="zh-CN" sz="1200" kern="1200" dirty="0" smtClean="0">
@@ -4419,7 +4249,7 @@
                   <a:schemeClr val="tx1"/>
                 </a:solidFill>
                 <a:effectLst/>
-                <a:latin typeface="Arial" charset="0"/>
+                <a:latin typeface="Arial" panose="020B0604020202020204" pitchFamily="34" charset="0"/>
                 <a:ea typeface="+mn-ea"/>
                 <a:cs typeface="+mn-cs"/>
               </a:rPr>
@@ -4430,7 +4260,7 @@
                   <a:schemeClr val="tx1"/>
                 </a:solidFill>
                 <a:effectLst/>
-                <a:latin typeface="Arial" charset="0"/>
+                <a:latin typeface="Arial" panose="020B0604020202020204" pitchFamily="34" charset="0"/>
                 <a:ea typeface="+mn-ea"/>
                 <a:cs typeface="+mn-cs"/>
               </a:rPr>
@@ -4442,23 +4272,11 @@
                   <a:schemeClr val="tx1"/>
                 </a:solidFill>
                 <a:effectLst/>
-                <a:latin typeface="Arial" charset="0"/>
+                <a:latin typeface="Arial" panose="020B0604020202020204" pitchFamily="34" charset="0"/>
                 <a:ea typeface="+mn-ea"/>
                 <a:cs typeface="+mn-cs"/>
               </a:rPr>
               <a:t>木为生发、蓬勃之意。项目经理运用专业、规范的项目管理方法才能使项目活动开展的生机勃勃。</a:t>
-            </a:r>
-            <a:r>
-              <a:rPr lang="en-US" altLang="zh-CN" sz="1200" kern="1200" dirty="0" smtClean="0">
-                <a:solidFill>
-                  <a:schemeClr val="tx1"/>
-                </a:solidFill>
-                <a:effectLst/>
-                <a:latin typeface="Arial" charset="0"/>
-                <a:ea typeface="+mn-ea"/>
-                <a:cs typeface="+mn-cs"/>
-              </a:rPr>
-              <a:t/>
             </a:r>
             <a:br>
               <a:rPr lang="en-US" altLang="zh-CN" sz="1200" kern="1200" dirty="0" smtClean="0">
@@ -4466,7 +4284,7 @@
                   <a:schemeClr val="tx1"/>
                 </a:solidFill>
                 <a:effectLst/>
-                <a:latin typeface="Arial" charset="0"/>
+                <a:latin typeface="Arial" panose="020B0604020202020204" pitchFamily="34" charset="0"/>
                 <a:ea typeface="+mn-ea"/>
                 <a:cs typeface="+mn-cs"/>
               </a:rPr>
@@ -4477,7 +4295,7 @@
                   <a:schemeClr val="tx1"/>
                 </a:solidFill>
                 <a:effectLst/>
-                <a:latin typeface="Arial" charset="0"/>
+                <a:latin typeface="Arial" panose="020B0604020202020204" pitchFamily="34" charset="0"/>
                 <a:ea typeface="+mn-ea"/>
                 <a:cs typeface="+mn-cs"/>
               </a:rPr>
@@ -4489,7 +4307,7 @@
                   <a:schemeClr val="tx1"/>
                 </a:solidFill>
                 <a:effectLst/>
-                <a:latin typeface="Arial" charset="0"/>
+                <a:latin typeface="Arial" panose="020B0604020202020204" pitchFamily="34" charset="0"/>
                 <a:ea typeface="+mn-ea"/>
                 <a:cs typeface="+mn-cs"/>
               </a:rPr>
@@ -4519,21 +4337,12 @@
             </a:pPr>
             <a:fld id="{AD744E2D-6CE4-438C-B9A0-AF7F3BF83E59}" type="slidenum">
               <a:rPr lang="de-DE" altLang="zh-CN" smtClean="0"/>
-              <a:pPr>
-                <a:defRPr/>
-              </a:pPr>
-              <a:t>2</a:t>
             </a:fld>
             <a:endParaRPr lang="de-DE" altLang="zh-CN"/>
           </a:p>
         </p:txBody>
       </p:sp>
     </p:spTree>
-    <p:extLst>
-      <p:ext uri="{BB962C8B-B14F-4D97-AF65-F5344CB8AC3E}">
-        <p14:creationId xmlns:p14="http://schemas.microsoft.com/office/powerpoint/2010/main" val="1985700323"/>
-      </p:ext>
-    </p:extLst>
   </p:cSld>
   <p:clrMapOvr>
     <a:masterClrMapping/>
@@ -4615,21 +4424,12 @@
             </a:pPr>
             <a:fld id="{7A726D29-2219-4ADE-820E-909A7145D812}" type="slidenum">
               <a:rPr lang="en-US" altLang="zh-CN" smtClean="0"/>
-              <a:pPr>
-                <a:defRPr/>
-              </a:pPr>
-              <a:t>15</a:t>
             </a:fld>
             <a:endParaRPr lang="en-US" altLang="zh-CN"/>
           </a:p>
         </p:txBody>
       </p:sp>
     </p:spTree>
-    <p:extLst>
-      <p:ext uri="{BB962C8B-B14F-4D97-AF65-F5344CB8AC3E}">
-        <p14:creationId xmlns:p14="http://schemas.microsoft.com/office/powerpoint/2010/main" val="1586443087"/>
-      </p:ext>
-    </p:extLst>
   </p:cSld>
   <p:clrMapOvr>
     <a:masterClrMapping/>
@@ -4687,6 +4487,7 @@
               <a:rPr lang="en-US" altLang="zh-CN" dirty="0"/>
               <a:t>C</a:t>
             </a:r>
+            <a:endParaRPr lang="en-US" altLang="zh-CN" dirty="0"/>
           </a:p>
         </p:txBody>
       </p:sp>
@@ -4710,21 +4511,12 @@
             </a:pPr>
             <a:fld id="{7A726D29-2219-4ADE-820E-909A7145D812}" type="slidenum">
               <a:rPr lang="en-US" altLang="zh-CN" smtClean="0"/>
-              <a:pPr>
-                <a:defRPr/>
-              </a:pPr>
-              <a:t>16</a:t>
             </a:fld>
             <a:endParaRPr lang="en-US" altLang="zh-CN"/>
           </a:p>
         </p:txBody>
       </p:sp>
     </p:spTree>
-    <p:extLst>
-      <p:ext uri="{BB962C8B-B14F-4D97-AF65-F5344CB8AC3E}">
-        <p14:creationId xmlns:p14="http://schemas.microsoft.com/office/powerpoint/2010/main" val="883099875"/>
-      </p:ext>
-    </p:extLst>
   </p:cSld>
   <p:clrMapOvr>
     <a:masterClrMapping/>
@@ -4782,6 +4574,7 @@
               <a:rPr lang="en-US" altLang="zh-CN" dirty="0"/>
               <a:t>D</a:t>
             </a:r>
+            <a:endParaRPr lang="en-US" altLang="zh-CN" dirty="0"/>
           </a:p>
         </p:txBody>
       </p:sp>
@@ -4805,21 +4598,12 @@
             </a:pPr>
             <a:fld id="{7A726D29-2219-4ADE-820E-909A7145D812}" type="slidenum">
               <a:rPr lang="en-US" altLang="zh-CN" smtClean="0"/>
-              <a:pPr>
-                <a:defRPr/>
-              </a:pPr>
-              <a:t>17</a:t>
             </a:fld>
             <a:endParaRPr lang="en-US" altLang="zh-CN"/>
           </a:p>
         </p:txBody>
       </p:sp>
     </p:spTree>
-    <p:extLst>
-      <p:ext uri="{BB962C8B-B14F-4D97-AF65-F5344CB8AC3E}">
-        <p14:creationId xmlns:p14="http://schemas.microsoft.com/office/powerpoint/2010/main" val="2653271055"/>
-      </p:ext>
-    </p:extLst>
   </p:cSld>
   <p:clrMapOvr>
     <a:masterClrMapping/>
@@ -4877,6 +4661,7 @@
               <a:rPr lang="en-US" altLang="zh-CN" dirty="0"/>
               <a:t>A</a:t>
             </a:r>
+            <a:endParaRPr lang="en-US" altLang="zh-CN" dirty="0"/>
           </a:p>
         </p:txBody>
       </p:sp>
@@ -4900,21 +4685,12 @@
             </a:pPr>
             <a:fld id="{7A726D29-2219-4ADE-820E-909A7145D812}" type="slidenum">
               <a:rPr lang="en-US" altLang="zh-CN" smtClean="0"/>
-              <a:pPr>
-                <a:defRPr/>
-              </a:pPr>
-              <a:t>18</a:t>
             </a:fld>
             <a:endParaRPr lang="en-US" altLang="zh-CN"/>
           </a:p>
         </p:txBody>
       </p:sp>
     </p:spTree>
-    <p:extLst>
-      <p:ext uri="{BB962C8B-B14F-4D97-AF65-F5344CB8AC3E}">
-        <p14:creationId xmlns:p14="http://schemas.microsoft.com/office/powerpoint/2010/main" val="2646445822"/>
-      </p:ext>
-    </p:extLst>
   </p:cSld>
   <p:clrMapOvr>
     <a:masterClrMapping/>
@@ -4972,6 +4748,7 @@
               <a:rPr lang="en-US" altLang="zh-CN" dirty="0"/>
               <a:t>A</a:t>
             </a:r>
+            <a:endParaRPr lang="en-US" altLang="zh-CN" dirty="0"/>
           </a:p>
         </p:txBody>
       </p:sp>
@@ -4995,21 +4772,12 @@
             </a:pPr>
             <a:fld id="{7A726D29-2219-4ADE-820E-909A7145D812}" type="slidenum">
               <a:rPr lang="en-US" altLang="zh-CN" smtClean="0"/>
-              <a:pPr>
-                <a:defRPr/>
-              </a:pPr>
-              <a:t>19</a:t>
             </a:fld>
             <a:endParaRPr lang="en-US" altLang="zh-CN"/>
           </a:p>
         </p:txBody>
       </p:sp>
     </p:spTree>
-    <p:extLst>
-      <p:ext uri="{BB962C8B-B14F-4D97-AF65-F5344CB8AC3E}">
-        <p14:creationId xmlns:p14="http://schemas.microsoft.com/office/powerpoint/2010/main" val="2091634770"/>
-      </p:ext>
-    </p:extLst>
   </p:cSld>
   <p:clrMapOvr>
     <a:masterClrMapping/>
@@ -5067,6 +4835,7 @@
               <a:rPr lang="en-US" altLang="zh-CN" dirty="0"/>
               <a:t>B</a:t>
             </a:r>
+            <a:endParaRPr lang="en-US" altLang="zh-CN" dirty="0"/>
           </a:p>
         </p:txBody>
       </p:sp>
@@ -5090,21 +4859,12 @@
             </a:pPr>
             <a:fld id="{7A726D29-2219-4ADE-820E-909A7145D812}" type="slidenum">
               <a:rPr lang="en-US" altLang="zh-CN" smtClean="0"/>
-              <a:pPr>
-                <a:defRPr/>
-              </a:pPr>
-              <a:t>20</a:t>
             </a:fld>
             <a:endParaRPr lang="en-US" altLang="zh-CN"/>
           </a:p>
         </p:txBody>
       </p:sp>
     </p:spTree>
-    <p:extLst>
-      <p:ext uri="{BB962C8B-B14F-4D97-AF65-F5344CB8AC3E}">
-        <p14:creationId xmlns:p14="http://schemas.microsoft.com/office/powerpoint/2010/main" val="2358506143"/>
-      </p:ext>
-    </p:extLst>
   </p:cSld>
   <p:clrMapOvr>
     <a:masterClrMapping/>
@@ -5162,6 +4922,7 @@
               <a:rPr lang="en-US" altLang="zh-CN" dirty="0"/>
               <a:t>D</a:t>
             </a:r>
+            <a:endParaRPr lang="en-US" altLang="zh-CN" dirty="0"/>
           </a:p>
         </p:txBody>
       </p:sp>
@@ -5185,21 +4946,12 @@
             </a:pPr>
             <a:fld id="{7A726D29-2219-4ADE-820E-909A7145D812}" type="slidenum">
               <a:rPr lang="en-US" altLang="zh-CN" smtClean="0"/>
-              <a:pPr>
-                <a:defRPr/>
-              </a:pPr>
-              <a:t>21</a:t>
             </a:fld>
             <a:endParaRPr lang="en-US" altLang="zh-CN"/>
           </a:p>
         </p:txBody>
       </p:sp>
     </p:spTree>
-    <p:extLst>
-      <p:ext uri="{BB962C8B-B14F-4D97-AF65-F5344CB8AC3E}">
-        <p14:creationId xmlns:p14="http://schemas.microsoft.com/office/powerpoint/2010/main" val="258589030"/>
-      </p:ext>
-    </p:extLst>
   </p:cSld>
   <p:clrMapOvr>
     <a:masterClrMapping/>
@@ -5257,6 +5009,7 @@
               <a:rPr lang="en-US" altLang="zh-CN" dirty="0"/>
               <a:t>B</a:t>
             </a:r>
+            <a:endParaRPr lang="en-US" altLang="zh-CN" dirty="0"/>
           </a:p>
         </p:txBody>
       </p:sp>
@@ -5280,21 +5033,12 @@
             </a:pPr>
             <a:fld id="{7A726D29-2219-4ADE-820E-909A7145D812}" type="slidenum">
               <a:rPr lang="en-US" altLang="zh-CN" smtClean="0"/>
-              <a:pPr>
-                <a:defRPr/>
-              </a:pPr>
-              <a:t>22</a:t>
             </a:fld>
             <a:endParaRPr lang="en-US" altLang="zh-CN"/>
           </a:p>
         </p:txBody>
       </p:sp>
     </p:spTree>
-    <p:extLst>
-      <p:ext uri="{BB962C8B-B14F-4D97-AF65-F5344CB8AC3E}">
-        <p14:creationId xmlns:p14="http://schemas.microsoft.com/office/powerpoint/2010/main" val="90526750"/>
-      </p:ext>
-    </p:extLst>
   </p:cSld>
   <p:clrMapOvr>
     <a:masterClrMapping/>
@@ -5352,6 +5096,7 @@
               <a:rPr lang="en-US" altLang="zh-CN" dirty="0"/>
               <a:t>B</a:t>
             </a:r>
+            <a:endParaRPr lang="en-US" altLang="zh-CN" dirty="0"/>
           </a:p>
         </p:txBody>
       </p:sp>
@@ -5375,21 +5120,12 @@
             </a:pPr>
             <a:fld id="{7A726D29-2219-4ADE-820E-909A7145D812}" type="slidenum">
               <a:rPr lang="en-US" altLang="zh-CN" smtClean="0"/>
-              <a:pPr>
-                <a:defRPr/>
-              </a:pPr>
-              <a:t>23</a:t>
             </a:fld>
             <a:endParaRPr lang="en-US" altLang="zh-CN"/>
           </a:p>
         </p:txBody>
       </p:sp>
     </p:spTree>
-    <p:extLst>
-      <p:ext uri="{BB962C8B-B14F-4D97-AF65-F5344CB8AC3E}">
-        <p14:creationId xmlns:p14="http://schemas.microsoft.com/office/powerpoint/2010/main" val="2201756347"/>
-      </p:ext>
-    </p:extLst>
   </p:cSld>
   <p:clrMapOvr>
     <a:masterClrMapping/>
@@ -5447,6 +5183,7 @@
               <a:rPr lang="en-US" altLang="zh-CN" dirty="0"/>
               <a:t>B</a:t>
             </a:r>
+            <a:endParaRPr lang="en-US" altLang="zh-CN" dirty="0"/>
           </a:p>
         </p:txBody>
       </p:sp>
@@ -5470,21 +5207,12 @@
             </a:pPr>
             <a:fld id="{7A726D29-2219-4ADE-820E-909A7145D812}" type="slidenum">
               <a:rPr lang="en-US" altLang="zh-CN" smtClean="0"/>
-              <a:pPr>
-                <a:defRPr/>
-              </a:pPr>
-              <a:t>24</a:t>
             </a:fld>
             <a:endParaRPr lang="en-US" altLang="zh-CN"/>
           </a:p>
         </p:txBody>
       </p:sp>
     </p:spTree>
-    <p:extLst>
-      <p:ext uri="{BB962C8B-B14F-4D97-AF65-F5344CB8AC3E}">
-        <p14:creationId xmlns:p14="http://schemas.microsoft.com/office/powerpoint/2010/main" val="3272623868"/>
-      </p:ext>
-    </p:extLst>
   </p:cSld>
   <p:clrMapOvr>
     <a:masterClrMapping/>
@@ -5519,9 +5247,7 @@
             <p:ph type="sldImg"/>
           </p:nvPr>
         </p:nvSpPr>
-        <p:spPr>
-          <a:ln/>
-        </p:spPr>
+        <p:spPr/>
       </p:sp>
       <p:sp>
         <p:nvSpPr>
@@ -5535,7 +5261,6 @@
         </p:nvSpPr>
         <p:spPr>
           <a:noFill/>
-          <a:ln/>
           <a:extLst>
             <a:ext uri="{909E8E84-426E-40DD-AFC4-6F175D3DCCD1}">
               <a14:hiddenFill xmlns:a14="http://schemas.microsoft.com/office/drawing/2010/main">
@@ -5576,6 +5301,7 @@
               <a:rPr lang="zh-CN" altLang="en-US"/>
               <a:t>月份这本书的俄文版在莫斯科上市，时任总统普京对媒体发表感慨说：“俄罗斯应该出现这样伟大的思想家”普京还建议俄罗斯公民阅读这本书。 </a:t>
             </a:r>
+            <a:endParaRPr lang="zh-CN" altLang="en-US"/>
           </a:p>
         </p:txBody>
       </p:sp>
@@ -5591,7 +5317,6 @@
         </p:nvSpPr>
         <p:spPr>
           <a:noFill/>
-          <a:ln/>
           <a:extLst>
             <a:ext uri="{909E8E84-426E-40DD-AFC4-6F175D3DCCD1}">
               <a14:hiddenFill xmlns:a14="http://schemas.microsoft.com/office/drawing/2010/main">
@@ -5620,8 +5345,8 @@
                 <a:solidFill>
                   <a:schemeClr val="tx1"/>
                 </a:solidFill>
-                <a:latin typeface="Times New Roman" pitchFamily="18" charset="0"/>
-                <a:ea typeface="宋体" pitchFamily="2" charset="-122"/>
+                <a:latin typeface="Times New Roman" panose="02020603050405020304" pitchFamily="18" charset="0"/>
+                <a:ea typeface="宋体" panose="02010600030101010101" pitchFamily="2" charset="-122"/>
               </a:defRPr>
             </a:lvl1pPr>
             <a:lvl2pPr marL="742950" indent="-285750" eaLnBrk="0" hangingPunct="0">
@@ -5629,8 +5354,8 @@
                 <a:solidFill>
                   <a:schemeClr val="tx1"/>
                 </a:solidFill>
-                <a:latin typeface="Times New Roman" pitchFamily="18" charset="0"/>
-                <a:ea typeface="宋体" pitchFamily="2" charset="-122"/>
+                <a:latin typeface="Times New Roman" panose="02020603050405020304" pitchFamily="18" charset="0"/>
+                <a:ea typeface="宋体" panose="02010600030101010101" pitchFamily="2" charset="-122"/>
               </a:defRPr>
             </a:lvl2pPr>
             <a:lvl3pPr marL="1143000" indent="-228600" eaLnBrk="0" hangingPunct="0">
@@ -5638,8 +5363,8 @@
                 <a:solidFill>
                   <a:schemeClr val="tx1"/>
                 </a:solidFill>
-                <a:latin typeface="Times New Roman" pitchFamily="18" charset="0"/>
-                <a:ea typeface="宋体" pitchFamily="2" charset="-122"/>
+                <a:latin typeface="Times New Roman" panose="02020603050405020304" pitchFamily="18" charset="0"/>
+                <a:ea typeface="宋体" panose="02010600030101010101" pitchFamily="2" charset="-122"/>
               </a:defRPr>
             </a:lvl3pPr>
             <a:lvl4pPr marL="1600200" indent="-228600" eaLnBrk="0" hangingPunct="0">
@@ -5647,8 +5372,8 @@
                 <a:solidFill>
                   <a:schemeClr val="tx1"/>
                 </a:solidFill>
-                <a:latin typeface="Times New Roman" pitchFamily="18" charset="0"/>
-                <a:ea typeface="宋体" pitchFamily="2" charset="-122"/>
+                <a:latin typeface="Times New Roman" panose="02020603050405020304" pitchFamily="18" charset="0"/>
+                <a:ea typeface="宋体" panose="02010600030101010101" pitchFamily="2" charset="-122"/>
               </a:defRPr>
             </a:lvl4pPr>
             <a:lvl5pPr marL="2057400" indent="-228600" eaLnBrk="0" hangingPunct="0">
@@ -5656,8 +5381,8 @@
                 <a:solidFill>
                   <a:schemeClr val="tx1"/>
                 </a:solidFill>
-                <a:latin typeface="Times New Roman" pitchFamily="18" charset="0"/>
-                <a:ea typeface="宋体" pitchFamily="2" charset="-122"/>
+                <a:latin typeface="Times New Roman" panose="02020603050405020304" pitchFamily="18" charset="0"/>
+                <a:ea typeface="宋体" panose="02010600030101010101" pitchFamily="2" charset="-122"/>
               </a:defRPr>
             </a:lvl5pPr>
             <a:lvl6pPr marL="2514600" indent="-228600" eaLnBrk="0" fontAlgn="base" hangingPunct="0">
@@ -5671,8 +5396,8 @@
                 <a:solidFill>
                   <a:schemeClr val="tx1"/>
                 </a:solidFill>
-                <a:latin typeface="Times New Roman" pitchFamily="18" charset="0"/>
-                <a:ea typeface="宋体" pitchFamily="2" charset="-122"/>
+                <a:latin typeface="Times New Roman" panose="02020603050405020304" pitchFamily="18" charset="0"/>
+                <a:ea typeface="宋体" panose="02010600030101010101" pitchFamily="2" charset="-122"/>
               </a:defRPr>
             </a:lvl6pPr>
             <a:lvl7pPr marL="2971800" indent="-228600" eaLnBrk="0" fontAlgn="base" hangingPunct="0">
@@ -5686,8 +5411,8 @@
                 <a:solidFill>
                   <a:schemeClr val="tx1"/>
                 </a:solidFill>
-                <a:latin typeface="Times New Roman" pitchFamily="18" charset="0"/>
-                <a:ea typeface="宋体" pitchFamily="2" charset="-122"/>
+                <a:latin typeface="Times New Roman" panose="02020603050405020304" pitchFamily="18" charset="0"/>
+                <a:ea typeface="宋体" panose="02010600030101010101" pitchFamily="2" charset="-122"/>
               </a:defRPr>
             </a:lvl7pPr>
             <a:lvl8pPr marL="3429000" indent="-228600" eaLnBrk="0" fontAlgn="base" hangingPunct="0">
@@ -5701,8 +5426,8 @@
                 <a:solidFill>
                   <a:schemeClr val="tx1"/>
                 </a:solidFill>
-                <a:latin typeface="Times New Roman" pitchFamily="18" charset="0"/>
-                <a:ea typeface="宋体" pitchFamily="2" charset="-122"/>
+                <a:latin typeface="Times New Roman" panose="02020603050405020304" pitchFamily="18" charset="0"/>
+                <a:ea typeface="宋体" panose="02010600030101010101" pitchFamily="2" charset="-122"/>
               </a:defRPr>
             </a:lvl8pPr>
             <a:lvl9pPr marL="3886200" indent="-228600" eaLnBrk="0" fontAlgn="base" hangingPunct="0">
@@ -5716,8 +5441,8 @@
                 <a:solidFill>
                   <a:schemeClr val="tx1"/>
                 </a:solidFill>
-                <a:latin typeface="Times New Roman" pitchFamily="18" charset="0"/>
-                <a:ea typeface="宋体" pitchFamily="2" charset="-122"/>
+                <a:latin typeface="Times New Roman" panose="02020603050405020304" pitchFamily="18" charset="0"/>
+                <a:ea typeface="宋体" panose="02010600030101010101" pitchFamily="2" charset="-122"/>
               </a:defRPr>
             </a:lvl9pPr>
           </a:lstStyle>
@@ -5725,19 +5450,12 @@
             <a:pPr eaLnBrk="1" hangingPunct="1"/>
             <a:fld id="{FABC7BD0-568B-480A-97FB-E1460AA596E5}" type="slidenum">
               <a:rPr lang="zh-CN" altLang="en-US" sz="1200" smtClean="0"/>
-              <a:pPr eaLnBrk="1" hangingPunct="1"/>
-              <a:t>4</a:t>
             </a:fld>
             <a:endParaRPr lang="en-US" altLang="zh-CN" sz="1200"/>
           </a:p>
         </p:txBody>
       </p:sp>
     </p:spTree>
-    <p:extLst>
-      <p:ext uri="{BB962C8B-B14F-4D97-AF65-F5344CB8AC3E}">
-        <p14:creationId xmlns:p14="http://schemas.microsoft.com/office/powerpoint/2010/main" val="2895505834"/>
-      </p:ext>
-    </p:extLst>
   </p:cSld>
   <p:clrMapOvr>
     <a:masterClrMapping/>
@@ -5795,6 +5513,7 @@
               <a:rPr lang="en-US" altLang="zh-CN" dirty="0"/>
               <a:t>C</a:t>
             </a:r>
+            <a:endParaRPr lang="en-US" altLang="zh-CN" dirty="0"/>
           </a:p>
         </p:txBody>
       </p:sp>
@@ -5818,21 +5537,12 @@
             </a:pPr>
             <a:fld id="{7A726D29-2219-4ADE-820E-909A7145D812}" type="slidenum">
               <a:rPr lang="en-US" altLang="zh-CN" smtClean="0"/>
-              <a:pPr>
-                <a:defRPr/>
-              </a:pPr>
-              <a:t>25</a:t>
             </a:fld>
             <a:endParaRPr lang="en-US" altLang="zh-CN"/>
           </a:p>
         </p:txBody>
       </p:sp>
     </p:spTree>
-    <p:extLst>
-      <p:ext uri="{BB962C8B-B14F-4D97-AF65-F5344CB8AC3E}">
-        <p14:creationId xmlns:p14="http://schemas.microsoft.com/office/powerpoint/2010/main" val="2791225992"/>
-      </p:ext>
-    </p:extLst>
   </p:cSld>
   <p:clrMapOvr>
     <a:masterClrMapping/>
@@ -5890,6 +5600,7 @@
               <a:rPr lang="en-US" altLang="zh-CN" dirty="0"/>
               <a:t>B</a:t>
             </a:r>
+            <a:endParaRPr lang="en-US" altLang="zh-CN" dirty="0"/>
           </a:p>
         </p:txBody>
       </p:sp>
@@ -5913,21 +5624,12 @@
             </a:pPr>
             <a:fld id="{7A726D29-2219-4ADE-820E-909A7145D812}" type="slidenum">
               <a:rPr lang="en-US" altLang="zh-CN" smtClean="0"/>
-              <a:pPr>
-                <a:defRPr/>
-              </a:pPr>
-              <a:t>26</a:t>
             </a:fld>
             <a:endParaRPr lang="en-US" altLang="zh-CN"/>
           </a:p>
         </p:txBody>
       </p:sp>
     </p:spTree>
-    <p:extLst>
-      <p:ext uri="{BB962C8B-B14F-4D97-AF65-F5344CB8AC3E}">
-        <p14:creationId xmlns:p14="http://schemas.microsoft.com/office/powerpoint/2010/main" val="3144896649"/>
-      </p:ext>
-    </p:extLst>
   </p:cSld>
   <p:clrMapOvr>
     <a:masterClrMapping/>
@@ -5985,6 +5687,7 @@
               <a:rPr lang="en-US" altLang="zh-CN" dirty="0"/>
               <a:t>B</a:t>
             </a:r>
+            <a:endParaRPr lang="en-US" altLang="zh-CN" dirty="0"/>
           </a:p>
         </p:txBody>
       </p:sp>
@@ -6008,21 +5711,12 @@
             </a:pPr>
             <a:fld id="{7A726D29-2219-4ADE-820E-909A7145D812}" type="slidenum">
               <a:rPr lang="en-US" altLang="zh-CN" smtClean="0"/>
-              <a:pPr>
-                <a:defRPr/>
-              </a:pPr>
-              <a:t>27</a:t>
             </a:fld>
             <a:endParaRPr lang="en-US" altLang="zh-CN"/>
           </a:p>
         </p:txBody>
       </p:sp>
     </p:spTree>
-    <p:extLst>
-      <p:ext uri="{BB962C8B-B14F-4D97-AF65-F5344CB8AC3E}">
-        <p14:creationId xmlns:p14="http://schemas.microsoft.com/office/powerpoint/2010/main" val="1393605082"/>
-      </p:ext>
-    </p:extLst>
   </p:cSld>
   <p:clrMapOvr>
     <a:masterClrMapping/>
@@ -6080,6 +5774,7 @@
               <a:rPr lang="en-US" altLang="zh-CN" dirty="0"/>
               <a:t>C</a:t>
             </a:r>
+            <a:endParaRPr lang="en-US" altLang="zh-CN" dirty="0"/>
           </a:p>
         </p:txBody>
       </p:sp>
@@ -6103,21 +5798,12 @@
             </a:pPr>
             <a:fld id="{7A726D29-2219-4ADE-820E-909A7145D812}" type="slidenum">
               <a:rPr lang="en-US" altLang="zh-CN" smtClean="0"/>
-              <a:pPr>
-                <a:defRPr/>
-              </a:pPr>
-              <a:t>28</a:t>
             </a:fld>
             <a:endParaRPr lang="en-US" altLang="zh-CN"/>
           </a:p>
         </p:txBody>
       </p:sp>
     </p:spTree>
-    <p:extLst>
-      <p:ext uri="{BB962C8B-B14F-4D97-AF65-F5344CB8AC3E}">
-        <p14:creationId xmlns:p14="http://schemas.microsoft.com/office/powerpoint/2010/main" val="533882684"/>
-      </p:ext>
-    </p:extLst>
   </p:cSld>
   <p:clrMapOvr>
     <a:masterClrMapping/>
@@ -6175,6 +5861,7 @@
               <a:rPr lang="en-US" altLang="zh-CN" dirty="0"/>
               <a:t>A</a:t>
             </a:r>
+            <a:endParaRPr lang="en-US" altLang="zh-CN" dirty="0"/>
           </a:p>
         </p:txBody>
       </p:sp>
@@ -6198,21 +5885,12 @@
             </a:pPr>
             <a:fld id="{7A726D29-2219-4ADE-820E-909A7145D812}" type="slidenum">
               <a:rPr lang="en-US" altLang="zh-CN" smtClean="0"/>
-              <a:pPr>
-                <a:defRPr/>
-              </a:pPr>
-              <a:t>29</a:t>
             </a:fld>
             <a:endParaRPr lang="en-US" altLang="zh-CN"/>
           </a:p>
         </p:txBody>
       </p:sp>
     </p:spTree>
-    <p:extLst>
-      <p:ext uri="{BB962C8B-B14F-4D97-AF65-F5344CB8AC3E}">
-        <p14:creationId xmlns:p14="http://schemas.microsoft.com/office/powerpoint/2010/main" val="3524414548"/>
-      </p:ext>
-    </p:extLst>
   </p:cSld>
   <p:clrMapOvr>
     <a:masterClrMapping/>
@@ -6270,6 +5948,7 @@
               <a:rPr lang="en-US" altLang="zh-CN" dirty="0"/>
               <a:t>B</a:t>
             </a:r>
+            <a:endParaRPr lang="en-US" altLang="zh-CN" dirty="0"/>
           </a:p>
         </p:txBody>
       </p:sp>
@@ -6293,21 +5972,12 @@
             </a:pPr>
             <a:fld id="{7A726D29-2219-4ADE-820E-909A7145D812}" type="slidenum">
               <a:rPr lang="en-US" altLang="zh-CN" smtClean="0"/>
-              <a:pPr>
-                <a:defRPr/>
-              </a:pPr>
-              <a:t>30</a:t>
             </a:fld>
             <a:endParaRPr lang="en-US" altLang="zh-CN"/>
           </a:p>
         </p:txBody>
       </p:sp>
     </p:spTree>
-    <p:extLst>
-      <p:ext uri="{BB962C8B-B14F-4D97-AF65-F5344CB8AC3E}">
-        <p14:creationId xmlns:p14="http://schemas.microsoft.com/office/powerpoint/2010/main" val="625485759"/>
-      </p:ext>
-    </p:extLst>
   </p:cSld>
   <p:clrMapOvr>
     <a:masterClrMapping/>
@@ -6365,6 +6035,7 @@
               <a:rPr lang="en-US" altLang="zh-CN" dirty="0"/>
               <a:t>D</a:t>
             </a:r>
+            <a:endParaRPr lang="en-US" altLang="zh-CN" dirty="0"/>
           </a:p>
         </p:txBody>
       </p:sp>
@@ -6388,21 +6059,12 @@
             </a:pPr>
             <a:fld id="{7A726D29-2219-4ADE-820E-909A7145D812}" type="slidenum">
               <a:rPr lang="en-US" altLang="zh-CN" smtClean="0"/>
-              <a:pPr>
-                <a:defRPr/>
-              </a:pPr>
-              <a:t>8</a:t>
             </a:fld>
             <a:endParaRPr lang="en-US" altLang="zh-CN"/>
           </a:p>
         </p:txBody>
       </p:sp>
     </p:spTree>
-    <p:extLst>
-      <p:ext uri="{BB962C8B-B14F-4D97-AF65-F5344CB8AC3E}">
-        <p14:creationId xmlns:p14="http://schemas.microsoft.com/office/powerpoint/2010/main" val="4264119541"/>
-      </p:ext>
-    </p:extLst>
   </p:cSld>
   <p:clrMapOvr>
     <a:masterClrMapping/>
@@ -6460,6 +6122,7 @@
               <a:rPr lang="en-US" altLang="zh-CN" dirty="0"/>
               <a:t>A</a:t>
             </a:r>
+            <a:endParaRPr lang="en-US" altLang="zh-CN" dirty="0"/>
           </a:p>
           <a:p>
             <a:endParaRPr lang="en-US" altLang="zh-CN" dirty="0"/>
@@ -6486,21 +6149,12 @@
             </a:pPr>
             <a:fld id="{7A726D29-2219-4ADE-820E-909A7145D812}" type="slidenum">
               <a:rPr lang="en-US" altLang="zh-CN" smtClean="0"/>
-              <a:pPr>
-                <a:defRPr/>
-              </a:pPr>
-              <a:t>9</a:t>
             </a:fld>
             <a:endParaRPr lang="en-US" altLang="zh-CN"/>
           </a:p>
         </p:txBody>
       </p:sp>
     </p:spTree>
-    <p:extLst>
-      <p:ext uri="{BB962C8B-B14F-4D97-AF65-F5344CB8AC3E}">
-        <p14:creationId xmlns:p14="http://schemas.microsoft.com/office/powerpoint/2010/main" val="3412271058"/>
-      </p:ext>
-    </p:extLst>
   </p:cSld>
   <p:clrMapOvr>
     <a:masterClrMapping/>
@@ -6582,21 +6236,12 @@
             </a:pPr>
             <a:fld id="{7A726D29-2219-4ADE-820E-909A7145D812}" type="slidenum">
               <a:rPr lang="en-US" altLang="zh-CN" smtClean="0"/>
-              <a:pPr>
-                <a:defRPr/>
-              </a:pPr>
-              <a:t>10</a:t>
             </a:fld>
             <a:endParaRPr lang="en-US" altLang="zh-CN"/>
           </a:p>
         </p:txBody>
       </p:sp>
     </p:spTree>
-    <p:extLst>
-      <p:ext uri="{BB962C8B-B14F-4D97-AF65-F5344CB8AC3E}">
-        <p14:creationId xmlns:p14="http://schemas.microsoft.com/office/powerpoint/2010/main" val="2946767742"/>
-      </p:ext>
-    </p:extLst>
   </p:cSld>
   <p:clrMapOvr>
     <a:masterClrMapping/>
@@ -6654,6 +6299,7 @@
               <a:rPr lang="en-US" altLang="zh-CN" dirty="0"/>
               <a:t>C</a:t>
             </a:r>
+            <a:endParaRPr lang="en-US" altLang="zh-CN" dirty="0"/>
           </a:p>
         </p:txBody>
       </p:sp>
@@ -6677,21 +6323,12 @@
             </a:pPr>
             <a:fld id="{7A726D29-2219-4ADE-820E-909A7145D812}" type="slidenum">
               <a:rPr lang="en-US" altLang="zh-CN" smtClean="0"/>
-              <a:pPr>
-                <a:defRPr/>
-              </a:pPr>
-              <a:t>11</a:t>
             </a:fld>
             <a:endParaRPr lang="en-US" altLang="zh-CN"/>
           </a:p>
         </p:txBody>
       </p:sp>
     </p:spTree>
-    <p:extLst>
-      <p:ext uri="{BB962C8B-B14F-4D97-AF65-F5344CB8AC3E}">
-        <p14:creationId xmlns:p14="http://schemas.microsoft.com/office/powerpoint/2010/main" val="79993853"/>
-      </p:ext>
-    </p:extLst>
   </p:cSld>
   <p:clrMapOvr>
     <a:masterClrMapping/>
@@ -6749,6 +6386,7 @@
               <a:rPr lang="en-US" altLang="zh-CN" dirty="0"/>
               <a:t>D</a:t>
             </a:r>
+            <a:endParaRPr lang="en-US" altLang="zh-CN" dirty="0"/>
           </a:p>
         </p:txBody>
       </p:sp>
@@ -6772,21 +6410,12 @@
             </a:pPr>
             <a:fld id="{7A726D29-2219-4ADE-820E-909A7145D812}" type="slidenum">
               <a:rPr lang="en-US" altLang="zh-CN" smtClean="0"/>
-              <a:pPr>
-                <a:defRPr/>
-              </a:pPr>
-              <a:t>12</a:t>
             </a:fld>
             <a:endParaRPr lang="en-US" altLang="zh-CN"/>
           </a:p>
         </p:txBody>
       </p:sp>
     </p:spTree>
-    <p:extLst>
-      <p:ext uri="{BB962C8B-B14F-4D97-AF65-F5344CB8AC3E}">
-        <p14:creationId xmlns:p14="http://schemas.microsoft.com/office/powerpoint/2010/main" val="2995520766"/>
-      </p:ext>
-    </p:extLst>
   </p:cSld>
   <p:clrMapOvr>
     <a:masterClrMapping/>
@@ -6868,21 +6497,12 @@
             </a:pPr>
             <a:fld id="{7A726D29-2219-4ADE-820E-909A7145D812}" type="slidenum">
               <a:rPr lang="en-US" altLang="zh-CN" smtClean="0"/>
-              <a:pPr>
-                <a:defRPr/>
-              </a:pPr>
-              <a:t>13</a:t>
             </a:fld>
             <a:endParaRPr lang="en-US" altLang="zh-CN"/>
           </a:p>
         </p:txBody>
       </p:sp>
     </p:spTree>
-    <p:extLst>
-      <p:ext uri="{BB962C8B-B14F-4D97-AF65-F5344CB8AC3E}">
-        <p14:creationId xmlns:p14="http://schemas.microsoft.com/office/powerpoint/2010/main" val="4211705077"/>
-      </p:ext>
-    </p:extLst>
   </p:cSld>
   <p:clrMapOvr>
     <a:masterClrMapping/>
@@ -6940,6 +6560,7 @@
               <a:rPr lang="en-US" altLang="zh-CN" dirty="0"/>
               <a:t>A</a:t>
             </a:r>
+            <a:endParaRPr lang="en-US" altLang="zh-CN" dirty="0"/>
           </a:p>
         </p:txBody>
       </p:sp>
@@ -6963,21 +6584,12 @@
             </a:pPr>
             <a:fld id="{7A726D29-2219-4ADE-820E-909A7145D812}" type="slidenum">
               <a:rPr lang="en-US" altLang="zh-CN" smtClean="0"/>
-              <a:pPr>
-                <a:defRPr/>
-              </a:pPr>
-              <a:t>14</a:t>
             </a:fld>
             <a:endParaRPr lang="en-US" altLang="zh-CN"/>
           </a:p>
         </p:txBody>
       </p:sp>
     </p:spTree>
-    <p:extLst>
-      <p:ext uri="{BB962C8B-B14F-4D97-AF65-F5344CB8AC3E}">
-        <p14:creationId xmlns:p14="http://schemas.microsoft.com/office/powerpoint/2010/main" val="2967581432"/>
-      </p:ext>
-    </p:extLst>
   </p:cSld>
   <p:clrMapOvr>
     <a:masterClrMapping/>
@@ -6986,7 +6598,7 @@
 </file>
 
 <file path=ppt/slideLayouts/slideLayout1.xml><?xml version="1.0" encoding="utf-8"?>
-<p:sldLayout xmlns:a="http://schemas.openxmlformats.org/drawingml/2006/main" xmlns:r="http://schemas.openxmlformats.org/officeDocument/2006/relationships" xmlns:p="http://schemas.openxmlformats.org/presentationml/2006/main" showMasterSp="0" type="title" preserve="1">
+<p:sldLayout xmlns:a="http://schemas.openxmlformats.org/drawingml/2006/main" xmlns:r="http://schemas.openxmlformats.org/officeDocument/2006/relationships" xmlns:p="http://schemas.openxmlformats.org/presentationml/2006/main" type="title" preserve="1" showMasterSp="0">
   <p:cSld name="标题幻灯片">
     <p:bg>
       <p:bgPr>
@@ -7026,8 +6638,8 @@
         </p:nvSpPr>
         <p:spPr>
           <a:xfrm>
-            <a:off x="863600" y="4271963"/>
-            <a:ext cx="7485063" cy="1081087"/>
+            <a:off x="1151467" y="4271963"/>
+            <a:ext cx="9980084" cy="1081087"/>
           </a:xfrm>
         </p:spPr>
         <p:txBody>
@@ -7049,6 +6661,7 @@
               <a:rPr lang="de-DE" dirty="0"/>
               <a:t>Titelmasterformat durch Klicken bearbeiten</a:t>
             </a:r>
+            <a:endParaRPr lang="de-DE" dirty="0"/>
           </a:p>
         </p:txBody>
       </p:sp>
@@ -7064,15 +6677,15 @@
         </p:nvSpPr>
         <p:spPr bwMode="gray">
           <a:xfrm>
-            <a:off x="863600" y="5284788"/>
-            <a:ext cx="7510463" cy="800100"/>
+            <a:off x="1151467" y="5284788"/>
+            <a:ext cx="10013951" cy="800100"/>
           </a:xfrm>
         </p:spPr>
         <p:txBody>
           <a:bodyPr tIns="45720" bIns="45720"/>
           <a:lstStyle>
             <a:lvl1pPr marL="0" indent="0">
-              <a:buFont typeface="Wingdings" charset="2"/>
+              <a:buFont typeface="Wingdings" panose="05000000000000000000" pitchFamily="2" charset="2"/>
               <a:buNone/>
               <a:defRPr sz="2400"/>
             </a:lvl1pPr>
@@ -7082,6 +6695,7 @@
               <a:rPr lang="de-DE" dirty="0"/>
               <a:t>Formatvorlage des Untertitelmasters durch Klicken bearbeiten</a:t>
             </a:r>
+            <a:endParaRPr lang="de-DE" dirty="0"/>
           </a:p>
         </p:txBody>
       </p:sp>
@@ -7097,8 +6711,8 @@
         </p:nvSpPr>
         <p:spPr>
           <a:xfrm>
-            <a:off x="3124200" y="6245225"/>
-            <a:ext cx="2895600" cy="476250"/>
+            <a:off x="4165600" y="6245225"/>
+            <a:ext cx="3860800" cy="476250"/>
           </a:xfrm>
         </p:spPr>
         <p:txBody>
@@ -7136,8 +6750,8 @@
         </p:blipFill>
         <p:spPr>
           <a:xfrm>
-            <a:off x="5462081" y="6269850"/>
-            <a:ext cx="3653413" cy="563436"/>
+            <a:off x="7282775" y="6269850"/>
+            <a:ext cx="4871217" cy="563436"/>
           </a:xfrm>
           <a:prstGeom prst="rect">
             <a:avLst/>
@@ -7188,6 +6802,7 @@
               <a:rPr lang="zh-CN" altLang="en-US"/>
               <a:t>单击此处编辑母版标题样式</a:t>
             </a:r>
+            <a:endParaRPr lang="zh-CN" altLang="en-US"/>
           </a:p>
         </p:txBody>
       </p:sp>
@@ -7211,6 +6826,7 @@
               <a:rPr lang="zh-CN" altLang="en-US"/>
               <a:t>单击此处编辑母版文本样式</a:t>
             </a:r>
+            <a:endParaRPr lang="zh-CN" altLang="en-US"/>
           </a:p>
           <a:p>
             <a:pPr lvl="1"/>
@@ -7218,6 +6834,7 @@
               <a:rPr lang="zh-CN" altLang="en-US"/>
               <a:t>第二级</a:t>
             </a:r>
+            <a:endParaRPr lang="zh-CN" altLang="en-US"/>
           </a:p>
           <a:p>
             <a:pPr lvl="2"/>
@@ -7225,6 +6842,7 @@
               <a:rPr lang="zh-CN" altLang="en-US"/>
               <a:t>第三级</a:t>
             </a:r>
+            <a:endParaRPr lang="zh-CN" altLang="en-US"/>
           </a:p>
           <a:p>
             <a:pPr lvl="3"/>
@@ -7232,6 +6850,7 @@
               <a:rPr lang="zh-CN" altLang="en-US"/>
               <a:t>第四级</a:t>
             </a:r>
+            <a:endParaRPr lang="zh-CN" altLang="en-US"/>
           </a:p>
           <a:p>
             <a:pPr lvl="4"/>
@@ -7239,6 +6858,7 @@
               <a:rPr lang="zh-CN" altLang="en-US"/>
               <a:t>第五级</a:t>
             </a:r>
+            <a:endParaRPr lang="zh-CN" altLang="en-US"/>
           </a:p>
         </p:txBody>
       </p:sp>
@@ -7252,9 +6872,7 @@
             <p:ph type="ftr" sz="quarter" idx="10"/>
           </p:nvPr>
         </p:nvSpPr>
-        <p:spPr>
-          <a:ln/>
-        </p:spPr>
+        <p:spPr/>
         <p:txBody>
           <a:bodyPr/>
           <a:lstStyle>
@@ -7307,8 +6925,8 @@
         </p:nvSpPr>
         <p:spPr>
           <a:xfrm>
-            <a:off x="6689725" y="252413"/>
-            <a:ext cx="2130425" cy="5549900"/>
+            <a:off x="8919633" y="252413"/>
+            <a:ext cx="2840567" cy="5549900"/>
           </a:xfrm>
         </p:spPr>
         <p:txBody>
@@ -7319,6 +6937,7 @@
               <a:rPr lang="zh-CN" altLang="en-US"/>
               <a:t>单击此处编辑母版标题样式</a:t>
             </a:r>
+            <a:endParaRPr lang="zh-CN" altLang="en-US"/>
           </a:p>
         </p:txBody>
       </p:sp>
@@ -7334,8 +6953,8 @@
         </p:nvSpPr>
         <p:spPr>
           <a:xfrm>
-            <a:off x="295275" y="252413"/>
-            <a:ext cx="6242050" cy="5549900"/>
+            <a:off x="393700" y="252413"/>
+            <a:ext cx="8322733" cy="5549900"/>
           </a:xfrm>
         </p:spPr>
         <p:txBody>
@@ -7347,6 +6966,7 @@
               <a:rPr lang="zh-CN" altLang="en-US"/>
               <a:t>单击此处编辑母版文本样式</a:t>
             </a:r>
+            <a:endParaRPr lang="zh-CN" altLang="en-US"/>
           </a:p>
           <a:p>
             <a:pPr lvl="1"/>
@@ -7354,6 +6974,7 @@
               <a:rPr lang="zh-CN" altLang="en-US"/>
               <a:t>第二级</a:t>
             </a:r>
+            <a:endParaRPr lang="zh-CN" altLang="en-US"/>
           </a:p>
           <a:p>
             <a:pPr lvl="2"/>
@@ -7361,6 +6982,7 @@
               <a:rPr lang="zh-CN" altLang="en-US"/>
               <a:t>第三级</a:t>
             </a:r>
+            <a:endParaRPr lang="zh-CN" altLang="en-US"/>
           </a:p>
           <a:p>
             <a:pPr lvl="3"/>
@@ -7368,6 +6990,7 @@
               <a:rPr lang="zh-CN" altLang="en-US"/>
               <a:t>第四级</a:t>
             </a:r>
+            <a:endParaRPr lang="zh-CN" altLang="en-US"/>
           </a:p>
           <a:p>
             <a:pPr lvl="4"/>
@@ -7375,6 +6998,7 @@
               <a:rPr lang="zh-CN" altLang="en-US"/>
               <a:t>第五级</a:t>
             </a:r>
+            <a:endParaRPr lang="zh-CN" altLang="en-US"/>
           </a:p>
         </p:txBody>
       </p:sp>
@@ -7388,9 +7012,7 @@
             <p:ph type="ftr" sz="quarter" idx="10"/>
           </p:nvPr>
         </p:nvSpPr>
-        <p:spPr>
-          <a:ln/>
-        </p:spPr>
+        <p:spPr/>
         <p:txBody>
           <a:bodyPr/>
           <a:lstStyle>
@@ -7450,6 +7072,7 @@
               <a:rPr lang="zh-CN" altLang="en-US"/>
               <a:t>单击此处编辑母版标题样式</a:t>
             </a:r>
+            <a:endParaRPr lang="zh-CN" altLang="en-US"/>
           </a:p>
         </p:txBody>
       </p:sp>
@@ -7473,6 +7096,7 @@
               <a:rPr lang="zh-CN" altLang="en-US"/>
               <a:t>单击此处编辑母版文本样式</a:t>
             </a:r>
+            <a:endParaRPr lang="zh-CN" altLang="en-US"/>
           </a:p>
           <a:p>
             <a:pPr lvl="1"/>
@@ -7480,6 +7104,7 @@
               <a:rPr lang="zh-CN" altLang="en-US"/>
               <a:t>第二级</a:t>
             </a:r>
+            <a:endParaRPr lang="zh-CN" altLang="en-US"/>
           </a:p>
           <a:p>
             <a:pPr lvl="2"/>
@@ -7487,6 +7112,7 @@
               <a:rPr lang="zh-CN" altLang="en-US"/>
               <a:t>第三级</a:t>
             </a:r>
+            <a:endParaRPr lang="zh-CN" altLang="en-US"/>
           </a:p>
           <a:p>
             <a:pPr lvl="3"/>
@@ -7494,6 +7120,7 @@
               <a:rPr lang="zh-CN" altLang="en-US"/>
               <a:t>第四级</a:t>
             </a:r>
+            <a:endParaRPr lang="zh-CN" altLang="en-US"/>
           </a:p>
           <a:p>
             <a:pPr lvl="4"/>
@@ -7501,6 +7128,7 @@
               <a:rPr lang="zh-CN" altLang="en-US"/>
               <a:t>第五级</a:t>
             </a:r>
+            <a:endParaRPr lang="zh-CN" altLang="en-US"/>
           </a:p>
         </p:txBody>
       </p:sp>
@@ -7514,9 +7142,7 @@
             <p:ph type="ftr" sz="quarter" idx="10"/>
           </p:nvPr>
         </p:nvSpPr>
-        <p:spPr>
-          <a:ln/>
-        </p:spPr>
+        <p:spPr/>
         <p:txBody>
           <a:bodyPr/>
           <a:lstStyle>
@@ -7569,8 +7195,8 @@
         </p:nvSpPr>
         <p:spPr>
           <a:xfrm>
-            <a:off x="722313" y="4406900"/>
-            <a:ext cx="7772400" cy="1362075"/>
+            <a:off x="963084" y="4406900"/>
+            <a:ext cx="10363200" cy="1362075"/>
           </a:xfrm>
         </p:spPr>
         <p:txBody>
@@ -7585,6 +7211,7 @@
               <a:rPr lang="zh-CN" altLang="en-US"/>
               <a:t>单击此处编辑母版标题样式</a:t>
             </a:r>
+            <a:endParaRPr lang="zh-CN" altLang="en-US"/>
           </a:p>
         </p:txBody>
       </p:sp>
@@ -7600,8 +7227,8 @@
         </p:nvSpPr>
         <p:spPr>
           <a:xfrm>
-            <a:off x="722313" y="2906713"/>
-            <a:ext cx="7772400" cy="1500187"/>
+            <a:off x="963084" y="2906713"/>
+            <a:ext cx="10363200" cy="1500187"/>
           </a:xfrm>
         </p:spPr>
         <p:txBody>
@@ -7650,6 +7277,7 @@
               <a:rPr lang="zh-CN" altLang="en-US"/>
               <a:t>单击此处编辑母版文本样式</a:t>
             </a:r>
+            <a:endParaRPr lang="zh-CN" altLang="en-US"/>
           </a:p>
         </p:txBody>
       </p:sp>
@@ -7663,9 +7291,7 @@
             <p:ph type="ftr" sz="quarter" idx="10"/>
           </p:nvPr>
         </p:nvSpPr>
-        <p:spPr>
-          <a:ln/>
-        </p:spPr>
+        <p:spPr/>
         <p:txBody>
           <a:bodyPr/>
           <a:lstStyle>
@@ -7725,6 +7351,7 @@
               <a:rPr lang="zh-CN" altLang="en-US"/>
               <a:t>单击此处编辑母版标题样式</a:t>
             </a:r>
+            <a:endParaRPr lang="zh-CN" altLang="en-US"/>
           </a:p>
         </p:txBody>
       </p:sp>
@@ -7740,8 +7367,8 @@
         </p:nvSpPr>
         <p:spPr>
           <a:xfrm>
-            <a:off x="295275" y="1489075"/>
-            <a:ext cx="4186238" cy="4313238"/>
+            <a:off x="393700" y="1489075"/>
+            <a:ext cx="5581651" cy="4313238"/>
           </a:xfrm>
         </p:spPr>
         <p:txBody>
@@ -7781,6 +7408,7 @@
               <a:rPr lang="zh-CN" altLang="en-US"/>
               <a:t>单击此处编辑母版文本样式</a:t>
             </a:r>
+            <a:endParaRPr lang="zh-CN" altLang="en-US"/>
           </a:p>
           <a:p>
             <a:pPr lvl="1"/>
@@ -7788,6 +7416,7 @@
               <a:rPr lang="zh-CN" altLang="en-US"/>
               <a:t>第二级</a:t>
             </a:r>
+            <a:endParaRPr lang="zh-CN" altLang="en-US"/>
           </a:p>
           <a:p>
             <a:pPr lvl="2"/>
@@ -7795,6 +7424,7 @@
               <a:rPr lang="zh-CN" altLang="en-US"/>
               <a:t>第三级</a:t>
             </a:r>
+            <a:endParaRPr lang="zh-CN" altLang="en-US"/>
           </a:p>
           <a:p>
             <a:pPr lvl="3"/>
@@ -7802,6 +7432,7 @@
               <a:rPr lang="zh-CN" altLang="en-US"/>
               <a:t>第四级</a:t>
             </a:r>
+            <a:endParaRPr lang="zh-CN" altLang="en-US"/>
           </a:p>
           <a:p>
             <a:pPr lvl="4"/>
@@ -7809,6 +7440,7 @@
               <a:rPr lang="zh-CN" altLang="en-US"/>
               <a:t>第五级</a:t>
             </a:r>
+            <a:endParaRPr lang="zh-CN" altLang="en-US"/>
           </a:p>
         </p:txBody>
       </p:sp>
@@ -7824,8 +7456,8 @@
         </p:nvSpPr>
         <p:spPr>
           <a:xfrm>
-            <a:off x="4633913" y="1489075"/>
-            <a:ext cx="4186237" cy="4313238"/>
+            <a:off x="6178551" y="1489075"/>
+            <a:ext cx="5581649" cy="4313238"/>
           </a:xfrm>
         </p:spPr>
         <p:txBody>
@@ -7865,6 +7497,7 @@
               <a:rPr lang="zh-CN" altLang="en-US"/>
               <a:t>单击此处编辑母版文本样式</a:t>
             </a:r>
+            <a:endParaRPr lang="zh-CN" altLang="en-US"/>
           </a:p>
           <a:p>
             <a:pPr lvl="1"/>
@@ -7872,6 +7505,7 @@
               <a:rPr lang="zh-CN" altLang="en-US"/>
               <a:t>第二级</a:t>
             </a:r>
+            <a:endParaRPr lang="zh-CN" altLang="en-US"/>
           </a:p>
           <a:p>
             <a:pPr lvl="2"/>
@@ -7879,6 +7513,7 @@
               <a:rPr lang="zh-CN" altLang="en-US"/>
               <a:t>第三级</a:t>
             </a:r>
+            <a:endParaRPr lang="zh-CN" altLang="en-US"/>
           </a:p>
           <a:p>
             <a:pPr lvl="3"/>
@@ -7886,6 +7521,7 @@
               <a:rPr lang="zh-CN" altLang="en-US"/>
               <a:t>第四级</a:t>
             </a:r>
+            <a:endParaRPr lang="zh-CN" altLang="en-US"/>
           </a:p>
           <a:p>
             <a:pPr lvl="4"/>
@@ -7893,6 +7529,7 @@
               <a:rPr lang="zh-CN" altLang="en-US"/>
               <a:t>第五级</a:t>
             </a:r>
+            <a:endParaRPr lang="zh-CN" altLang="en-US"/>
           </a:p>
         </p:txBody>
       </p:sp>
@@ -7906,9 +7543,7 @@
             <p:ph type="ftr" sz="quarter" idx="10"/>
           </p:nvPr>
         </p:nvSpPr>
-        <p:spPr>
-          <a:ln/>
-        </p:spPr>
+        <p:spPr/>
         <p:txBody>
           <a:bodyPr/>
           <a:lstStyle>
@@ -7961,8 +7596,8 @@
         </p:nvSpPr>
         <p:spPr>
           <a:xfrm>
-            <a:off x="457200" y="274638"/>
-            <a:ext cx="8229600" cy="1143000"/>
+            <a:off x="609600" y="274638"/>
+            <a:ext cx="10972800" cy="1143000"/>
           </a:xfrm>
         </p:spPr>
         <p:txBody>
@@ -7977,6 +7612,7 @@
               <a:rPr lang="zh-CN" altLang="en-US"/>
               <a:t>单击此处编辑母版标题样式</a:t>
             </a:r>
+            <a:endParaRPr lang="zh-CN" altLang="en-US"/>
           </a:p>
         </p:txBody>
       </p:sp>
@@ -7992,8 +7628,8 @@
         </p:nvSpPr>
         <p:spPr>
           <a:xfrm>
-            <a:off x="457200" y="1535113"/>
-            <a:ext cx="4040188" cy="639762"/>
+            <a:off x="609600" y="1535113"/>
+            <a:ext cx="5386917" cy="639762"/>
           </a:xfrm>
         </p:spPr>
         <p:txBody>
@@ -8042,6 +7678,7 @@
               <a:rPr lang="zh-CN" altLang="en-US"/>
               <a:t>单击此处编辑母版文本样式</a:t>
             </a:r>
+            <a:endParaRPr lang="zh-CN" altLang="en-US"/>
           </a:p>
         </p:txBody>
       </p:sp>
@@ -8057,8 +7694,8 @@
         </p:nvSpPr>
         <p:spPr>
           <a:xfrm>
-            <a:off x="457200" y="2174875"/>
-            <a:ext cx="4040188" cy="3951288"/>
+            <a:off x="609600" y="2174875"/>
+            <a:ext cx="5386917" cy="3951288"/>
           </a:xfrm>
         </p:spPr>
         <p:txBody>
@@ -8098,6 +7735,7 @@
               <a:rPr lang="zh-CN" altLang="en-US"/>
               <a:t>单击此处编辑母版文本样式</a:t>
             </a:r>
+            <a:endParaRPr lang="zh-CN" altLang="en-US"/>
           </a:p>
           <a:p>
             <a:pPr lvl="1"/>
@@ -8105,6 +7743,7 @@
               <a:rPr lang="zh-CN" altLang="en-US"/>
               <a:t>第二级</a:t>
             </a:r>
+            <a:endParaRPr lang="zh-CN" altLang="en-US"/>
           </a:p>
           <a:p>
             <a:pPr lvl="2"/>
@@ -8112,6 +7751,7 @@
               <a:rPr lang="zh-CN" altLang="en-US"/>
               <a:t>第三级</a:t>
             </a:r>
+            <a:endParaRPr lang="zh-CN" altLang="en-US"/>
           </a:p>
           <a:p>
             <a:pPr lvl="3"/>
@@ -8119,6 +7759,7 @@
               <a:rPr lang="zh-CN" altLang="en-US"/>
               <a:t>第四级</a:t>
             </a:r>
+            <a:endParaRPr lang="zh-CN" altLang="en-US"/>
           </a:p>
           <a:p>
             <a:pPr lvl="4"/>
@@ -8126,6 +7767,7 @@
               <a:rPr lang="zh-CN" altLang="en-US"/>
               <a:t>第五级</a:t>
             </a:r>
+            <a:endParaRPr lang="zh-CN" altLang="en-US"/>
           </a:p>
         </p:txBody>
       </p:sp>
@@ -8141,8 +7783,8 @@
         </p:nvSpPr>
         <p:spPr>
           <a:xfrm>
-            <a:off x="4645025" y="1535113"/>
-            <a:ext cx="4041775" cy="639762"/>
+            <a:off x="6193367" y="1535113"/>
+            <a:ext cx="5389033" cy="639762"/>
           </a:xfrm>
         </p:spPr>
         <p:txBody>
@@ -8191,6 +7833,7 @@
               <a:rPr lang="zh-CN" altLang="en-US"/>
               <a:t>单击此处编辑母版文本样式</a:t>
             </a:r>
+            <a:endParaRPr lang="zh-CN" altLang="en-US"/>
           </a:p>
         </p:txBody>
       </p:sp>
@@ -8206,8 +7849,8 @@
         </p:nvSpPr>
         <p:spPr>
           <a:xfrm>
-            <a:off x="4645025" y="2174875"/>
-            <a:ext cx="4041775" cy="3951288"/>
+            <a:off x="6193367" y="2174875"/>
+            <a:ext cx="5389033" cy="3951288"/>
           </a:xfrm>
         </p:spPr>
         <p:txBody>
@@ -8247,6 +7890,7 @@
               <a:rPr lang="zh-CN" altLang="en-US"/>
               <a:t>单击此处编辑母版文本样式</a:t>
             </a:r>
+            <a:endParaRPr lang="zh-CN" altLang="en-US"/>
           </a:p>
           <a:p>
             <a:pPr lvl="1"/>
@@ -8254,6 +7898,7 @@
               <a:rPr lang="zh-CN" altLang="en-US"/>
               <a:t>第二级</a:t>
             </a:r>
+            <a:endParaRPr lang="zh-CN" altLang="en-US"/>
           </a:p>
           <a:p>
             <a:pPr lvl="2"/>
@@ -8261,6 +7906,7 @@
               <a:rPr lang="zh-CN" altLang="en-US"/>
               <a:t>第三级</a:t>
             </a:r>
+            <a:endParaRPr lang="zh-CN" altLang="en-US"/>
           </a:p>
           <a:p>
             <a:pPr lvl="3"/>
@@ -8268,6 +7914,7 @@
               <a:rPr lang="zh-CN" altLang="en-US"/>
               <a:t>第四级</a:t>
             </a:r>
+            <a:endParaRPr lang="zh-CN" altLang="en-US"/>
           </a:p>
           <a:p>
             <a:pPr lvl="4"/>
@@ -8275,6 +7922,7 @@
               <a:rPr lang="zh-CN" altLang="en-US"/>
               <a:t>第五级</a:t>
             </a:r>
+            <a:endParaRPr lang="zh-CN" altLang="en-US"/>
           </a:p>
         </p:txBody>
       </p:sp>
@@ -8288,9 +7936,7 @@
             <p:ph type="ftr" sz="quarter" idx="10"/>
           </p:nvPr>
         </p:nvSpPr>
-        <p:spPr>
-          <a:ln/>
-        </p:spPr>
+        <p:spPr/>
         <p:txBody>
           <a:bodyPr/>
           <a:lstStyle>
@@ -8350,6 +7996,7 @@
               <a:rPr lang="zh-CN" altLang="en-US"/>
               <a:t>单击此处编辑母版标题样式</a:t>
             </a:r>
+            <a:endParaRPr lang="zh-CN" altLang="en-US"/>
           </a:p>
         </p:txBody>
       </p:sp>
@@ -8363,9 +8010,7 @@
             <p:ph type="ftr" sz="quarter" idx="10"/>
           </p:nvPr>
         </p:nvSpPr>
-        <p:spPr>
-          <a:ln/>
-        </p:spPr>
+        <p:spPr/>
         <p:txBody>
           <a:bodyPr/>
           <a:lstStyle>
@@ -8416,9 +8061,7 @@
             <p:ph type="ftr" sz="quarter" idx="10"/>
           </p:nvPr>
         </p:nvSpPr>
-        <p:spPr>
-          <a:ln/>
-        </p:spPr>
+        <p:spPr/>
         <p:txBody>
           <a:bodyPr/>
           <a:lstStyle>
@@ -8471,8 +8114,8 @@
         </p:nvSpPr>
         <p:spPr>
           <a:xfrm>
-            <a:off x="457200" y="273050"/>
-            <a:ext cx="3008313" cy="1162050"/>
+            <a:off x="609600" y="273050"/>
+            <a:ext cx="4011084" cy="1162050"/>
           </a:xfrm>
         </p:spPr>
         <p:txBody>
@@ -8487,6 +8130,7 @@
               <a:rPr lang="zh-CN" altLang="en-US"/>
               <a:t>单击此处编辑母版标题样式</a:t>
             </a:r>
+            <a:endParaRPr lang="zh-CN" altLang="en-US"/>
           </a:p>
         </p:txBody>
       </p:sp>
@@ -8502,8 +8146,8 @@
         </p:nvSpPr>
         <p:spPr>
           <a:xfrm>
-            <a:off x="3575050" y="273050"/>
-            <a:ext cx="5111750" cy="5853113"/>
+            <a:off x="4766733" y="273050"/>
+            <a:ext cx="6815667" cy="5853113"/>
           </a:xfrm>
         </p:spPr>
         <p:txBody>
@@ -8543,6 +8187,7 @@
               <a:rPr lang="zh-CN" altLang="en-US"/>
               <a:t>单击此处编辑母版文本样式</a:t>
             </a:r>
+            <a:endParaRPr lang="zh-CN" altLang="en-US"/>
           </a:p>
           <a:p>
             <a:pPr lvl="1"/>
@@ -8550,6 +8195,7 @@
               <a:rPr lang="zh-CN" altLang="en-US"/>
               <a:t>第二级</a:t>
             </a:r>
+            <a:endParaRPr lang="zh-CN" altLang="en-US"/>
           </a:p>
           <a:p>
             <a:pPr lvl="2"/>
@@ -8557,6 +8203,7 @@
               <a:rPr lang="zh-CN" altLang="en-US"/>
               <a:t>第三级</a:t>
             </a:r>
+            <a:endParaRPr lang="zh-CN" altLang="en-US"/>
           </a:p>
           <a:p>
             <a:pPr lvl="3"/>
@@ -8564,6 +8211,7 @@
               <a:rPr lang="zh-CN" altLang="en-US"/>
               <a:t>第四级</a:t>
             </a:r>
+            <a:endParaRPr lang="zh-CN" altLang="en-US"/>
           </a:p>
           <a:p>
             <a:pPr lvl="4"/>
@@ -8571,6 +8219,7 @@
               <a:rPr lang="zh-CN" altLang="en-US"/>
               <a:t>第五级</a:t>
             </a:r>
+            <a:endParaRPr lang="zh-CN" altLang="en-US"/>
           </a:p>
         </p:txBody>
       </p:sp>
@@ -8586,8 +8235,8 @@
         </p:nvSpPr>
         <p:spPr>
           <a:xfrm>
-            <a:off x="457200" y="1435100"/>
-            <a:ext cx="3008313" cy="4691063"/>
+            <a:off x="609600" y="1435100"/>
+            <a:ext cx="4011084" cy="4691063"/>
           </a:xfrm>
         </p:spPr>
         <p:txBody>
@@ -8636,6 +8285,7 @@
               <a:rPr lang="zh-CN" altLang="en-US"/>
               <a:t>单击此处编辑母版文本样式</a:t>
             </a:r>
+            <a:endParaRPr lang="zh-CN" altLang="en-US"/>
           </a:p>
         </p:txBody>
       </p:sp>
@@ -8649,9 +8299,7 @@
             <p:ph type="ftr" sz="quarter" idx="10"/>
           </p:nvPr>
         </p:nvSpPr>
-        <p:spPr>
-          <a:ln/>
-        </p:spPr>
+        <p:spPr/>
         <p:txBody>
           <a:bodyPr/>
           <a:lstStyle>
@@ -8704,8 +8352,8 @@
         </p:nvSpPr>
         <p:spPr>
           <a:xfrm>
-            <a:off x="1792288" y="4800600"/>
-            <a:ext cx="5486400" cy="566738"/>
+            <a:off x="2389717" y="4800600"/>
+            <a:ext cx="7315200" cy="566738"/>
           </a:xfrm>
         </p:spPr>
         <p:txBody>
@@ -8720,6 +8368,7 @@
               <a:rPr lang="zh-CN" altLang="en-US"/>
               <a:t>单击此处编辑母版标题样式</a:t>
             </a:r>
+            <a:endParaRPr lang="zh-CN" altLang="en-US"/>
           </a:p>
         </p:txBody>
       </p:sp>
@@ -8735,8 +8384,8 @@
         </p:nvSpPr>
         <p:spPr>
           <a:xfrm>
-            <a:off x="1792288" y="612775"/>
-            <a:ext cx="5486400" cy="4114800"/>
+            <a:off x="2389717" y="612775"/>
+            <a:ext cx="7315200" cy="4114800"/>
           </a:xfrm>
         </p:spPr>
         <p:txBody>
@@ -8797,8 +8446,8 @@
         </p:nvSpPr>
         <p:spPr>
           <a:xfrm>
-            <a:off x="1792288" y="5367338"/>
-            <a:ext cx="5486400" cy="804862"/>
+            <a:off x="2389717" y="5367338"/>
+            <a:ext cx="7315200" cy="804862"/>
           </a:xfrm>
         </p:spPr>
         <p:txBody>
@@ -8847,6 +8496,7 @@
               <a:rPr lang="zh-CN" altLang="en-US"/>
               <a:t>单击此处编辑母版文本样式</a:t>
             </a:r>
+            <a:endParaRPr lang="zh-CN" altLang="en-US"/>
           </a:p>
         </p:txBody>
       </p:sp>
@@ -8860,9 +8510,7 @@
             <p:ph type="ftr" sz="quarter" idx="10"/>
           </p:nvPr>
         </p:nvSpPr>
-        <p:spPr>
-          <a:ln/>
-        </p:spPr>
+        <p:spPr/>
         <p:txBody>
           <a:bodyPr/>
           <a:lstStyle>
@@ -8892,7 +8540,7 @@
     <p:bg>
       <p:bgPr>
         <a:blipFill dpi="0" rotWithShape="0">
-          <a:blip r:embed="rId13"/>
+          <a:blip r:embed="rId12"/>
           <a:srcRect/>
           <a:stretch>
             <a:fillRect/>
@@ -8927,8 +8575,8 @@
         </p:nvSpPr>
         <p:spPr bwMode="auto">
           <a:xfrm>
-            <a:off x="295275" y="1489075"/>
-            <a:ext cx="8524875" cy="4313238"/>
+            <a:off x="393700" y="1489075"/>
+            <a:ext cx="11366500" cy="4313238"/>
           </a:xfrm>
           <a:prstGeom prst="rect">
             <a:avLst/>
@@ -8937,16 +8585,10 @@
           <a:ln w="9525">
             <a:noFill/>
             <a:miter lim="800000"/>
-            <a:headEnd/>
-            <a:tailEnd/>
           </a:ln>
         </p:spPr>
         <p:txBody>
-          <a:bodyPr vert="horz" wrap="square" lIns="0" tIns="0" rIns="0" bIns="0" numCol="1" anchor="t" anchorCtr="0" compatLnSpc="1">
-            <a:prstTxWarp prst="textNoShape">
-              <a:avLst/>
-            </a:prstTxWarp>
-          </a:bodyPr>
+          <a:bodyPr vert="horz" wrap="square" lIns="0" tIns="0" rIns="0" bIns="0" numCol="1" anchor="t" anchorCtr="0" compatLnSpc="1"/>
           <a:lstStyle/>
           <a:p>
             <a:pPr lvl="0"/>
@@ -8954,6 +8596,7 @@
               <a:rPr lang="de-DE" altLang="zh-CN" dirty="0"/>
               <a:t>Textmasterformate durch Klicken bearbeiten</a:t>
             </a:r>
+            <a:endParaRPr lang="de-DE" altLang="zh-CN" dirty="0"/>
           </a:p>
           <a:p>
             <a:pPr lvl="1"/>
@@ -8961,6 +8604,7 @@
               <a:rPr lang="de-DE" altLang="zh-CN" dirty="0"/>
               <a:t>Zweite Ebene</a:t>
             </a:r>
+            <a:endParaRPr lang="de-DE" altLang="zh-CN" dirty="0"/>
           </a:p>
           <a:p>
             <a:pPr lvl="2"/>
@@ -8968,6 +8612,7 @@
               <a:rPr lang="de-DE" altLang="zh-CN" dirty="0"/>
               <a:t>Dritte Ebene</a:t>
             </a:r>
+            <a:endParaRPr lang="de-DE" altLang="zh-CN" dirty="0"/>
           </a:p>
           <a:p>
             <a:pPr lvl="3"/>
@@ -8975,6 +8620,7 @@
               <a:rPr lang="de-DE" altLang="zh-CN" dirty="0"/>
               <a:t>Vierte Ebene</a:t>
             </a:r>
+            <a:endParaRPr lang="de-DE" altLang="zh-CN" dirty="0"/>
           </a:p>
           <a:p>
             <a:pPr lvl="4"/>
@@ -8982,6 +8628,7 @@
               <a:rPr lang="de-DE" altLang="zh-CN" dirty="0"/>
               <a:t>Fünfte Ebene</a:t>
             </a:r>
+            <a:endParaRPr lang="de-DE" altLang="zh-CN" dirty="0"/>
           </a:p>
         </p:txBody>
       </p:sp>
@@ -8997,8 +8644,8 @@
         </p:nvSpPr>
         <p:spPr bwMode="gray">
           <a:xfrm>
-            <a:off x="3124200" y="6365875"/>
-            <a:ext cx="2895600" cy="247650"/>
+            <a:off x="4165600" y="6365875"/>
+            <a:ext cx="3860800" cy="247650"/>
           </a:xfrm>
           <a:prstGeom prst="rect">
             <a:avLst/>
@@ -9007,23 +8654,17 @@
           <a:ln w="9525">
             <a:noFill/>
             <a:miter lim="800000"/>
-            <a:headEnd/>
-            <a:tailEnd/>
           </a:ln>
         </p:spPr>
         <p:txBody>
-          <a:bodyPr vert="horz" wrap="square" lIns="91440" tIns="45720" rIns="91440" bIns="45720" numCol="1" anchor="t" anchorCtr="0" compatLnSpc="1">
-            <a:prstTxWarp prst="textNoShape">
-              <a:avLst/>
-            </a:prstTxWarp>
-          </a:bodyPr>
+          <a:bodyPr vert="horz" wrap="square" lIns="91440" tIns="45720" rIns="91440" bIns="45720" numCol="1" anchor="t" anchorCtr="0" compatLnSpc="1"/>
           <a:lstStyle>
             <a:lvl1pPr algn="ctr">
               <a:defRPr sz="1000" noProof="1">
                 <a:solidFill>
                   <a:schemeClr val="bg1"/>
                 </a:solidFill>
-                <a:latin typeface="Arial" charset="0"/>
+                <a:latin typeface="Arial" panose="020B0604020202020204" pitchFamily="34" charset="0"/>
                 <a:cs typeface="+mn-cs"/>
               </a:defRPr>
             </a:lvl1pPr>
@@ -9048,8 +8689,8 @@
         </p:nvSpPr>
         <p:spPr bwMode="gray">
           <a:xfrm>
-            <a:off x="300038" y="252413"/>
-            <a:ext cx="8520112" cy="647700"/>
+            <a:off x="400051" y="252413"/>
+            <a:ext cx="11360149" cy="647700"/>
           </a:xfrm>
           <a:prstGeom prst="rect">
             <a:avLst/>
@@ -9058,16 +8699,10 @@
           <a:ln w="9525">
             <a:noFill/>
             <a:miter lim="800000"/>
-            <a:headEnd/>
-            <a:tailEnd/>
           </a:ln>
         </p:spPr>
         <p:txBody>
-          <a:bodyPr vert="horz" wrap="square" lIns="0" tIns="45720" rIns="0" bIns="45720" numCol="1" anchor="t" anchorCtr="0" compatLnSpc="1">
-            <a:prstTxWarp prst="textNoShape">
-              <a:avLst/>
-            </a:prstTxWarp>
-          </a:bodyPr>
+          <a:bodyPr vert="horz" wrap="square" lIns="0" tIns="45720" rIns="0" bIns="45720" numCol="1" anchor="t" anchorCtr="0" compatLnSpc="1"/>
           <a:lstStyle/>
           <a:p>
             <a:pPr lvl="0"/>
@@ -9075,6 +8710,7 @@
               <a:rPr lang="de-DE" altLang="zh-CN"/>
               <a:t>Klicken Sie, um das Titelformat zu bearbeiten</a:t>
             </a:r>
+            <a:endParaRPr lang="de-DE" altLang="zh-CN"/>
           </a:p>
         </p:txBody>
       </p:sp>
@@ -9088,8 +8724,8 @@
         </p:nvSpPr>
         <p:spPr bwMode="gray">
           <a:xfrm>
-            <a:off x="219075" y="6365875"/>
-            <a:ext cx="1343025" cy="247650"/>
+            <a:off x="292100" y="6365875"/>
+            <a:ext cx="1790700" cy="247650"/>
           </a:xfrm>
           <a:prstGeom prst="rect">
             <a:avLst/>
@@ -9098,8 +8734,6 @@
           <a:ln w="9525">
             <a:noFill/>
             <a:miter lim="800000"/>
-            <a:headEnd/>
-            <a:tailEnd/>
           </a:ln>
         </p:spPr>
         <p:txBody>
@@ -9111,44 +8745,40 @@
             </a:pPr>
             <a:r>
               <a:rPr lang="de-DE" altLang="zh-CN" sz="1000">
-                <a:latin typeface="Arial" pitchFamily="34" charset="0"/>
-                <a:ea typeface="宋体" pitchFamily="2" charset="-122"/>
-                <a:cs typeface="Arial" pitchFamily="34" charset="0"/>
+                <a:latin typeface="Arial" panose="020B0604020202020204" pitchFamily="34" charset="0"/>
+                <a:ea typeface="宋体" panose="02010600030101010101" pitchFamily="2" charset="-122"/>
+                <a:cs typeface="Arial" panose="020B0604020202020204" pitchFamily="34" charset="0"/>
               </a:rPr>
               <a:t>Page </a:t>
             </a:r>
             <a:r>
               <a:rPr lang="de-DE" altLang="zh-CN" sz="1000">
-                <a:latin typeface="Arial" pitchFamily="34" charset="0"/>
-                <a:ea typeface="宋体" pitchFamily="2" charset="-122"/>
-                <a:cs typeface="Arial" pitchFamily="34" charset="0"/>
-                <a:sym typeface="Wingdings" pitchFamily="2" charset="2"/>
+                <a:latin typeface="Arial" panose="020B0604020202020204" pitchFamily="34" charset="0"/>
+                <a:ea typeface="宋体" panose="02010600030101010101" pitchFamily="2" charset="-122"/>
+                <a:cs typeface="Arial" panose="020B0604020202020204" pitchFamily="34" charset="0"/>
+                <a:sym typeface="Wingdings" panose="05000000000000000000" pitchFamily="2" charset="2"/>
               </a:rPr>
               <a:t></a:t>
             </a:r>
             <a:r>
               <a:rPr lang="de-DE" altLang="zh-CN" sz="1000">
-                <a:latin typeface="Arial" pitchFamily="34" charset="0"/>
-                <a:ea typeface="宋体" pitchFamily="2" charset="-122"/>
-                <a:cs typeface="Arial" pitchFamily="34" charset="0"/>
+                <a:latin typeface="Arial" panose="020B0604020202020204" pitchFamily="34" charset="0"/>
+                <a:ea typeface="宋体" panose="02010600030101010101" pitchFamily="2" charset="-122"/>
+                <a:cs typeface="Arial" panose="020B0604020202020204" pitchFamily="34" charset="0"/>
               </a:rPr>
               <a:t> </a:t>
             </a:r>
             <a:fld id="{32D91C8F-FAEA-4B44-9189-5505FEED48C3}" type="slidenum">
               <a:rPr lang="de-DE" altLang="zh-CN" sz="1000">
-                <a:latin typeface="Arial" pitchFamily="34" charset="0"/>
-                <a:ea typeface="宋体" pitchFamily="2" charset="-122"/>
-                <a:cs typeface="Arial" pitchFamily="34" charset="0"/>
+                <a:latin typeface="Arial" panose="020B0604020202020204" pitchFamily="34" charset="0"/>
+                <a:ea typeface="宋体" panose="02010600030101010101" pitchFamily="2" charset="-122"/>
+                <a:cs typeface="Arial" panose="020B0604020202020204" pitchFamily="34" charset="0"/>
               </a:rPr>
-              <a:pPr>
-                <a:defRPr/>
-              </a:pPr>
-              <a:t>‹#›</a:t>
             </a:fld>
             <a:endParaRPr lang="de-DE" altLang="zh-CN" sz="1000">
-              <a:latin typeface="Arial" pitchFamily="34" charset="0"/>
-              <a:ea typeface="宋体" pitchFamily="2" charset="-122"/>
-              <a:cs typeface="Arial" pitchFamily="34" charset="0"/>
+              <a:latin typeface="Arial" panose="020B0604020202020204" pitchFamily="34" charset="0"/>
+              <a:ea typeface="宋体" panose="02010600030101010101" pitchFamily="2" charset="-122"/>
+              <a:cs typeface="Arial" panose="020B0604020202020204" pitchFamily="34" charset="0"/>
             </a:endParaRPr>
           </a:p>
         </p:txBody>
@@ -9162,15 +8792,15 @@
           <p:nvPr/>
         </p:nvPicPr>
         <p:blipFill>
-          <a:blip r:embed="rId14" cstate="print"/>
+          <a:blip r:embed="rId13" cstate="print"/>
           <a:stretch>
             <a:fillRect/>
           </a:stretch>
         </p:blipFill>
         <p:spPr>
           <a:xfrm>
-            <a:off x="6627100" y="6443496"/>
-            <a:ext cx="2224653" cy="343090"/>
+            <a:off x="8836133" y="6443496"/>
+            <a:ext cx="2966204" cy="343090"/>
           </a:xfrm>
           <a:prstGeom prst="rect">
             <a:avLst/>
@@ -9181,17 +8811,17 @@
   </p:cSld>
   <p:clrMap bg1="lt1" tx1="dk1" bg2="lt2" tx2="dk2" accent1="accent1" accent2="accent2" accent3="accent3" accent4="accent4" accent5="accent5" accent6="accent6" hlink="hlink" folHlink="folHlink"/>
   <p:sldLayoutIdLst>
-    <p:sldLayoutId id="2147483687" r:id="rId1"/>
-    <p:sldLayoutId id="2147483677" r:id="rId2"/>
-    <p:sldLayoutId id="2147483678" r:id="rId3"/>
-    <p:sldLayoutId id="2147483679" r:id="rId4"/>
-    <p:sldLayoutId id="2147483680" r:id="rId5"/>
-    <p:sldLayoutId id="2147483681" r:id="rId6"/>
-    <p:sldLayoutId id="2147483682" r:id="rId7"/>
-    <p:sldLayoutId id="2147483683" r:id="rId8"/>
-    <p:sldLayoutId id="2147483684" r:id="rId9"/>
-    <p:sldLayoutId id="2147483685" r:id="rId10"/>
-    <p:sldLayoutId id="2147483686" r:id="rId11"/>
+    <p:sldLayoutId id="2147483649" r:id="rId1"/>
+    <p:sldLayoutId id="2147483650" r:id="rId2"/>
+    <p:sldLayoutId id="2147483651" r:id="rId3"/>
+    <p:sldLayoutId id="2147483652" r:id="rId4"/>
+    <p:sldLayoutId id="2147483653" r:id="rId5"/>
+    <p:sldLayoutId id="2147483654" r:id="rId6"/>
+    <p:sldLayoutId id="2147483655" r:id="rId7"/>
+    <p:sldLayoutId id="2147483656" r:id="rId8"/>
+    <p:sldLayoutId id="2147483657" r:id="rId9"/>
+    <p:sldLayoutId id="2147483658" r:id="rId10"/>
+    <p:sldLayoutId id="2147483659" r:id="rId11"/>
   </p:sldLayoutIdLst>
   <p:txStyles>
     <p:titleStyle>
@@ -9209,8 +8839,8 @@
           <a:solidFill>
             <a:schemeClr val="bg1"/>
           </a:solidFill>
-          <a:latin typeface="微软雅黑" pitchFamily="34" charset="-122"/>
-          <a:ea typeface="微软雅黑" pitchFamily="34" charset="-122"/>
+          <a:latin typeface="微软雅黑" panose="020B0503020204020204" pitchFamily="34" charset="-122"/>
+          <a:ea typeface="微软雅黑" panose="020B0503020204020204" pitchFamily="34" charset="-122"/>
           <a:cs typeface="+mj-cs"/>
         </a:defRPr>
       </a:lvl1pPr>
@@ -9228,8 +8858,8 @@
           <a:solidFill>
             <a:schemeClr val="bg1"/>
           </a:solidFill>
-          <a:latin typeface="Arial" charset="0"/>
-          <a:cs typeface="Arial" charset="0"/>
+          <a:latin typeface="Arial" panose="020B0604020202020204" pitchFamily="34" charset="0"/>
+          <a:cs typeface="Arial" panose="020B0604020202020204" pitchFamily="34" charset="0"/>
         </a:defRPr>
       </a:lvl2pPr>
       <a:lvl3pPr algn="l" rtl="0" eaLnBrk="0" fontAlgn="base" hangingPunct="0">
@@ -9246,8 +8876,8 @@
           <a:solidFill>
             <a:schemeClr val="bg1"/>
           </a:solidFill>
-          <a:latin typeface="Arial" charset="0"/>
-          <a:cs typeface="Arial" charset="0"/>
+          <a:latin typeface="Arial" panose="020B0604020202020204" pitchFamily="34" charset="0"/>
+          <a:cs typeface="Arial" panose="020B0604020202020204" pitchFamily="34" charset="0"/>
         </a:defRPr>
       </a:lvl3pPr>
       <a:lvl4pPr algn="l" rtl="0" eaLnBrk="0" fontAlgn="base" hangingPunct="0">
@@ -9264,8 +8894,8 @@
           <a:solidFill>
             <a:schemeClr val="bg1"/>
           </a:solidFill>
-          <a:latin typeface="Arial" charset="0"/>
-          <a:cs typeface="Arial" charset="0"/>
+          <a:latin typeface="Arial" panose="020B0604020202020204" pitchFamily="34" charset="0"/>
+          <a:cs typeface="Arial" panose="020B0604020202020204" pitchFamily="34" charset="0"/>
         </a:defRPr>
       </a:lvl4pPr>
       <a:lvl5pPr algn="l" rtl="0" eaLnBrk="0" fontAlgn="base" hangingPunct="0">
@@ -9282,8 +8912,8 @@
           <a:solidFill>
             <a:schemeClr val="bg1"/>
           </a:solidFill>
-          <a:latin typeface="Arial" charset="0"/>
-          <a:cs typeface="Arial" charset="0"/>
+          <a:latin typeface="Arial" panose="020B0604020202020204" pitchFamily="34" charset="0"/>
+          <a:cs typeface="Arial" panose="020B0604020202020204" pitchFamily="34" charset="0"/>
         </a:defRPr>
       </a:lvl5pPr>
       <a:lvl6pPr marL="457200" algn="l" rtl="0" fontAlgn="base">
@@ -9300,8 +8930,8 @@
           <a:solidFill>
             <a:schemeClr val="bg1"/>
           </a:solidFill>
-          <a:latin typeface="Arial" charset="0"/>
-          <a:cs typeface="Arial" charset="0"/>
+          <a:latin typeface="Arial" panose="020B0604020202020204" pitchFamily="34" charset="0"/>
+          <a:cs typeface="Arial" panose="020B0604020202020204" pitchFamily="34" charset="0"/>
         </a:defRPr>
       </a:lvl6pPr>
       <a:lvl7pPr marL="914400" algn="l" rtl="0" fontAlgn="base">
@@ -9318,8 +8948,8 @@
           <a:solidFill>
             <a:schemeClr val="bg1"/>
           </a:solidFill>
-          <a:latin typeface="Arial" charset="0"/>
-          <a:cs typeface="Arial" charset="0"/>
+          <a:latin typeface="Arial" panose="020B0604020202020204" pitchFamily="34" charset="0"/>
+          <a:cs typeface="Arial" panose="020B0604020202020204" pitchFamily="34" charset="0"/>
         </a:defRPr>
       </a:lvl7pPr>
       <a:lvl8pPr marL="1371600" algn="l" rtl="0" fontAlgn="base">
@@ -9336,8 +8966,8 @@
           <a:solidFill>
             <a:schemeClr val="bg1"/>
           </a:solidFill>
-          <a:latin typeface="Arial" charset="0"/>
-          <a:cs typeface="Arial" charset="0"/>
+          <a:latin typeface="Arial" panose="020B0604020202020204" pitchFamily="34" charset="0"/>
+          <a:cs typeface="Arial" panose="020B0604020202020204" pitchFamily="34" charset="0"/>
         </a:defRPr>
       </a:lvl8pPr>
       <a:lvl9pPr marL="1828800" algn="l" rtl="0" fontAlgn="base">
@@ -9354,8 +8984,8 @@
           <a:solidFill>
             <a:schemeClr val="bg1"/>
           </a:solidFill>
-          <a:latin typeface="Arial" charset="0"/>
-          <a:cs typeface="Arial" charset="0"/>
+          <a:latin typeface="Arial" panose="020B0604020202020204" pitchFamily="34" charset="0"/>
+          <a:cs typeface="Arial" panose="020B0604020202020204" pitchFamily="34" charset="0"/>
         </a:defRPr>
       </a:lvl9pPr>
     </p:titleStyle>
@@ -9367,18 +8997,18 @@
         <a:spcAft>
           <a:spcPct val="40000"/>
         </a:spcAft>
-        <a:buFont typeface="Wingdings" pitchFamily="2" charset="2"/>
+        <a:buFont typeface="Wingdings" panose="05000000000000000000" pitchFamily="2" charset="2"/>
         <a:buChar char="§"/>
         <a:defRPr sz="2000">
           <a:solidFill>
             <a:schemeClr val="tx1"/>
           </a:solidFill>
-          <a:latin typeface="微软雅黑" pitchFamily="34" charset="-122"/>
-          <a:ea typeface="微软雅黑" pitchFamily="34" charset="-122"/>
+          <a:latin typeface="微软雅黑" panose="020B0503020204020204" pitchFamily="34" charset="-122"/>
+          <a:ea typeface="微软雅黑" panose="020B0503020204020204" pitchFamily="34" charset="-122"/>
           <a:cs typeface="+mn-cs"/>
         </a:defRPr>
       </a:lvl1pPr>
-      <a:lvl2pPr marL="444500" indent="-261938" algn="l" rtl="0" eaLnBrk="0" fontAlgn="base" hangingPunct="0">
+      <a:lvl2pPr marL="444500" indent="-262255" algn="l" rtl="0" eaLnBrk="0" fontAlgn="base" hangingPunct="0">
         <a:spcBef>
           <a:spcPct val="0"/>
         </a:spcBef>
@@ -9390,12 +9020,12 @@
           <a:solidFill>
             <a:schemeClr val="tx1"/>
           </a:solidFill>
-          <a:latin typeface="微软雅黑" pitchFamily="34" charset="-122"/>
-          <a:ea typeface="微软雅黑" pitchFamily="34" charset="-122"/>
+          <a:latin typeface="微软雅黑" panose="020B0503020204020204" pitchFamily="34" charset="-122"/>
+          <a:ea typeface="微软雅黑" panose="020B0503020204020204" pitchFamily="34" charset="-122"/>
           <a:cs typeface="+mn-cs"/>
         </a:defRPr>
       </a:lvl2pPr>
-      <a:lvl3pPr marL="720725" indent="-274638" algn="l" rtl="0" eaLnBrk="0" fontAlgn="base" hangingPunct="0">
+      <a:lvl3pPr marL="720725" indent="-274955" algn="l" rtl="0" eaLnBrk="0" fontAlgn="base" hangingPunct="0">
         <a:spcBef>
           <a:spcPct val="0"/>
         </a:spcBef>
@@ -9407,12 +9037,12 @@
           <a:solidFill>
             <a:schemeClr val="tx1"/>
           </a:solidFill>
-          <a:latin typeface="微软雅黑" pitchFamily="34" charset="-122"/>
-          <a:ea typeface="微软雅黑" pitchFamily="34" charset="-122"/>
+          <a:latin typeface="微软雅黑" panose="020B0503020204020204" pitchFamily="34" charset="-122"/>
+          <a:ea typeface="微软雅黑" panose="020B0503020204020204" pitchFamily="34" charset="-122"/>
           <a:cs typeface="+mn-cs"/>
         </a:defRPr>
       </a:lvl3pPr>
-      <a:lvl4pPr marL="987425" indent="-265113" algn="l" rtl="0" eaLnBrk="0" fontAlgn="base" hangingPunct="0">
+      <a:lvl4pPr marL="987425" indent="-265430" algn="l" rtl="0" eaLnBrk="0" fontAlgn="base" hangingPunct="0">
         <a:spcBef>
           <a:spcPct val="0"/>
         </a:spcBef>
@@ -9424,12 +9054,12 @@
           <a:solidFill>
             <a:schemeClr val="tx1"/>
           </a:solidFill>
-          <a:latin typeface="微软雅黑" pitchFamily="34" charset="-122"/>
-          <a:ea typeface="微软雅黑" pitchFamily="34" charset="-122"/>
+          <a:latin typeface="微软雅黑" panose="020B0503020204020204" pitchFamily="34" charset="-122"/>
+          <a:ea typeface="微软雅黑" panose="020B0503020204020204" pitchFamily="34" charset="-122"/>
           <a:cs typeface="+mn-cs"/>
         </a:defRPr>
       </a:lvl4pPr>
-      <a:lvl5pPr marL="1254125" indent="-265113" algn="l" rtl="0" eaLnBrk="0" fontAlgn="base" hangingPunct="0">
+      <a:lvl5pPr marL="1254125" indent="-265430" algn="l" rtl="0" eaLnBrk="0" fontAlgn="base" hangingPunct="0">
         <a:spcBef>
           <a:spcPct val="0"/>
         </a:spcBef>
@@ -9441,12 +9071,12 @@
           <a:solidFill>
             <a:schemeClr val="tx1"/>
           </a:solidFill>
-          <a:latin typeface="微软雅黑" pitchFamily="34" charset="-122"/>
-          <a:ea typeface="微软雅黑" pitchFamily="34" charset="-122"/>
+          <a:latin typeface="微软雅黑" panose="020B0503020204020204" pitchFamily="34" charset="-122"/>
+          <a:ea typeface="微软雅黑" panose="020B0503020204020204" pitchFamily="34" charset="-122"/>
           <a:cs typeface="+mn-cs"/>
         </a:defRPr>
       </a:lvl5pPr>
-      <a:lvl6pPr marL="1711325" indent="-265113" algn="l" rtl="0" fontAlgn="base">
+      <a:lvl6pPr marL="1711325" indent="-265430" algn="l" rtl="0" fontAlgn="base">
         <a:spcBef>
           <a:spcPct val="0"/>
         </a:spcBef>
@@ -9462,7 +9092,7 @@
           <a:cs typeface="+mn-cs"/>
         </a:defRPr>
       </a:lvl6pPr>
-      <a:lvl7pPr marL="2168525" indent="-265113" algn="l" rtl="0" fontAlgn="base">
+      <a:lvl7pPr marL="2168525" indent="-265430" algn="l" rtl="0" fontAlgn="base">
         <a:spcBef>
           <a:spcPct val="0"/>
         </a:spcBef>
@@ -9478,7 +9108,7 @@
           <a:cs typeface="+mn-cs"/>
         </a:defRPr>
       </a:lvl7pPr>
-      <a:lvl8pPr marL="2625725" indent="-265113" algn="l" rtl="0" fontAlgn="base">
+      <a:lvl8pPr marL="2625725" indent="-265430" algn="l" rtl="0" fontAlgn="base">
         <a:spcBef>
           <a:spcPct val="0"/>
         </a:spcBef>
@@ -9494,7 +9124,7 @@
           <a:cs typeface="+mn-cs"/>
         </a:defRPr>
       </a:lvl8pPr>
-      <a:lvl9pPr marL="3082925" indent="-265113" algn="l" rtl="0" fontAlgn="base">
+      <a:lvl9pPr marL="3082925" indent="-265430" algn="l" rtl="0" fontAlgn="base">
         <a:spcBef>
           <a:spcPct val="0"/>
         </a:spcBef>
@@ -9639,7 +9269,7 @@
         </p:nvSpPr>
         <p:spPr>
           <a:xfrm>
-            <a:off x="2971800" y="3352800"/>
+            <a:off x="4495800" y="3352800"/>
             <a:ext cx="6029356" cy="609600"/>
           </a:xfrm>
         </p:spPr>
@@ -9667,8 +9297,8 @@
         </p:nvSpPr>
         <p:spPr>
           <a:xfrm>
-            <a:off x="373743" y="214314"/>
-            <a:ext cx="4648200" cy="533400"/>
+            <a:off x="2540" y="214630"/>
+            <a:ext cx="6543675" cy="533400"/>
           </a:xfrm>
         </p:spPr>
         <p:txBody>
@@ -9733,7 +9363,7 @@
           <p:nvPr/>
         </p:nvPicPr>
         <p:blipFill>
-          <a:blip r:embed="rId3"/>
+          <a:blip r:embed="rId1"/>
           <a:srcRect/>
           <a:stretch>
             <a:fillRect/>
@@ -9741,7 +9371,7 @@
         </p:blipFill>
         <p:spPr bwMode="auto">
           <a:xfrm>
-            <a:off x="7315200" y="5105400"/>
+            <a:off x="8839200" y="5105400"/>
             <a:ext cx="1524000" cy="1524000"/>
           </a:xfrm>
           <a:prstGeom prst="rect">
@@ -9762,8 +9392,8 @@
         </p:nvSpPr>
         <p:spPr>
           <a:xfrm>
-            <a:off x="457200" y="1480488"/>
-            <a:ext cx="8229600" cy="4708041"/>
+            <a:off x="565785" y="1480185"/>
+            <a:ext cx="9645015" cy="4707890"/>
           </a:xfrm>
         </p:spPr>
         <p:txBody>
@@ -9772,28 +9402,28 @@
           <a:p>
             <a:r>
               <a:rPr lang="zh-CN" altLang="en-US" sz="2400" dirty="0">
-                <a:latin typeface="Arial" charset="0"/>
+                <a:latin typeface="Arial" panose="020B0604020202020204" pitchFamily="34" charset="0"/>
               </a:rPr>
               <a:t>你管理着一个国际咨询团队，目前团队在准备一套关于如何将旗鱼制成“冷冻</a:t>
             </a:r>
             <a:r>
               <a:rPr lang="en-US" altLang="zh-CN" sz="2400" dirty="0">
-                <a:latin typeface="Arial" charset="0"/>
+                <a:latin typeface="Arial" panose="020B0604020202020204" pitchFamily="34" charset="0"/>
               </a:rPr>
               <a:t>-</a:t>
             </a:r>
             <a:r>
               <a:rPr lang="zh-CN" altLang="en-US" sz="2400" dirty="0">
-                <a:latin typeface="Arial" charset="0"/>
+                <a:latin typeface="Arial" panose="020B0604020202020204" pitchFamily="34" charset="0"/>
               </a:rPr>
               <a:t>烘干”的小吃食品的流程操作规则。在最近一次同商业捕鱼行业代表一起参加的专业和技术性会议上，一家厂商向你赠送了一些市场营销的书籍中夹带了一张在一年之内可以用于任何一个渔产品市场的熏制鲅鱼的免费券。你很喜欢吃熏制鲅鱼，这种情况下，你应该：</a:t>
             </a:r>
             <a:endParaRPr lang="en-US" altLang="zh-CN" sz="2400" dirty="0">
-              <a:latin typeface="Arial" charset="0"/>
+              <a:latin typeface="Arial" panose="020B0604020202020204" pitchFamily="34" charset="0"/>
             </a:endParaRPr>
           </a:p>
           <a:p>
-            <a:pPr marL="776288" lvl="1" indent="-457200">
+            <a:pPr marL="776605" lvl="1" indent="-457200">
               <a:buFont typeface="+mj-lt"/>
               <a:buAutoNum type="alphaUcPeriod"/>
             </a:pPr>
@@ -9804,7 +9434,7 @@
             <a:endParaRPr lang="en-US" altLang="zh-CN" sz="2000" dirty="0"/>
           </a:p>
           <a:p>
-            <a:pPr marL="776288" lvl="1" indent="-457200">
+            <a:pPr marL="776605" lvl="1" indent="-457200">
               <a:buFont typeface="+mj-lt"/>
               <a:buAutoNum type="alphaUcPeriod"/>
             </a:pPr>
@@ -9815,7 +9445,7 @@
             <a:endParaRPr lang="en-US" altLang="zh-CN" sz="2000" dirty="0"/>
           </a:p>
           <a:p>
-            <a:pPr marL="776288" lvl="1" indent="-457200">
+            <a:pPr marL="776605" lvl="1" indent="-457200">
               <a:buFont typeface="+mj-lt"/>
               <a:buAutoNum type="alphaUcPeriod"/>
             </a:pPr>
@@ -9826,7 +9456,7 @@
             <a:endParaRPr lang="en-US" altLang="zh-CN" sz="2000" dirty="0"/>
           </a:p>
           <a:p>
-            <a:pPr marL="776288" lvl="1" indent="-457200">
+            <a:pPr marL="776605" lvl="1" indent="-457200">
               <a:buFont typeface="+mj-lt"/>
               <a:buAutoNum type="alphaUcPeriod"/>
             </a:pPr>
@@ -9834,6 +9464,7 @@
               <a:rPr lang="zh-CN" altLang="en-US" sz="2000" dirty="0"/>
               <a:t>尽管这可能不符合举办会议所在国家的习惯，但你还是应该收下这个礼物</a:t>
             </a:r>
+            <a:endParaRPr lang="zh-CN" altLang="en-US" sz="2000" dirty="0"/>
           </a:p>
         </p:txBody>
       </p:sp>
@@ -9859,6 +9490,7 @@
               <a:rPr lang="en-US"/>
               <a:t>Information Technology Project Management, Fifth Edition, Copyright 2007                  </a:t>
             </a:r>
+            <a:endParaRPr lang="en-US"/>
           </a:p>
         </p:txBody>
       </p:sp>
@@ -9899,8 +9531,8 @@
         </p:nvSpPr>
         <p:spPr>
           <a:xfrm>
-            <a:off x="457200" y="1540347"/>
-            <a:ext cx="8229600" cy="4419600"/>
+            <a:off x="593090" y="1540510"/>
+            <a:ext cx="9770110" cy="4419600"/>
           </a:xfrm>
         </p:spPr>
         <p:txBody>
@@ -9909,16 +9541,16 @@
           <a:p>
             <a:r>
               <a:rPr lang="zh-CN" altLang="en-US" sz="2400" dirty="0">
-                <a:latin typeface="Arial" charset="0"/>
+                <a:latin typeface="Arial" panose="020B0604020202020204" pitchFamily="34" charset="0"/>
               </a:rPr>
               <a:t>一项目经理发现交付成果有缺陷，该成果按照合同今天要递交给客户。项目经理知道客户不懂技术 ，注意不到这个缺陷。该交付成果满足合同要求，但是它不满足项目经理的质量标准。在这种情况下，项目经理应该怎么做？</a:t>
             </a:r>
             <a:endParaRPr lang="en-US" altLang="zh-CN" sz="2400" dirty="0">
-              <a:latin typeface="Arial" charset="0"/>
+              <a:latin typeface="Arial" panose="020B0604020202020204" pitchFamily="34" charset="0"/>
             </a:endParaRPr>
           </a:p>
           <a:p>
-            <a:pPr marL="776288" lvl="1" indent="-457200">
+            <a:pPr marL="776605" lvl="1" indent="-457200">
               <a:buFont typeface="+mj-lt"/>
               <a:buAutoNum type="alphaUcPeriod"/>
             </a:pPr>
@@ -9929,7 +9561,7 @@
             <a:endParaRPr lang="en-US" altLang="zh-CN" sz="2000" dirty="0"/>
           </a:p>
           <a:p>
-            <a:pPr marL="776288" lvl="1" indent="-457200">
+            <a:pPr marL="776605" lvl="1" indent="-457200">
               <a:buFont typeface="+mj-lt"/>
               <a:buAutoNum type="alphaUcPeriod"/>
             </a:pPr>
@@ -9940,7 +9572,7 @@
             <a:endParaRPr lang="en-US" altLang="zh-CN" sz="2000" dirty="0"/>
           </a:p>
           <a:p>
-            <a:pPr marL="776288" lvl="1" indent="-457200">
+            <a:pPr marL="776605" lvl="1" indent="-457200">
               <a:buFont typeface="+mj-lt"/>
               <a:buAutoNum type="alphaUcPeriod"/>
             </a:pPr>
@@ -9951,7 +9583,7 @@
             <a:endParaRPr lang="en-US" altLang="zh-CN" sz="2000" dirty="0"/>
           </a:p>
           <a:p>
-            <a:pPr marL="776288" lvl="1" indent="-457200">
+            <a:pPr marL="776605" lvl="1" indent="-457200">
               <a:buFont typeface="+mj-lt"/>
               <a:buAutoNum type="alphaUcPeriod"/>
             </a:pPr>
@@ -9959,6 +9591,7 @@
               <a:rPr lang="zh-CN" altLang="en-US" sz="2000" dirty="0"/>
               <a:t>告诉客户交付成果要推迟</a:t>
             </a:r>
+            <a:endParaRPr lang="zh-CN" altLang="en-US" sz="2000" dirty="0"/>
           </a:p>
         </p:txBody>
       </p:sp>
@@ -9984,6 +9617,7 @@
               <a:rPr lang="en-US" dirty="0"/>
               <a:t>Information Technology Project Management, Fifth Edition, Copyright 2007                  </a:t>
             </a:r>
+            <a:endParaRPr lang="en-US" dirty="0"/>
           </a:p>
         </p:txBody>
       </p:sp>
@@ -9996,7 +9630,7 @@
           <p:nvPr/>
         </p:nvPicPr>
         <p:blipFill>
-          <a:blip r:embed="rId3"/>
+          <a:blip r:embed="rId1"/>
           <a:srcRect/>
           <a:stretch>
             <a:fillRect/>
@@ -10004,7 +9638,7 @@
         </p:blipFill>
         <p:spPr bwMode="auto">
           <a:xfrm>
-            <a:off x="7315200" y="5105400"/>
+            <a:off x="8839200" y="5105400"/>
             <a:ext cx="1524000" cy="1524000"/>
           </a:xfrm>
           <a:prstGeom prst="rect">
@@ -10050,8 +9684,8 @@
         </p:nvSpPr>
         <p:spPr>
           <a:xfrm>
-            <a:off x="440872" y="1475015"/>
-            <a:ext cx="8229600" cy="4419600"/>
+            <a:off x="590550" y="1475105"/>
+            <a:ext cx="9603740" cy="4419600"/>
           </a:xfrm>
         </p:spPr>
         <p:txBody>
@@ -10060,40 +9694,40 @@
           <a:p>
             <a:r>
               <a:rPr lang="zh-CN" altLang="en-US" sz="2400" dirty="0">
-                <a:latin typeface="Arial" charset="0"/>
+                <a:latin typeface="Arial" panose="020B0604020202020204" pitchFamily="34" charset="0"/>
               </a:rPr>
               <a:t>你的员工迟交了报告</a:t>
             </a:r>
             <a:r>
               <a:rPr lang="en-US" altLang="zh-CN" sz="2400" dirty="0">
-                <a:latin typeface="Arial" charset="0"/>
+                <a:latin typeface="Arial" panose="020B0604020202020204" pitchFamily="34" charset="0"/>
               </a:rPr>
               <a:t>3</a:t>
             </a:r>
             <a:r>
               <a:rPr lang="zh-CN" altLang="en-US" sz="2400" dirty="0">
-                <a:latin typeface="Arial" charset="0"/>
+                <a:latin typeface="Arial" panose="020B0604020202020204" pitchFamily="34" charset="0"/>
               </a:rPr>
               <a:t>天，她在讨论这份报告的会议开始</a:t>
             </a:r>
             <a:r>
               <a:rPr lang="en-US" altLang="zh-CN" sz="2400" dirty="0">
-                <a:latin typeface="Arial" charset="0"/>
+                <a:latin typeface="Arial" panose="020B0604020202020204" pitchFamily="34" charset="0"/>
               </a:rPr>
               <a:t>5</a:t>
             </a:r>
             <a:r>
               <a:rPr lang="zh-CN" altLang="en-US" sz="2400" dirty="0">
-                <a:latin typeface="Arial" charset="0"/>
+                <a:latin typeface="Arial" panose="020B0604020202020204" pitchFamily="34" charset="0"/>
               </a:rPr>
               <a:t>分钟前把报告交给你。你发现里面有一些严重的错误，这种情况下，你应该：</a:t>
             </a:r>
             <a:endParaRPr lang="en-US" altLang="zh-CN" sz="2400" dirty="0">
-              <a:latin typeface="Arial" charset="0"/>
+              <a:latin typeface="Arial" panose="020B0604020202020204" pitchFamily="34" charset="0"/>
             </a:endParaRPr>
           </a:p>
           <a:p>
-            <a:pPr marL="776288" lvl="1" indent="-457200">
+            <a:pPr marL="776605" lvl="1" indent="-457200">
               <a:buFont typeface="+mj-lt"/>
               <a:buAutoNum type="alphaUcPeriod"/>
             </a:pPr>
@@ -10104,7 +9738,7 @@
             <a:endParaRPr lang="en-US" altLang="zh-CN" sz="2000" dirty="0"/>
           </a:p>
           <a:p>
-            <a:pPr marL="776288" lvl="1" indent="-457200">
+            <a:pPr marL="776605" lvl="1" indent="-457200">
               <a:buFont typeface="+mj-lt"/>
               <a:buAutoNum type="alphaUcPeriod"/>
             </a:pPr>
@@ -10115,7 +9749,7 @@
             <a:endParaRPr lang="en-US" altLang="zh-CN" sz="2000" dirty="0"/>
           </a:p>
           <a:p>
-            <a:pPr marL="776288" lvl="1" indent="-457200">
+            <a:pPr marL="776605" lvl="1" indent="-457200">
               <a:buFont typeface="+mj-lt"/>
               <a:buAutoNum type="alphaUcPeriod"/>
             </a:pPr>
@@ -10126,7 +9760,7 @@
             <a:endParaRPr lang="en-US" altLang="zh-CN" sz="2000" dirty="0"/>
           </a:p>
           <a:p>
-            <a:pPr marL="776288" lvl="1" indent="-457200">
+            <a:pPr marL="776605" lvl="1" indent="-457200">
               <a:buFont typeface="+mj-lt"/>
               <a:buAutoNum type="alphaUcPeriod"/>
             </a:pPr>
@@ -10134,6 +9768,7 @@
               <a:rPr lang="zh-CN" altLang="en-US" sz="2000" dirty="0"/>
               <a:t>早点儿取消会议，因为你没有机会审核报告</a:t>
             </a:r>
+            <a:endParaRPr lang="zh-CN" altLang="en-US" sz="2000" dirty="0"/>
           </a:p>
         </p:txBody>
       </p:sp>
@@ -10159,6 +9794,7 @@
               <a:rPr lang="en-US"/>
               <a:t>Information Technology Project Management, Fifth Edition, Copyright 2007                  </a:t>
             </a:r>
+            <a:endParaRPr lang="en-US"/>
           </a:p>
         </p:txBody>
       </p:sp>
@@ -10171,7 +9807,7 @@
           <p:nvPr/>
         </p:nvPicPr>
         <p:blipFill>
-          <a:blip r:embed="rId3"/>
+          <a:blip r:embed="rId1"/>
           <a:srcRect/>
           <a:stretch>
             <a:fillRect/>
@@ -10179,7 +9815,7 @@
         </p:blipFill>
         <p:spPr bwMode="auto">
           <a:xfrm>
-            <a:off x="7315200" y="5105400"/>
+            <a:off x="8839200" y="5105400"/>
             <a:ext cx="1524000" cy="1524000"/>
           </a:xfrm>
           <a:prstGeom prst="rect">
@@ -10225,8 +9861,8 @@
         </p:nvSpPr>
         <p:spPr>
           <a:xfrm>
-            <a:off x="457200" y="1524018"/>
-            <a:ext cx="8229600" cy="4419600"/>
+            <a:off x="566420" y="1524000"/>
+            <a:ext cx="9644380" cy="4419600"/>
           </a:xfrm>
         </p:spPr>
         <p:txBody>
@@ -10235,16 +9871,16 @@
           <a:p>
             <a:r>
               <a:rPr lang="zh-CN" altLang="en-US" sz="2400" dirty="0">
-                <a:latin typeface="Arial" charset="0"/>
+                <a:latin typeface="Arial" panose="020B0604020202020204" pitchFamily="34" charset="0"/>
               </a:rPr>
               <a:t>一国外大型复杂建筑项目要将所需设备去过拥挤的街道，为了保证设备能成功运送，你在当地的联系人告诉你要向当地警察支付少量费用以疏导交通。你应该：</a:t>
             </a:r>
             <a:endParaRPr lang="en-US" altLang="zh-CN" sz="2400" dirty="0">
-              <a:latin typeface="Arial" charset="0"/>
+              <a:latin typeface="Arial" panose="020B0604020202020204" pitchFamily="34" charset="0"/>
             </a:endParaRPr>
           </a:p>
           <a:p>
-            <a:pPr marL="776288" lvl="1" indent="-457200">
+            <a:pPr marL="776605" lvl="1" indent="-457200">
               <a:buFont typeface="+mj-lt"/>
               <a:buAutoNum type="alphaUcPeriod"/>
             </a:pPr>
@@ -10255,7 +9891,7 @@
             <a:endParaRPr lang="en-US" altLang="zh-CN" sz="2000" dirty="0"/>
           </a:p>
           <a:p>
-            <a:pPr marL="776288" lvl="1" indent="-457200">
+            <a:pPr marL="776605" lvl="1" indent="-457200">
               <a:buFont typeface="+mj-lt"/>
               <a:buAutoNum type="alphaUcPeriod"/>
             </a:pPr>
@@ -10266,7 +9902,7 @@
             <a:endParaRPr lang="en-US" altLang="zh-CN" sz="2000" dirty="0"/>
           </a:p>
           <a:p>
-            <a:pPr marL="776288" lvl="1" indent="-457200">
+            <a:pPr marL="776605" lvl="1" indent="-457200">
               <a:buFont typeface="+mj-lt"/>
               <a:buAutoNum type="alphaUcPeriod"/>
             </a:pPr>
@@ -10277,7 +9913,7 @@
             <a:endParaRPr lang="en-US" altLang="zh-CN" sz="2000" dirty="0"/>
           </a:p>
           <a:p>
-            <a:pPr marL="776288" lvl="1" indent="-457200">
+            <a:pPr marL="776605" lvl="1" indent="-457200">
               <a:buFont typeface="+mj-lt"/>
               <a:buAutoNum type="alphaUcPeriod"/>
             </a:pPr>
@@ -10285,6 +9921,7 @@
               <a:rPr lang="zh-CN" altLang="en-US" sz="2000" dirty="0"/>
               <a:t>如果不是项目估算的一部分，就不支付费用</a:t>
             </a:r>
+            <a:endParaRPr lang="zh-CN" altLang="en-US" sz="2000" dirty="0"/>
           </a:p>
         </p:txBody>
       </p:sp>
@@ -10310,6 +9947,7 @@
               <a:rPr lang="en-US"/>
               <a:t>Information Technology Project Management, Fifth Edition, Copyright 2007                  </a:t>
             </a:r>
+            <a:endParaRPr lang="en-US"/>
           </a:p>
         </p:txBody>
       </p:sp>
@@ -10322,7 +9960,7 @@
           <p:nvPr/>
         </p:nvPicPr>
         <p:blipFill>
-          <a:blip r:embed="rId3"/>
+          <a:blip r:embed="rId1"/>
           <a:srcRect/>
           <a:stretch>
             <a:fillRect/>
@@ -10330,7 +9968,7 @@
         </p:blipFill>
         <p:spPr bwMode="auto">
           <a:xfrm>
-            <a:off x="7315200" y="5105400"/>
+            <a:off x="8839200" y="5105400"/>
             <a:ext cx="1524000" cy="1524000"/>
           </a:xfrm>
           <a:prstGeom prst="rect">
@@ -10376,8 +10014,8 @@
         </p:nvSpPr>
         <p:spPr>
           <a:xfrm>
-            <a:off x="457200" y="1605663"/>
-            <a:ext cx="8229600" cy="4419600"/>
+            <a:off x="579755" y="1605915"/>
+            <a:ext cx="9631045" cy="4419600"/>
           </a:xfrm>
         </p:spPr>
         <p:txBody>
@@ -10386,52 +10024,52 @@
           <a:p>
             <a:r>
               <a:rPr lang="zh-CN" altLang="en-US" sz="2400" dirty="0">
-                <a:latin typeface="Arial" charset="0"/>
+                <a:latin typeface="Arial" panose="020B0604020202020204" pitchFamily="34" charset="0"/>
               </a:rPr>
               <a:t>你正在为你的上市公司开发一种新产品，项目进行了一半，这时你发现之前的项目经理没有经过允许支付了</a:t>
             </a:r>
             <a:r>
               <a:rPr lang="en-US" altLang="zh-CN" sz="2400" dirty="0">
-                <a:latin typeface="Arial" charset="0"/>
+                <a:latin typeface="Arial" panose="020B0604020202020204" pitchFamily="34" charset="0"/>
               </a:rPr>
               <a:t>3</a:t>
             </a:r>
             <a:r>
               <a:rPr lang="zh-CN" altLang="en-US" sz="2400" dirty="0">
-                <a:latin typeface="Arial" charset="0"/>
+                <a:latin typeface="Arial" panose="020B0604020202020204" pitchFamily="34" charset="0"/>
               </a:rPr>
               <a:t>百万美元。幸运的是，项目成本绩效指数</a:t>
             </a:r>
             <a:r>
               <a:rPr lang="en-US" altLang="zh-CN" sz="2400" dirty="0">
-                <a:latin typeface="Arial" charset="0"/>
+                <a:latin typeface="Arial" panose="020B0604020202020204" pitchFamily="34" charset="0"/>
               </a:rPr>
               <a:t>(CPI)</a:t>
             </a:r>
             <a:r>
               <a:rPr lang="zh-CN" altLang="en-US" sz="2400" dirty="0">
-                <a:latin typeface="Arial" charset="0"/>
+                <a:latin typeface="Arial" panose="020B0604020202020204" pitchFamily="34" charset="0"/>
               </a:rPr>
               <a:t>为</a:t>
             </a:r>
             <a:r>
               <a:rPr lang="en-US" altLang="zh-CN" sz="2400" dirty="0">
-                <a:latin typeface="Arial" charset="0"/>
+                <a:latin typeface="Arial" panose="020B0604020202020204" pitchFamily="34" charset="0"/>
               </a:rPr>
               <a:t>1.2</a:t>
             </a:r>
             <a:r>
               <a:rPr lang="zh-CN" altLang="en-US" sz="2400" dirty="0">
-                <a:latin typeface="Arial" charset="0"/>
+                <a:latin typeface="Arial" panose="020B0604020202020204" pitchFamily="34" charset="0"/>
               </a:rPr>
               <a:t>。你应该：</a:t>
             </a:r>
             <a:endParaRPr lang="en-US" altLang="zh-CN" sz="2400" dirty="0">
-              <a:latin typeface="Arial" charset="0"/>
+              <a:latin typeface="Arial" panose="020B0604020202020204" pitchFamily="34" charset="0"/>
             </a:endParaRPr>
           </a:p>
           <a:p>
-            <a:pPr marL="776288" lvl="1" indent="-457200">
+            <a:pPr marL="776605" lvl="1" indent="-457200">
               <a:buFont typeface="+mj-lt"/>
               <a:buAutoNum type="alphaUcPeriod"/>
             </a:pPr>
@@ -10442,7 +10080,7 @@
             <a:endParaRPr lang="en-US" altLang="zh-CN" sz="2000" dirty="0"/>
           </a:p>
           <a:p>
-            <a:pPr marL="776288" lvl="1" indent="-457200">
+            <a:pPr marL="776605" lvl="1" indent="-457200">
               <a:buFont typeface="+mj-lt"/>
               <a:buAutoNum type="alphaUcPeriod"/>
             </a:pPr>
@@ -10453,7 +10091,7 @@
             <a:endParaRPr lang="en-US" altLang="zh-CN" sz="2000" dirty="0"/>
           </a:p>
           <a:p>
-            <a:pPr marL="776288" lvl="1" indent="-457200">
+            <a:pPr marL="776605" lvl="1" indent="-457200">
               <a:buFont typeface="+mj-lt"/>
               <a:buAutoNum type="alphaUcPeriod"/>
             </a:pPr>
@@ -10464,7 +10102,7 @@
             <a:endParaRPr lang="en-US" altLang="zh-CN" sz="2000" dirty="0"/>
           </a:p>
           <a:p>
-            <a:pPr marL="776288" lvl="1" indent="-457200">
+            <a:pPr marL="776605" lvl="1" indent="-457200">
               <a:buFont typeface="+mj-lt"/>
               <a:buAutoNum type="alphaUcPeriod"/>
             </a:pPr>
@@ -10472,6 +10110,7 @@
               <a:rPr lang="zh-CN" altLang="en-US" sz="2000" dirty="0"/>
               <a:t>忽略该金额</a:t>
             </a:r>
+            <a:endParaRPr lang="zh-CN" altLang="en-US" sz="2000" dirty="0"/>
           </a:p>
         </p:txBody>
       </p:sp>
@@ -10497,6 +10136,7 @@
               <a:rPr lang="en-US"/>
               <a:t>Information Technology Project Management, Fifth Edition, Copyright 2007                  </a:t>
             </a:r>
+            <a:endParaRPr lang="en-US"/>
           </a:p>
         </p:txBody>
       </p:sp>
@@ -10509,7 +10149,7 @@
           <p:nvPr/>
         </p:nvPicPr>
         <p:blipFill>
-          <a:blip r:embed="rId3"/>
+          <a:blip r:embed="rId1"/>
           <a:srcRect/>
           <a:stretch>
             <a:fillRect/>
@@ -10517,7 +10157,7 @@
         </p:blipFill>
         <p:spPr bwMode="auto">
           <a:xfrm>
-            <a:off x="7315200" y="5105400"/>
+            <a:off x="8839200" y="5105400"/>
             <a:ext cx="1524000" cy="1524000"/>
           </a:xfrm>
           <a:prstGeom prst="rect">
@@ -10563,8 +10203,8 @@
         </p:nvSpPr>
         <p:spPr>
           <a:xfrm>
-            <a:off x="457200" y="1573005"/>
-            <a:ext cx="8229600" cy="4419600"/>
+            <a:off x="551815" y="1572895"/>
+            <a:ext cx="9962515" cy="4419600"/>
           </a:xfrm>
         </p:spPr>
         <p:txBody>
@@ -10573,16 +10213,16 @@
           <a:p>
             <a:r>
               <a:rPr lang="zh-CN" altLang="en-US" sz="2400" dirty="0">
-                <a:latin typeface="Arial" charset="0"/>
+                <a:latin typeface="Arial" panose="020B0604020202020204" pitchFamily="34" charset="0"/>
               </a:rPr>
               <a:t>你的项目现金快用完了而还有大量工作未完成。你的上级指示你引导自己的项目员工去挪用另外一个项目的预算来做当前的项目工作。你应该：</a:t>
             </a:r>
             <a:endParaRPr lang="en-US" altLang="zh-CN" sz="2400" dirty="0">
-              <a:latin typeface="Arial" charset="0"/>
+              <a:latin typeface="Arial" panose="020B0604020202020204" pitchFamily="34" charset="0"/>
             </a:endParaRPr>
           </a:p>
           <a:p>
-            <a:pPr marL="776288" lvl="1" indent="-457200">
+            <a:pPr marL="776605" lvl="1" indent="-457200">
               <a:buFont typeface="+mj-lt"/>
               <a:buAutoNum type="alphaUcPeriod"/>
             </a:pPr>
@@ -10593,7 +10233,7 @@
             <a:endParaRPr lang="en-US" altLang="zh-CN" sz="2000" dirty="0"/>
           </a:p>
           <a:p>
-            <a:pPr marL="776288" lvl="1" indent="-457200">
+            <a:pPr marL="776605" lvl="1" indent="-457200">
               <a:buFont typeface="+mj-lt"/>
               <a:buAutoNum type="alphaUcPeriod"/>
             </a:pPr>
@@ -10604,7 +10244,7 @@
             <a:endParaRPr lang="en-US" altLang="zh-CN" sz="2000" dirty="0"/>
           </a:p>
           <a:p>
-            <a:pPr marL="776288" lvl="1" indent="-457200">
+            <a:pPr marL="776605" lvl="1" indent="-457200">
               <a:buFont typeface="+mj-lt"/>
               <a:buAutoNum type="alphaUcPeriod"/>
             </a:pPr>
@@ -10615,7 +10255,7 @@
             <a:endParaRPr lang="en-US" altLang="zh-CN" sz="2000" dirty="0"/>
           </a:p>
           <a:p>
-            <a:pPr marL="776288" lvl="1" indent="-457200">
+            <a:pPr marL="776605" lvl="1" indent="-457200">
               <a:buFont typeface="+mj-lt"/>
               <a:buAutoNum type="alphaUcPeriod"/>
             </a:pPr>
@@ -10623,6 +10263,7 @@
               <a:rPr lang="zh-CN" altLang="en-US" sz="2000" dirty="0"/>
               <a:t>如果可能的话，终止项目</a:t>
             </a:r>
+            <a:endParaRPr lang="zh-CN" altLang="en-US" sz="2000" dirty="0"/>
           </a:p>
         </p:txBody>
       </p:sp>
@@ -10648,6 +10289,7 @@
               <a:rPr lang="en-US" dirty="0"/>
               <a:t>Information Technology Project Management, Fifth Edition, Copyright 2007                  </a:t>
             </a:r>
+            <a:endParaRPr lang="en-US" dirty="0"/>
           </a:p>
         </p:txBody>
       </p:sp>
@@ -10660,7 +10302,7 @@
           <p:nvPr/>
         </p:nvPicPr>
         <p:blipFill>
-          <a:blip r:embed="rId3"/>
+          <a:blip r:embed="rId1"/>
           <a:srcRect/>
           <a:stretch>
             <a:fillRect/>
@@ -10668,7 +10310,7 @@
         </p:blipFill>
         <p:spPr bwMode="auto">
           <a:xfrm>
-            <a:off x="7315200" y="5105400"/>
+            <a:off x="8839200" y="5105400"/>
             <a:ext cx="1524000" cy="1524000"/>
           </a:xfrm>
           <a:prstGeom prst="rect">
@@ -10714,8 +10356,8 @@
         </p:nvSpPr>
         <p:spPr>
           <a:xfrm>
-            <a:off x="457200" y="1556676"/>
-            <a:ext cx="8229600" cy="4419600"/>
+            <a:off x="566420" y="1556385"/>
+            <a:ext cx="9644380" cy="4419600"/>
           </a:xfrm>
         </p:spPr>
         <p:txBody>
@@ -10724,16 +10366,16 @@
           <a:p>
             <a:r>
               <a:rPr lang="zh-CN" altLang="en-US" sz="2400" dirty="0">
-                <a:latin typeface="Arial" charset="0"/>
+                <a:latin typeface="Arial" panose="020B0604020202020204" pitchFamily="34" charset="0"/>
               </a:rPr>
               <a:t>你现在有机会为客户提供一项服务产品，获得丰厚利润。尽管你有丰富的类似项目经验，但是总经理叫你夸大你的经验以便尽快签订合同。这种情况下，你最好的做法是什么？</a:t>
             </a:r>
             <a:endParaRPr lang="en-US" altLang="zh-CN" sz="2400" dirty="0">
-              <a:latin typeface="Arial" charset="0"/>
+              <a:latin typeface="Arial" panose="020B0604020202020204" pitchFamily="34" charset="0"/>
             </a:endParaRPr>
           </a:p>
           <a:p>
-            <a:pPr marL="776288" lvl="1" indent="-457200">
+            <a:pPr marL="776605" lvl="1" indent="-457200">
               <a:buFont typeface="+mj-lt"/>
               <a:buAutoNum type="alphaUcPeriod"/>
             </a:pPr>
@@ -10744,7 +10386,7 @@
             <a:endParaRPr lang="en-US" altLang="zh-CN" sz="2000" dirty="0"/>
           </a:p>
           <a:p>
-            <a:pPr marL="776288" lvl="1" indent="-457200">
+            <a:pPr marL="776605" lvl="1" indent="-457200">
               <a:buFont typeface="+mj-lt"/>
               <a:buAutoNum type="alphaUcPeriod"/>
             </a:pPr>
@@ -10755,7 +10397,7 @@
             <a:endParaRPr lang="en-US" altLang="zh-CN" sz="2000" dirty="0"/>
           </a:p>
           <a:p>
-            <a:pPr marL="776288" lvl="1" indent="-457200">
+            <a:pPr marL="776605" lvl="1" indent="-457200">
               <a:buFont typeface="+mj-lt"/>
               <a:buAutoNum type="alphaUcPeriod"/>
             </a:pPr>
@@ -10766,7 +10408,7 @@
             <a:endParaRPr lang="en-US" altLang="zh-CN" sz="2000" dirty="0"/>
           </a:p>
           <a:p>
-            <a:pPr marL="776288" lvl="1" indent="-457200">
+            <a:pPr marL="776605" lvl="1" indent="-457200">
               <a:buFont typeface="+mj-lt"/>
               <a:buAutoNum type="alphaUcPeriod"/>
             </a:pPr>
@@ -10774,6 +10416,7 @@
               <a:rPr lang="zh-CN" altLang="en-US" sz="2000" dirty="0"/>
               <a:t>推荐别的项目经理协助促销</a:t>
             </a:r>
+            <a:endParaRPr lang="zh-CN" altLang="en-US" sz="2000" dirty="0"/>
           </a:p>
         </p:txBody>
       </p:sp>
@@ -10799,6 +10442,7 @@
               <a:rPr lang="en-US"/>
               <a:t>Information Technology Project Management, Fifth Edition, Copyright 2007                  </a:t>
             </a:r>
+            <a:endParaRPr lang="en-US"/>
           </a:p>
         </p:txBody>
       </p:sp>
@@ -10811,7 +10455,7 @@
           <p:nvPr/>
         </p:nvPicPr>
         <p:blipFill>
-          <a:blip r:embed="rId3"/>
+          <a:blip r:embed="rId1"/>
           <a:srcRect/>
           <a:stretch>
             <a:fillRect/>
@@ -10819,7 +10463,7 @@
         </p:blipFill>
         <p:spPr bwMode="auto">
           <a:xfrm>
-            <a:off x="7315200" y="5105400"/>
+            <a:off x="8839200" y="5105400"/>
             <a:ext cx="1524000" cy="1524000"/>
           </a:xfrm>
           <a:prstGeom prst="rect">
@@ -10865,8 +10509,8 @@
         </p:nvSpPr>
         <p:spPr>
           <a:xfrm>
-            <a:off x="457200" y="1507689"/>
-            <a:ext cx="8229600" cy="4419600"/>
+            <a:off x="579755" y="1507490"/>
+            <a:ext cx="9631045" cy="4419600"/>
           </a:xfrm>
         </p:spPr>
         <p:txBody>
@@ -10875,16 +10519,16 @@
           <a:p>
             <a:r>
               <a:rPr lang="zh-CN" altLang="en-US" sz="2400" dirty="0">
-                <a:latin typeface="Arial" charset="0"/>
+                <a:latin typeface="Arial" panose="020B0604020202020204" pitchFamily="34" charset="0"/>
               </a:rPr>
               <a:t>以下哪项被认为是利益冲突？</a:t>
             </a:r>
             <a:endParaRPr lang="en-US" altLang="zh-CN" sz="2400" dirty="0">
-              <a:latin typeface="Arial" charset="0"/>
+              <a:latin typeface="Arial" panose="020B0604020202020204" pitchFamily="34" charset="0"/>
             </a:endParaRPr>
           </a:p>
           <a:p>
-            <a:pPr marL="776288" lvl="1" indent="-457200">
+            <a:pPr marL="776605" lvl="1" indent="-457200">
               <a:buFont typeface="+mj-lt"/>
               <a:buAutoNum type="alphaUcPeriod"/>
             </a:pPr>
@@ -10895,7 +10539,7 @@
             <a:endParaRPr lang="en-US" altLang="zh-CN" sz="2000" dirty="0"/>
           </a:p>
           <a:p>
-            <a:pPr marL="776288" lvl="1" indent="-457200">
+            <a:pPr marL="776605" lvl="1" indent="-457200">
               <a:buFont typeface="+mj-lt"/>
               <a:buAutoNum type="alphaUcPeriod"/>
             </a:pPr>
@@ -10906,7 +10550,7 @@
             <a:endParaRPr lang="en-US" altLang="zh-CN" sz="2000" dirty="0"/>
           </a:p>
           <a:p>
-            <a:pPr marL="776288" lvl="1" indent="-457200">
+            <a:pPr marL="776605" lvl="1" indent="-457200">
               <a:buFont typeface="+mj-lt"/>
               <a:buAutoNum type="alphaUcPeriod"/>
             </a:pPr>
@@ -10917,7 +10561,7 @@
             <a:endParaRPr lang="en-US" altLang="zh-CN" sz="2000" dirty="0"/>
           </a:p>
           <a:p>
-            <a:pPr marL="776288" lvl="1" indent="-457200">
+            <a:pPr marL="776605" lvl="1" indent="-457200">
               <a:buFont typeface="+mj-lt"/>
               <a:buAutoNum type="alphaUcPeriod"/>
             </a:pPr>
@@ -10925,6 +10569,7 @@
               <a:rPr lang="zh-CN" altLang="en-US" sz="2000" dirty="0"/>
               <a:t>利用公司的关系促进你自己的生意</a:t>
             </a:r>
+            <a:endParaRPr lang="zh-CN" altLang="en-US" sz="2000" dirty="0"/>
           </a:p>
         </p:txBody>
       </p:sp>
@@ -10950,6 +10595,7 @@
               <a:rPr lang="en-US"/>
               <a:t>Information Technology Project Management, Fifth Edition, Copyright 2007                  </a:t>
             </a:r>
+            <a:endParaRPr lang="en-US"/>
           </a:p>
         </p:txBody>
       </p:sp>
@@ -10962,7 +10608,7 @@
           <p:nvPr/>
         </p:nvPicPr>
         <p:blipFill>
-          <a:blip r:embed="rId3"/>
+          <a:blip r:embed="rId1"/>
           <a:srcRect/>
           <a:stretch>
             <a:fillRect/>
@@ -10970,7 +10616,7 @@
         </p:blipFill>
         <p:spPr bwMode="auto">
           <a:xfrm>
-            <a:off x="7315200" y="5105400"/>
+            <a:off x="8839200" y="5105400"/>
             <a:ext cx="1524000" cy="1524000"/>
           </a:xfrm>
           <a:prstGeom prst="rect">
@@ -11013,7 +10659,7 @@
           <p:nvPr/>
         </p:nvPicPr>
         <p:blipFill>
-          <a:blip r:embed="rId3"/>
+          <a:blip r:embed="rId1"/>
           <a:srcRect/>
           <a:stretch>
             <a:fillRect/>
@@ -11021,7 +10667,7 @@
         </p:blipFill>
         <p:spPr bwMode="auto">
           <a:xfrm>
-            <a:off x="7315200" y="5105400"/>
+            <a:off x="8839200" y="5105400"/>
             <a:ext cx="1524000" cy="1524000"/>
           </a:xfrm>
           <a:prstGeom prst="rect">
@@ -11042,8 +10688,8 @@
         </p:nvSpPr>
         <p:spPr>
           <a:xfrm>
-            <a:off x="457200" y="1475031"/>
-            <a:ext cx="8229600" cy="4419600"/>
+            <a:off x="565785" y="1475105"/>
+            <a:ext cx="9645015" cy="4419600"/>
           </a:xfrm>
         </p:spPr>
         <p:txBody>
@@ -11052,16 +10698,16 @@
           <a:p>
             <a:r>
               <a:rPr lang="zh-CN" altLang="en-US" sz="2400" dirty="0">
-                <a:latin typeface="Arial" charset="0"/>
+                <a:latin typeface="Arial" panose="020B0604020202020204" pitchFamily="34" charset="0"/>
               </a:rPr>
               <a:t>一位项目经理根据收集的信息计算了项目的挣值，然后将结果报告给了管理层，项目均在预算和进度内。信息报告完之后他才发现原始数据不正确，这些数据来源于之前某一项目的旧资料中。这时他应该怎么做？</a:t>
             </a:r>
             <a:endParaRPr lang="en-US" altLang="zh-CN" sz="2400" dirty="0">
-              <a:latin typeface="Arial" charset="0"/>
+              <a:latin typeface="Arial" panose="020B0604020202020204" pitchFamily="34" charset="0"/>
             </a:endParaRPr>
           </a:p>
           <a:p>
-            <a:pPr marL="776288" lvl="1" indent="-457200">
+            <a:pPr marL="776605" lvl="1" indent="-457200">
               <a:buFont typeface="+mj-lt"/>
               <a:buAutoNum type="alphaUcPeriod"/>
             </a:pPr>
@@ -11072,7 +10718,7 @@
             <a:endParaRPr lang="en-US" altLang="zh-CN" sz="2000" dirty="0"/>
           </a:p>
           <a:p>
-            <a:pPr marL="776288" lvl="1" indent="-457200">
+            <a:pPr marL="776605" lvl="1" indent="-457200">
               <a:buFont typeface="+mj-lt"/>
               <a:buAutoNum type="alphaUcPeriod"/>
             </a:pPr>
@@ -11083,7 +10729,7 @@
             <a:endParaRPr lang="en-US" altLang="zh-CN" sz="2000" dirty="0"/>
           </a:p>
           <a:p>
-            <a:pPr marL="776288" lvl="1" indent="-457200">
+            <a:pPr marL="776605" lvl="1" indent="-457200">
               <a:buFont typeface="+mj-lt"/>
               <a:buAutoNum type="alphaUcPeriod"/>
             </a:pPr>
@@ -11094,7 +10740,7 @@
             <a:endParaRPr lang="en-US" altLang="zh-CN" sz="2000" dirty="0"/>
           </a:p>
           <a:p>
-            <a:pPr marL="776288" lvl="1" indent="-457200">
+            <a:pPr marL="776605" lvl="1" indent="-457200">
               <a:buFont typeface="+mj-lt"/>
               <a:buAutoNum type="alphaUcPeriod"/>
             </a:pPr>
@@ -11102,6 +10748,7 @@
               <a:rPr lang="zh-CN" altLang="en-US" sz="2000" dirty="0"/>
               <a:t>他应该告知管理层，由于团队成员提供信息有误，所以提供的报告不准确</a:t>
             </a:r>
+            <a:endParaRPr lang="zh-CN" altLang="en-US" sz="2000" dirty="0"/>
           </a:p>
         </p:txBody>
       </p:sp>
@@ -11127,6 +10774,7 @@
               <a:rPr lang="en-US"/>
               <a:t>Information Technology Project Management, Fifth Edition, Copyright 2007                  </a:t>
             </a:r>
+            <a:endParaRPr lang="en-US"/>
           </a:p>
         </p:txBody>
       </p:sp>
@@ -11167,8 +10815,8 @@
         </p:nvSpPr>
         <p:spPr>
           <a:xfrm>
-            <a:off x="457200" y="1442357"/>
-            <a:ext cx="8229600" cy="4419600"/>
+            <a:off x="551815" y="1442085"/>
+            <a:ext cx="9658985" cy="4419600"/>
           </a:xfrm>
         </p:spPr>
         <p:txBody>
@@ -11177,16 +10825,16 @@
           <a:p>
             <a:r>
               <a:rPr lang="zh-CN" altLang="en-US" sz="2400" dirty="0">
-                <a:latin typeface="Arial" charset="0"/>
+                <a:latin typeface="Arial" panose="020B0604020202020204" pitchFamily="34" charset="0"/>
               </a:rPr>
               <a:t>某项目经理和一供应商共同在一项目工作，当项目经理得知这位供应商此前曾经贿赂此项目的一家分包商，从而未完成对其他项目的承诺。项目经理应该怎么办？</a:t>
             </a:r>
             <a:endParaRPr lang="en-US" altLang="zh-CN" sz="2400" dirty="0">
-              <a:latin typeface="Arial" charset="0"/>
+              <a:latin typeface="Arial" panose="020B0604020202020204" pitchFamily="34" charset="0"/>
             </a:endParaRPr>
           </a:p>
           <a:p>
-            <a:pPr marL="776288" lvl="1" indent="-457200">
+            <a:pPr marL="776605" lvl="1" indent="-457200">
               <a:buFont typeface="+mj-lt"/>
               <a:buAutoNum type="alphaUcPeriod"/>
             </a:pPr>
@@ -11197,7 +10845,7 @@
             <a:endParaRPr lang="en-US" altLang="zh-CN" sz="2000" dirty="0"/>
           </a:p>
           <a:p>
-            <a:pPr marL="776288" lvl="1" indent="-457200">
+            <a:pPr marL="776605" lvl="1" indent="-457200">
               <a:buFont typeface="+mj-lt"/>
               <a:buAutoNum type="alphaUcPeriod"/>
             </a:pPr>
@@ -11208,7 +10856,7 @@
             <a:endParaRPr lang="en-US" altLang="zh-CN" sz="2000" dirty="0"/>
           </a:p>
           <a:p>
-            <a:pPr marL="776288" lvl="1" indent="-457200">
+            <a:pPr marL="776605" lvl="1" indent="-457200">
               <a:buFont typeface="+mj-lt"/>
               <a:buAutoNum type="alphaUcPeriod"/>
             </a:pPr>
@@ -11219,7 +10867,7 @@
             <a:endParaRPr lang="en-US" altLang="zh-CN" sz="2000" dirty="0"/>
           </a:p>
           <a:p>
-            <a:pPr marL="776288" lvl="1" indent="-457200">
+            <a:pPr marL="776605" lvl="1" indent="-457200">
               <a:buFont typeface="+mj-lt"/>
               <a:buAutoNum type="alphaUcPeriod"/>
             </a:pPr>
@@ -11227,6 +10875,7 @@
               <a:rPr lang="zh-CN" altLang="en-US" sz="2000" dirty="0"/>
               <a:t>离开此项目，使自己不受此类事情牵连。但应该对此事保密，避免引起麻烦</a:t>
             </a:r>
+            <a:endParaRPr lang="zh-CN" altLang="en-US" sz="2000" dirty="0"/>
           </a:p>
         </p:txBody>
       </p:sp>
@@ -11252,6 +10901,7 @@
               <a:rPr lang="en-US"/>
               <a:t>Information Technology Project Management, Fifth Edition, Copyright 2007                  </a:t>
             </a:r>
+            <a:endParaRPr lang="en-US"/>
           </a:p>
         </p:txBody>
       </p:sp>
@@ -11264,7 +10914,7 @@
           <p:nvPr/>
         </p:nvPicPr>
         <p:blipFill>
-          <a:blip r:embed="rId3"/>
+          <a:blip r:embed="rId1"/>
           <a:srcRect/>
           <a:stretch>
             <a:fillRect/>
@@ -11272,7 +10922,7 @@
         </p:blipFill>
         <p:spPr bwMode="auto">
           <a:xfrm>
-            <a:off x="7315200" y="5105400"/>
+            <a:off x="8839200" y="5105400"/>
             <a:ext cx="1524000" cy="1524000"/>
           </a:xfrm>
           <a:prstGeom prst="rect">
@@ -11310,61 +10960,44 @@
         <p:nvGraphicFramePr>
           <p:cNvPr id="4" name="图示 3"/>
           <p:cNvGraphicFramePr/>
-          <p:nvPr>
-            <p:extLst>
-              <p:ext uri="{D42A27DB-BD31-4B8C-83A1-F6EECF244321}">
-                <p14:modId xmlns:p14="http://schemas.microsoft.com/office/powerpoint/2010/main" val="4105038470"/>
-              </p:ext>
-            </p:extLst>
-          </p:nvPr>
+          <p:nvPr/>
         </p:nvGraphicFramePr>
         <p:xfrm>
-          <a:off x="689857" y="1575697"/>
+          <a:off x="2213857" y="1575697"/>
           <a:ext cx="7643866" cy="4714908"/>
         </p:xfrm>
         <a:graphic>
           <a:graphicData uri="http://schemas.openxmlformats.org/drawingml/2006/diagram">
-            <dgm:relIds xmlns:dgm="http://schemas.openxmlformats.org/drawingml/2006/diagram" xmlns:r="http://schemas.openxmlformats.org/officeDocument/2006/relationships" r:dm="rId3" r:lo="rId4" r:qs="rId5" r:cs="rId6"/>
+            <dgm:relIds xmlns:dgm="http://schemas.openxmlformats.org/drawingml/2006/diagram" xmlns:r="http://schemas.openxmlformats.org/officeDocument/2006/relationships" r:dm="rId1" r:lo="rId2" r:qs="rId3" r:cs="rId4"/>
           </a:graphicData>
         </a:graphic>
       </p:graphicFrame>
       <p:sp>
         <p:nvSpPr>
-          <p:cNvPr id="7171" name="标题 1"/>
-          <p:cNvSpPr>
-            <a:spLocks noGrp="1"/>
-          </p:cNvSpPr>
+          <p:cNvPr id="2" name="标题 1"/>
+          <p:cNvSpPr/>
           <p:nvPr>
             <p:ph type="title"/>
           </p:nvPr>
         </p:nvSpPr>
-        <p:spPr>
-          <a:xfrm>
-            <a:off x="273504" y="228600"/>
-            <a:ext cx="7772400" cy="874713"/>
-          </a:xfrm>
-        </p:spPr>
+        <p:spPr/>
         <p:txBody>
           <a:bodyPr/>
-          <a:lstStyle/>
-          <a:p>
-            <a:r>
-              <a:rPr lang="zh-CN" altLang="en-US" sz="2800" b="1" dirty="0">
+          <a:p>
+            <a:r>
+              <a:rPr lang="zh-CN" altLang="en-US" dirty="0">
                 <a:solidFill>
                   <a:schemeClr val="accent3"/>
                 </a:solidFill>
+                <a:sym typeface="+mn-ea"/>
               </a:rPr>
               <a:t>项目经理应该具备的素质</a:t>
             </a:r>
+            <a:endParaRPr lang="zh-CN" altLang="en-US"/>
           </a:p>
         </p:txBody>
       </p:sp>
     </p:spTree>
-    <p:extLst>
-      <p:ext uri="{BB962C8B-B14F-4D97-AF65-F5344CB8AC3E}">
-        <p14:creationId xmlns:p14="http://schemas.microsoft.com/office/powerpoint/2010/main" val="66941735"/>
-      </p:ext>
-    </p:extLst>
   </p:cSld>
   <p:clrMapOvr>
     <a:masterClrMapping/>
@@ -11398,7 +11031,7 @@
           <p:nvPr/>
         </p:nvPicPr>
         <p:blipFill>
-          <a:blip r:embed="rId3"/>
+          <a:blip r:embed="rId1"/>
           <a:srcRect/>
           <a:stretch>
             <a:fillRect/>
@@ -11406,7 +11039,7 @@
         </p:blipFill>
         <p:spPr bwMode="auto">
           <a:xfrm>
-            <a:off x="7315200" y="5105400"/>
+            <a:off x="8839200" y="5105400"/>
             <a:ext cx="1524000" cy="1524000"/>
           </a:xfrm>
           <a:prstGeom prst="rect">
@@ -11427,8 +11060,8 @@
         </p:nvSpPr>
         <p:spPr>
           <a:xfrm>
-            <a:off x="440871" y="1507672"/>
-            <a:ext cx="8229600" cy="4419600"/>
+            <a:off x="576580" y="1507490"/>
+            <a:ext cx="9617710" cy="4419600"/>
           </a:xfrm>
         </p:spPr>
         <p:txBody>
@@ -11437,28 +11070,28 @@
           <a:p>
             <a:r>
               <a:rPr lang="zh-CN" altLang="en-US" sz="2400" dirty="0">
-                <a:latin typeface="Arial" charset="0"/>
+                <a:latin typeface="Arial" panose="020B0604020202020204" pitchFamily="34" charset="0"/>
               </a:rPr>
               <a:t>在一次项目管理过程中，你发现通过使用一种简化开发的方法可以降低操作投资并为客户节省</a:t>
             </a:r>
             <a:r>
               <a:rPr lang="en-US" altLang="zh-CN" sz="2400" dirty="0">
-                <a:latin typeface="Arial" charset="0"/>
+                <a:latin typeface="Arial" panose="020B0604020202020204" pitchFamily="34" charset="0"/>
               </a:rPr>
               <a:t>1</a:t>
             </a:r>
             <a:r>
               <a:rPr lang="zh-CN" altLang="en-US" sz="2400" dirty="0">
-                <a:latin typeface="Arial" charset="0"/>
+                <a:latin typeface="Arial" panose="020B0604020202020204" pitchFamily="34" charset="0"/>
               </a:rPr>
               <a:t>万美元。这种方法不会对最终产品的范围和运行性能产生任何影响。然而，如果采用了这种方法将减少你们公司的营业额。你应该怎么做？</a:t>
             </a:r>
             <a:endParaRPr lang="en-US" altLang="zh-CN" sz="2400" dirty="0">
-              <a:latin typeface="Arial" charset="0"/>
+              <a:latin typeface="Arial" panose="020B0604020202020204" pitchFamily="34" charset="0"/>
             </a:endParaRPr>
           </a:p>
           <a:p>
-            <a:pPr marL="776288" lvl="1" indent="-457200">
+            <a:pPr marL="776605" lvl="1" indent="-457200">
               <a:buFont typeface="+mj-lt"/>
               <a:buAutoNum type="alphaUcPeriod"/>
             </a:pPr>
@@ -11469,7 +11102,7 @@
             <a:endParaRPr lang="en-US" altLang="zh-CN" sz="2000" dirty="0"/>
           </a:p>
           <a:p>
-            <a:pPr marL="776288" lvl="1" indent="-457200">
+            <a:pPr marL="776605" lvl="1" indent="-457200">
               <a:buFont typeface="+mj-lt"/>
               <a:buAutoNum type="alphaUcPeriod"/>
             </a:pPr>
@@ -11480,7 +11113,7 @@
             <a:endParaRPr lang="en-US" altLang="zh-CN" sz="2000" dirty="0"/>
           </a:p>
           <a:p>
-            <a:pPr marL="776288" lvl="1" indent="-457200">
+            <a:pPr marL="776605" lvl="1" indent="-457200">
               <a:buFont typeface="+mj-lt"/>
               <a:buAutoNum type="alphaUcPeriod"/>
             </a:pPr>
@@ -11491,7 +11124,7 @@
             <a:endParaRPr lang="en-US" altLang="zh-CN" sz="2000" dirty="0"/>
           </a:p>
           <a:p>
-            <a:pPr marL="776288" lvl="1" indent="-457200">
+            <a:pPr marL="776605" lvl="1" indent="-457200">
               <a:buFont typeface="+mj-lt"/>
               <a:buAutoNum type="alphaUcPeriod"/>
             </a:pPr>
@@ -11507,6 +11140,7 @@
               <a:rPr lang="zh-CN" altLang="en-US" sz="2000" dirty="0"/>
               <a:t>万美元，保持原有的项目预算</a:t>
             </a:r>
+            <a:endParaRPr lang="zh-CN" altLang="en-US" sz="2000" dirty="0"/>
           </a:p>
         </p:txBody>
       </p:sp>
@@ -11532,6 +11166,7 @@
               <a:rPr lang="en-US"/>
               <a:t>Information Technology Project Management, Fifth Edition, Copyright 2007                  </a:t>
             </a:r>
+            <a:endParaRPr lang="en-US"/>
           </a:p>
         </p:txBody>
       </p:sp>
@@ -11572,8 +11207,8 @@
         </p:nvSpPr>
         <p:spPr>
           <a:xfrm>
-            <a:off x="473528" y="1491343"/>
-            <a:ext cx="8229600" cy="4419600"/>
+            <a:off x="568325" y="1491615"/>
+            <a:ext cx="9658985" cy="4419600"/>
           </a:xfrm>
         </p:spPr>
         <p:txBody>
@@ -11582,16 +11217,16 @@
           <a:p>
             <a:r>
               <a:rPr lang="zh-CN" altLang="en-US" sz="2400" dirty="0">
-                <a:latin typeface="Arial" charset="0"/>
+                <a:latin typeface="Arial" panose="020B0604020202020204" pitchFamily="34" charset="0"/>
               </a:rPr>
               <a:t>项目经理发现客户与其中一名团队成员有关系，项目期限告急，为了满足期限要求，该名团队成员提议向客户施加影响，以获得某项关键可交付成果的验收。项目经理应该怎么做？</a:t>
             </a:r>
             <a:endParaRPr lang="en-US" altLang="zh-CN" sz="2400" dirty="0">
-              <a:latin typeface="Arial" charset="0"/>
+              <a:latin typeface="Arial" panose="020B0604020202020204" pitchFamily="34" charset="0"/>
             </a:endParaRPr>
           </a:p>
           <a:p>
-            <a:pPr marL="776288" lvl="1" indent="-457200">
+            <a:pPr marL="776605" lvl="1" indent="-457200">
               <a:buFont typeface="+mj-lt"/>
               <a:buAutoNum type="alphaUcPeriod"/>
             </a:pPr>
@@ -11602,7 +11237,7 @@
             <a:endParaRPr lang="en-US" altLang="zh-CN" sz="2000" dirty="0"/>
           </a:p>
           <a:p>
-            <a:pPr marL="776288" lvl="1" indent="-457200">
+            <a:pPr marL="776605" lvl="1" indent="-457200">
               <a:buFont typeface="+mj-lt"/>
               <a:buAutoNum type="alphaUcPeriod"/>
             </a:pPr>
@@ -11613,7 +11248,7 @@
             <a:endParaRPr lang="en-US" altLang="zh-CN" sz="2000" dirty="0"/>
           </a:p>
           <a:p>
-            <a:pPr marL="776288" lvl="1" indent="-457200">
+            <a:pPr marL="776605" lvl="1" indent="-457200">
               <a:buFont typeface="+mj-lt"/>
               <a:buAutoNum type="alphaUcPeriod"/>
             </a:pPr>
@@ -11624,7 +11259,7 @@
             <a:endParaRPr lang="en-US" altLang="zh-CN" sz="2000" dirty="0"/>
           </a:p>
           <a:p>
-            <a:pPr marL="776288" lvl="1" indent="-457200">
+            <a:pPr marL="776605" lvl="1" indent="-457200">
               <a:buFont typeface="+mj-lt"/>
               <a:buAutoNum type="alphaUcPeriod"/>
             </a:pPr>
@@ -11632,6 +11267,7 @@
               <a:rPr lang="zh-CN" altLang="en-US" sz="2000" dirty="0"/>
               <a:t>拒绝该提议，如实通知客户相关问题</a:t>
             </a:r>
+            <a:endParaRPr lang="zh-CN" altLang="en-US" sz="2000" dirty="0"/>
           </a:p>
         </p:txBody>
       </p:sp>
@@ -11657,6 +11293,7 @@
               <a:rPr lang="en-US" dirty="0"/>
               <a:t>Information Technology Project Management, Fifth Edition, Copyright 2007                  </a:t>
             </a:r>
+            <a:endParaRPr lang="en-US" dirty="0"/>
           </a:p>
         </p:txBody>
       </p:sp>
@@ -11669,7 +11306,7 @@
           <p:nvPr/>
         </p:nvPicPr>
         <p:blipFill>
-          <a:blip r:embed="rId3"/>
+          <a:blip r:embed="rId1"/>
           <a:srcRect/>
           <a:stretch>
             <a:fillRect/>
@@ -11677,7 +11314,7 @@
         </p:blipFill>
         <p:spPr bwMode="auto">
           <a:xfrm>
-            <a:off x="7315200" y="5105400"/>
+            <a:off x="8839200" y="5105400"/>
             <a:ext cx="1524000" cy="1524000"/>
           </a:xfrm>
           <a:prstGeom prst="rect">
@@ -11723,8 +11360,8 @@
         </p:nvSpPr>
         <p:spPr>
           <a:xfrm>
-            <a:off x="440872" y="1393371"/>
-            <a:ext cx="8229600" cy="4419600"/>
+            <a:off x="576580" y="1393190"/>
+            <a:ext cx="9617710" cy="4419600"/>
           </a:xfrm>
         </p:spPr>
         <p:txBody>
@@ -11733,64 +11370,64 @@
           <a:p>
             <a:r>
               <a:rPr lang="zh-CN" altLang="en-US" sz="2400" dirty="0">
-                <a:latin typeface="Arial" charset="0"/>
+                <a:latin typeface="Arial" panose="020B0604020202020204" pitchFamily="34" charset="0"/>
               </a:rPr>
               <a:t>你是公司</a:t>
             </a:r>
             <a:r>
               <a:rPr lang="en-US" altLang="zh-CN" sz="2400" dirty="0">
-                <a:latin typeface="Arial" charset="0"/>
+                <a:latin typeface="Arial" panose="020B0604020202020204" pitchFamily="34" charset="0"/>
               </a:rPr>
               <a:t>B</a:t>
             </a:r>
             <a:r>
               <a:rPr lang="zh-CN" altLang="en-US" sz="2400" dirty="0">
-                <a:latin typeface="Arial" charset="0"/>
+                <a:latin typeface="Arial" panose="020B0604020202020204" pitchFamily="34" charset="0"/>
               </a:rPr>
               <a:t>的一个新项目经理。你以前为有丰富项目管理实践的公司</a:t>
             </a:r>
             <a:r>
               <a:rPr lang="en-US" altLang="zh-CN" sz="2400" dirty="0">
-                <a:latin typeface="Arial" charset="0"/>
+                <a:latin typeface="Arial" panose="020B0604020202020204" pitchFamily="34" charset="0"/>
               </a:rPr>
               <a:t>A</a:t>
             </a:r>
             <a:r>
               <a:rPr lang="zh-CN" altLang="en-US" sz="2400" dirty="0">
-                <a:latin typeface="Arial" charset="0"/>
+                <a:latin typeface="Arial" panose="020B0604020202020204" pitchFamily="34" charset="0"/>
               </a:rPr>
               <a:t>工作。公司</a:t>
             </a:r>
             <a:r>
               <a:rPr lang="en-US" altLang="zh-CN" sz="2400" dirty="0">
-                <a:latin typeface="Arial" charset="0"/>
+                <a:latin typeface="Arial" panose="020B0604020202020204" pitchFamily="34" charset="0"/>
               </a:rPr>
               <a:t>B</a:t>
             </a:r>
             <a:r>
               <a:rPr lang="zh-CN" altLang="en-US" sz="2400" dirty="0">
-                <a:latin typeface="Arial" charset="0"/>
+                <a:latin typeface="Arial" panose="020B0604020202020204" pitchFamily="34" charset="0"/>
               </a:rPr>
               <a:t>有自己的程序，但是你更熟悉公司</a:t>
             </a:r>
             <a:r>
               <a:rPr lang="en-US" altLang="zh-CN" sz="2400" dirty="0">
-                <a:latin typeface="Arial" charset="0"/>
+                <a:latin typeface="Arial" panose="020B0604020202020204" pitchFamily="34" charset="0"/>
               </a:rPr>
               <a:t>A</a:t>
             </a:r>
             <a:r>
               <a:rPr lang="zh-CN" altLang="en-US" sz="2400" dirty="0">
-                <a:latin typeface="Arial" charset="0"/>
+                <a:latin typeface="Arial" panose="020B0604020202020204" pitchFamily="34" charset="0"/>
               </a:rPr>
               <a:t>的程序。你应该：</a:t>
             </a:r>
             <a:endParaRPr lang="en-US" altLang="zh-CN" sz="2400" dirty="0">
-              <a:latin typeface="Arial" charset="0"/>
+              <a:latin typeface="Arial" panose="020B0604020202020204" pitchFamily="34" charset="0"/>
             </a:endParaRPr>
           </a:p>
           <a:p>
-            <a:pPr marL="776288" lvl="1" indent="-457200">
+            <a:pPr marL="776605" lvl="1" indent="-457200">
               <a:buFont typeface="+mj-lt"/>
               <a:buAutoNum type="alphaUcPeriod"/>
             </a:pPr>
@@ -11817,7 +11454,7 @@
             <a:endParaRPr lang="en-US" altLang="zh-CN" sz="2000" dirty="0"/>
           </a:p>
           <a:p>
-            <a:pPr marL="776288" lvl="1" indent="-457200">
+            <a:pPr marL="776605" lvl="1" indent="-457200">
               <a:buFont typeface="+mj-lt"/>
               <a:buAutoNum type="alphaUcPeriod"/>
             </a:pPr>
@@ -11836,7 +11473,7 @@
             <a:endParaRPr lang="en-US" altLang="zh-CN" sz="2000" dirty="0"/>
           </a:p>
           <a:p>
-            <a:pPr marL="776288" lvl="1" indent="-457200">
+            <a:pPr marL="776605" lvl="1" indent="-457200">
               <a:buFont typeface="+mj-lt"/>
               <a:buAutoNum type="alphaUcPeriod"/>
             </a:pPr>
@@ -11855,7 +11492,7 @@
             <a:endParaRPr lang="en-US" altLang="zh-CN" sz="2000" dirty="0"/>
           </a:p>
           <a:p>
-            <a:pPr marL="776288" lvl="1" indent="-457200">
+            <a:pPr marL="776605" lvl="1" indent="-457200">
               <a:buFont typeface="+mj-lt"/>
               <a:buAutoNum type="alphaUcPeriod"/>
             </a:pPr>
@@ -11871,6 +11508,7 @@
               <a:rPr lang="zh-CN" altLang="en-US" sz="2000" dirty="0"/>
               <a:t>公司的流程中的好的方面</a:t>
             </a:r>
+            <a:endParaRPr lang="zh-CN" altLang="en-US" sz="2000" dirty="0"/>
           </a:p>
         </p:txBody>
       </p:sp>
@@ -11896,6 +11534,7 @@
               <a:rPr lang="en-US"/>
               <a:t>Information Technology Project Management, Fifth Edition, Copyright 2007                  </a:t>
             </a:r>
+            <a:endParaRPr lang="en-US"/>
           </a:p>
         </p:txBody>
       </p:sp>
@@ -11908,7 +11547,7 @@
           <p:nvPr/>
         </p:nvPicPr>
         <p:blipFill>
-          <a:blip r:embed="rId3"/>
+          <a:blip r:embed="rId1"/>
           <a:srcRect/>
           <a:stretch>
             <a:fillRect/>
@@ -11916,7 +11555,7 @@
         </p:blipFill>
         <p:spPr bwMode="auto">
           <a:xfrm>
-            <a:off x="7315200" y="5105400"/>
+            <a:off x="8839200" y="5105400"/>
             <a:ext cx="1524000" cy="1524000"/>
           </a:xfrm>
           <a:prstGeom prst="rect">
@@ -11962,8 +11601,8 @@
         </p:nvSpPr>
         <p:spPr>
           <a:xfrm>
-            <a:off x="440871" y="1442357"/>
-            <a:ext cx="8229600" cy="4419600"/>
+            <a:off x="604520" y="1442085"/>
+            <a:ext cx="9589770" cy="4419600"/>
           </a:xfrm>
         </p:spPr>
         <p:txBody>
@@ -11972,28 +11611,28 @@
           <a:p>
             <a:r>
               <a:rPr lang="zh-CN" altLang="en-US" sz="2400" dirty="0">
-                <a:latin typeface="Arial" charset="0"/>
+                <a:latin typeface="Arial" panose="020B0604020202020204" pitchFamily="34" charset="0"/>
               </a:rPr>
               <a:t>下列哪一项是项目管理专业人士应该遵守的</a:t>
             </a:r>
             <a:r>
               <a:rPr lang="en-US" altLang="zh-CN" sz="2400" dirty="0">
-                <a:latin typeface="Arial" charset="0"/>
+                <a:latin typeface="Arial" panose="020B0604020202020204" pitchFamily="34" charset="0"/>
               </a:rPr>
               <a:t>PMI</a:t>
             </a:r>
             <a:r>
               <a:rPr lang="zh-CN" altLang="en-US" sz="2400" dirty="0">
-                <a:latin typeface="Arial" charset="0"/>
+                <a:latin typeface="Arial" panose="020B0604020202020204" pitchFamily="34" charset="0"/>
               </a:rPr>
               <a:t>道德规范？</a:t>
             </a:r>
             <a:endParaRPr lang="en-US" altLang="zh-CN" sz="2400" dirty="0">
-              <a:latin typeface="Arial" charset="0"/>
+              <a:latin typeface="Arial" panose="020B0604020202020204" pitchFamily="34" charset="0"/>
             </a:endParaRPr>
           </a:p>
           <a:p>
-            <a:pPr marL="776288" lvl="1" indent="-457200">
+            <a:pPr marL="776605" lvl="1" indent="-457200">
               <a:buFont typeface="+mj-lt"/>
               <a:buAutoNum type="alphaUcPeriod"/>
             </a:pPr>
@@ -12004,7 +11643,7 @@
             <a:endParaRPr lang="en-US" altLang="zh-CN" sz="2000" dirty="0"/>
           </a:p>
           <a:p>
-            <a:pPr marL="776288" lvl="1" indent="-457200">
+            <a:pPr marL="776605" lvl="1" indent="-457200">
               <a:buFont typeface="+mj-lt"/>
               <a:buAutoNum type="alphaUcPeriod"/>
             </a:pPr>
@@ -12015,7 +11654,7 @@
             <a:endParaRPr lang="en-US" altLang="zh-CN" sz="2000" dirty="0"/>
           </a:p>
           <a:p>
-            <a:pPr marL="776288" lvl="1" indent="-457200">
+            <a:pPr marL="776605" lvl="1" indent="-457200">
               <a:buFont typeface="+mj-lt"/>
               <a:buAutoNum type="alphaUcPeriod"/>
             </a:pPr>
@@ -12026,7 +11665,7 @@
             <a:endParaRPr lang="en-US" altLang="zh-CN" sz="2000" dirty="0"/>
           </a:p>
           <a:p>
-            <a:pPr marL="776288" lvl="1" indent="-457200">
+            <a:pPr marL="776605" lvl="1" indent="-457200">
               <a:buFont typeface="+mj-lt"/>
               <a:buAutoNum type="alphaUcPeriod"/>
             </a:pPr>
@@ -12034,6 +11673,7 @@
               <a:rPr lang="zh-CN" altLang="en-US" sz="2000" dirty="0"/>
               <a:t>隐藏可能伤害客户或项目的不道德的行为</a:t>
             </a:r>
+            <a:endParaRPr lang="zh-CN" altLang="en-US" sz="2000" dirty="0"/>
           </a:p>
         </p:txBody>
       </p:sp>
@@ -12059,6 +11699,7 @@
               <a:rPr lang="en-US"/>
               <a:t>Information Technology Project Management, Fifth Edition, Copyright 2007                  </a:t>
             </a:r>
+            <a:endParaRPr lang="en-US"/>
           </a:p>
         </p:txBody>
       </p:sp>
@@ -12071,7 +11712,7 @@
           <p:nvPr/>
         </p:nvPicPr>
         <p:blipFill>
-          <a:blip r:embed="rId3"/>
+          <a:blip r:embed="rId1"/>
           <a:srcRect/>
           <a:stretch>
             <a:fillRect/>
@@ -12079,7 +11720,7 @@
         </p:blipFill>
         <p:spPr bwMode="auto">
           <a:xfrm>
-            <a:off x="7315200" y="5105400"/>
+            <a:off x="8839200" y="5105400"/>
             <a:ext cx="1524000" cy="1524000"/>
           </a:xfrm>
           <a:prstGeom prst="rect">
@@ -12125,8 +11766,8 @@
         </p:nvSpPr>
         <p:spPr>
           <a:xfrm>
-            <a:off x="457200" y="1458685"/>
-            <a:ext cx="8229600" cy="4419600"/>
+            <a:off x="607060" y="1458595"/>
+            <a:ext cx="9603740" cy="4419600"/>
           </a:xfrm>
         </p:spPr>
         <p:txBody>
@@ -12135,70 +11776,70 @@
           <a:p>
             <a:r>
               <a:rPr lang="en-US" altLang="zh-CN" sz="2400" dirty="0">
-                <a:latin typeface="Arial" charset="0"/>
+                <a:latin typeface="Arial" panose="020B0604020202020204" pitchFamily="34" charset="0"/>
               </a:rPr>
               <a:t>X</a:t>
             </a:r>
             <a:r>
               <a:rPr lang="zh-CN" altLang="en-US" sz="2400" dirty="0">
-                <a:latin typeface="Arial" charset="0"/>
+                <a:latin typeface="Arial" panose="020B0604020202020204" pitchFamily="34" charset="0"/>
               </a:rPr>
               <a:t>公司的某位项目经理参与了该公司的一次竞争性投标活动，该经理在项目开标之前从</a:t>
             </a:r>
             <a:r>
               <a:rPr lang="en-US" altLang="zh-CN" sz="2400" dirty="0">
-                <a:latin typeface="Arial" charset="0"/>
+                <a:latin typeface="Arial" panose="020B0604020202020204" pitchFamily="34" charset="0"/>
               </a:rPr>
               <a:t>X</a:t>
             </a:r>
             <a:r>
               <a:rPr lang="zh-CN" altLang="en-US" sz="2400" dirty="0">
-                <a:latin typeface="Arial" charset="0"/>
+                <a:latin typeface="Arial" panose="020B0604020202020204" pitchFamily="34" charset="0"/>
               </a:rPr>
               <a:t>公司辞职，后来马上受雇于</a:t>
             </a:r>
             <a:r>
               <a:rPr lang="en-US" altLang="zh-CN" sz="2400" dirty="0">
-                <a:latin typeface="Arial" charset="0"/>
+                <a:latin typeface="Arial" panose="020B0604020202020204" pitchFamily="34" charset="0"/>
               </a:rPr>
               <a:t>Y</a:t>
             </a:r>
             <a:r>
               <a:rPr lang="zh-CN" altLang="en-US" sz="2400" dirty="0">
-                <a:latin typeface="Arial" charset="0"/>
+                <a:latin typeface="Arial" panose="020B0604020202020204" pitchFamily="34" charset="0"/>
               </a:rPr>
               <a:t>公司，</a:t>
             </a:r>
             <a:r>
               <a:rPr lang="en-US" altLang="zh-CN" sz="2400" dirty="0">
-                <a:latin typeface="Arial" charset="0"/>
+                <a:latin typeface="Arial" panose="020B0604020202020204" pitchFamily="34" charset="0"/>
               </a:rPr>
               <a:t>Y</a:t>
             </a:r>
             <a:r>
               <a:rPr lang="zh-CN" altLang="en-US" sz="2400" dirty="0">
-                <a:latin typeface="Arial" charset="0"/>
+                <a:latin typeface="Arial" panose="020B0604020202020204" pitchFamily="34" charset="0"/>
               </a:rPr>
               <a:t>公司也在参与同一个项目的投标。</a:t>
             </a:r>
             <a:r>
               <a:rPr lang="en-US" altLang="zh-CN" sz="2400" dirty="0">
-                <a:latin typeface="Arial" charset="0"/>
+                <a:latin typeface="Arial" panose="020B0604020202020204" pitchFamily="34" charset="0"/>
               </a:rPr>
               <a:t>Y</a:t>
             </a:r>
             <a:r>
               <a:rPr lang="zh-CN" altLang="en-US" sz="2400" dirty="0">
-                <a:latin typeface="Arial" charset="0"/>
+                <a:latin typeface="Arial" panose="020B0604020202020204" pitchFamily="34" charset="0"/>
               </a:rPr>
               <a:t>公司的销售经理要求该经理参与一次销售策划会议。该经理应该如何应对？</a:t>
             </a:r>
             <a:endParaRPr lang="en-US" altLang="zh-CN" sz="2400" dirty="0">
-              <a:latin typeface="Arial" charset="0"/>
+              <a:latin typeface="Arial" panose="020B0604020202020204" pitchFamily="34" charset="0"/>
             </a:endParaRPr>
           </a:p>
           <a:p>
-            <a:pPr marL="776288" lvl="1" indent="-457200">
+            <a:pPr marL="776605" lvl="1" indent="-457200">
               <a:buFont typeface="+mj-lt"/>
               <a:buAutoNum type="alphaUcPeriod"/>
             </a:pPr>
@@ -12209,7 +11850,7 @@
             <a:endParaRPr lang="en-US" altLang="zh-CN" sz="2000" dirty="0"/>
           </a:p>
           <a:p>
-            <a:pPr marL="776288" lvl="1" indent="-457200">
+            <a:pPr marL="776605" lvl="1" indent="-457200">
               <a:buFont typeface="+mj-lt"/>
               <a:buAutoNum type="alphaUcPeriod"/>
             </a:pPr>
@@ -12220,7 +11861,7 @@
             <a:endParaRPr lang="en-US" altLang="zh-CN" sz="2000" dirty="0"/>
           </a:p>
           <a:p>
-            <a:pPr marL="776288" lvl="1" indent="-457200">
+            <a:pPr marL="776605" lvl="1" indent="-457200">
               <a:buFont typeface="+mj-lt"/>
               <a:buAutoNum type="alphaUcPeriod"/>
             </a:pPr>
@@ -12239,7 +11880,7 @@
             <a:endParaRPr lang="en-US" altLang="zh-CN" sz="2000" dirty="0"/>
           </a:p>
           <a:p>
-            <a:pPr marL="776288" lvl="1" indent="-457200">
+            <a:pPr marL="776605" lvl="1" indent="-457200">
               <a:buFont typeface="+mj-lt"/>
               <a:buAutoNum type="alphaUcPeriod"/>
             </a:pPr>
@@ -12263,6 +11904,7 @@
               <a:rPr lang="zh-CN" altLang="en-US" sz="2000" dirty="0"/>
               <a:t>公司获得微小销售优势的信息</a:t>
             </a:r>
+            <a:endParaRPr lang="zh-CN" altLang="en-US" sz="2000" dirty="0"/>
           </a:p>
         </p:txBody>
       </p:sp>
@@ -12288,6 +11930,7 @@
               <a:rPr lang="en-US"/>
               <a:t>Information Technology Project Management, Fifth Edition, Copyright 2007                  </a:t>
             </a:r>
+            <a:endParaRPr lang="en-US"/>
           </a:p>
         </p:txBody>
       </p:sp>
@@ -12300,7 +11943,7 @@
           <p:nvPr/>
         </p:nvPicPr>
         <p:blipFill>
-          <a:blip r:embed="rId3"/>
+          <a:blip r:embed="rId1"/>
           <a:srcRect/>
           <a:stretch>
             <a:fillRect/>
@@ -12308,7 +11951,7 @@
         </p:blipFill>
         <p:spPr bwMode="auto">
           <a:xfrm>
-            <a:off x="7315200" y="5105400"/>
+            <a:off x="8839200" y="5105400"/>
             <a:ext cx="1524000" cy="1524000"/>
           </a:xfrm>
           <a:prstGeom prst="rect">
@@ -12354,8 +11997,8 @@
         </p:nvSpPr>
         <p:spPr>
           <a:xfrm>
-            <a:off x="473529" y="1442357"/>
-            <a:ext cx="8229600" cy="4419600"/>
+            <a:off x="582930" y="1442085"/>
+            <a:ext cx="9644380" cy="4419600"/>
           </a:xfrm>
         </p:spPr>
         <p:txBody>
@@ -12364,16 +12007,16 @@
           <a:p>
             <a:r>
               <a:rPr lang="zh-CN" altLang="en-US" sz="2400" dirty="0">
-                <a:latin typeface="Arial" charset="0"/>
+                <a:latin typeface="Arial" panose="020B0604020202020204" pitchFamily="34" charset="0"/>
               </a:rPr>
               <a:t>为了完成你的项目，你从所有客户那里拿到了保密信息。一大学联系你帮助其研究，要你向其提供一些客户的数据。你应该怎么办？</a:t>
             </a:r>
             <a:endParaRPr lang="en-US" altLang="zh-CN" sz="2400" dirty="0">
-              <a:latin typeface="Arial" charset="0"/>
+              <a:latin typeface="Arial" panose="020B0604020202020204" pitchFamily="34" charset="0"/>
             </a:endParaRPr>
           </a:p>
           <a:p>
-            <a:pPr marL="776288" lvl="1" indent="-457200">
+            <a:pPr marL="776605" lvl="1" indent="-457200">
               <a:buFont typeface="+mj-lt"/>
               <a:buAutoNum type="alphaUcPeriod"/>
             </a:pPr>
@@ -12384,7 +12027,7 @@
             <a:endParaRPr lang="en-US" altLang="zh-CN" sz="2000" dirty="0"/>
           </a:p>
           <a:p>
-            <a:pPr marL="776288" lvl="1" indent="-457200">
+            <a:pPr marL="776605" lvl="1" indent="-457200">
               <a:buFont typeface="+mj-lt"/>
               <a:buAutoNum type="alphaUcPeriod"/>
             </a:pPr>
@@ -12395,7 +12038,7 @@
             <a:endParaRPr lang="en-US" altLang="zh-CN" sz="2000" dirty="0"/>
           </a:p>
           <a:p>
-            <a:pPr marL="776288" lvl="1" indent="-457200">
+            <a:pPr marL="776605" lvl="1" indent="-457200">
               <a:buFont typeface="+mj-lt"/>
               <a:buAutoNum type="alphaUcPeriod"/>
             </a:pPr>
@@ -12406,7 +12049,7 @@
             <a:endParaRPr lang="en-US" altLang="zh-CN" sz="2000" dirty="0"/>
           </a:p>
           <a:p>
-            <a:pPr marL="776288" lvl="1" indent="-457200">
+            <a:pPr marL="776605" lvl="1" indent="-457200">
               <a:buFont typeface="+mj-lt"/>
               <a:buAutoNum type="alphaUcPeriod"/>
             </a:pPr>
@@ -12414,6 +12057,7 @@
               <a:rPr lang="zh-CN" altLang="en-US" sz="2000" dirty="0"/>
               <a:t>披露信息</a:t>
             </a:r>
+            <a:endParaRPr lang="zh-CN" altLang="en-US" sz="2000" dirty="0"/>
           </a:p>
         </p:txBody>
       </p:sp>
@@ -12439,6 +12083,7 @@
               <a:rPr lang="en-US"/>
               <a:t>Information Technology Project Management, Fifth Edition, Copyright 2007                  </a:t>
             </a:r>
+            <a:endParaRPr lang="en-US"/>
           </a:p>
         </p:txBody>
       </p:sp>
@@ -12451,7 +12096,7 @@
           <p:nvPr/>
         </p:nvPicPr>
         <p:blipFill>
-          <a:blip r:embed="rId3"/>
+          <a:blip r:embed="rId1"/>
           <a:srcRect/>
           <a:stretch>
             <a:fillRect/>
@@ -12459,7 +12104,7 @@
         </p:blipFill>
         <p:spPr bwMode="auto">
           <a:xfrm>
-            <a:off x="7315200" y="5105400"/>
+            <a:off x="8839200" y="5105400"/>
             <a:ext cx="1524000" cy="1524000"/>
           </a:xfrm>
           <a:prstGeom prst="rect">
@@ -12502,7 +12147,7 @@
           <p:nvPr/>
         </p:nvPicPr>
         <p:blipFill>
-          <a:blip r:embed="rId3"/>
+          <a:blip r:embed="rId1"/>
           <a:srcRect/>
           <a:stretch>
             <a:fillRect/>
@@ -12510,7 +12155,7 @@
         </p:blipFill>
         <p:spPr bwMode="auto">
           <a:xfrm>
-            <a:off x="7315200" y="5105400"/>
+            <a:off x="8839200" y="5105400"/>
             <a:ext cx="1524000" cy="1524000"/>
           </a:xfrm>
           <a:prstGeom prst="rect">
@@ -12531,8 +12176,8 @@
         </p:nvSpPr>
         <p:spPr>
           <a:xfrm>
-            <a:off x="457200" y="1507671"/>
-            <a:ext cx="8229600" cy="4419600"/>
+            <a:off x="579755" y="1507490"/>
+            <a:ext cx="9631045" cy="4419600"/>
           </a:xfrm>
         </p:spPr>
         <p:txBody>
@@ -12541,16 +12186,16 @@
           <a:p>
             <a:r>
               <a:rPr lang="zh-CN" altLang="en-US" sz="2400" dirty="0">
-                <a:latin typeface="Arial" charset="0"/>
+                <a:latin typeface="Arial" panose="020B0604020202020204" pitchFamily="34" charset="0"/>
               </a:rPr>
               <a:t>管理层已向你保证如果你提前完成该项目，客户会给你一部分奖励。在最后完成一主要交付成果时，你的团队告诉你该交付成果满足合同的要求但不能提供客户所需要的功能。如果返工该交付成果，项目就不能提前完成了。你应该采取什么措施？</a:t>
             </a:r>
             <a:endParaRPr lang="en-US" altLang="zh-CN" sz="2400" dirty="0">
-              <a:latin typeface="Arial" charset="0"/>
+              <a:latin typeface="Arial" panose="020B0604020202020204" pitchFamily="34" charset="0"/>
             </a:endParaRPr>
           </a:p>
           <a:p>
-            <a:pPr marL="776288" lvl="1" indent="-457200">
+            <a:pPr marL="776605" lvl="1" indent="-457200">
               <a:buFont typeface="+mj-lt"/>
               <a:buAutoNum type="alphaUcPeriod"/>
             </a:pPr>
@@ -12561,7 +12206,7 @@
             <a:endParaRPr lang="en-US" altLang="zh-CN" sz="2000" dirty="0"/>
           </a:p>
           <a:p>
-            <a:pPr marL="776288" lvl="1" indent="-457200">
+            <a:pPr marL="776605" lvl="1" indent="-457200">
               <a:buFont typeface="+mj-lt"/>
               <a:buAutoNum type="alphaUcPeriod"/>
             </a:pPr>
@@ -12572,7 +12217,7 @@
             <a:endParaRPr lang="en-US" altLang="zh-CN" sz="2000" dirty="0"/>
           </a:p>
           <a:p>
-            <a:pPr marL="776288" lvl="1" indent="-457200">
+            <a:pPr marL="776605" lvl="1" indent="-457200">
               <a:buFont typeface="+mj-lt"/>
               <a:buAutoNum type="alphaUcPeriod"/>
             </a:pPr>
@@ -12583,7 +12228,7 @@
             <a:endParaRPr lang="en-US" altLang="zh-CN" sz="2000" dirty="0"/>
           </a:p>
           <a:p>
-            <a:pPr marL="776288" lvl="1" indent="-457200">
+            <a:pPr marL="776605" lvl="1" indent="-457200">
               <a:buFont typeface="+mj-lt"/>
               <a:buAutoNum type="alphaUcPeriod"/>
             </a:pPr>
@@ -12591,6 +12236,7 @@
               <a:rPr lang="zh-CN" altLang="en-US" sz="2000" dirty="0"/>
               <a:t>悄悄削减其它活动以为修复该交付成果节约时间</a:t>
             </a:r>
+            <a:endParaRPr lang="zh-CN" altLang="en-US" sz="2000" dirty="0"/>
           </a:p>
         </p:txBody>
       </p:sp>
@@ -12616,6 +12262,7 @@
               <a:rPr lang="en-US"/>
               <a:t>Information Technology Project Management, Fifth Edition, Copyright 2007                  </a:t>
             </a:r>
+            <a:endParaRPr lang="en-US"/>
           </a:p>
         </p:txBody>
       </p:sp>
@@ -12653,7 +12300,7 @@
           <p:nvPr/>
         </p:nvPicPr>
         <p:blipFill>
-          <a:blip r:embed="rId3"/>
+          <a:blip r:embed="rId1"/>
           <a:srcRect/>
           <a:stretch>
             <a:fillRect/>
@@ -12661,7 +12308,7 @@
         </p:blipFill>
         <p:spPr bwMode="auto">
           <a:xfrm>
-            <a:off x="7315200" y="5105400"/>
+            <a:off x="8839200" y="5105400"/>
             <a:ext cx="1524000" cy="1524000"/>
           </a:xfrm>
           <a:prstGeom prst="rect">
@@ -12682,8 +12329,8 @@
         </p:nvSpPr>
         <p:spPr>
           <a:xfrm>
-            <a:off x="440871" y="1469570"/>
-            <a:ext cx="8229600" cy="4419600"/>
+            <a:off x="591185" y="1469390"/>
+            <a:ext cx="9603105" cy="4419600"/>
           </a:xfrm>
         </p:spPr>
         <p:txBody>
@@ -12692,40 +12339,40 @@
           <a:p>
             <a:r>
               <a:rPr lang="zh-CN" altLang="en-US" sz="2400" dirty="0">
-                <a:latin typeface="Arial" charset="0"/>
+                <a:latin typeface="Arial" panose="020B0604020202020204" pitchFamily="34" charset="0"/>
               </a:rPr>
               <a:t>最近你完成了一个处理发电站有害废物的环保项目。项目已经通过了验收，客户和公司进行了交接。项目已正式结束</a:t>
             </a:r>
             <a:r>
               <a:rPr lang="en-US" altLang="zh-CN" sz="2400" dirty="0">
-                <a:latin typeface="Arial" charset="0"/>
+                <a:latin typeface="Arial" panose="020B0604020202020204" pitchFamily="34" charset="0"/>
               </a:rPr>
               <a:t>6</a:t>
             </a:r>
             <a:r>
               <a:rPr lang="zh-CN" altLang="en-US" sz="2400" dirty="0">
-                <a:latin typeface="Arial" charset="0"/>
+                <a:latin typeface="Arial" panose="020B0604020202020204" pitchFamily="34" charset="0"/>
               </a:rPr>
               <a:t>个多星期。现在你从事的新项目正好还是在同一个发电站进行。在实施新项目的时候，你发现前一个已交付使用的项目中可能存在着缺陷。你重新察看了原来那个项目的图纸，发现他确实是不完善的。但没有人在意你的这些担心。而你认为在</a:t>
             </a:r>
             <a:r>
               <a:rPr lang="en-US" altLang="zh-CN" sz="2400" dirty="0">
-                <a:latin typeface="Arial" charset="0"/>
+                <a:latin typeface="Arial" panose="020B0604020202020204" pitchFamily="34" charset="0"/>
               </a:rPr>
               <a:t>5</a:t>
             </a:r>
             <a:r>
               <a:rPr lang="zh-CN" altLang="en-US" sz="2400" dirty="0">
-                <a:latin typeface="Arial" charset="0"/>
+                <a:latin typeface="Arial" panose="020B0604020202020204" pitchFamily="34" charset="0"/>
               </a:rPr>
               <a:t>年内也不会出现什么明显的问题。在这种情况下，你应该：</a:t>
             </a:r>
             <a:endParaRPr lang="en-US" altLang="zh-CN" sz="2400" dirty="0">
-              <a:latin typeface="Arial" charset="0"/>
+              <a:latin typeface="Arial" panose="020B0604020202020204" pitchFamily="34" charset="0"/>
             </a:endParaRPr>
           </a:p>
           <a:p>
-            <a:pPr marL="776288" lvl="1" indent="-457200">
+            <a:pPr marL="776605" lvl="1" indent="-457200">
               <a:buFont typeface="+mj-lt"/>
               <a:buAutoNum type="alphaUcPeriod"/>
             </a:pPr>
@@ -12736,7 +12383,7 @@
             <a:endParaRPr lang="en-US" altLang="zh-CN" dirty="0"/>
           </a:p>
           <a:p>
-            <a:pPr marL="776288" lvl="1" indent="-457200">
+            <a:pPr marL="776605" lvl="1" indent="-457200">
               <a:buFont typeface="+mj-lt"/>
               <a:buAutoNum type="alphaUcPeriod"/>
             </a:pPr>
@@ -12747,7 +12394,7 @@
             <a:endParaRPr lang="en-US" altLang="zh-CN" dirty="0"/>
           </a:p>
           <a:p>
-            <a:pPr marL="776288" lvl="1" indent="-457200">
+            <a:pPr marL="776605" lvl="1" indent="-457200">
               <a:buFont typeface="+mj-lt"/>
               <a:buAutoNum type="alphaUcPeriod"/>
             </a:pPr>
@@ -12758,7 +12405,7 @@
             <a:endParaRPr lang="en-US" altLang="zh-CN" dirty="0"/>
           </a:p>
           <a:p>
-            <a:pPr marL="776288" lvl="1" indent="-457200">
+            <a:pPr marL="776605" lvl="1" indent="-457200">
               <a:buFont typeface="+mj-lt"/>
               <a:buAutoNum type="alphaUcPeriod"/>
             </a:pPr>
@@ -12766,6 +12413,7 @@
               <a:rPr lang="zh-CN" altLang="en-US" dirty="0"/>
               <a:t>在未来的项目中继续完善项目质量保证和项目审查系统</a:t>
             </a:r>
+            <a:endParaRPr lang="zh-CN" altLang="en-US" dirty="0"/>
           </a:p>
         </p:txBody>
       </p:sp>
@@ -12806,8 +12454,8 @@
         </p:nvSpPr>
         <p:spPr>
           <a:xfrm>
-            <a:off x="457200" y="1458685"/>
-            <a:ext cx="8229600" cy="4419600"/>
+            <a:off x="537845" y="1458595"/>
+            <a:ext cx="9672955" cy="4419600"/>
           </a:xfrm>
         </p:spPr>
         <p:txBody>
@@ -12816,16 +12464,16 @@
           <a:p>
             <a:r>
               <a:rPr lang="zh-CN" altLang="en-US" sz="2400" dirty="0">
-                <a:latin typeface="Arial" charset="0"/>
+                <a:latin typeface="Arial" panose="020B0604020202020204" pitchFamily="34" charset="0"/>
               </a:rPr>
               <a:t>在客户现场上的项目经理已经与客户建立了非常良好的关系。项目经理发现一份丢在地板上的文件，其中包含客户公司内的一个麻烦项目的保密信息。项目经理应该怎么做？</a:t>
             </a:r>
             <a:endParaRPr lang="en-US" altLang="zh-CN" sz="2400" dirty="0">
-              <a:latin typeface="Arial" charset="0"/>
+              <a:latin typeface="Arial" panose="020B0604020202020204" pitchFamily="34" charset="0"/>
             </a:endParaRPr>
           </a:p>
           <a:p>
-            <a:pPr marL="776288" lvl="1" indent="-457200">
+            <a:pPr marL="776605" lvl="1" indent="-457200">
               <a:buFont typeface="+mj-lt"/>
               <a:buAutoNum type="alphaUcPeriod"/>
             </a:pPr>
@@ -12836,7 +12484,7 @@
             <a:endParaRPr lang="en-US" altLang="zh-CN" sz="2000" dirty="0"/>
           </a:p>
           <a:p>
-            <a:pPr marL="776288" lvl="1" indent="-457200">
+            <a:pPr marL="776605" lvl="1" indent="-457200">
               <a:buFont typeface="+mj-lt"/>
               <a:buAutoNum type="alphaUcPeriod"/>
             </a:pPr>
@@ -12847,7 +12495,7 @@
             <a:endParaRPr lang="en-US" altLang="zh-CN" sz="2000" dirty="0"/>
           </a:p>
           <a:p>
-            <a:pPr marL="776288" lvl="1" indent="-457200">
+            <a:pPr marL="776605" lvl="1" indent="-457200">
               <a:buFont typeface="+mj-lt"/>
               <a:buAutoNum type="alphaUcPeriod"/>
             </a:pPr>
@@ -12862,7 +12510,7 @@
             <a:endParaRPr lang="en-US" altLang="zh-CN" sz="2000" dirty="0"/>
           </a:p>
           <a:p>
-            <a:pPr marL="776288" lvl="1" indent="-457200">
+            <a:pPr marL="776605" lvl="1" indent="-457200">
               <a:buFont typeface="+mj-lt"/>
               <a:buAutoNum type="alphaUcPeriod"/>
             </a:pPr>
@@ -12870,6 +12518,7 @@
               <a:rPr lang="zh-CN" altLang="en-US" sz="2000" dirty="0"/>
               <a:t>通知该麻烦项目的项目经理</a:t>
             </a:r>
+            <a:endParaRPr lang="zh-CN" altLang="en-US" sz="2000" dirty="0"/>
           </a:p>
         </p:txBody>
       </p:sp>
@@ -12895,6 +12544,7 @@
               <a:rPr lang="en-US"/>
               <a:t>Information Technology Project Management, Fifth Edition, Copyright 2007                  </a:t>
             </a:r>
+            <a:endParaRPr lang="en-US"/>
           </a:p>
         </p:txBody>
       </p:sp>
@@ -12907,7 +12557,7 @@
           <p:nvPr/>
         </p:nvPicPr>
         <p:blipFill>
-          <a:blip r:embed="rId3"/>
+          <a:blip r:embed="rId1"/>
           <a:srcRect/>
           <a:stretch>
             <a:fillRect/>
@@ -12915,7 +12565,7 @@
         </p:blipFill>
         <p:spPr bwMode="auto">
           <a:xfrm>
-            <a:off x="7315200" y="5105400"/>
+            <a:off x="8839200" y="5105400"/>
             <a:ext cx="1524000" cy="1524000"/>
           </a:xfrm>
           <a:prstGeom prst="rect">
@@ -12961,8 +12611,8 @@
         </p:nvSpPr>
         <p:spPr>
           <a:xfrm>
-            <a:off x="440872" y="1442357"/>
-            <a:ext cx="8229600" cy="4419600"/>
+            <a:off x="590550" y="1442085"/>
+            <a:ext cx="9603740" cy="4419600"/>
           </a:xfrm>
         </p:spPr>
         <p:txBody>
@@ -12971,40 +12621,40 @@
           <a:p>
             <a:r>
               <a:rPr lang="zh-CN" altLang="en-US" sz="2400" dirty="0">
-                <a:latin typeface="Arial" charset="0"/>
+                <a:latin typeface="Arial" panose="020B0604020202020204" pitchFamily="34" charset="0"/>
               </a:rPr>
               <a:t>某经理</a:t>
             </a:r>
             <a:r>
               <a:rPr lang="en-US" altLang="zh-CN" sz="2400" dirty="0">
-                <a:latin typeface="Arial" charset="0"/>
+                <a:latin typeface="Arial" panose="020B0604020202020204" pitchFamily="34" charset="0"/>
               </a:rPr>
               <a:t>X</a:t>
             </a:r>
             <a:r>
               <a:rPr lang="zh-CN" altLang="en-US" sz="2400" dirty="0">
-                <a:latin typeface="Arial" charset="0"/>
+                <a:latin typeface="Arial" panose="020B0604020202020204" pitchFamily="34" charset="0"/>
               </a:rPr>
               <a:t>负责一项目，项目受到了高级经理的支持。你的部门要为这个项目完成一些关键的工作包，从开始，你就对项目如何进行和交付成果是什么不同意</a:t>
             </a:r>
             <a:r>
               <a:rPr lang="en-US" altLang="zh-CN" sz="2400" dirty="0">
-                <a:latin typeface="Arial" charset="0"/>
+                <a:latin typeface="Arial" panose="020B0604020202020204" pitchFamily="34" charset="0"/>
               </a:rPr>
               <a:t>X</a:t>
             </a:r>
             <a:r>
               <a:rPr lang="zh-CN" altLang="en-US" sz="2400" dirty="0">
-                <a:latin typeface="Arial" charset="0"/>
+                <a:latin typeface="Arial" panose="020B0604020202020204" pitchFamily="34" charset="0"/>
               </a:rPr>
               <a:t>经理，你和他过去就有很多意见不一样。你应该怎么做？</a:t>
             </a:r>
             <a:endParaRPr lang="en-US" altLang="zh-CN" sz="2400" dirty="0">
-              <a:latin typeface="Arial" charset="0"/>
+              <a:latin typeface="Arial" panose="020B0604020202020204" pitchFamily="34" charset="0"/>
             </a:endParaRPr>
           </a:p>
           <a:p>
-            <a:pPr marL="776288" lvl="1" indent="-457200">
+            <a:pPr marL="776605" lvl="1" indent="-457200">
               <a:buFont typeface="+mj-lt"/>
               <a:buAutoNum type="alphaUcPeriod"/>
             </a:pPr>
@@ -13023,7 +12673,7 @@
             <a:endParaRPr lang="en-US" altLang="zh-CN" sz="2000" dirty="0"/>
           </a:p>
           <a:p>
-            <a:pPr marL="776288" lvl="1" indent="-457200">
+            <a:pPr marL="776605" lvl="1" indent="-457200">
               <a:buFont typeface="+mj-lt"/>
               <a:buAutoNum type="alphaUcPeriod"/>
             </a:pPr>
@@ -13042,7 +12692,7 @@
             <a:endParaRPr lang="en-US" altLang="zh-CN" sz="2000" dirty="0"/>
           </a:p>
           <a:p>
-            <a:pPr marL="776288" lvl="1" indent="-457200">
+            <a:pPr marL="776605" lvl="1" indent="-457200">
               <a:buFont typeface="+mj-lt"/>
               <a:buAutoNum type="alphaUcPeriod"/>
             </a:pPr>
@@ -13053,7 +12703,7 @@
             <a:endParaRPr lang="en-US" altLang="zh-CN" sz="2000" dirty="0"/>
           </a:p>
           <a:p>
-            <a:pPr marL="776288" lvl="1" indent="-457200">
+            <a:pPr marL="776605" lvl="1" indent="-457200">
               <a:buFont typeface="+mj-lt"/>
               <a:buAutoNum type="alphaUcPeriod"/>
             </a:pPr>
@@ -13061,6 +12711,7 @@
               <a:rPr lang="zh-CN" altLang="en-US" sz="2000" dirty="0"/>
               <a:t>请求不参加这个项目</a:t>
             </a:r>
+            <a:endParaRPr lang="zh-CN" altLang="en-US" sz="2000" dirty="0"/>
           </a:p>
         </p:txBody>
       </p:sp>
@@ -13086,6 +12737,7 @@
               <a:rPr lang="en-US"/>
               <a:t>Information Technology Project Management, Fifth Edition, Copyright 2007                  </a:t>
             </a:r>
+            <a:endParaRPr lang="en-US"/>
           </a:p>
         </p:txBody>
       </p:sp>
@@ -13098,7 +12750,7 @@
           <p:nvPr/>
         </p:nvPicPr>
         <p:blipFill>
-          <a:blip r:embed="rId3"/>
+          <a:blip r:embed="rId1"/>
           <a:srcRect/>
           <a:stretch>
             <a:fillRect/>
@@ -13106,7 +12758,7 @@
         </p:blipFill>
         <p:spPr bwMode="auto">
           <a:xfrm>
-            <a:off x="7315200" y="5105400"/>
+            <a:off x="8839200" y="5105400"/>
             <a:ext cx="1524000" cy="1524000"/>
           </a:xfrm>
           <a:prstGeom prst="rect">
@@ -13159,6 +12811,7 @@
               <a:rPr lang="zh-CN" altLang="en-US" dirty="0"/>
               <a:t>推荐材料</a:t>
             </a:r>
+            <a:endParaRPr lang="zh-CN" altLang="en-US" dirty="0"/>
           </a:p>
         </p:txBody>
       </p:sp>
@@ -13190,7 +12843,7 @@
           <p:nvPr/>
         </p:nvPicPr>
         <p:blipFill>
-          <a:blip r:embed="rId2"/>
+          <a:blip r:embed="rId1"/>
           <a:srcRect l="16500" r="15999"/>
           <a:stretch>
             <a:fillRect/>
@@ -13198,7 +12851,7 @@
         </p:blipFill>
         <p:spPr bwMode="auto">
           <a:xfrm>
-            <a:off x="1483861" y="2133047"/>
+            <a:off x="3007861" y="2133047"/>
             <a:ext cx="2059081" cy="3050469"/>
           </a:xfrm>
           <a:prstGeom prst="rect">
@@ -13216,7 +12869,7 @@
           <p:nvPr/>
         </p:nvPicPr>
         <p:blipFill>
-          <a:blip r:embed="rId3"/>
+          <a:blip r:embed="rId2"/>
           <a:srcRect l="19539" r="20340"/>
           <a:stretch>
             <a:fillRect/>
@@ -13224,7 +12877,7 @@
         </p:blipFill>
         <p:spPr bwMode="auto">
           <a:xfrm>
-            <a:off x="5121130" y="2133047"/>
+            <a:off x="6645130" y="2133047"/>
             <a:ext cx="2022286" cy="3370452"/>
           </a:xfrm>
           <a:prstGeom prst="rect">
@@ -13234,11 +12887,6 @@
         </p:spPr>
       </p:pic>
     </p:spTree>
-    <p:extLst>
-      <p:ext uri="{BB962C8B-B14F-4D97-AF65-F5344CB8AC3E}">
-        <p14:creationId xmlns:p14="http://schemas.microsoft.com/office/powerpoint/2010/main" val="3913670029"/>
-      </p:ext>
-    </p:extLst>
   </p:cSld>
   <p:clrMapOvr>
     <a:masterClrMapping/>
@@ -13481,8 +13129,8 @@
         </p:nvSpPr>
         <p:spPr>
           <a:xfrm>
-            <a:off x="457200" y="1524000"/>
-            <a:ext cx="8229600" cy="4419600"/>
+            <a:off x="593090" y="1524000"/>
+            <a:ext cx="9617710" cy="4419600"/>
           </a:xfrm>
         </p:spPr>
         <p:txBody>
@@ -13491,16 +13139,16 @@
           <a:p>
             <a:r>
               <a:rPr lang="zh-CN" altLang="en-US" sz="2400" dirty="0">
-                <a:latin typeface="Arial" charset="0"/>
+                <a:latin typeface="Arial" panose="020B0604020202020204" pitchFamily="34" charset="0"/>
               </a:rPr>
               <a:t>你的项目需要对所用的设备进行一项重大变更。你知道有一种产品可以满足你的需要，但你担心的是你的兄弟是生产这种产品那家公司的老板。你应该怎么做？</a:t>
             </a:r>
             <a:endParaRPr lang="en-US" altLang="zh-CN" sz="2400" dirty="0">
-              <a:latin typeface="Arial" charset="0"/>
+              <a:latin typeface="Arial" panose="020B0604020202020204" pitchFamily="34" charset="0"/>
             </a:endParaRPr>
           </a:p>
           <a:p>
-            <a:pPr marL="776288" lvl="1" indent="-457200">
+            <a:pPr marL="776605" lvl="1" indent="-457200">
               <a:buFont typeface="+mj-lt"/>
               <a:buAutoNum type="alphaUcPeriod"/>
             </a:pPr>
@@ -13511,7 +13159,7 @@
             <a:endParaRPr lang="en-US" altLang="zh-CN" sz="2000" dirty="0"/>
           </a:p>
           <a:p>
-            <a:pPr marL="776288" lvl="1" indent="-457200">
+            <a:pPr marL="776605" lvl="1" indent="-457200">
               <a:buFont typeface="+mj-lt"/>
               <a:buAutoNum type="alphaUcPeriod"/>
             </a:pPr>
@@ -13522,7 +13170,7 @@
             <a:endParaRPr lang="en-US" altLang="zh-CN" sz="2000" dirty="0"/>
           </a:p>
           <a:p>
-            <a:pPr marL="776288" lvl="1" indent="-457200">
+            <a:pPr marL="776605" lvl="1" indent="-457200">
               <a:buFont typeface="+mj-lt"/>
               <a:buAutoNum type="alphaUcPeriod"/>
             </a:pPr>
@@ -13533,7 +13181,7 @@
             <a:endParaRPr lang="en-US" altLang="zh-CN" sz="2000" dirty="0"/>
           </a:p>
           <a:p>
-            <a:pPr marL="776288" lvl="1" indent="-457200">
+            <a:pPr marL="776605" lvl="1" indent="-457200">
               <a:buFont typeface="+mj-lt"/>
               <a:buAutoNum type="alphaUcPeriod"/>
             </a:pPr>
@@ -13541,6 +13189,7 @@
               <a:rPr lang="zh-CN" altLang="en-US" sz="2000" dirty="0"/>
               <a:t>不让你的兄弟参与投标</a:t>
             </a:r>
+            <a:endParaRPr lang="zh-CN" altLang="en-US" sz="2000" dirty="0"/>
           </a:p>
         </p:txBody>
       </p:sp>
@@ -13566,6 +13215,7 @@
               <a:rPr lang="en-US"/>
               <a:t>Information Technology Project Management, Fifth Edition, Copyright 2007                  </a:t>
             </a:r>
+            <a:endParaRPr lang="en-US"/>
           </a:p>
         </p:txBody>
       </p:sp>
@@ -13578,7 +13228,7 @@
           <p:nvPr/>
         </p:nvPicPr>
         <p:blipFill>
-          <a:blip r:embed="rId3"/>
+          <a:blip r:embed="rId1"/>
           <a:srcRect/>
           <a:stretch>
             <a:fillRect/>
@@ -13586,7 +13236,7 @@
         </p:blipFill>
         <p:spPr bwMode="auto">
           <a:xfrm>
-            <a:off x="7315200" y="5105400"/>
+            <a:off x="8839200" y="5105400"/>
             <a:ext cx="1524000" cy="1524000"/>
           </a:xfrm>
           <a:prstGeom prst="rect">
@@ -13630,7 +13280,7 @@
         </p:nvSpPr>
         <p:spPr bwMode="gray">
           <a:xfrm>
-            <a:off x="3124200" y="3352800"/>
+            <a:off x="4648200" y="3352800"/>
             <a:ext cx="4419600" cy="609600"/>
           </a:xfrm>
           <a:prstGeom prst="rect">
@@ -13655,8 +13305,6 @@
                     <a:schemeClr val="bg1"/>
                   </a:solidFill>
                   <a:round/>
-                  <a:headEnd/>
-                  <a:tailEnd/>
                 </a:ln>
                 <a:gradFill rotWithShape="1">
                   <a:gsLst>
@@ -13676,8 +13324,8 @@
                     </a:srgbClr>
                   </a:outerShdw>
                 </a:effectLst>
-                <a:latin typeface="Arial"/>
-                <a:cs typeface="Arial"/>
+                <a:latin typeface="Arial" panose="020B0604020202020204"/>
+                <a:cs typeface="Arial" panose="020B0604020202020204"/>
               </a:rPr>
               <a:t>Thank You !</a:t>
             </a:r>
@@ -13687,8 +13335,6 @@
                   <a:schemeClr val="bg1"/>
                 </a:solidFill>
                 <a:round/>
-                <a:headEnd/>
-                <a:tailEnd/>
               </a:ln>
               <a:gradFill rotWithShape="1">
                 <a:gsLst>
@@ -13708,8 +13354,8 @@
                   </a:srgbClr>
                 </a:outerShdw>
               </a:effectLst>
-              <a:latin typeface="Arial"/>
-              <a:cs typeface="Arial"/>
+              <a:latin typeface="Arial" panose="020B0604020202020204"/>
+              <a:cs typeface="Arial" panose="020B0604020202020204"/>
             </a:endParaRPr>
           </a:p>
         </p:txBody>
@@ -13743,7 +13389,7 @@
                             </p:stCondLst>
                             <p:childTnLst>
                               <p:par>
-                                <p:cTn id="5" presetID="53" presetClass="entr" presetSubtype="0" fill="hold" grpId="0" nodeType="afterEffect">
+                                <p:cTn id="5" presetID="53" presetClass="entr" presetSubtype="16" fill="hold" grpId="0" nodeType="afterEffect">
                                   <p:stCondLst>
                                     <p:cond delay="0"/>
                                   </p:stCondLst>
@@ -13886,14 +13532,13 @@
         </p:nvSpPr>
         <p:spPr>
           <a:xfrm>
-            <a:off x="6532563" y="6367463"/>
+            <a:off x="8056563" y="6367463"/>
             <a:ext cx="1905000" cy="457200"/>
           </a:xfrm>
           <a:prstGeom prst="rect">
             <a:avLst/>
           </a:prstGeom>
           <a:noFill/>
-          <a:ln/>
           <a:extLst>
             <a:ext uri="{909E8E84-426E-40DD-AFC4-6F175D3DCCD1}">
               <a14:hiddenFill xmlns:a14="http://schemas.microsoft.com/office/drawing/2010/main">
@@ -13922,8 +13567,8 @@
                 <a:solidFill>
                   <a:schemeClr val="tx1"/>
                 </a:solidFill>
-                <a:latin typeface="Times New Roman" pitchFamily="18" charset="0"/>
-                <a:ea typeface="宋体" pitchFamily="2" charset="-122"/>
+                <a:latin typeface="Times New Roman" panose="02020603050405020304" pitchFamily="18" charset="0"/>
+                <a:ea typeface="宋体" panose="02010600030101010101" pitchFamily="2" charset="-122"/>
               </a:defRPr>
             </a:lvl1pPr>
             <a:lvl2pPr marL="742950" indent="-285750" eaLnBrk="0" hangingPunct="0">
@@ -13931,8 +13576,8 @@
                 <a:solidFill>
                   <a:schemeClr val="tx1"/>
                 </a:solidFill>
-                <a:latin typeface="Times New Roman" pitchFamily="18" charset="0"/>
-                <a:ea typeface="宋体" pitchFamily="2" charset="-122"/>
+                <a:latin typeface="Times New Roman" panose="02020603050405020304" pitchFamily="18" charset="0"/>
+                <a:ea typeface="宋体" panose="02010600030101010101" pitchFamily="2" charset="-122"/>
               </a:defRPr>
             </a:lvl2pPr>
             <a:lvl3pPr marL="1143000" indent="-228600" eaLnBrk="0" hangingPunct="0">
@@ -13940,8 +13585,8 @@
                 <a:solidFill>
                   <a:schemeClr val="tx1"/>
                 </a:solidFill>
-                <a:latin typeface="Times New Roman" pitchFamily="18" charset="0"/>
-                <a:ea typeface="宋体" pitchFamily="2" charset="-122"/>
+                <a:latin typeface="Times New Roman" panose="02020603050405020304" pitchFamily="18" charset="0"/>
+                <a:ea typeface="宋体" panose="02010600030101010101" pitchFamily="2" charset="-122"/>
               </a:defRPr>
             </a:lvl3pPr>
             <a:lvl4pPr marL="1600200" indent="-228600" eaLnBrk="0" hangingPunct="0">
@@ -13949,8 +13594,8 @@
                 <a:solidFill>
                   <a:schemeClr val="tx1"/>
                 </a:solidFill>
-                <a:latin typeface="Times New Roman" pitchFamily="18" charset="0"/>
-                <a:ea typeface="宋体" pitchFamily="2" charset="-122"/>
+                <a:latin typeface="Times New Roman" panose="02020603050405020304" pitchFamily="18" charset="0"/>
+                <a:ea typeface="宋体" panose="02010600030101010101" pitchFamily="2" charset="-122"/>
               </a:defRPr>
             </a:lvl4pPr>
             <a:lvl5pPr marL="2057400" indent="-228600" eaLnBrk="0" hangingPunct="0">
@@ -13958,8 +13603,8 @@
                 <a:solidFill>
                   <a:schemeClr val="tx1"/>
                 </a:solidFill>
-                <a:latin typeface="Times New Roman" pitchFamily="18" charset="0"/>
-                <a:ea typeface="宋体" pitchFamily="2" charset="-122"/>
+                <a:latin typeface="Times New Roman" panose="02020603050405020304" pitchFamily="18" charset="0"/>
+                <a:ea typeface="宋体" panose="02010600030101010101" pitchFamily="2" charset="-122"/>
               </a:defRPr>
             </a:lvl5pPr>
             <a:lvl6pPr marL="2514600" indent="-228600" eaLnBrk="0" fontAlgn="base" hangingPunct="0">
@@ -13973,8 +13618,8 @@
                 <a:solidFill>
                   <a:schemeClr val="tx1"/>
                 </a:solidFill>
-                <a:latin typeface="Times New Roman" pitchFamily="18" charset="0"/>
-                <a:ea typeface="宋体" pitchFamily="2" charset="-122"/>
+                <a:latin typeface="Times New Roman" panose="02020603050405020304" pitchFamily="18" charset="0"/>
+                <a:ea typeface="宋体" panose="02010600030101010101" pitchFamily="2" charset="-122"/>
               </a:defRPr>
             </a:lvl6pPr>
             <a:lvl7pPr marL="2971800" indent="-228600" eaLnBrk="0" fontAlgn="base" hangingPunct="0">
@@ -13988,8 +13633,8 @@
                 <a:solidFill>
                   <a:schemeClr val="tx1"/>
                 </a:solidFill>
-                <a:latin typeface="Times New Roman" pitchFamily="18" charset="0"/>
-                <a:ea typeface="宋体" pitchFamily="2" charset="-122"/>
+                <a:latin typeface="Times New Roman" panose="02020603050405020304" pitchFamily="18" charset="0"/>
+                <a:ea typeface="宋体" panose="02010600030101010101" pitchFamily="2" charset="-122"/>
               </a:defRPr>
             </a:lvl7pPr>
             <a:lvl8pPr marL="3429000" indent="-228600" eaLnBrk="0" fontAlgn="base" hangingPunct="0">
@@ -14003,8 +13648,8 @@
                 <a:solidFill>
                   <a:schemeClr val="tx1"/>
                 </a:solidFill>
-                <a:latin typeface="Times New Roman" pitchFamily="18" charset="0"/>
-                <a:ea typeface="宋体" pitchFamily="2" charset="-122"/>
+                <a:latin typeface="Times New Roman" panose="02020603050405020304" pitchFamily="18" charset="0"/>
+                <a:ea typeface="宋体" panose="02010600030101010101" pitchFamily="2" charset="-122"/>
               </a:defRPr>
             </a:lvl8pPr>
             <a:lvl9pPr marL="3886200" indent="-228600" eaLnBrk="0" fontAlgn="base" hangingPunct="0">
@@ -14018,8 +13663,8 @@
                 <a:solidFill>
                   <a:schemeClr val="tx1"/>
                 </a:solidFill>
-                <a:latin typeface="Times New Roman" pitchFamily="18" charset="0"/>
-                <a:ea typeface="宋体" pitchFamily="2" charset="-122"/>
+                <a:latin typeface="Times New Roman" panose="02020603050405020304" pitchFamily="18" charset="0"/>
+                <a:ea typeface="宋体" panose="02010600030101010101" pitchFamily="2" charset="-122"/>
               </a:defRPr>
             </a:lvl9pPr>
           </a:lstStyle>
@@ -14027,8 +13672,6 @@
             <a:pPr eaLnBrk="1" hangingPunct="1"/>
             <a:fld id="{8BFB0108-EC45-45B8-B9E0-5664BA2771FC}" type="slidenum">
               <a:rPr kumimoji="0" lang="zh-CN" altLang="en-US" sz="1400" smtClean="0"/>
-              <a:pPr eaLnBrk="1" hangingPunct="1"/>
-              <a:t>4</a:t>
             </a:fld>
             <a:endParaRPr kumimoji="0" lang="en-US" altLang="zh-CN" sz="1400"/>
           </a:p>
@@ -14046,8 +13689,8 @@
         </p:nvSpPr>
         <p:spPr>
           <a:xfrm>
-            <a:off x="685800" y="1500188"/>
-            <a:ext cx="7772400" cy="5143500"/>
+            <a:off x="400050" y="1500505"/>
+            <a:ext cx="9582150" cy="5143500"/>
           </a:xfrm>
         </p:spPr>
         <p:txBody>
@@ -14064,8 +13707,8 @@
                 <a:solidFill>
                   <a:srgbClr val="000000"/>
                 </a:solidFill>
-                <a:latin typeface="微软雅黑" pitchFamily="34" charset="-122"/>
-                <a:ea typeface="微软雅黑" pitchFamily="34" charset="-122"/>
+                <a:latin typeface="微软雅黑" panose="020B0503020204020204" pitchFamily="34" charset="-122"/>
+                <a:ea typeface="微软雅黑" panose="020B0503020204020204" pitchFamily="34" charset="-122"/>
               </a:rPr>
               <a:t>史蒂芬.柯维(</a:t>
             </a:r>
@@ -14074,8 +13717,8 @@
                 <a:solidFill>
                   <a:srgbClr val="000000"/>
                 </a:solidFill>
-                <a:latin typeface="微软雅黑" pitchFamily="34" charset="-122"/>
-                <a:ea typeface="微软雅黑" pitchFamily="34" charset="-122"/>
+                <a:latin typeface="微软雅黑" panose="020B0503020204020204" pitchFamily="34" charset="-122"/>
+                <a:ea typeface="微软雅黑" panose="020B0503020204020204" pitchFamily="34" charset="-122"/>
               </a:rPr>
               <a:t>Stephen </a:t>
             </a:r>
@@ -14084,8 +13727,8 @@
                 <a:solidFill>
                   <a:srgbClr val="000000"/>
                 </a:solidFill>
-                <a:latin typeface="微软雅黑" pitchFamily="34" charset="-122"/>
-                <a:ea typeface="微软雅黑" pitchFamily="34" charset="-122"/>
+                <a:latin typeface="微软雅黑" panose="020B0503020204020204" pitchFamily="34" charset="-122"/>
+                <a:ea typeface="微软雅黑" panose="020B0503020204020204" pitchFamily="34" charset="-122"/>
               </a:rPr>
               <a:t>R.covey</a:t>
             </a:r>
@@ -14094,11 +13737,18 @@
                 <a:solidFill>
                   <a:srgbClr val="000000"/>
                 </a:solidFill>
-                <a:latin typeface="微软雅黑" pitchFamily="34" charset="-122"/>
-                <a:ea typeface="微软雅黑" pitchFamily="34" charset="-122"/>
+                <a:latin typeface="微软雅黑" panose="020B0503020204020204" pitchFamily="34" charset="-122"/>
+                <a:ea typeface="微软雅黑" panose="020B0503020204020204" pitchFamily="34" charset="-122"/>
               </a:rPr>
               <a:t>)</a:t>
             </a:r>
+            <a:endParaRPr lang="en-US" altLang="zh-CN" sz="2400" b="1" dirty="0">
+              <a:solidFill>
+                <a:srgbClr val="000000"/>
+              </a:solidFill>
+              <a:latin typeface="微软雅黑" panose="020B0503020204020204" pitchFamily="34" charset="-122"/>
+              <a:ea typeface="微软雅黑" panose="020B0503020204020204" pitchFamily="34" charset="-122"/>
+            </a:endParaRPr>
           </a:p>
           <a:p>
             <a:pPr lvl="1" eaLnBrk="1" hangingPunct="1">
@@ -14106,19 +13756,26 @@
                 <a:spcPct val="90000"/>
               </a:lnSpc>
               <a:buSzTx/>
-              <a:buFont typeface="Wingdings" pitchFamily="2" charset="2"/>
+              <a:buFont typeface="Wingdings" panose="05000000000000000000" pitchFamily="2" charset="2"/>
               <a:buChar char="§"/>
             </a:pPr>
             <a:r>
-              <a:rPr lang="zh-CN" altLang="en-US" sz="2000" b="1" dirty="0">
+              <a:rPr lang="zh-CN" altLang="en-US" sz="1800" b="1" dirty="0">
                 <a:solidFill>
                   <a:srgbClr val="000000"/>
                 </a:solidFill>
-                <a:latin typeface="微软雅黑" pitchFamily="34" charset="-122"/>
-                <a:ea typeface="微软雅黑" pitchFamily="34" charset="-122"/>
+                <a:latin typeface="微软雅黑" panose="020B0503020204020204" pitchFamily="34" charset="-122"/>
+                <a:ea typeface="微软雅黑" panose="020B0503020204020204" pitchFamily="34" charset="-122"/>
               </a:rPr>
               <a:t>他被誉为“思想巨匠”、“人类潜能的导师”，并入选影响美国历史进程的25位人物之一。</a:t>
             </a:r>
+            <a:endParaRPr lang="zh-CN" altLang="en-US" sz="1800" b="1" dirty="0">
+              <a:solidFill>
+                <a:srgbClr val="000000"/>
+              </a:solidFill>
+              <a:latin typeface="微软雅黑" panose="020B0503020204020204" pitchFamily="34" charset="-122"/>
+              <a:ea typeface="微软雅黑" panose="020B0503020204020204" pitchFamily="34" charset="-122"/>
+            </a:endParaRPr>
           </a:p>
           <a:p>
             <a:pPr lvl="1" eaLnBrk="1" hangingPunct="1">
@@ -14126,19 +13783,26 @@
                 <a:spcPct val="90000"/>
               </a:lnSpc>
               <a:buSzTx/>
-              <a:buFont typeface="Wingdings" pitchFamily="2" charset="2"/>
+              <a:buFont typeface="Wingdings" panose="05000000000000000000" pitchFamily="2" charset="2"/>
               <a:buChar char="§"/>
             </a:pPr>
             <a:r>
-              <a:rPr lang="zh-CN" altLang="en-US" sz="2000" b="1" dirty="0">
+              <a:rPr lang="zh-CN" altLang="en-US" sz="1800" b="1" dirty="0">
                 <a:solidFill>
                   <a:srgbClr val="000000"/>
                 </a:solidFill>
-                <a:latin typeface="微软雅黑" pitchFamily="34" charset="-122"/>
-                <a:ea typeface="微软雅黑" pitchFamily="34" charset="-122"/>
+                <a:latin typeface="微软雅黑" panose="020B0503020204020204" pitchFamily="34" charset="-122"/>
+                <a:ea typeface="微软雅黑" panose="020B0503020204020204" pitchFamily="34" charset="-122"/>
               </a:rPr>
               <a:t>他是一位赢得国际声望的领导才能权威和导师，也是柯维领导才能中心的创始人。</a:t>
             </a:r>
+            <a:endParaRPr lang="zh-CN" altLang="en-US" sz="1800" b="1" dirty="0">
+              <a:solidFill>
+                <a:srgbClr val="000000"/>
+              </a:solidFill>
+              <a:latin typeface="微软雅黑" panose="020B0503020204020204" pitchFamily="34" charset="-122"/>
+              <a:ea typeface="微软雅黑" panose="020B0503020204020204" pitchFamily="34" charset="-122"/>
+            </a:endParaRPr>
           </a:p>
           <a:p>
             <a:pPr lvl="1" eaLnBrk="1" hangingPunct="1">
@@ -14146,19 +13810,26 @@
                 <a:spcPct val="90000"/>
               </a:lnSpc>
               <a:buSzTx/>
-              <a:buFont typeface="Wingdings" pitchFamily="2" charset="2"/>
+              <a:buFont typeface="Wingdings" panose="05000000000000000000" pitchFamily="2" charset="2"/>
               <a:buChar char="§"/>
             </a:pPr>
             <a:r>
-              <a:rPr lang="zh-CN" altLang="en-US" sz="2000" b="1" dirty="0">
+              <a:rPr lang="zh-CN" altLang="en-US" sz="1800" b="1" dirty="0">
                 <a:solidFill>
                   <a:srgbClr val="000000"/>
                 </a:solidFill>
-                <a:latin typeface="微软雅黑" pitchFamily="34" charset="-122"/>
-                <a:ea typeface="微软雅黑" pitchFamily="34" charset="-122"/>
+                <a:latin typeface="微软雅黑" panose="020B0503020204020204" pitchFamily="34" charset="-122"/>
+                <a:ea typeface="微软雅黑" panose="020B0503020204020204" pitchFamily="34" charset="-122"/>
               </a:rPr>
               <a:t>他是世界500强企业众望所归的新智慧学家，是美国家喻户晓的启蒙家。</a:t>
             </a:r>
+            <a:endParaRPr lang="zh-CN" altLang="en-US" sz="2000" b="1" dirty="0">
+              <a:solidFill>
+                <a:srgbClr val="000000"/>
+              </a:solidFill>
+              <a:latin typeface="微软雅黑" panose="020B0503020204020204" pitchFamily="34" charset="-122"/>
+              <a:ea typeface="微软雅黑" panose="020B0503020204020204" pitchFamily="34" charset="-122"/>
+            </a:endParaRPr>
           </a:p>
           <a:p>
             <a:pPr eaLnBrk="1" hangingPunct="1">
@@ -14171,11 +13842,18 @@
                 <a:solidFill>
                   <a:srgbClr val="000000"/>
                 </a:solidFill>
-                <a:latin typeface="微软雅黑" pitchFamily="34" charset="-122"/>
-                <a:ea typeface="微软雅黑" pitchFamily="34" charset="-122"/>
+                <a:latin typeface="微软雅黑" panose="020B0503020204020204" pitchFamily="34" charset="-122"/>
+                <a:ea typeface="微软雅黑" panose="020B0503020204020204" pitchFamily="34" charset="-122"/>
               </a:rPr>
               <a:t>关于本书</a:t>
             </a:r>
+            <a:endParaRPr lang="zh-CN" altLang="en-US" sz="2400" b="1" dirty="0">
+              <a:solidFill>
+                <a:srgbClr val="000000"/>
+              </a:solidFill>
+              <a:latin typeface="微软雅黑" panose="020B0503020204020204" pitchFamily="34" charset="-122"/>
+              <a:ea typeface="微软雅黑" panose="020B0503020204020204" pitchFamily="34" charset="-122"/>
+            </a:endParaRPr>
           </a:p>
           <a:p>
             <a:pPr lvl="1" eaLnBrk="1" hangingPunct="1">
@@ -14183,64 +13861,54 @@
                 <a:spcPct val="90000"/>
               </a:lnSpc>
               <a:buSzTx/>
-              <a:buFont typeface="Wingdings" pitchFamily="2" charset="2"/>
+              <a:buFont typeface="Wingdings" panose="05000000000000000000" pitchFamily="2" charset="2"/>
               <a:buChar char="§"/>
             </a:pPr>
             <a:r>
-              <a:rPr lang="zh-CN" altLang="en-US" sz="2000" b="1" dirty="0">
+              <a:rPr lang="zh-CN" altLang="en-US" sz="1800" b="1" dirty="0">
                 <a:solidFill>
                   <a:srgbClr val="000000"/>
                 </a:solidFill>
-                <a:latin typeface="微软雅黑" pitchFamily="34" charset="-122"/>
-                <a:ea typeface="微软雅黑" pitchFamily="34" charset="-122"/>
+                <a:latin typeface="微软雅黑" panose="020B0503020204020204" pitchFamily="34" charset="-122"/>
+                <a:ea typeface="微软雅黑" panose="020B0503020204020204" pitchFamily="34" charset="-122"/>
               </a:rPr>
               <a:t>高居美国畅销书排行榜长达七年，在全球以</a:t>
             </a:r>
-            <a:r>
-              <a:rPr lang="en-US" altLang="zh-CN" sz="2000" b="1" dirty="0">
+            <a:br>
+              <a:rPr lang="en-US" altLang="zh-CN" sz="1800" b="1" dirty="0">
                 <a:solidFill>
                   <a:srgbClr val="000000"/>
                 </a:solidFill>
-                <a:latin typeface="微软雅黑" pitchFamily="34" charset="-122"/>
-                <a:ea typeface="微软雅黑" pitchFamily="34" charset="-122"/>
+                <a:latin typeface="微软雅黑" panose="020B0503020204020204" pitchFamily="34" charset="-122"/>
+                <a:ea typeface="微软雅黑" panose="020B0503020204020204" pitchFamily="34" charset="-122"/>
               </a:rPr>
-              <a:t/>
-            </a:r>
-            <a:br>
-              <a:rPr lang="en-US" altLang="zh-CN" sz="2000" b="1" dirty="0">
+            </a:br>
+            <a:r>
+              <a:rPr lang="en-US" altLang="zh-CN" sz="1800" b="1" dirty="0">
                 <a:solidFill>
                   <a:srgbClr val="000000"/>
                 </a:solidFill>
-                <a:latin typeface="微软雅黑" pitchFamily="34" charset="-122"/>
-                <a:ea typeface="微软雅黑" pitchFamily="34" charset="-122"/>
+                <a:latin typeface="微软雅黑" panose="020B0503020204020204" pitchFamily="34" charset="-122"/>
+                <a:ea typeface="微软雅黑" panose="020B0503020204020204" pitchFamily="34" charset="-122"/>
               </a:rPr>
-            </a:br>
-            <a:r>
-              <a:rPr lang="en-US" altLang="zh-CN" sz="2000" b="1" dirty="0">
+              <a:t>32</a:t>
+            </a:r>
+            <a:r>
+              <a:rPr lang="zh-CN" altLang="en-US" sz="1800" b="1" dirty="0">
                 <a:solidFill>
                   <a:srgbClr val="000000"/>
                 </a:solidFill>
-                <a:latin typeface="微软雅黑" pitchFamily="34" charset="-122"/>
-                <a:ea typeface="微软雅黑" pitchFamily="34" charset="-122"/>
-              </a:rPr>
-              <a:t>32</a:t>
-            </a:r>
-            <a:r>
-              <a:rPr lang="zh-CN" altLang="en-US" sz="2000" b="1" dirty="0">
-                <a:solidFill>
-                  <a:srgbClr val="000000"/>
-                </a:solidFill>
-                <a:latin typeface="微软雅黑" pitchFamily="34" charset="-122"/>
-                <a:ea typeface="微软雅黑" pitchFamily="34" charset="-122"/>
+                <a:latin typeface="微软雅黑" panose="020B0503020204020204" pitchFamily="34" charset="-122"/>
+                <a:ea typeface="微软雅黑" panose="020B0503020204020204" pitchFamily="34" charset="-122"/>
               </a:rPr>
               <a:t>种语言发行共超过一亿册</a:t>
             </a:r>
-            <a:endParaRPr lang="en-US" altLang="zh-CN" sz="2000" b="1" dirty="0">
+            <a:endParaRPr lang="en-US" altLang="zh-CN" sz="1800" b="1" dirty="0">
               <a:solidFill>
                 <a:srgbClr val="000000"/>
               </a:solidFill>
-              <a:latin typeface="微软雅黑" pitchFamily="34" charset="-122"/>
-              <a:ea typeface="微软雅黑" pitchFamily="34" charset="-122"/>
+              <a:latin typeface="微软雅黑" panose="020B0503020204020204" pitchFamily="34" charset="-122"/>
+              <a:ea typeface="微软雅黑" panose="020B0503020204020204" pitchFamily="34" charset="-122"/>
             </a:endParaRPr>
           </a:p>
           <a:p>
@@ -14249,19 +13917,26 @@
                 <a:spcPct val="90000"/>
               </a:lnSpc>
               <a:buSzTx/>
-              <a:buFont typeface="Wingdings" pitchFamily="2" charset="2"/>
+              <a:buFont typeface="Wingdings" panose="05000000000000000000" pitchFamily="2" charset="2"/>
               <a:buChar char="§"/>
             </a:pPr>
             <a:r>
-              <a:rPr lang="zh-CN" altLang="en-US" sz="2000" b="1" dirty="0">
+              <a:rPr lang="zh-CN" altLang="en-US" sz="1800" b="1" dirty="0">
                 <a:solidFill>
                   <a:srgbClr val="000000"/>
                 </a:solidFill>
-                <a:latin typeface="微软雅黑" pitchFamily="34" charset="-122"/>
-                <a:ea typeface="微软雅黑" pitchFamily="34" charset="-122"/>
+                <a:latin typeface="微软雅黑" panose="020B0503020204020204" pitchFamily="34" charset="-122"/>
+                <a:ea typeface="微软雅黑" panose="020B0503020204020204" pitchFamily="34" charset="-122"/>
               </a:rPr>
               <a:t>美国公司员工人手一册的书</a:t>
             </a:r>
+            <a:endParaRPr lang="zh-CN" altLang="en-US" sz="1800" b="1" dirty="0">
+              <a:solidFill>
+                <a:srgbClr val="000000"/>
+              </a:solidFill>
+              <a:latin typeface="微软雅黑" panose="020B0503020204020204" pitchFamily="34" charset="-122"/>
+              <a:ea typeface="微软雅黑" panose="020B0503020204020204" pitchFamily="34" charset="-122"/>
+            </a:endParaRPr>
           </a:p>
           <a:p>
             <a:pPr lvl="1" eaLnBrk="1" hangingPunct="1">
@@ -14269,19 +13944,26 @@
                 <a:spcPct val="90000"/>
               </a:lnSpc>
               <a:buSzTx/>
-              <a:buFont typeface="Wingdings" pitchFamily="2" charset="2"/>
+              <a:buFont typeface="Wingdings" panose="05000000000000000000" pitchFamily="2" charset="2"/>
               <a:buChar char="§"/>
             </a:pPr>
             <a:r>
-              <a:rPr lang="zh-CN" altLang="en-US" sz="2000" b="1" dirty="0">
+              <a:rPr lang="zh-CN" altLang="en-US" sz="1800" b="1" dirty="0">
                 <a:solidFill>
                   <a:srgbClr val="000000"/>
                 </a:solidFill>
-                <a:latin typeface="微软雅黑" pitchFamily="34" charset="-122"/>
-                <a:ea typeface="微软雅黑" pitchFamily="34" charset="-122"/>
+                <a:latin typeface="微软雅黑" panose="020B0503020204020204" pitchFamily="34" charset="-122"/>
+                <a:ea typeface="微软雅黑" panose="020B0503020204020204" pitchFamily="34" charset="-122"/>
               </a:rPr>
               <a:t>美国政府机关公务员人手一册的书</a:t>
             </a:r>
+            <a:endParaRPr lang="zh-CN" altLang="en-US" sz="1800" b="1" dirty="0">
+              <a:solidFill>
+                <a:srgbClr val="000000"/>
+              </a:solidFill>
+              <a:latin typeface="微软雅黑" panose="020B0503020204020204" pitchFamily="34" charset="-122"/>
+              <a:ea typeface="微软雅黑" panose="020B0503020204020204" pitchFamily="34" charset="-122"/>
+            </a:endParaRPr>
           </a:p>
           <a:p>
             <a:pPr lvl="1" eaLnBrk="1" hangingPunct="1">
@@ -14289,25 +13971,25 @@
                 <a:spcPct val="90000"/>
               </a:lnSpc>
               <a:buSzTx/>
-              <a:buFont typeface="Wingdings" pitchFamily="2" charset="2"/>
+              <a:buFont typeface="Wingdings" panose="05000000000000000000" pitchFamily="2" charset="2"/>
               <a:buChar char="§"/>
             </a:pPr>
             <a:r>
-              <a:rPr lang="zh-CN" altLang="en-US" sz="2000" b="1" dirty="0">
+              <a:rPr lang="zh-CN" altLang="en-US" sz="1800" b="1" dirty="0">
                 <a:solidFill>
                   <a:srgbClr val="000000"/>
                 </a:solidFill>
-                <a:latin typeface="微软雅黑" pitchFamily="34" charset="-122"/>
-                <a:ea typeface="微软雅黑" pitchFamily="34" charset="-122"/>
+                <a:latin typeface="微软雅黑" panose="020B0503020204020204" pitchFamily="34" charset="-122"/>
+                <a:ea typeface="微软雅黑" panose="020B0503020204020204" pitchFamily="34" charset="-122"/>
               </a:rPr>
               <a:t>美国军队官兵人手一册的书</a:t>
             </a:r>
-            <a:endParaRPr lang="en-US" altLang="zh-CN" sz="2000" b="1" dirty="0">
+            <a:endParaRPr lang="en-US" altLang="zh-CN" sz="1800" b="1" dirty="0">
               <a:solidFill>
                 <a:srgbClr val="000000"/>
               </a:solidFill>
-              <a:latin typeface="微软雅黑" pitchFamily="34" charset="-122"/>
-              <a:ea typeface="微软雅黑" pitchFamily="34" charset="-122"/>
+              <a:latin typeface="微软雅黑" panose="020B0503020204020204" pitchFamily="34" charset="-122"/>
+              <a:ea typeface="微软雅黑" panose="020B0503020204020204" pitchFamily="34" charset="-122"/>
             </a:endParaRPr>
           </a:p>
           <a:p>
@@ -14316,49 +13998,56 @@
                 <a:spcPct val="90000"/>
               </a:lnSpc>
               <a:buSzTx/>
-              <a:buFont typeface="Wingdings" pitchFamily="2" charset="2"/>
+              <a:buFont typeface="Wingdings" panose="05000000000000000000" pitchFamily="2" charset="2"/>
               <a:buChar char="§"/>
             </a:pPr>
             <a:r>
-              <a:rPr lang="zh-CN" altLang="en-US" sz="2000" b="1" dirty="0">
+              <a:rPr lang="zh-CN" altLang="en-US" sz="1800" b="1" dirty="0">
                 <a:solidFill>
                   <a:srgbClr val="000000"/>
                 </a:solidFill>
-                <a:latin typeface="微软雅黑" pitchFamily="34" charset="-122"/>
-                <a:ea typeface="微软雅黑" pitchFamily="34" charset="-122"/>
+                <a:latin typeface="微软雅黑" panose="020B0503020204020204" pitchFamily="34" charset="-122"/>
+                <a:ea typeface="微软雅黑" panose="020B0503020204020204" pitchFamily="34" charset="-122"/>
               </a:rPr>
               <a:t>在美国，此书影响力仅次于</a:t>
             </a:r>
             <a:r>
-              <a:rPr lang="en-US" altLang="zh-CN" sz="2000" b="1" dirty="0">
+              <a:rPr lang="en-US" altLang="zh-CN" sz="1800" b="1" dirty="0">
                 <a:solidFill>
                   <a:srgbClr val="000000"/>
                 </a:solidFill>
-                <a:latin typeface="微软雅黑" pitchFamily="34" charset="-122"/>
-                <a:ea typeface="微软雅黑" pitchFamily="34" charset="-122"/>
+                <a:latin typeface="微软雅黑" panose="020B0503020204020204" pitchFamily="34" charset="-122"/>
+                <a:ea typeface="微软雅黑" panose="020B0503020204020204" pitchFamily="34" charset="-122"/>
               </a:rPr>
               <a:t>《</a:t>
             </a:r>
             <a:r>
-              <a:rPr lang="zh-CN" altLang="en-US" sz="2000" b="1" dirty="0">
+              <a:rPr lang="zh-CN" altLang="en-US" sz="1800" b="1" dirty="0">
                 <a:solidFill>
                   <a:srgbClr val="000000"/>
                 </a:solidFill>
-                <a:latin typeface="微软雅黑" pitchFamily="34" charset="-122"/>
-                <a:ea typeface="微软雅黑" pitchFamily="34" charset="-122"/>
+                <a:latin typeface="微软雅黑" panose="020B0503020204020204" pitchFamily="34" charset="-122"/>
+                <a:ea typeface="微软雅黑" panose="020B0503020204020204" pitchFamily="34" charset="-122"/>
               </a:rPr>
               <a:t>圣经</a:t>
             </a:r>
             <a:r>
-              <a:rPr lang="en-US" altLang="zh-CN" sz="2000" b="1" dirty="0">
+              <a:rPr lang="en-US" altLang="zh-CN" sz="1800" b="1" dirty="0">
                 <a:solidFill>
                   <a:srgbClr val="000000"/>
                 </a:solidFill>
-                <a:latin typeface="微软雅黑" pitchFamily="34" charset="-122"/>
-                <a:ea typeface="微软雅黑" pitchFamily="34" charset="-122"/>
+                <a:latin typeface="微软雅黑" panose="020B0503020204020204" pitchFamily="34" charset="-122"/>
+                <a:ea typeface="微软雅黑" panose="020B0503020204020204" pitchFamily="34" charset="-122"/>
               </a:rPr>
               <a:t>》</a:t>
             </a:r>
+            <a:endParaRPr lang="en-US" altLang="zh-CN" sz="2000" b="1" dirty="0">
+              <a:solidFill>
+                <a:srgbClr val="000000"/>
+              </a:solidFill>
+              <a:latin typeface="微软雅黑" panose="020B0503020204020204" pitchFamily="34" charset="-122"/>
+              <a:ea typeface="微软雅黑" panose="020B0503020204020204" pitchFamily="34" charset="-122"/>
+            </a:endParaRPr>
           </a:p>
           <a:p>
             <a:pPr lvl="1" eaLnBrk="1" hangingPunct="1">
@@ -14366,15 +14055,15 @@
                 <a:spcPct val="90000"/>
               </a:lnSpc>
               <a:buSzTx/>
-              <a:buFont typeface="Wingdings" pitchFamily="2" charset="2"/>
+              <a:buFont typeface="Wingdings" panose="05000000000000000000" pitchFamily="2" charset="2"/>
               <a:buChar char="§"/>
             </a:pPr>
             <a:endParaRPr lang="zh-CN" altLang="en-US" sz="2000" b="1" dirty="0">
               <a:solidFill>
                 <a:srgbClr val="000000"/>
               </a:solidFill>
-              <a:latin typeface="微软雅黑" pitchFamily="34" charset="-122"/>
-              <a:ea typeface="微软雅黑" pitchFamily="34" charset="-122"/>
+              <a:latin typeface="微软雅黑" panose="020B0503020204020204" pitchFamily="34" charset="-122"/>
+              <a:ea typeface="微软雅黑" panose="020B0503020204020204" pitchFamily="34" charset="-122"/>
             </a:endParaRPr>
           </a:p>
         </p:txBody>
@@ -14388,7 +14077,7 @@
           <p:nvPr/>
         </p:nvPicPr>
         <p:blipFill>
-          <a:blip r:embed="rId3">
+          <a:blip r:embed="rId1">
             <a:extLst>
               <a:ext uri="{28A0092B-C50C-407E-A947-70E740481C1C}">
                 <a14:useLocalDpi xmlns:a14="http://schemas.microsoft.com/office/drawing/2010/main" val="0"/>
@@ -14402,7 +14091,7 @@
         </p:blipFill>
         <p:spPr bwMode="auto">
           <a:xfrm>
-            <a:off x="6858000" y="76200"/>
+            <a:off x="8152130" y="76200"/>
             <a:ext cx="1714500" cy="1852613"/>
           </a:xfrm>
           <a:prstGeom prst="rect">
@@ -14442,7 +14131,7 @@
           <p:nvPr/>
         </p:nvPicPr>
         <p:blipFill>
-          <a:blip r:embed="rId4">
+          <a:blip r:embed="rId2">
             <a:extLst>
               <a:ext uri="{28A0092B-C50C-407E-A947-70E740481C1C}">
                 <a14:useLocalDpi xmlns:a14="http://schemas.microsoft.com/office/drawing/2010/main" val="0"/>
@@ -14456,7 +14145,7 @@
         </p:blipFill>
         <p:spPr bwMode="auto">
           <a:xfrm>
-            <a:off x="6786563" y="3857625"/>
+            <a:off x="8151813" y="3434715"/>
             <a:ext cx="1881187" cy="2786063"/>
           </a:xfrm>
           <a:prstGeom prst="rect">
@@ -14507,11 +14196,6 @@
         </p:txBody>
       </p:sp>
     </p:spTree>
-    <p:extLst>
-      <p:ext uri="{BB962C8B-B14F-4D97-AF65-F5344CB8AC3E}">
-        <p14:creationId xmlns:p14="http://schemas.microsoft.com/office/powerpoint/2010/main" val="3651793039"/>
-      </p:ext>
-    </p:extLst>
   </p:cSld>
   <p:clrMapOvr>
     <a:masterClrMapping/>
@@ -14525,13 +14209,13 @@
               <p:cTn id="2" dur="indefinite" nodeType="mainSeq">
                 <p:childTnLst>
                   <p:par>
-                    <p:cTn id="3" fill="hold" nodeType="clickPar">
+                    <p:cTn id="3" fill="hold">
                       <p:stCondLst>
                         <p:cond delay="indefinite"/>
                       </p:stCondLst>
                       <p:childTnLst>
                         <p:par>
-                          <p:cTn id="4" fill="hold" nodeType="withGroup">
+                          <p:cTn id="4" fill="hold">
                             <p:stCondLst>
                               <p:cond delay="0"/>
                             </p:stCondLst>
@@ -14918,13 +14602,13 @@
                     </p:cTn>
                   </p:par>
                   <p:par>
-                    <p:cTn id="24" fill="hold" nodeType="clickPar">
+                    <p:cTn id="24" fill="hold">
                       <p:stCondLst>
                         <p:cond delay="indefinite"/>
                       </p:stCondLst>
                       <p:childTnLst>
                         <p:par>
-                          <p:cTn id="25" fill="hold" nodeType="withGroup">
+                          <p:cTn id="25" fill="hold">
                             <p:stCondLst>
                               <p:cond delay="0"/>
                             </p:stCondLst>
@@ -15541,6 +15225,7 @@
               <a:rPr lang="zh-CN" altLang="en-US" dirty="0"/>
               <a:t>高效能认识的七个习惯</a:t>
             </a:r>
+            <a:endParaRPr lang="zh-CN" altLang="en-US" dirty="0"/>
           </a:p>
         </p:txBody>
       </p:sp>
@@ -15633,15 +15318,11 @@
               <a:rPr lang="zh-CN" altLang="en-US" dirty="0"/>
               <a:t>不断更新</a:t>
             </a:r>
+            <a:endParaRPr lang="zh-CN" altLang="en-US" dirty="0"/>
           </a:p>
         </p:txBody>
       </p:sp>
     </p:spTree>
-    <p:extLst>
-      <p:ext uri="{BB962C8B-B14F-4D97-AF65-F5344CB8AC3E}">
-        <p14:creationId xmlns:p14="http://schemas.microsoft.com/office/powerpoint/2010/main" val="2075741763"/>
-      </p:ext>
-    </p:extLst>
   </p:cSld>
   <p:clrMapOvr>
     <a:masterClrMapping/>
@@ -15700,16 +15381,10 @@
           <a:ln w="9525">
             <a:noFill/>
             <a:miter lim="800000"/>
-            <a:headEnd/>
-            <a:tailEnd/>
           </a:ln>
         </p:spPr>
         <p:txBody>
-          <a:bodyPr vert="horz" wrap="square" lIns="0" tIns="0" rIns="0" bIns="0" numCol="1" anchor="t" anchorCtr="0" compatLnSpc="1">
-            <a:prstTxWarp prst="textNoShape">
-              <a:avLst/>
-            </a:prstTxWarp>
-          </a:bodyPr>
+          <a:bodyPr vert="horz" wrap="square" lIns="0" tIns="0" rIns="0" bIns="0" numCol="1" anchor="t" anchorCtr="0" compatLnSpc="1"/>
           <a:lstStyle/>
           <a:p>
             <a:pPr eaLnBrk="1" hangingPunct="1">
@@ -15736,7 +15411,7 @@
               <a:lnSpc>
                 <a:spcPct val="150000"/>
               </a:lnSpc>
-              <a:buFont typeface="Wingdings" pitchFamily="2" charset="2"/>
+              <a:buFont typeface="Wingdings" panose="05000000000000000000" pitchFamily="2" charset="2"/>
               <a:buChar char="§"/>
             </a:pPr>
             <a:r>
@@ -15811,6 +15486,11 @@
               </a:rPr>
               <a:t>总裁论坛特邀讲师。</a:t>
             </a:r>
+            <a:endParaRPr lang="zh-CN" altLang="en-US" sz="2000" b="1" dirty="0">
+              <a:solidFill>
+                <a:srgbClr val="000000"/>
+              </a:solidFill>
+            </a:endParaRPr>
           </a:p>
           <a:p>
             <a:pPr eaLnBrk="1" hangingPunct="1">
@@ -15835,7 +15515,7 @@
           <p:nvPr/>
         </p:nvPicPr>
         <p:blipFill>
-          <a:blip r:embed="rId2">
+          <a:blip r:embed="rId1">
             <a:extLst>
               <a:ext uri="{28A0092B-C50C-407E-A947-70E740481C1C}">
                 <a14:useLocalDpi xmlns:a14="http://schemas.microsoft.com/office/drawing/2010/main" val="0"/>
@@ -15849,7 +15529,7 @@
         </p:blipFill>
         <p:spPr bwMode="auto">
           <a:xfrm>
-            <a:off x="7249885" y="72602"/>
+            <a:off x="8773885" y="72602"/>
             <a:ext cx="1436914" cy="1897811"/>
           </a:xfrm>
           <a:prstGeom prst="rect">
@@ -15891,11 +15571,6 @@
         </p:spPr>
       </p:pic>
     </p:spTree>
-    <p:extLst>
-      <p:ext uri="{BB962C8B-B14F-4D97-AF65-F5344CB8AC3E}">
-        <p14:creationId xmlns:p14="http://schemas.microsoft.com/office/powerpoint/2010/main" val="1010749680"/>
-      </p:ext>
-    </p:extLst>
   </p:cSld>
   <p:clrMapOvr>
     <a:masterClrMapping/>
@@ -15939,6 +15614,7 @@
               <a:rPr lang="zh-CN" altLang="en-US" dirty="0"/>
               <a:t>职业道德</a:t>
             </a:r>
+            <a:endParaRPr lang="zh-CN" altLang="en-US" dirty="0"/>
           </a:p>
         </p:txBody>
       </p:sp>
@@ -16020,19 +15696,19 @@
             </a:r>
             <a:r>
               <a:rPr lang="en-US" altLang="zh-CN" sz="2400" dirty="0">
-                <a:hlinkClick r:id="rId2" action="ppaction://hlinkfile"/>
+                <a:hlinkClick r:id="rId1" action="ppaction://hlinkfile"/>
               </a:rPr>
               <a:t>《PMI</a:t>
             </a:r>
             <a:r>
               <a:rPr lang="zh-CN" altLang="en-US" sz="2400" dirty="0">
-                <a:hlinkClick r:id="rId2" action="ppaction://hlinkfile"/>
+                <a:hlinkClick r:id="rId1" action="ppaction://hlinkfile"/>
               </a:rPr>
               <a:t>道德与专业行为准则</a:t>
             </a:r>
             <a:r>
               <a:rPr lang="en-US" altLang="zh-CN" sz="2400" dirty="0">
-                <a:hlinkClick r:id="rId2" action="ppaction://hlinkfile"/>
+                <a:hlinkClick r:id="rId1" action="ppaction://hlinkfile"/>
               </a:rPr>
               <a:t>》(PMI Code Of Ethics and Professional Conduct)</a:t>
             </a:r>
@@ -16107,7 +15783,7 @@
           <p:nvPr/>
         </p:nvPicPr>
         <p:blipFill>
-          <a:blip r:embed="rId3"/>
+          <a:blip r:embed="rId1"/>
           <a:srcRect/>
           <a:stretch>
             <a:fillRect/>
@@ -16115,7 +15791,7 @@
         </p:blipFill>
         <p:spPr bwMode="auto">
           <a:xfrm>
-            <a:off x="7315200" y="5105400"/>
+            <a:off x="8839200" y="5105400"/>
             <a:ext cx="1524000" cy="1524000"/>
           </a:xfrm>
           <a:prstGeom prst="rect">
@@ -16136,8 +15812,8 @@
         </p:nvSpPr>
         <p:spPr>
           <a:xfrm>
-            <a:off x="304800" y="1507689"/>
-            <a:ext cx="8382000" cy="5410200"/>
+            <a:off x="578485" y="1507490"/>
+            <a:ext cx="9632315" cy="5410200"/>
           </a:xfrm>
         </p:spPr>
         <p:txBody>
@@ -16146,40 +15822,40 @@
           <a:p>
             <a:r>
               <a:rPr lang="zh-CN" altLang="en-US" sz="2400" dirty="0">
-                <a:latin typeface="Arial" charset="0"/>
+                <a:latin typeface="Arial" panose="020B0604020202020204" pitchFamily="34" charset="0"/>
               </a:rPr>
               <a:t>哈瑞是公司最近几年最受欢迎和最成功的项目经理，在公司 和行业内拥有技能高超的名声。当他离开公司，为你们的主要竞争对手工作时，人们感到震惊，但很快也就淡忘了。几个月后，他来电话要求你给一个在</a:t>
             </a:r>
             <a:r>
               <a:rPr lang="en-US" altLang="zh-CN" sz="2400" dirty="0">
-                <a:latin typeface="Arial" charset="0"/>
+                <a:latin typeface="Arial" panose="020B0604020202020204" pitchFamily="34" charset="0"/>
               </a:rPr>
               <a:t>MCC</a:t>
             </a:r>
             <a:r>
               <a:rPr lang="zh-CN" altLang="en-US" sz="2400" dirty="0">
-                <a:latin typeface="Arial" charset="0"/>
+                <a:latin typeface="Arial" panose="020B0604020202020204" pitchFamily="34" charset="0"/>
               </a:rPr>
               <a:t>项目中他使用的图表拷贝。他说只是比较 他现的图表，因为他为</a:t>
             </a:r>
             <a:r>
               <a:rPr lang="en-US" altLang="zh-CN" sz="2400" dirty="0">
-                <a:latin typeface="Arial" charset="0"/>
+                <a:latin typeface="Arial" panose="020B0604020202020204" pitchFamily="34" charset="0"/>
               </a:rPr>
               <a:t>MCC</a:t>
             </a:r>
             <a:r>
               <a:rPr lang="zh-CN" altLang="en-US" sz="2400" dirty="0">
-                <a:latin typeface="Arial" charset="0"/>
+                <a:latin typeface="Arial" panose="020B0604020202020204" pitchFamily="34" charset="0"/>
               </a:rPr>
               <a:t>制作的图表非常详细，也非常好。在这种情况下，你应该？</a:t>
             </a:r>
             <a:endParaRPr lang="en-US" altLang="zh-CN" sz="2400" dirty="0">
-              <a:latin typeface="Arial" charset="0"/>
+              <a:latin typeface="Arial" panose="020B0604020202020204" pitchFamily="34" charset="0"/>
             </a:endParaRPr>
           </a:p>
           <a:p>
-            <a:pPr marL="776288" lvl="1" indent="-457200">
+            <a:pPr marL="776605" lvl="1" indent="-457200">
               <a:buFont typeface="+mj-lt"/>
               <a:buAutoNum type="alphaUcPeriod"/>
             </a:pPr>
@@ -16190,7 +15866,7 @@
             <a:endParaRPr lang="en-US" altLang="zh-CN" sz="2000" dirty="0"/>
           </a:p>
           <a:p>
-            <a:pPr marL="776288" lvl="1" indent="-457200">
+            <a:pPr marL="776605" lvl="1" indent="-457200">
               <a:buFont typeface="+mj-lt"/>
               <a:buAutoNum type="alphaUcPeriod"/>
             </a:pPr>
@@ -16201,7 +15877,7 @@
             <a:endParaRPr lang="en-US" altLang="zh-CN" sz="2000" dirty="0"/>
           </a:p>
           <a:p>
-            <a:pPr marL="776288" lvl="1" indent="-457200">
+            <a:pPr marL="776605" lvl="1" indent="-457200">
               <a:buFont typeface="+mj-lt"/>
               <a:buAutoNum type="alphaUcPeriod"/>
             </a:pPr>
@@ -16212,7 +15888,7 @@
             <a:endParaRPr lang="en-US" altLang="zh-CN" sz="2000" dirty="0"/>
           </a:p>
           <a:p>
-            <a:pPr marL="776288" lvl="1" indent="-457200">
+            <a:pPr marL="776605" lvl="1" indent="-457200">
               <a:buFont typeface="+mj-lt"/>
               <a:buAutoNum type="alphaUcPeriod"/>
             </a:pPr>
@@ -16220,6 +15896,7 @@
               <a:rPr lang="zh-CN" altLang="en-US" sz="2000" dirty="0"/>
               <a:t>不送给他拷贝，他没有了解文件内容的合法的需要</a:t>
             </a:r>
+            <a:endParaRPr lang="zh-CN" altLang="en-US" sz="2000" dirty="0"/>
           </a:p>
         </p:txBody>
       </p:sp>
@@ -16245,6 +15922,7 @@
               <a:rPr lang="en-US"/>
               <a:t>Information Technology Project Management, Fifth Edition, Copyright 2007                  </a:t>
             </a:r>
+            <a:endParaRPr lang="en-US"/>
           </a:p>
         </p:txBody>
       </p:sp>
@@ -16285,8 +15963,8 @@
         </p:nvSpPr>
         <p:spPr>
           <a:xfrm>
-            <a:off x="457200" y="1524018"/>
-            <a:ext cx="8229600" cy="4419600"/>
+            <a:off x="566420" y="1524000"/>
+            <a:ext cx="9644380" cy="4419600"/>
           </a:xfrm>
         </p:spPr>
         <p:txBody>
@@ -16295,16 +15973,16 @@
           <a:p>
             <a:r>
               <a:rPr lang="zh-CN" altLang="en-US" sz="2400" dirty="0">
-                <a:latin typeface="Arial" charset="0"/>
+                <a:latin typeface="Arial" panose="020B0604020202020204" pitchFamily="34" charset="0"/>
               </a:rPr>
               <a:t>你的员工之一正要被提升。如果此提升得到批准，他将被另行指派工作，这对你的项目会造成问题。你有权推迟这个提升直到你的项目完成。你应该：</a:t>
             </a:r>
             <a:endParaRPr lang="en-US" altLang="zh-CN" sz="2400" dirty="0">
-              <a:latin typeface="Arial" charset="0"/>
+              <a:latin typeface="Arial" panose="020B0604020202020204" pitchFamily="34" charset="0"/>
             </a:endParaRPr>
           </a:p>
           <a:p>
-            <a:pPr marL="776288" lvl="1" indent="-457200">
+            <a:pPr marL="776605" lvl="1" indent="-457200">
               <a:buFont typeface="+mj-lt"/>
               <a:buAutoNum type="alphaUcPeriod"/>
             </a:pPr>
@@ -16315,7 +15993,7 @@
             <a:endParaRPr lang="en-US" altLang="zh-CN" sz="2000" dirty="0"/>
           </a:p>
           <a:p>
-            <a:pPr marL="776288" lvl="1" indent="-457200">
+            <a:pPr marL="776605" lvl="1" indent="-457200">
               <a:buFont typeface="+mj-lt"/>
               <a:buAutoNum type="alphaUcPeriod"/>
             </a:pPr>
@@ -16326,7 +16004,7 @@
             <a:endParaRPr lang="en-US" altLang="zh-CN" sz="2000" dirty="0"/>
           </a:p>
           <a:p>
-            <a:pPr marL="776288" lvl="1" indent="-457200">
+            <a:pPr marL="776605" lvl="1" indent="-457200">
               <a:buFont typeface="+mj-lt"/>
               <a:buAutoNum type="alphaUcPeriod"/>
             </a:pPr>
@@ -16337,7 +16015,7 @@
             <a:endParaRPr lang="en-US" altLang="zh-CN" sz="2000" dirty="0"/>
           </a:p>
           <a:p>
-            <a:pPr marL="776288" lvl="1" indent="-457200">
+            <a:pPr marL="776605" lvl="1" indent="-457200">
               <a:buFont typeface="+mj-lt"/>
               <a:buAutoNum type="alphaUcPeriod"/>
             </a:pPr>
@@ -16345,6 +16023,7 @@
               <a:rPr lang="zh-CN" altLang="en-US" sz="2000" dirty="0"/>
               <a:t>告诉此员工，找一个合适的替代人是他的责任，这样项目将不受损害</a:t>
             </a:r>
+            <a:endParaRPr lang="zh-CN" altLang="en-US" sz="2000" dirty="0"/>
           </a:p>
         </p:txBody>
       </p:sp>
@@ -16370,6 +16049,7 @@
               <a:rPr lang="en-US" dirty="0"/>
               <a:t>Information Technology Project Management, Fifth Edition, Copyright 2007                  </a:t>
             </a:r>
+            <a:endParaRPr lang="en-US" dirty="0"/>
           </a:p>
         </p:txBody>
       </p:sp>
@@ -16382,7 +16062,7 @@
           <p:nvPr/>
         </p:nvPicPr>
         <p:blipFill>
-          <a:blip r:embed="rId3"/>
+          <a:blip r:embed="rId1"/>
           <a:srcRect/>
           <a:stretch>
             <a:fillRect/>
@@ -16390,7 +16070,7 @@
         </p:blipFill>
         <p:spPr bwMode="auto">
           <a:xfrm>
-            <a:off x="7315200" y="5105400"/>
+            <a:off x="8839200" y="5105400"/>
             <a:ext cx="1524000" cy="1524000"/>
           </a:xfrm>
           <a:prstGeom prst="rect">
@@ -16654,13 +16334,8 @@
           <a:headEnd type="none" w="med" len="med"/>
           <a:tailEnd type="none" w="med" len="med"/>
         </a:ln>
-        <a:effectLst/>
       </a:spPr>
-      <a:bodyPr vert="horz" wrap="none" lIns="90000" tIns="46800" rIns="90000" bIns="46800" numCol="1" anchor="ctr" anchorCtr="0" compatLnSpc="1">
-        <a:prstTxWarp prst="textNoShape">
-          <a:avLst/>
-        </a:prstTxWarp>
-      </a:bodyPr>
+      <a:bodyPr vert="horz" wrap="none" lIns="90000" tIns="46800" rIns="90000" bIns="46800" numCol="1" anchor="ctr" anchorCtr="0" compatLnSpc="1"/>
       <a:lstStyle>
         <a:defPPr marL="0" marR="0" indent="0" algn="l" defTabSz="914400" rtl="0" eaLnBrk="1" fontAlgn="base" latinLnBrk="0" hangingPunct="1">
           <a:lnSpc>
@@ -16676,7 +16351,6 @@
           <a:buSzTx/>
           <a:buFontTx/>
           <a:buNone/>
-          <a:tabLst/>
           <a:defRPr kumimoji="0" lang="en-US" sz="2000" b="0" i="0" u="none" strike="noStrike" cap="none" normalizeH="0" baseline="0" smtClean="0">
             <a:ln>
               <a:noFill/>
@@ -16685,7 +16359,7 @@
               <a:schemeClr val="tx1"/>
             </a:solidFill>
             <a:effectLst/>
-            <a:latin typeface="Arial" charset="0"/>
+            <a:latin typeface="Arial" panose="020B0604020202020204" pitchFamily="34" charset="0"/>
           </a:defRPr>
         </a:defPPr>
       </a:lstStyle>
@@ -16716,13 +16390,8 @@
           <a:headEnd type="none" w="med" len="med"/>
           <a:tailEnd type="none" w="med" len="med"/>
         </a:ln>
-        <a:effectLst/>
       </a:spPr>
-      <a:bodyPr vert="horz" wrap="none" lIns="90000" tIns="46800" rIns="90000" bIns="46800" numCol="1" anchor="ctr" anchorCtr="0" compatLnSpc="1">
-        <a:prstTxWarp prst="textNoShape">
-          <a:avLst/>
-        </a:prstTxWarp>
-      </a:bodyPr>
+      <a:bodyPr vert="horz" wrap="none" lIns="90000" tIns="46800" rIns="90000" bIns="46800" numCol="1" anchor="ctr" anchorCtr="0" compatLnSpc="1"/>
       <a:lstStyle>
         <a:defPPr marL="0" marR="0" indent="0" algn="l" defTabSz="914400" rtl="0" eaLnBrk="1" fontAlgn="base" latinLnBrk="0" hangingPunct="1">
           <a:lnSpc>
@@ -16738,7 +16407,6 @@
           <a:buSzTx/>
           <a:buFontTx/>
           <a:buNone/>
-          <a:tabLst/>
           <a:defRPr kumimoji="0" lang="en-US" sz="2000" b="0" i="0" u="none" strike="noStrike" cap="none" normalizeH="0" baseline="0" smtClean="0">
             <a:ln>
               <a:noFill/>
@@ -16747,7 +16415,7 @@
               <a:schemeClr val="tx1"/>
             </a:solidFill>
             <a:effectLst/>
-            <a:latin typeface="Arial" charset="0"/>
+            <a:latin typeface="Arial" panose="020B0604020202020204" pitchFamily="34" charset="0"/>
           </a:defRPr>
         </a:defPPr>
       </a:lstStyle>
@@ -16796,6 +16464,11 @@
       <a:clrMap bg1="lt1" tx1="dk1" bg2="lt2" tx2="dk2" accent1="accent1" accent2="accent2" accent3="accent3" accent4="accent4" accent5="accent5" accent6="accent6" hlink="hlink" folHlink="folHlink"/>
     </a:extraClrScheme>
   </a:extraClrSchemeLst>
+  <a:extLst>
+    <a:ext uri="{05A4C25C-085E-4340-85A3-A5531E510DB2}">
+      <thm15:themeFamily xmlns:thm15="http://schemas.microsoft.com/office/thememl/2012/main" name="Office Theme" id="{62F939B6-93AF-4DB8-9C6B-D6C7DFDC589F}" vid="{4A3C46E8-61CC-4603-A589-7422A47A8E4A}"/>
+    </a:ext>
+  </a:extLst>
 </a:theme>
 </file>
 
@@ -17077,8 +16750,11 @@
       </a:bgFillStyleLst>
     </a:fmtScheme>
   </a:themeElements>
-  <a:objectDefaults/>
-  <a:extraClrSchemeLst/>
+  <a:extLst>
+    <a:ext uri="{05A4C25C-085E-4340-85A3-A5531E510DB2}">
+      <thm15:themeFamily xmlns:thm15="http://schemas.microsoft.com/office/thememl/2012/main" name="Office Theme" id="{62F939B6-93AF-4DB8-9C6B-D6C7DFDC589F}" vid="{4A3C46E8-61CC-4603-A589-7422A47A8E4A}"/>
+    </a:ext>
+  </a:extLst>
 </a:theme>
 </file>
 
@@ -17360,7 +17036,10 @@
       </a:bgFillStyleLst>
     </a:fmtScheme>
   </a:themeElements>
-  <a:objectDefaults/>
-  <a:extraClrSchemeLst/>
+  <a:extLst>
+    <a:ext uri="{05A4C25C-085E-4340-85A3-A5531E510DB2}">
+      <thm15:themeFamily xmlns:thm15="http://schemas.microsoft.com/office/thememl/2012/main" name="Office Theme" id="{62F939B6-93AF-4DB8-9C6B-D6C7DFDC589F}" vid="{4A3C46E8-61CC-4603-A589-7422A47A8E4A}"/>
+    </a:ext>
+  </a:extLst>
 </a:theme>
 </file>